--- a/01 - Documents and Preparation/Analysis of SQL Server.pptx
+++ b/01 - Documents and Preparation/Analysis of SQL Server.pptx
@@ -6,55 +6,54 @@
     <p:sldMasterId id="2147483694" r:id="rId2"/>
   </p:sldMasterIdLst>
   <p:notesMasterIdLst>
-    <p:notesMasterId r:id="rId46"/>
+    <p:notesMasterId r:id="rId45"/>
   </p:notesMasterIdLst>
   <p:handoutMasterIdLst>
-    <p:handoutMasterId r:id="rId47"/>
+    <p:handoutMasterId r:id="rId46"/>
   </p:handoutMasterIdLst>
   <p:sldIdLst>
     <p:sldId id="334" r:id="rId3"/>
-    <p:sldId id="335" r:id="rId4"/>
-    <p:sldId id="297" r:id="rId5"/>
-    <p:sldId id="271" r:id="rId6"/>
-    <p:sldId id="259" r:id="rId7"/>
-    <p:sldId id="264" r:id="rId8"/>
-    <p:sldId id="268" r:id="rId9"/>
-    <p:sldId id="279" r:id="rId10"/>
-    <p:sldId id="260" r:id="rId11"/>
-    <p:sldId id="265" r:id="rId12"/>
-    <p:sldId id="266" r:id="rId13"/>
-    <p:sldId id="329" r:id="rId14"/>
-    <p:sldId id="333" r:id="rId15"/>
-    <p:sldId id="332" r:id="rId16"/>
-    <p:sldId id="331" r:id="rId17"/>
-    <p:sldId id="320" r:id="rId18"/>
-    <p:sldId id="281" r:id="rId19"/>
-    <p:sldId id="321" r:id="rId20"/>
-    <p:sldId id="322" r:id="rId21"/>
-    <p:sldId id="282" r:id="rId22"/>
-    <p:sldId id="283" r:id="rId23"/>
-    <p:sldId id="323" r:id="rId24"/>
-    <p:sldId id="270" r:id="rId25"/>
-    <p:sldId id="327" r:id="rId26"/>
-    <p:sldId id="324" r:id="rId27"/>
-    <p:sldId id="272" r:id="rId28"/>
-    <p:sldId id="328" r:id="rId29"/>
-    <p:sldId id="325" r:id="rId30"/>
-    <p:sldId id="275" r:id="rId31"/>
-    <p:sldId id="276" r:id="rId32"/>
-    <p:sldId id="277" r:id="rId33"/>
-    <p:sldId id="326" r:id="rId34"/>
-    <p:sldId id="285" r:id="rId35"/>
-    <p:sldId id="287" r:id="rId36"/>
-    <p:sldId id="294" r:id="rId37"/>
-    <p:sldId id="289" r:id="rId38"/>
-    <p:sldId id="290" r:id="rId39"/>
-    <p:sldId id="295" r:id="rId40"/>
-    <p:sldId id="261" r:id="rId41"/>
-    <p:sldId id="278" r:id="rId42"/>
-    <p:sldId id="284" r:id="rId43"/>
-    <p:sldId id="338" r:id="rId44"/>
-    <p:sldId id="280" r:id="rId45"/>
+    <p:sldId id="421" r:id="rId4"/>
+    <p:sldId id="422" r:id="rId5"/>
+    <p:sldId id="297" r:id="rId6"/>
+    <p:sldId id="271" r:id="rId7"/>
+    <p:sldId id="259" r:id="rId8"/>
+    <p:sldId id="279" r:id="rId9"/>
+    <p:sldId id="260" r:id="rId10"/>
+    <p:sldId id="265" r:id="rId11"/>
+    <p:sldId id="266" r:id="rId12"/>
+    <p:sldId id="329" r:id="rId13"/>
+    <p:sldId id="333" r:id="rId14"/>
+    <p:sldId id="332" r:id="rId15"/>
+    <p:sldId id="331" r:id="rId16"/>
+    <p:sldId id="320" r:id="rId17"/>
+    <p:sldId id="281" r:id="rId18"/>
+    <p:sldId id="321" r:id="rId19"/>
+    <p:sldId id="322" r:id="rId20"/>
+    <p:sldId id="282" r:id="rId21"/>
+    <p:sldId id="283" r:id="rId22"/>
+    <p:sldId id="323" r:id="rId23"/>
+    <p:sldId id="270" r:id="rId24"/>
+    <p:sldId id="327" r:id="rId25"/>
+    <p:sldId id="324" r:id="rId26"/>
+    <p:sldId id="272" r:id="rId27"/>
+    <p:sldId id="328" r:id="rId28"/>
+    <p:sldId id="325" r:id="rId29"/>
+    <p:sldId id="275" r:id="rId30"/>
+    <p:sldId id="276" r:id="rId31"/>
+    <p:sldId id="277" r:id="rId32"/>
+    <p:sldId id="326" r:id="rId33"/>
+    <p:sldId id="285" r:id="rId34"/>
+    <p:sldId id="287" r:id="rId35"/>
+    <p:sldId id="294" r:id="rId36"/>
+    <p:sldId id="289" r:id="rId37"/>
+    <p:sldId id="290" r:id="rId38"/>
+    <p:sldId id="295" r:id="rId39"/>
+    <p:sldId id="261" r:id="rId40"/>
+    <p:sldId id="278" r:id="rId41"/>
+    <p:sldId id="284" r:id="rId42"/>
+    <p:sldId id="338" r:id="rId43"/>
+    <p:sldId id="280" r:id="rId44"/>
   </p:sldIdLst>
   <p:sldSz cx="9144000" cy="5143500" type="screen16x9"/>
   <p:notesSz cx="6858000" cy="9144000"/>
@@ -178,6 +177,7 @@
 <file path=ppt/revisionInfo.xml><?xml version="1.0" encoding="utf-8"?>
 <p1510:revInfo xmlns:a="http://schemas.openxmlformats.org/drawingml/2006/main" xmlns:r="http://schemas.openxmlformats.org/officeDocument/2006/relationships" xmlns:p1510="http://schemas.microsoft.com/office/powerpoint/2015/10/main">
   <p1510:revLst>
+    <p1510:client id="{3F0B57D9-F737-4D9E-B774-DA3BA4D75A8B}" v="1" dt="2025-01-28T07:34:18.994"/>
     <p1510:client id="{85682E0E-5E3C-4E17-B9AE-75B798474165}" v="1" dt="2025-01-28T07:18:05.829"/>
   </p1510:revLst>
 </p1510:revInfo>
@@ -186,56 +186,17 @@
 <file path=ppt/changesInfos/changesInfo1.xml><?xml version="1.0" encoding="utf-8"?>
 <pc:chgInfo xmlns:a="http://schemas.openxmlformats.org/drawingml/2006/main" xmlns:r="http://schemas.openxmlformats.org/officeDocument/2006/relationships" xmlns:ac="http://schemas.microsoft.com/office/drawing/2013/main/command" xmlns:pc="http://schemas.microsoft.com/office/powerpoint/2013/main/command">
   <pc:docChgLst>
-    <pc:chgData name="Uwe Ricken" userId="f02567aecbed924b" providerId="LiveId" clId="{E89B5C80-42B7-44D8-A723-48072C466BC9}"/>
-    <pc:docChg chg="custSel modSld">
-      <pc:chgData name="Uwe Ricken" userId="f02567aecbed924b" providerId="LiveId" clId="{E89B5C80-42B7-44D8-A723-48072C466BC9}" dt="2021-10-14T07:00:51.842" v="104" actId="5793"/>
+    <pc:chgData name="Uwe Ricken" userId="f02567aecbed924b" providerId="LiveId" clId="{4908D451-6859-430B-936D-9DF16AE1036A}"/>
+    <pc:docChg chg="modSld">
+      <pc:chgData name="Uwe Ricken" userId="f02567aecbed924b" providerId="LiveId" clId="{4908D451-6859-430B-936D-9DF16AE1036A}" dt="2019-10-08T06:48:55.844" v="8" actId="20577"/>
       <pc:docMkLst>
         <pc:docMk/>
       </pc:docMkLst>
-      <pc:sldChg chg="modSp mod">
-        <pc:chgData name="Uwe Ricken" userId="f02567aecbed924b" providerId="LiveId" clId="{E89B5C80-42B7-44D8-A723-48072C466BC9}" dt="2021-10-14T07:00:51.842" v="104" actId="5793"/>
+      <pc:sldChg chg="modSp">
+        <pc:chgData name="Uwe Ricken" userId="f02567aecbed924b" providerId="LiveId" clId="{4908D451-6859-430B-936D-9DF16AE1036A}" dt="2019-10-08T06:48:55.844" v="8" actId="20577"/>
         <pc:sldMkLst>
           <pc:docMk/>
           <pc:sldMk cId="3203706696" sldId="297"/>
-        </pc:sldMkLst>
-      </pc:sldChg>
-    </pc:docChg>
-  </pc:docChgLst>
-  <pc:docChgLst>
-    <pc:chgData name="Uwe Ricken" userId="f02567aecbed924b" providerId="LiveId" clId="{46BA8443-A3DA-42B7-966A-195BA130152F}"/>
-    <pc:docChg chg="undo custSel delSld modSld">
-      <pc:chgData name="Uwe Ricken" userId="f02567aecbed924b" providerId="LiveId" clId="{46BA8443-A3DA-42B7-966A-195BA130152F}" dt="2022-09-22T12:28:25.809" v="14" actId="2696"/>
-      <pc:docMkLst>
-        <pc:docMk/>
-      </pc:docMkLst>
-      <pc:sldChg chg="delSp modSp del mod">
-        <pc:chgData name="Uwe Ricken" userId="f02567aecbed924b" providerId="LiveId" clId="{46BA8443-A3DA-42B7-966A-195BA130152F}" dt="2022-09-22T12:28:25.809" v="14" actId="2696"/>
-        <pc:sldMkLst>
-          <pc:docMk/>
-          <pc:sldMk cId="1177038433" sldId="256"/>
-        </pc:sldMkLst>
-      </pc:sldChg>
-      <pc:sldChg chg="modSp mod">
-        <pc:chgData name="Uwe Ricken" userId="f02567aecbed924b" providerId="LiveId" clId="{46BA8443-A3DA-42B7-966A-195BA130152F}" dt="2022-09-19T11:16:06.438" v="12" actId="20577"/>
-        <pc:sldMkLst>
-          <pc:docMk/>
-          <pc:sldMk cId="3203706696" sldId="297"/>
-        </pc:sldMkLst>
-      </pc:sldChg>
-    </pc:docChg>
-  </pc:docChgLst>
-  <pc:docChgLst>
-    <pc:chgData name="Uwe Ricken" userId="f02567aecbed924b" providerId="LiveId" clId="{AB619734-B7CB-4786-AF21-7655BD9A507B}"/>
-    <pc:docChg chg="custSel modSld">
-      <pc:chgData name="Uwe Ricken" userId="f02567aecbed924b" providerId="LiveId" clId="{AB619734-B7CB-4786-AF21-7655BD9A507B}" dt="2020-11-06T10:07:14.357" v="4" actId="11529"/>
-      <pc:docMkLst>
-        <pc:docMk/>
-      </pc:docMkLst>
-      <pc:sldChg chg="addSp delSp modSp">
-        <pc:chgData name="Uwe Ricken" userId="f02567aecbed924b" providerId="LiveId" clId="{AB619734-B7CB-4786-AF21-7655BD9A507B}" dt="2020-11-06T10:07:14.357" v="4" actId="11529"/>
-        <pc:sldMkLst>
-          <pc:docMk/>
-          <pc:sldMk cId="3749785119" sldId="295"/>
         </pc:sldMkLst>
       </pc:sldChg>
     </pc:docChg>
@@ -1136,38 +1097,6 @@
     </pc:docChg>
   </pc:docChgLst>
   <pc:docChgLst>
-    <pc:chgData name="Uwe Ricken" userId="f02567aecbed924b" providerId="LiveId" clId="{8D82F5CD-D0FB-4172-9879-4D8F592A10EB}"/>
-    <pc:docChg chg="delSld">
-      <pc:chgData name="Uwe Ricken" userId="f02567aecbed924b" providerId="LiveId" clId="{8D82F5CD-D0FB-4172-9879-4D8F592A10EB}" dt="2022-10-28T13:56:40.528" v="0" actId="2696"/>
-      <pc:docMkLst>
-        <pc:docMk/>
-      </pc:docMkLst>
-      <pc:sldChg chg="del">
-        <pc:chgData name="Uwe Ricken" userId="f02567aecbed924b" providerId="LiveId" clId="{8D82F5CD-D0FB-4172-9879-4D8F592A10EB}" dt="2022-10-28T13:56:40.528" v="0" actId="2696"/>
-        <pc:sldMkLst>
-          <pc:docMk/>
-          <pc:sldMk cId="653740681" sldId="296"/>
-        </pc:sldMkLst>
-      </pc:sldChg>
-    </pc:docChg>
-  </pc:docChgLst>
-  <pc:docChgLst>
-    <pc:chgData name="Uwe Ricken" userId="f02567aecbed924b" providerId="LiveId" clId="{112112A4-3556-41DD-AF44-C4700485C082}"/>
-    <pc:docChg chg="modMainMaster">
-      <pc:chgData name="Uwe Ricken" userId="f02567aecbed924b" providerId="LiveId" clId="{112112A4-3556-41DD-AF44-C4700485C082}" dt="2022-05-09T07:38:25.881" v="0" actId="20577"/>
-      <pc:docMkLst>
-        <pc:docMk/>
-      </pc:docMkLst>
-      <pc:sldMasterChg chg="modSp mod">
-        <pc:chgData name="Uwe Ricken" userId="f02567aecbed924b" providerId="LiveId" clId="{112112A4-3556-41DD-AF44-C4700485C082}" dt="2022-05-09T07:38:25.881" v="0" actId="20577"/>
-        <pc:sldMasterMkLst>
-          <pc:docMk/>
-          <pc:sldMasterMk cId="938951242" sldId="2147483685"/>
-        </pc:sldMasterMkLst>
-      </pc:sldMasterChg>
-    </pc:docChg>
-  </pc:docChgLst>
-  <pc:docChgLst>
     <pc:chgData name="Uwe Ricken" userId="f02567aecbed924b" providerId="LiveId" clId="{0428C880-DED4-4BDC-A5DE-9779DDEDA2BE}"/>
     <pc:docChg chg="modMainMaster">
       <pc:chgData name="Uwe Ricken" userId="f02567aecbed924b" providerId="LiveId" clId="{0428C880-DED4-4BDC-A5DE-9779DDEDA2BE}" dt="2023-06-21T09:21:30.695" v="0" actId="735"/>
@@ -1192,94 +1121,6 @@
     </pc:docChg>
   </pc:docChgLst>
   <pc:docChgLst>
-    <pc:chgData name="Uwe Ricken" userId="f02567aecbed924b" providerId="LiveId" clId="{0E154C6F-0A7B-476F-95CC-94F8F9E62D89}"/>
-    <pc:docChg chg="custSel addSld modSld modMainMaster">
-      <pc:chgData name="Uwe Ricken" userId="f02567aecbed924b" providerId="LiveId" clId="{0E154C6F-0A7B-476F-95CC-94F8F9E62D89}" dt="2021-02-12T07:50:59.174" v="14" actId="20577"/>
-      <pc:docMkLst>
-        <pc:docMk/>
-      </pc:docMkLst>
-      <pc:sldChg chg="addSp delSp modSp new mod modClrScheme chgLayout">
-        <pc:chgData name="Uwe Ricken" userId="f02567aecbed924b" providerId="LiveId" clId="{0E154C6F-0A7B-476F-95CC-94F8F9E62D89}" dt="2021-02-12T07:50:59.174" v="14" actId="20577"/>
-        <pc:sldMkLst>
-          <pc:docMk/>
-          <pc:sldMk cId="2010691935" sldId="329"/>
-        </pc:sldMkLst>
-      </pc:sldChg>
-      <pc:sldMasterChg chg="modSp mod">
-        <pc:chgData name="Uwe Ricken" userId="f02567aecbed924b" providerId="LiveId" clId="{0E154C6F-0A7B-476F-95CC-94F8F9E62D89}" dt="2021-02-11T07:53:02.595" v="0" actId="20577"/>
-        <pc:sldMasterMkLst>
-          <pc:docMk/>
-          <pc:sldMasterMk cId="938951242" sldId="2147483685"/>
-        </pc:sldMasterMkLst>
-      </pc:sldMasterChg>
-    </pc:docChg>
-  </pc:docChgLst>
-  <pc:docChgLst>
-    <pc:chgData name="Uwe Ricken" userId="f02567aecbed924b" providerId="LiveId" clId="{75D60E79-8FA2-4A36-9C23-C82B5820BEED}"/>
-    <pc:docChg chg="custSel addSld delSld modSld sldOrd">
-      <pc:chgData name="Uwe Ricken" userId="f02567aecbed924b" providerId="LiveId" clId="{75D60E79-8FA2-4A36-9C23-C82B5820BEED}" dt="2021-06-17T05:43:21.898" v="236"/>
-      <pc:docMkLst>
-        <pc:docMk/>
-      </pc:docMkLst>
-      <pc:sldChg chg="del">
-        <pc:chgData name="Uwe Ricken" userId="f02567aecbed924b" providerId="LiveId" clId="{75D60E79-8FA2-4A36-9C23-C82B5820BEED}" dt="2021-06-17T05:43:11.727" v="234" actId="2696"/>
-        <pc:sldMkLst>
-          <pc:docMk/>
-          <pc:sldMk cId="2547874749" sldId="257"/>
-        </pc:sldMkLst>
-      </pc:sldChg>
-      <pc:sldChg chg="delSp">
-        <pc:chgData name="Uwe Ricken" userId="f02567aecbed924b" providerId="LiveId" clId="{75D60E79-8FA2-4A36-9C23-C82B5820BEED}" dt="2021-06-16T11:27:28.476" v="187"/>
-        <pc:sldMkLst>
-          <pc:docMk/>
-          <pc:sldMk cId="1284402571" sldId="266"/>
-        </pc:sldMkLst>
-      </pc:sldChg>
-      <pc:sldChg chg="modSp mod">
-        <pc:chgData name="Uwe Ricken" userId="f02567aecbed924b" providerId="LiveId" clId="{75D60E79-8FA2-4A36-9C23-C82B5820BEED}" dt="2021-06-16T06:52:35.515" v="155" actId="20577"/>
-        <pc:sldMkLst>
-          <pc:docMk/>
-          <pc:sldMk cId="3203706696" sldId="297"/>
-        </pc:sldMkLst>
-      </pc:sldChg>
-      <pc:sldChg chg="ord">
-        <pc:chgData name="Uwe Ricken" userId="f02567aecbed924b" providerId="LiveId" clId="{75D60E79-8FA2-4A36-9C23-C82B5820BEED}" dt="2021-06-17T05:43:21.898" v="236"/>
-        <pc:sldMkLst>
-          <pc:docMk/>
-          <pc:sldMk cId="2010691935" sldId="329"/>
-        </pc:sldMkLst>
-      </pc:sldChg>
-      <pc:sldChg chg="del">
-        <pc:chgData name="Uwe Ricken" userId="f02567aecbed924b" providerId="LiveId" clId="{75D60E79-8FA2-4A36-9C23-C82B5820BEED}" dt="2021-06-17T05:43:09.333" v="233" actId="2696"/>
-        <pc:sldMkLst>
-          <pc:docMk/>
-          <pc:sldMk cId="46906248" sldId="330"/>
-        </pc:sldMkLst>
-      </pc:sldChg>
-      <pc:sldChg chg="addSp delSp modSp new mod">
-        <pc:chgData name="Uwe Ricken" userId="f02567aecbed924b" providerId="LiveId" clId="{75D60E79-8FA2-4A36-9C23-C82B5820BEED}" dt="2021-06-16T11:24:58.312" v="186" actId="1038"/>
-        <pc:sldMkLst>
-          <pc:docMk/>
-          <pc:sldMk cId="1633857260" sldId="331"/>
-        </pc:sldMkLst>
-      </pc:sldChg>
-      <pc:sldChg chg="addSp delSp modSp new mod">
-        <pc:chgData name="Uwe Ricken" userId="f02567aecbed924b" providerId="LiveId" clId="{75D60E79-8FA2-4A36-9C23-C82B5820BEED}" dt="2021-06-16T11:27:58.386" v="210" actId="20577"/>
-        <pc:sldMkLst>
-          <pc:docMk/>
-          <pc:sldMk cId="4081351665" sldId="332"/>
-        </pc:sldMkLst>
-      </pc:sldChg>
-      <pc:sldChg chg="addSp delSp modSp new mod">
-        <pc:chgData name="Uwe Ricken" userId="f02567aecbed924b" providerId="LiveId" clId="{75D60E79-8FA2-4A36-9C23-C82B5820BEED}" dt="2021-06-16T11:28:24.891" v="232" actId="20577"/>
-        <pc:sldMkLst>
-          <pc:docMk/>
-          <pc:sldMk cId="1219873223" sldId="333"/>
-        </pc:sldMkLst>
-      </pc:sldChg>
-    </pc:docChg>
-  </pc:docChgLst>
-  <pc:docChgLst>
     <pc:chgData name="Uwe Ricken" userId="f02567aecbed924b" providerId="LiveId" clId="{57FBC562-8EAB-425F-B861-8BEE82E826A1}"/>
     <pc:docChg chg="modMainMaster">
       <pc:chgData name="Uwe Ricken" userId="f02567aecbed924b" providerId="LiveId" clId="{57FBC562-8EAB-425F-B861-8BEE82E826A1}" dt="2023-04-17T06:56:52.687" v="1" actId="20577"/>
@@ -1301,6 +1142,45 @@
           </pc:sldLayoutMkLst>
         </pc:sldLayoutChg>
       </pc:sldMasterChg>
+    </pc:docChg>
+  </pc:docChgLst>
+  <pc:docChgLst>
+    <pc:chgData name="Uwe Ricken" userId="f02567aecbed924b" providerId="LiveId" clId="{112112A4-3556-41DD-AF44-C4700485C082}"/>
+    <pc:docChg chg="modMainMaster">
+      <pc:chgData name="Uwe Ricken" userId="f02567aecbed924b" providerId="LiveId" clId="{112112A4-3556-41DD-AF44-C4700485C082}" dt="2022-05-09T07:38:25.881" v="0" actId="20577"/>
+      <pc:docMkLst>
+        <pc:docMk/>
+      </pc:docMkLst>
+      <pc:sldMasterChg chg="modSp mod">
+        <pc:chgData name="Uwe Ricken" userId="f02567aecbed924b" providerId="LiveId" clId="{112112A4-3556-41DD-AF44-C4700485C082}" dt="2022-05-09T07:38:25.881" v="0" actId="20577"/>
+        <pc:sldMasterMkLst>
+          <pc:docMk/>
+          <pc:sldMasterMk cId="938951242" sldId="2147483685"/>
+        </pc:sldMasterMkLst>
+      </pc:sldMasterChg>
+    </pc:docChg>
+  </pc:docChgLst>
+  <pc:docChgLst>
+    <pc:chgData name="Uwe Ricken" userId="f02567aecbed924b" providerId="LiveId" clId="{46BA8443-A3DA-42B7-966A-195BA130152F}"/>
+    <pc:docChg chg="undo custSel delSld modSld">
+      <pc:chgData name="Uwe Ricken" userId="f02567aecbed924b" providerId="LiveId" clId="{46BA8443-A3DA-42B7-966A-195BA130152F}" dt="2022-09-22T12:28:25.809" v="14" actId="2696"/>
+      <pc:docMkLst>
+        <pc:docMk/>
+      </pc:docMkLst>
+      <pc:sldChg chg="delSp modSp del mod">
+        <pc:chgData name="Uwe Ricken" userId="f02567aecbed924b" providerId="LiveId" clId="{46BA8443-A3DA-42B7-966A-195BA130152F}" dt="2022-09-22T12:28:25.809" v="14" actId="2696"/>
+        <pc:sldMkLst>
+          <pc:docMk/>
+          <pc:sldMk cId="1177038433" sldId="256"/>
+        </pc:sldMkLst>
+      </pc:sldChg>
+      <pc:sldChg chg="modSp mod">
+        <pc:chgData name="Uwe Ricken" userId="f02567aecbed924b" providerId="LiveId" clId="{46BA8443-A3DA-42B7-966A-195BA130152F}" dt="2022-09-19T11:16:06.438" v="12" actId="20577"/>
+        <pc:sldMkLst>
+          <pc:docMk/>
+          <pc:sldMk cId="3203706696" sldId="297"/>
+        </pc:sldMkLst>
+      </pc:sldChg>
     </pc:docChg>
   </pc:docChgLst>
   <pc:docChgLst>
@@ -1537,6 +1417,107 @@
     </pc:docChg>
   </pc:docChgLst>
   <pc:docChgLst>
+    <pc:chgData name="Uwe Ricken" userId="f02567aecbed924b" providerId="LiveId" clId="{AB619734-B7CB-4786-AF21-7655BD9A507B}"/>
+    <pc:docChg chg="custSel modSld">
+      <pc:chgData name="Uwe Ricken" userId="f02567aecbed924b" providerId="LiveId" clId="{AB619734-B7CB-4786-AF21-7655BD9A507B}" dt="2020-11-06T10:07:14.357" v="4" actId="11529"/>
+      <pc:docMkLst>
+        <pc:docMk/>
+      </pc:docMkLst>
+      <pc:sldChg chg="addSp delSp modSp">
+        <pc:chgData name="Uwe Ricken" userId="f02567aecbed924b" providerId="LiveId" clId="{AB619734-B7CB-4786-AF21-7655BD9A507B}" dt="2020-11-06T10:07:14.357" v="4" actId="11529"/>
+        <pc:sldMkLst>
+          <pc:docMk/>
+          <pc:sldMk cId="3749785119" sldId="295"/>
+        </pc:sldMkLst>
+      </pc:sldChg>
+    </pc:docChg>
+  </pc:docChgLst>
+  <pc:docChgLst>
+    <pc:chgData name="Uwe Ricken" userId="f02567aecbed924b" providerId="LiveId" clId="{3F0B57D9-F737-4D9E-B774-DA3BA4D75A8B}"/>
+    <pc:docChg chg="custSel delSld modSld">
+      <pc:chgData name="Uwe Ricken" userId="f02567aecbed924b" providerId="LiveId" clId="{3F0B57D9-F737-4D9E-B774-DA3BA4D75A8B}" dt="2025-01-28T07:35:31.124" v="73" actId="20577"/>
+      <pc:docMkLst>
+        <pc:docMk/>
+      </pc:docMkLst>
+      <pc:sldChg chg="addSp delSp modSp mod chgLayout">
+        <pc:chgData name="Uwe Ricken" userId="f02567aecbed924b" providerId="LiveId" clId="{3F0B57D9-F737-4D9E-B774-DA3BA4D75A8B}" dt="2025-01-28T07:35:31.124" v="73" actId="20577"/>
+        <pc:sldMkLst>
+          <pc:docMk/>
+          <pc:sldMk cId="401083080" sldId="259"/>
+        </pc:sldMkLst>
+        <pc:spChg chg="add del mod">
+          <ac:chgData name="Uwe Ricken" userId="f02567aecbed924b" providerId="LiveId" clId="{3F0B57D9-F737-4D9E-B774-DA3BA4D75A8B}" dt="2025-01-28T07:35:17.319" v="35" actId="6264"/>
+          <ac:spMkLst>
+            <pc:docMk/>
+            <pc:sldMk cId="401083080" sldId="259"/>
+            <ac:spMk id="2" creationId="{AFB43BD9-AC2B-45F9-9808-1CF32938839A}"/>
+          </ac:spMkLst>
+        </pc:spChg>
+        <pc:spChg chg="add del mod">
+          <ac:chgData name="Uwe Ricken" userId="f02567aecbed924b" providerId="LiveId" clId="{3F0B57D9-F737-4D9E-B774-DA3BA4D75A8B}" dt="2025-01-28T07:35:17.319" v="35" actId="6264"/>
+          <ac:spMkLst>
+            <pc:docMk/>
+            <pc:sldMk cId="401083080" sldId="259"/>
+            <ac:spMk id="3" creationId="{63F98B51-E716-DAEE-BB7B-E113E514C99A}"/>
+          </ac:spMkLst>
+        </pc:spChg>
+        <pc:spChg chg="mod ord">
+          <ac:chgData name="Uwe Ricken" userId="f02567aecbed924b" providerId="LiveId" clId="{3F0B57D9-F737-4D9E-B774-DA3BA4D75A8B}" dt="2025-01-28T07:35:17.319" v="35" actId="6264"/>
+          <ac:spMkLst>
+            <pc:docMk/>
+            <pc:sldMk cId="401083080" sldId="259"/>
+            <ac:spMk id="4" creationId="{00000000-0000-0000-0000-000000000000}"/>
+          </ac:spMkLst>
+        </pc:spChg>
+        <pc:spChg chg="mod ord">
+          <ac:chgData name="Uwe Ricken" userId="f02567aecbed924b" providerId="LiveId" clId="{3F0B57D9-F737-4D9E-B774-DA3BA4D75A8B}" dt="2025-01-28T07:35:31.124" v="73" actId="20577"/>
+          <ac:spMkLst>
+            <pc:docMk/>
+            <pc:sldMk cId="401083080" sldId="259"/>
+            <ac:spMk id="5" creationId="{00000000-0000-0000-0000-000000000000}"/>
+          </ac:spMkLst>
+        </pc:spChg>
+      </pc:sldChg>
+      <pc:sldChg chg="del">
+        <pc:chgData name="Uwe Ricken" userId="f02567aecbed924b" providerId="LiveId" clId="{3F0B57D9-F737-4D9E-B774-DA3BA4D75A8B}" dt="2025-01-28T07:34:59.620" v="17" actId="2696"/>
+        <pc:sldMkLst>
+          <pc:docMk/>
+          <pc:sldMk cId="3801603410" sldId="264"/>
+        </pc:sldMkLst>
+      </pc:sldChg>
+      <pc:sldChg chg="del">
+        <pc:chgData name="Uwe Ricken" userId="f02567aecbed924b" providerId="LiveId" clId="{3F0B57D9-F737-4D9E-B774-DA3BA4D75A8B}" dt="2025-01-28T07:35:03.059" v="18" actId="2696"/>
+        <pc:sldMkLst>
+          <pc:docMk/>
+          <pc:sldMk cId="412829661" sldId="268"/>
+        </pc:sldMkLst>
+      </pc:sldChg>
+      <pc:sldChg chg="del">
+        <pc:chgData name="Uwe Ricken" userId="f02567aecbed924b" providerId="LiveId" clId="{3F0B57D9-F737-4D9E-B774-DA3BA4D75A8B}" dt="2025-01-28T07:34:27.917" v="0" actId="2696"/>
+        <pc:sldMkLst>
+          <pc:docMk/>
+          <pc:sldMk cId="1681187469" sldId="335"/>
+        </pc:sldMkLst>
+      </pc:sldChg>
+    </pc:docChg>
+  </pc:docChgLst>
+  <pc:docChgLst>
+    <pc:chgData name="Uwe Ricken" userId="f02567aecbed924b" providerId="LiveId" clId="{0C1A3A20-A8A1-4F49-BF6D-38FBEE2EC316}"/>
+    <pc:docChg chg="modSld">
+      <pc:chgData name="Uwe Ricken" userId="f02567aecbed924b" providerId="LiveId" clId="{0C1A3A20-A8A1-4F49-BF6D-38FBEE2EC316}" dt="2023-09-11T06:19:31.399" v="0" actId="255"/>
+      <pc:docMkLst>
+        <pc:docMk/>
+      </pc:docMkLst>
+      <pc:sldChg chg="modSp mod">
+        <pc:chgData name="Uwe Ricken" userId="f02567aecbed924b" providerId="LiveId" clId="{0C1A3A20-A8A1-4F49-BF6D-38FBEE2EC316}" dt="2023-09-11T06:19:31.399" v="0" actId="255"/>
+        <pc:sldMkLst>
+          <pc:docMk/>
+          <pc:sldMk cId="4067710344" sldId="334"/>
+        </pc:sldMkLst>
+      </pc:sldChg>
+    </pc:docChg>
+  </pc:docChgLst>
+  <pc:docChgLst>
     <pc:chgData name="Uwe Ricken" userId="f02567aecbed924b" providerId="LiveId" clId="{F74B8397-C38B-4376-A4D1-47CB9C9C69A5}"/>
     <pc:docChg chg="addSld delSld modSld sldOrd modMainMaster">
       <pc:chgData name="Uwe Ricken" userId="f02567aecbed924b" providerId="LiveId" clId="{F74B8397-C38B-4376-A4D1-47CB9C9C69A5}" dt="2024-06-08T06:13:05.474" v="4" actId="2696"/>
@@ -1574,19 +1555,91 @@
     </pc:docChg>
   </pc:docChgLst>
   <pc:docChgLst>
-    <pc:chgData name="Uwe Ricken" userId="f02567aecbed924b" providerId="LiveId" clId="{326ED9FE-B8B1-40B2-B53D-24B849D2824C}"/>
-    <pc:docChg chg="modSld">
-      <pc:chgData name="Uwe Ricken" userId="f02567aecbed924b" providerId="LiveId" clId="{326ED9FE-B8B1-40B2-B53D-24B849D2824C}" dt="2021-12-07T07:11:01.862" v="0" actId="1076"/>
+    <pc:chgData name="Uwe Ricken" userId="f02567aecbed924b" providerId="LiveId" clId="{75D60E79-8FA2-4A36-9C23-C82B5820BEED}"/>
+    <pc:docChg chg="custSel addSld delSld modSld sldOrd">
+      <pc:chgData name="Uwe Ricken" userId="f02567aecbed924b" providerId="LiveId" clId="{75D60E79-8FA2-4A36-9C23-C82B5820BEED}" dt="2021-06-17T05:43:21.898" v="236"/>
       <pc:docMkLst>
         <pc:docMk/>
       </pc:docMkLst>
-      <pc:sldChg chg="modSp mod">
-        <pc:chgData name="Uwe Ricken" userId="f02567aecbed924b" providerId="LiveId" clId="{326ED9FE-B8B1-40B2-B53D-24B849D2824C}" dt="2021-12-07T07:11:01.862" v="0" actId="1076"/>
+      <pc:sldChg chg="del">
+        <pc:chgData name="Uwe Ricken" userId="f02567aecbed924b" providerId="LiveId" clId="{75D60E79-8FA2-4A36-9C23-C82B5820BEED}" dt="2021-06-17T05:43:11.727" v="234" actId="2696"/>
         <pc:sldMkLst>
           <pc:docMk/>
-          <pc:sldMk cId="1177038433" sldId="256"/>
+          <pc:sldMk cId="2547874749" sldId="257"/>
         </pc:sldMkLst>
       </pc:sldChg>
+      <pc:sldChg chg="delSp">
+        <pc:chgData name="Uwe Ricken" userId="f02567aecbed924b" providerId="LiveId" clId="{75D60E79-8FA2-4A36-9C23-C82B5820BEED}" dt="2021-06-16T11:27:28.476" v="187"/>
+        <pc:sldMkLst>
+          <pc:docMk/>
+          <pc:sldMk cId="1284402571" sldId="266"/>
+        </pc:sldMkLst>
+      </pc:sldChg>
+      <pc:sldChg chg="modSp mod">
+        <pc:chgData name="Uwe Ricken" userId="f02567aecbed924b" providerId="LiveId" clId="{75D60E79-8FA2-4A36-9C23-C82B5820BEED}" dt="2021-06-16T06:52:35.515" v="155" actId="20577"/>
+        <pc:sldMkLst>
+          <pc:docMk/>
+          <pc:sldMk cId="3203706696" sldId="297"/>
+        </pc:sldMkLst>
+      </pc:sldChg>
+      <pc:sldChg chg="ord">
+        <pc:chgData name="Uwe Ricken" userId="f02567aecbed924b" providerId="LiveId" clId="{75D60E79-8FA2-4A36-9C23-C82B5820BEED}" dt="2021-06-17T05:43:21.898" v="236"/>
+        <pc:sldMkLst>
+          <pc:docMk/>
+          <pc:sldMk cId="2010691935" sldId="329"/>
+        </pc:sldMkLst>
+      </pc:sldChg>
+      <pc:sldChg chg="del">
+        <pc:chgData name="Uwe Ricken" userId="f02567aecbed924b" providerId="LiveId" clId="{75D60E79-8FA2-4A36-9C23-C82B5820BEED}" dt="2021-06-17T05:43:09.333" v="233" actId="2696"/>
+        <pc:sldMkLst>
+          <pc:docMk/>
+          <pc:sldMk cId="46906248" sldId="330"/>
+        </pc:sldMkLst>
+      </pc:sldChg>
+      <pc:sldChg chg="addSp delSp modSp new mod">
+        <pc:chgData name="Uwe Ricken" userId="f02567aecbed924b" providerId="LiveId" clId="{75D60E79-8FA2-4A36-9C23-C82B5820BEED}" dt="2021-06-16T11:24:58.312" v="186" actId="1038"/>
+        <pc:sldMkLst>
+          <pc:docMk/>
+          <pc:sldMk cId="1633857260" sldId="331"/>
+        </pc:sldMkLst>
+      </pc:sldChg>
+      <pc:sldChg chg="addSp delSp modSp new mod">
+        <pc:chgData name="Uwe Ricken" userId="f02567aecbed924b" providerId="LiveId" clId="{75D60E79-8FA2-4A36-9C23-C82B5820BEED}" dt="2021-06-16T11:27:58.386" v="210" actId="20577"/>
+        <pc:sldMkLst>
+          <pc:docMk/>
+          <pc:sldMk cId="4081351665" sldId="332"/>
+        </pc:sldMkLst>
+      </pc:sldChg>
+      <pc:sldChg chg="addSp delSp modSp new mod">
+        <pc:chgData name="Uwe Ricken" userId="f02567aecbed924b" providerId="LiveId" clId="{75D60E79-8FA2-4A36-9C23-C82B5820BEED}" dt="2021-06-16T11:28:24.891" v="232" actId="20577"/>
+        <pc:sldMkLst>
+          <pc:docMk/>
+          <pc:sldMk cId="1219873223" sldId="333"/>
+        </pc:sldMkLst>
+      </pc:sldChg>
+    </pc:docChg>
+  </pc:docChgLst>
+  <pc:docChgLst>
+    <pc:chgData name="Uwe Ricken" userId="f02567aecbed924b" providerId="LiveId" clId="{0E154C6F-0A7B-476F-95CC-94F8F9E62D89}"/>
+    <pc:docChg chg="custSel addSld modSld modMainMaster">
+      <pc:chgData name="Uwe Ricken" userId="f02567aecbed924b" providerId="LiveId" clId="{0E154C6F-0A7B-476F-95CC-94F8F9E62D89}" dt="2021-02-12T07:50:59.174" v="14" actId="20577"/>
+      <pc:docMkLst>
+        <pc:docMk/>
+      </pc:docMkLst>
+      <pc:sldChg chg="addSp delSp modSp new mod modClrScheme chgLayout">
+        <pc:chgData name="Uwe Ricken" userId="f02567aecbed924b" providerId="LiveId" clId="{0E154C6F-0A7B-476F-95CC-94F8F9E62D89}" dt="2021-02-12T07:50:59.174" v="14" actId="20577"/>
+        <pc:sldMkLst>
+          <pc:docMk/>
+          <pc:sldMk cId="2010691935" sldId="329"/>
+        </pc:sldMkLst>
+      </pc:sldChg>
+      <pc:sldMasterChg chg="modSp mod">
+        <pc:chgData name="Uwe Ricken" userId="f02567aecbed924b" providerId="LiveId" clId="{0E154C6F-0A7B-476F-95CC-94F8F9E62D89}" dt="2021-02-11T07:53:02.595" v="0" actId="20577"/>
+        <pc:sldMasterMkLst>
+          <pc:docMk/>
+          <pc:sldMasterMk cId="938951242" sldId="2147483685"/>
+        </pc:sldMasterMkLst>
+      </pc:sldMasterChg>
     </pc:docChg>
   </pc:docChgLst>
   <pc:docChgLst>
@@ -1606,30 +1659,14 @@
     </pc:docChg>
   </pc:docChgLst>
   <pc:docChgLst>
-    <pc:chgData name="Uwe Ricken" userId="f02567aecbed924b" providerId="LiveId" clId="{0C1A3A20-A8A1-4F49-BF6D-38FBEE2EC316}"/>
-    <pc:docChg chg="modSld">
-      <pc:chgData name="Uwe Ricken" userId="f02567aecbed924b" providerId="LiveId" clId="{0C1A3A20-A8A1-4F49-BF6D-38FBEE2EC316}" dt="2023-09-11T06:19:31.399" v="0" actId="255"/>
+    <pc:chgData name="Uwe Ricken" userId="f02567aecbed924b" providerId="LiveId" clId="{E89B5C80-42B7-44D8-A723-48072C466BC9}"/>
+    <pc:docChg chg="custSel modSld">
+      <pc:chgData name="Uwe Ricken" userId="f02567aecbed924b" providerId="LiveId" clId="{E89B5C80-42B7-44D8-A723-48072C466BC9}" dt="2021-10-14T07:00:51.842" v="104" actId="5793"/>
       <pc:docMkLst>
         <pc:docMk/>
       </pc:docMkLst>
       <pc:sldChg chg="modSp mod">
-        <pc:chgData name="Uwe Ricken" userId="f02567aecbed924b" providerId="LiveId" clId="{0C1A3A20-A8A1-4F49-BF6D-38FBEE2EC316}" dt="2023-09-11T06:19:31.399" v="0" actId="255"/>
-        <pc:sldMkLst>
-          <pc:docMk/>
-          <pc:sldMk cId="4067710344" sldId="334"/>
-        </pc:sldMkLst>
-      </pc:sldChg>
-    </pc:docChg>
-  </pc:docChgLst>
-  <pc:docChgLst>
-    <pc:chgData name="Uwe Ricken" userId="f02567aecbed924b" providerId="LiveId" clId="{4908D451-6859-430B-936D-9DF16AE1036A}"/>
-    <pc:docChg chg="modSld">
-      <pc:chgData name="Uwe Ricken" userId="f02567aecbed924b" providerId="LiveId" clId="{4908D451-6859-430B-936D-9DF16AE1036A}" dt="2019-10-08T06:48:55.844" v="8" actId="20577"/>
-      <pc:docMkLst>
-        <pc:docMk/>
-      </pc:docMkLst>
-      <pc:sldChg chg="modSp">
-        <pc:chgData name="Uwe Ricken" userId="f02567aecbed924b" providerId="LiveId" clId="{4908D451-6859-430B-936D-9DF16AE1036A}" dt="2019-10-08T06:48:55.844" v="8" actId="20577"/>
+        <pc:chgData name="Uwe Ricken" userId="f02567aecbed924b" providerId="LiveId" clId="{E89B5C80-42B7-44D8-A723-48072C466BC9}" dt="2021-10-14T07:00:51.842" v="104" actId="5793"/>
         <pc:sldMkLst>
           <pc:docMk/>
           <pc:sldMk cId="3203706696" sldId="297"/>
@@ -1821,6 +1858,38 @@
       </pc:sldMasterChg>
     </pc:docChg>
   </pc:docChgLst>
+  <pc:docChgLst>
+    <pc:chgData name="Uwe Ricken" userId="f02567aecbed924b" providerId="LiveId" clId="{8D82F5CD-D0FB-4172-9879-4D8F592A10EB}"/>
+    <pc:docChg chg="delSld">
+      <pc:chgData name="Uwe Ricken" userId="f02567aecbed924b" providerId="LiveId" clId="{8D82F5CD-D0FB-4172-9879-4D8F592A10EB}" dt="2022-10-28T13:56:40.528" v="0" actId="2696"/>
+      <pc:docMkLst>
+        <pc:docMk/>
+      </pc:docMkLst>
+      <pc:sldChg chg="del">
+        <pc:chgData name="Uwe Ricken" userId="f02567aecbed924b" providerId="LiveId" clId="{8D82F5CD-D0FB-4172-9879-4D8F592A10EB}" dt="2022-10-28T13:56:40.528" v="0" actId="2696"/>
+        <pc:sldMkLst>
+          <pc:docMk/>
+          <pc:sldMk cId="653740681" sldId="296"/>
+        </pc:sldMkLst>
+      </pc:sldChg>
+    </pc:docChg>
+  </pc:docChgLst>
+  <pc:docChgLst>
+    <pc:chgData name="Uwe Ricken" userId="f02567aecbed924b" providerId="LiveId" clId="{326ED9FE-B8B1-40B2-B53D-24B849D2824C}"/>
+    <pc:docChg chg="modSld">
+      <pc:chgData name="Uwe Ricken" userId="f02567aecbed924b" providerId="LiveId" clId="{326ED9FE-B8B1-40B2-B53D-24B849D2824C}" dt="2021-12-07T07:11:01.862" v="0" actId="1076"/>
+      <pc:docMkLst>
+        <pc:docMk/>
+      </pc:docMkLst>
+      <pc:sldChg chg="modSp mod">
+        <pc:chgData name="Uwe Ricken" userId="f02567aecbed924b" providerId="LiveId" clId="{326ED9FE-B8B1-40B2-B53D-24B849D2824C}" dt="2021-12-07T07:11:01.862" v="0" actId="1076"/>
+        <pc:sldMkLst>
+          <pc:docMk/>
+          <pc:sldMk cId="1177038433" sldId="256"/>
+        </pc:sldMkLst>
+      </pc:sldChg>
+    </pc:docChg>
+  </pc:docChgLst>
 </pc:chgInfo>
 </file>
 
@@ -2487,7 +2556,7 @@
           <a:p>
             <a:fld id="{04F3E00D-603F-4318-A48C-2AD6684A6406}" type="slidenum">
               <a:rPr lang="de-DE" smtClean="0"/>
-              <a:t>17</a:t>
+              <a:t>16</a:t>
             </a:fld>
             <a:endParaRPr lang="de-DE"/>
           </a:p>
@@ -2571,7 +2640,7 @@
           <a:p>
             <a:fld id="{04F3E00D-603F-4318-A48C-2AD6684A6406}" type="slidenum">
               <a:rPr lang="de-DE" smtClean="0"/>
-              <a:t>20</a:t>
+              <a:t>19</a:t>
             </a:fld>
             <a:endParaRPr lang="de-DE"/>
           </a:p>
@@ -2655,7 +2724,7 @@
           <a:p>
             <a:fld id="{04F3E00D-603F-4318-A48C-2AD6684A6406}" type="slidenum">
               <a:rPr lang="de-DE" smtClean="0"/>
-              <a:t>21</a:t>
+              <a:t>20</a:t>
             </a:fld>
             <a:endParaRPr lang="de-DE"/>
           </a:p>
@@ -2739,7 +2808,7 @@
           <a:p>
             <a:fld id="{04F3E00D-603F-4318-A48C-2AD6684A6406}" type="slidenum">
               <a:rPr lang="de-DE" smtClean="0"/>
-              <a:t>34</a:t>
+              <a:t>33</a:t>
             </a:fld>
             <a:endParaRPr lang="de-DE"/>
           </a:p>
@@ -6739,108 +6808,6 @@
           <a:p>
             <a:r>
               <a:rPr lang="en-US" dirty="0"/>
-              <a:t>Investigating the Operating System</a:t>
-            </a:r>
-          </a:p>
-        </p:txBody>
-      </p:sp>
-      <p:sp>
-        <p:nvSpPr>
-          <p:cNvPr id="3" name="Inhaltsplatzhalter 2"/>
-          <p:cNvSpPr>
-            <a:spLocks noGrp="1"/>
-          </p:cNvSpPr>
-          <p:nvPr>
-            <p:ph idx="1"/>
-          </p:nvPr>
-        </p:nvSpPr>
-        <p:spPr/>
-        <p:txBody>
-          <a:bodyPr/>
-          <a:lstStyle/>
-          <a:p>
-            <a:r>
-              <a:rPr lang="en-US" dirty="0"/>
-              <a:t>Physical / Virtual Environment</a:t>
-            </a:r>
-          </a:p>
-          <a:p>
-            <a:pPr lvl="1"/>
-            <a:r>
-              <a:rPr lang="en-US" dirty="0"/>
-              <a:t>How many CORES / RAM?</a:t>
-            </a:r>
-          </a:p>
-          <a:p>
-            <a:pPr lvl="1"/>
-            <a:r>
-              <a:rPr lang="en-US" dirty="0"/>
-              <a:t>Does the system have multiple disks present?</a:t>
-            </a:r>
-          </a:p>
-          <a:p>
-            <a:pPr lvl="1"/>
-            <a:r>
-              <a:rPr lang="en-US" dirty="0"/>
-              <a:t>What is the block size of the storage?</a:t>
-            </a:r>
-          </a:p>
-          <a:p>
-            <a:pPr lvl="1"/>
-            <a:r>
-              <a:rPr lang="en-US" dirty="0"/>
-              <a:t>Is Instant File Initialization enabled for the service account?</a:t>
-            </a:r>
-          </a:p>
-        </p:txBody>
-      </p:sp>
-    </p:spTree>
-    <p:extLst>
-      <p:ext uri="{BB962C8B-B14F-4D97-AF65-F5344CB8AC3E}">
-        <p14:creationId xmlns:p14="http://schemas.microsoft.com/office/powerpoint/2010/main" val="2989097517"/>
-      </p:ext>
-    </p:extLst>
-  </p:cSld>
-  <p:clrMapOvr>
-    <a:masterClrMapping/>
-  </p:clrMapOvr>
-</p:sld>
-</file>
-
-<file path=ppt/slides/slide11.xml><?xml version="1.0" encoding="utf-8"?>
-<p:sld xmlns:a="http://schemas.openxmlformats.org/drawingml/2006/main" xmlns:r="http://schemas.openxmlformats.org/officeDocument/2006/relationships" xmlns:p="http://schemas.openxmlformats.org/presentationml/2006/main">
-  <p:cSld>
-    <p:spTree>
-      <p:nvGrpSpPr>
-        <p:cNvPr id="1" name=""/>
-        <p:cNvGrpSpPr/>
-        <p:nvPr/>
-      </p:nvGrpSpPr>
-      <p:grpSpPr>
-        <a:xfrm>
-          <a:off x="0" y="0"/>
-          <a:ext cx="0" cy="0"/>
-          <a:chOff x="0" y="0"/>
-          <a:chExt cx="0" cy="0"/>
-        </a:xfrm>
-      </p:grpSpPr>
-      <p:sp>
-        <p:nvSpPr>
-          <p:cNvPr id="2" name="Titel 1"/>
-          <p:cNvSpPr>
-            <a:spLocks noGrp="1"/>
-          </p:cNvSpPr>
-          <p:nvPr>
-            <p:ph type="title"/>
-          </p:nvPr>
-        </p:nvSpPr>
-        <p:spPr/>
-        <p:txBody>
-          <a:bodyPr/>
-          <a:lstStyle/>
-          <a:p>
-            <a:r>
-              <a:rPr lang="en-US" dirty="0"/>
               <a:t>Environment of Microsoft SQL Server</a:t>
             </a:r>
           </a:p>
@@ -6987,7 +6954,7 @@
 </p:sld>
 </file>
 
-<file path=ppt/slides/slide12.xml><?xml version="1.0" encoding="utf-8"?>
+<file path=ppt/slides/slide11.xml><?xml version="1.0" encoding="utf-8"?>
 <p:sld xmlns:a="http://schemas.openxmlformats.org/drawingml/2006/main" xmlns:r="http://schemas.openxmlformats.org/officeDocument/2006/relationships" xmlns:p="http://schemas.openxmlformats.org/presentationml/2006/main">
   <p:cSld>
     <p:spTree>
@@ -7070,7 +7037,7 @@
 </p:sld>
 </file>
 
-<file path=ppt/slides/slide13.xml><?xml version="1.0" encoding="utf-8"?>
+<file path=ppt/slides/slide12.xml><?xml version="1.0" encoding="utf-8"?>
 <p:sld xmlns:a="http://schemas.openxmlformats.org/drawingml/2006/main" xmlns:r="http://schemas.openxmlformats.org/officeDocument/2006/relationships" xmlns:p="http://schemas.openxmlformats.org/presentationml/2006/main">
   <p:cSld>
     <p:spTree>
@@ -7176,7 +7143,7 @@
 </p:sld>
 </file>
 
-<file path=ppt/slides/slide14.xml><?xml version="1.0" encoding="utf-8"?>
+<file path=ppt/slides/slide13.xml><?xml version="1.0" encoding="utf-8"?>
 <p:sld xmlns:a="http://schemas.openxmlformats.org/drawingml/2006/main" xmlns:r="http://schemas.openxmlformats.org/officeDocument/2006/relationships" xmlns:p="http://schemas.openxmlformats.org/presentationml/2006/main">
   <p:cSld>
     <p:spTree>
@@ -7282,7 +7249,7 @@
 </p:sld>
 </file>
 
-<file path=ppt/slides/slide15.xml><?xml version="1.0" encoding="utf-8"?>
+<file path=ppt/slides/slide14.xml><?xml version="1.0" encoding="utf-8"?>
 <p:sld xmlns:a="http://schemas.openxmlformats.org/drawingml/2006/main" xmlns:r="http://schemas.openxmlformats.org/officeDocument/2006/relationships" xmlns:p="http://schemas.openxmlformats.org/presentationml/2006/main">
   <p:cSld>
     <p:spTree>
@@ -7388,7 +7355,7 @@
 </p:sld>
 </file>
 
-<file path=ppt/slides/slide16.xml><?xml version="1.0" encoding="utf-8"?>
+<file path=ppt/slides/slide15.xml><?xml version="1.0" encoding="utf-8"?>
 <p:sld xmlns:a="http://schemas.openxmlformats.org/drawingml/2006/main" xmlns:r="http://schemas.openxmlformats.org/officeDocument/2006/relationships" xmlns:p="http://schemas.openxmlformats.org/presentationml/2006/main">
   <p:cSld>
     <p:spTree>
@@ -7509,7 +7476,7 @@
 </p:sld>
 </file>
 
-<file path=ppt/slides/slide17.xml><?xml version="1.0" encoding="utf-8"?>
+<file path=ppt/slides/slide16.xml><?xml version="1.0" encoding="utf-8"?>
 <p:sld xmlns:a="http://schemas.openxmlformats.org/drawingml/2006/main" xmlns:r="http://schemas.openxmlformats.org/officeDocument/2006/relationships" xmlns:p="http://schemas.openxmlformats.org/presentationml/2006/main">
   <p:cSld>
     <p:spTree>
@@ -9013,7 +8980,7 @@
 </p:sld>
 </file>
 
-<file path=ppt/slides/slide18.xml><?xml version="1.0" encoding="utf-8"?>
+<file path=ppt/slides/slide17.xml><?xml version="1.0" encoding="utf-8"?>
 <p:sld xmlns:a="http://schemas.openxmlformats.org/drawingml/2006/main" xmlns:r="http://schemas.openxmlformats.org/officeDocument/2006/relationships" xmlns:p="http://schemas.openxmlformats.org/presentationml/2006/main">
   <p:cSld>
     <p:spTree>
@@ -9132,7 +9099,7 @@
 </p:sld>
 </file>
 
-<file path=ppt/slides/slide19.xml><?xml version="1.0" encoding="utf-8"?>
+<file path=ppt/slides/slide18.xml><?xml version="1.0" encoding="utf-8"?>
 <p:sld xmlns:a="http://schemas.openxmlformats.org/drawingml/2006/main" xmlns:r="http://schemas.openxmlformats.org/officeDocument/2006/relationships" xmlns:p="http://schemas.openxmlformats.org/presentationml/2006/main">
   <p:cSld>
     <p:spTree>
@@ -9238,478 +9205,7 @@
 </p:sld>
 </file>
 
-<file path=ppt/slides/slide2.xml><?xml version="1.0" encoding="utf-8"?>
-<p:sld xmlns:a="http://schemas.openxmlformats.org/drawingml/2006/main" xmlns:r="http://schemas.openxmlformats.org/officeDocument/2006/relationships" xmlns:p="http://schemas.openxmlformats.org/presentationml/2006/main">
-  <p:cSld>
-    <p:spTree>
-      <p:nvGrpSpPr>
-        <p:cNvPr id="1" name=""/>
-        <p:cNvGrpSpPr/>
-        <p:nvPr/>
-      </p:nvGrpSpPr>
-      <p:grpSpPr>
-        <a:xfrm>
-          <a:off x="0" y="0"/>
-          <a:ext cx="0" cy="0"/>
-          <a:chOff x="0" y="0"/>
-          <a:chExt cx="0" cy="0"/>
-        </a:xfrm>
-      </p:grpSpPr>
-      <p:sp>
-        <p:nvSpPr>
-          <p:cNvPr id="4" name="Titel 3"/>
-          <p:cNvSpPr>
-            <a:spLocks noGrp="1"/>
-          </p:cNvSpPr>
-          <p:nvPr>
-            <p:ph type="title"/>
-          </p:nvPr>
-        </p:nvSpPr>
-        <p:spPr/>
-        <p:txBody>
-          <a:bodyPr/>
-          <a:lstStyle/>
-          <a:p>
-            <a:r>
-              <a:rPr lang="de-DE" dirty="0"/>
-              <a:t>Uwe Ricken</a:t>
-            </a:r>
-            <a:br>
-              <a:rPr lang="de-DE" dirty="0"/>
-            </a:br>
-            <a:r>
-              <a:rPr lang="de-DE" sz="1800" dirty="0"/>
-              <a:t>db Berater GmbH</a:t>
-            </a:r>
-          </a:p>
-        </p:txBody>
-      </p:sp>
-      <p:sp>
-        <p:nvSpPr>
-          <p:cNvPr id="2" name="Inhaltsplatzhalter 1"/>
-          <p:cNvSpPr>
-            <a:spLocks noGrp="1"/>
-          </p:cNvSpPr>
-          <p:nvPr>
-            <p:ph sz="half" idx="1"/>
-          </p:nvPr>
-        </p:nvSpPr>
-        <p:spPr>
-          <a:prstGeom prst="rect">
-            <a:avLst/>
-          </a:prstGeom>
-        </p:spPr>
-        <p:txBody>
-          <a:bodyPr>
-            <a:normAutofit/>
-          </a:bodyPr>
-          <a:lstStyle/>
-          <a:p>
-            <a:pPr marL="0" indent="0">
-              <a:buNone/>
-            </a:pPr>
-            <a:r>
-              <a:rPr lang="en-US" sz="1050" dirty="0"/>
-              <a:t>I am working with IT-systems since early 1990's and with the main focus on </a:t>
-            </a:r>
-            <a:r>
-              <a:rPr lang="en-US" sz="1050" b="1" i="1" dirty="0">
-                <a:solidFill>
-                  <a:schemeClr val="accent5"/>
-                </a:solidFill>
-              </a:rPr>
-              <a:t>Microsoft SQL Server </a:t>
-            </a:r>
-            <a:r>
-              <a:rPr lang="en-US" sz="1050" dirty="0"/>
-              <a:t>since version 6.0. I started with development of database applications in 1998 with a professional CRM-System based on Microsoft products (Microsoft Office and </a:t>
-            </a:r>
-            <a:r>
-              <a:rPr lang="en-US" sz="1050" b="1" i="1" dirty="0">
-                <a:solidFill>
-                  <a:schemeClr val="accent5"/>
-                </a:solidFill>
-              </a:rPr>
-              <a:t>Microsoft SQL Server</a:t>
-            </a:r>
-            <a:r>
-              <a:rPr lang="en-US" sz="1050" dirty="0"/>
-              <a:t>).</a:t>
-            </a:r>
-          </a:p>
-          <a:p>
-            <a:pPr marL="0" indent="0">
-              <a:buNone/>
-            </a:pPr>
-            <a:br>
-              <a:rPr lang="en-US" sz="1050" dirty="0"/>
-            </a:br>
-            <a:r>
-              <a:rPr lang="en-US" sz="1050" dirty="0"/>
-              <a:t>Since 2008 I'm focused exclusively on </a:t>
-            </a:r>
-            <a:r>
-              <a:rPr lang="en-US" sz="1050" b="1" i="1" dirty="0">
-                <a:solidFill>
-                  <a:schemeClr val="accent5"/>
-                </a:solidFill>
-              </a:rPr>
-              <a:t>Microsoft SQL Server</a:t>
-            </a:r>
-            <a:r>
-              <a:rPr lang="en-US" sz="1050" dirty="0"/>
-              <a:t> and since 2008 I'm working in 3rd level support teams for banks, insurances and global industries.</a:t>
-            </a:r>
-          </a:p>
-          <a:p>
-            <a:pPr marL="0" indent="0">
-              <a:buNone/>
-            </a:pPr>
-            <a:endParaRPr lang="en-US" sz="1050" dirty="0"/>
-          </a:p>
-          <a:p>
-            <a:pPr marL="0" indent="0">
-              <a:buNone/>
-            </a:pPr>
-            <a:r>
-              <a:rPr lang="en-US" sz="1050" dirty="0"/>
-              <a:t>Since May 2013 I'm a </a:t>
-            </a:r>
-            <a:r>
-              <a:rPr lang="en-US" sz="1050" b="1" dirty="0">
-                <a:solidFill>
-                  <a:srgbClr val="FF0000"/>
-                </a:solidFill>
-              </a:rPr>
-              <a:t>Microsoft Certified Master: SQL Server 2008 </a:t>
-            </a:r>
-            <a:r>
-              <a:rPr lang="en-US" sz="1050" dirty="0"/>
-              <a:t>which was an amazing way into the depth of </a:t>
-            </a:r>
-            <a:r>
-              <a:rPr lang="en-US" sz="1050" b="1" i="1" dirty="0">
-                <a:solidFill>
-                  <a:schemeClr val="accent5"/>
-                </a:solidFill>
-              </a:rPr>
-              <a:t>Microsoft SQL Server</a:t>
-            </a:r>
-            <a:r>
-              <a:rPr lang="en-US" sz="1050" dirty="0"/>
-              <a:t>.</a:t>
-            </a:r>
-          </a:p>
-          <a:p>
-            <a:pPr marL="0" indent="0">
-              <a:buNone/>
-            </a:pPr>
-            <a:endParaRPr lang="en-US" sz="1050" dirty="0"/>
-          </a:p>
-          <a:p>
-            <a:pPr marL="0" indent="0">
-              <a:buNone/>
-            </a:pPr>
-            <a:r>
-              <a:rPr lang="en-US" sz="1050" dirty="0"/>
-              <a:t>In July 2013 I have been awarded with the MVP Award for </a:t>
-            </a:r>
-            <a:r>
-              <a:rPr lang="en-US" sz="1050" b="1" i="1" dirty="0">
-                <a:solidFill>
-                  <a:schemeClr val="accent5"/>
-                </a:solidFill>
-              </a:rPr>
-              <a:t>Microsoft SQL Server</a:t>
-            </a:r>
-            <a:r>
-              <a:rPr lang="en-US" sz="1050" dirty="0"/>
-              <a:t>.</a:t>
-            </a:r>
-            <a:endParaRPr lang="de-DE" sz="1050" dirty="0"/>
-          </a:p>
-        </p:txBody>
-      </p:sp>
-      <p:sp>
-        <p:nvSpPr>
-          <p:cNvPr id="6" name="Textplatzhalter 5"/>
-          <p:cNvSpPr>
-            <a:spLocks noGrp="1"/>
-          </p:cNvSpPr>
-          <p:nvPr>
-            <p:ph sz="half" idx="2"/>
-          </p:nvPr>
-        </p:nvSpPr>
-        <p:spPr>
-          <a:prstGeom prst="rect">
-            <a:avLst/>
-          </a:prstGeom>
-        </p:spPr>
-        <p:txBody>
-          <a:bodyPr>
-            <a:noAutofit/>
-          </a:bodyPr>
-          <a:lstStyle/>
-          <a:p>
-            <a:pPr marL="0" indent="0">
-              <a:buNone/>
-              <a:tabLst>
-                <a:tab pos="677449" algn="l"/>
-              </a:tabLst>
-            </a:pPr>
-            <a:r>
-              <a:rPr lang="de-DE" sz="1050" b="1" dirty="0" err="1"/>
-              <a:t>www</a:t>
-            </a:r>
-            <a:r>
-              <a:rPr lang="de-DE" sz="1050" dirty="0"/>
-              <a:t>:	</a:t>
-            </a:r>
-            <a:r>
-              <a:rPr lang="de-DE" sz="1050" dirty="0">
-                <a:hlinkClick r:id="rId2"/>
-              </a:rPr>
-              <a:t>http://www.db-berater.de</a:t>
-            </a:r>
-            <a:endParaRPr lang="de-DE" sz="1050" dirty="0"/>
-          </a:p>
-          <a:p>
-            <a:pPr marL="0" indent="0">
-              <a:buNone/>
-              <a:tabLst>
-                <a:tab pos="677449" algn="l"/>
-              </a:tabLst>
-            </a:pPr>
-            <a:r>
-              <a:rPr lang="de-DE" sz="1050" b="1" dirty="0"/>
-              <a:t>email</a:t>
-            </a:r>
-            <a:r>
-              <a:rPr lang="de-DE" sz="1050" dirty="0"/>
-              <a:t>:	</a:t>
-            </a:r>
-            <a:r>
-              <a:rPr lang="de-DE" sz="1050" dirty="0">
-                <a:hlinkClick r:id="rId3"/>
-              </a:rPr>
-              <a:t>uwe.ricken@db-berater.de</a:t>
-            </a:r>
-            <a:endParaRPr lang="de-DE" sz="1050" dirty="0"/>
-          </a:p>
-          <a:p>
-            <a:pPr marL="0" indent="0">
-              <a:buNone/>
-              <a:tabLst>
-                <a:tab pos="677449" algn="l"/>
-              </a:tabLst>
-            </a:pPr>
-            <a:r>
-              <a:rPr lang="de-DE" sz="1050" b="1" dirty="0" err="1"/>
-              <a:t>blog</a:t>
-            </a:r>
-            <a:r>
-              <a:rPr lang="de-DE" sz="1050" dirty="0"/>
-              <a:t>:	</a:t>
-            </a:r>
-            <a:r>
-              <a:rPr lang="de-DE" sz="1050" dirty="0">
-                <a:hlinkClick r:id="rId4"/>
-              </a:rPr>
-              <a:t>http://www.sqlmaster.de</a:t>
-            </a:r>
-            <a:endParaRPr lang="de-DE" sz="1050" dirty="0"/>
-          </a:p>
-          <a:p>
-            <a:pPr marL="0" indent="0">
-              <a:buNone/>
-              <a:tabLst>
-                <a:tab pos="677449" algn="l"/>
-              </a:tabLst>
-            </a:pPr>
-            <a:r>
-              <a:rPr lang="de-DE" sz="1050" b="1" dirty="0" err="1"/>
-              <a:t>twitter</a:t>
-            </a:r>
-            <a:r>
-              <a:rPr lang="de-DE" sz="1050" dirty="0"/>
-              <a:t>:	</a:t>
-            </a:r>
-            <a:r>
-              <a:rPr lang="de-DE" sz="1050" dirty="0">
-                <a:hlinkClick r:id="rId5"/>
-              </a:rPr>
-              <a:t>@dbberater</a:t>
-            </a:r>
-            <a:endParaRPr lang="de-DE" sz="1050" dirty="0"/>
-          </a:p>
-          <a:p>
-            <a:pPr marL="0" indent="0">
-              <a:buNone/>
-              <a:tabLst>
-                <a:tab pos="677449" algn="l"/>
-              </a:tabLst>
-            </a:pPr>
-            <a:r>
-              <a:rPr lang="de-DE" sz="1050" b="1" dirty="0" err="1"/>
-              <a:t>xing</a:t>
-            </a:r>
-            <a:r>
-              <a:rPr lang="de-DE" sz="1050" b="1" dirty="0"/>
-              <a:t>:</a:t>
-            </a:r>
-            <a:r>
-              <a:rPr lang="de-DE" sz="1050" dirty="0"/>
-              <a:t>	</a:t>
-            </a:r>
-            <a:r>
-              <a:rPr lang="de-DE" sz="1050" dirty="0">
-                <a:hlinkClick r:id="rId6"/>
-              </a:rPr>
-              <a:t>http://www.xing.com/profile/Uwe_Ricken</a:t>
-            </a:r>
-            <a:endParaRPr lang="de-DE" sz="1050" dirty="0"/>
-          </a:p>
-        </p:txBody>
-      </p:sp>
-      <p:pic>
-        <p:nvPicPr>
-          <p:cNvPr id="7" name="Grafik 6"/>
-          <p:cNvPicPr>
-            <a:picLocks noChangeAspect="1"/>
-          </p:cNvPicPr>
-          <p:nvPr/>
-        </p:nvPicPr>
-        <p:blipFill>
-          <a:blip r:embed="rId7">
-            <a:extLst>
-              <a:ext uri="{28A0092B-C50C-407E-A947-70E740481C1C}">
-                <a14:useLocalDpi xmlns:a14="http://schemas.microsoft.com/office/drawing/2010/main" val="0"/>
-              </a:ext>
-            </a:extLst>
-          </a:blip>
-          <a:stretch>
-            <a:fillRect/>
-          </a:stretch>
-        </p:blipFill>
-        <p:spPr>
-          <a:xfrm>
-            <a:off x="6408204" y="2620942"/>
-            <a:ext cx="857250" cy="626864"/>
-          </a:xfrm>
-          <a:prstGeom prst="rect">
-            <a:avLst/>
-          </a:prstGeom>
-        </p:spPr>
-      </p:pic>
-      <p:pic>
-        <p:nvPicPr>
-          <p:cNvPr id="8" name="Grafik 7"/>
-          <p:cNvPicPr>
-            <a:picLocks noChangeAspect="1"/>
-          </p:cNvPicPr>
-          <p:nvPr/>
-        </p:nvPicPr>
-        <p:blipFill>
-          <a:blip r:embed="rId8">
-            <a:extLst>
-              <a:ext uri="{28A0092B-C50C-407E-A947-70E740481C1C}">
-                <a14:useLocalDpi xmlns:a14="http://schemas.microsoft.com/office/drawing/2010/main" val="0"/>
-              </a:ext>
-            </a:extLst>
-          </a:blip>
-          <a:stretch>
-            <a:fillRect/>
-          </a:stretch>
-        </p:blipFill>
-        <p:spPr>
-          <a:xfrm>
-            <a:off x="7417854" y="2620942"/>
-            <a:ext cx="857250" cy="642938"/>
-          </a:xfrm>
-          <a:prstGeom prst="rect">
-            <a:avLst/>
-          </a:prstGeom>
-        </p:spPr>
-      </p:pic>
-      <p:pic>
-        <p:nvPicPr>
-          <p:cNvPr id="9" name="Grafik 8"/>
-          <p:cNvPicPr>
-            <a:picLocks noChangeAspect="1"/>
-          </p:cNvPicPr>
-          <p:nvPr/>
-        </p:nvPicPr>
-        <p:blipFill>
-          <a:blip r:embed="rId9" cstate="print">
-            <a:extLst>
-              <a:ext uri="{28A0092B-C50C-407E-A947-70E740481C1C}">
-                <a14:useLocalDpi xmlns:a14="http://schemas.microsoft.com/office/drawing/2010/main" val="0"/>
-              </a:ext>
-            </a:extLst>
-          </a:blip>
-          <a:stretch>
-            <a:fillRect/>
-          </a:stretch>
-        </p:blipFill>
-        <p:spPr>
-          <a:xfrm>
-            <a:off x="6408205" y="3511749"/>
-            <a:ext cx="1094216" cy="448909"/>
-          </a:xfrm>
-          <a:prstGeom prst="rect">
-            <a:avLst/>
-          </a:prstGeom>
-        </p:spPr>
-      </p:pic>
-      <p:pic>
-        <p:nvPicPr>
-          <p:cNvPr id="5" name="Grafik 4" descr="Ein Bild, das Person, Mann, Brille, tragen enthält.&#10;&#10;Automatisch generierte Beschreibung">
-            <a:extLst>
-              <a:ext uri="{FF2B5EF4-FFF2-40B4-BE49-F238E27FC236}">
-                <a16:creationId xmlns:a16="http://schemas.microsoft.com/office/drawing/2014/main" id="{46333317-A6F3-B2D3-B9F5-6B4A79A834BA}"/>
-              </a:ext>
-            </a:extLst>
-          </p:cNvPr>
-          <p:cNvPicPr>
-            <a:picLocks noChangeAspect="1"/>
-          </p:cNvPicPr>
-          <p:nvPr/>
-        </p:nvPicPr>
-        <p:blipFill rotWithShape="1">
-          <a:blip r:embed="rId10">
-            <a:extLst>
-              <a:ext uri="{28A0092B-C50C-407E-A947-70E740481C1C}">
-                <a14:useLocalDpi xmlns:a14="http://schemas.microsoft.com/office/drawing/2010/main" val="0"/>
-              </a:ext>
-            </a:extLst>
-          </a:blip>
-          <a:srcRect l="38258"/>
-          <a:stretch/>
-        </p:blipFill>
-        <p:spPr>
-          <a:xfrm>
-            <a:off x="4874731" y="2571750"/>
-            <a:ext cx="1286305" cy="1388908"/>
-          </a:xfrm>
-          <a:prstGeom prst="rect">
-            <a:avLst/>
-          </a:prstGeom>
-        </p:spPr>
-      </p:pic>
-    </p:spTree>
-    <p:extLst>
-      <p:ext uri="{BB962C8B-B14F-4D97-AF65-F5344CB8AC3E}">
-        <p14:creationId xmlns:p14="http://schemas.microsoft.com/office/powerpoint/2010/main" val="1681187469"/>
-      </p:ext>
-    </p:extLst>
-  </p:cSld>
-  <p:clrMapOvr>
-    <a:masterClrMapping/>
-  </p:clrMapOvr>
-</p:sld>
-</file>
-
-<file path=ppt/slides/slide20.xml><?xml version="1.0" encoding="utf-8"?>
+<file path=ppt/slides/slide19.xml><?xml version="1.0" encoding="utf-8"?>
 <p:sld xmlns:a="http://schemas.openxmlformats.org/drawingml/2006/main" xmlns:r="http://schemas.openxmlformats.org/officeDocument/2006/relationships" xmlns:p="http://schemas.openxmlformats.org/presentationml/2006/main">
   <p:cSld>
     <p:spTree>
@@ -11882,7 +11378,459 @@
 </p:sld>
 </file>
 
-<file path=ppt/slides/slide21.xml><?xml version="1.0" encoding="utf-8"?>
+<file path=ppt/slides/slide2.xml><?xml version="1.0" encoding="utf-8"?>
+<p:sld xmlns:a="http://schemas.openxmlformats.org/drawingml/2006/main" xmlns:r="http://schemas.openxmlformats.org/officeDocument/2006/relationships" xmlns:p="http://schemas.openxmlformats.org/presentationml/2006/main">
+  <p:cSld>
+    <p:spTree>
+      <p:nvGrpSpPr>
+        <p:cNvPr id="1" name=""/>
+        <p:cNvGrpSpPr/>
+        <p:nvPr/>
+      </p:nvGrpSpPr>
+      <p:grpSpPr>
+        <a:xfrm>
+          <a:off x="0" y="0"/>
+          <a:ext cx="0" cy="0"/>
+          <a:chOff x="0" y="0"/>
+          <a:chExt cx="0" cy="0"/>
+        </a:xfrm>
+      </p:grpSpPr>
+      <p:sp>
+        <p:nvSpPr>
+          <p:cNvPr id="4" name="Titel 3"/>
+          <p:cNvSpPr>
+            <a:spLocks noGrp="1"/>
+          </p:cNvSpPr>
+          <p:nvPr>
+            <p:ph type="title"/>
+          </p:nvPr>
+        </p:nvSpPr>
+        <p:spPr/>
+        <p:txBody>
+          <a:bodyPr/>
+          <a:lstStyle/>
+          <a:p>
+            <a:r>
+              <a:rPr lang="de-DE" dirty="0"/>
+              <a:t>Uwe Ricken</a:t>
+            </a:r>
+            <a:br>
+              <a:rPr lang="de-DE" dirty="0"/>
+            </a:br>
+            <a:r>
+              <a:rPr lang="de-DE" sz="1350" b="0" dirty="0"/>
+              <a:t>db </a:t>
+            </a:r>
+            <a:r>
+              <a:rPr lang="de-DE" sz="1350" b="0" dirty="0">
+                <a:solidFill>
+                  <a:schemeClr val="tx1"/>
+                </a:solidFill>
+              </a:rPr>
+              <a:t>Berater GmbH</a:t>
+            </a:r>
+          </a:p>
+        </p:txBody>
+      </p:sp>
+      <p:sp>
+        <p:nvSpPr>
+          <p:cNvPr id="2" name="Inhaltsplatzhalter 1"/>
+          <p:cNvSpPr>
+            <a:spLocks noGrp="1"/>
+          </p:cNvSpPr>
+          <p:nvPr>
+            <p:ph sz="half" idx="1"/>
+          </p:nvPr>
+        </p:nvSpPr>
+        <p:spPr>
+          <a:prstGeom prst="rect">
+            <a:avLst/>
+          </a:prstGeom>
+        </p:spPr>
+        <p:txBody>
+          <a:bodyPr>
+            <a:normAutofit/>
+          </a:bodyPr>
+          <a:lstStyle/>
+          <a:p>
+            <a:pPr marL="0" indent="0">
+              <a:buNone/>
+            </a:pPr>
+            <a:r>
+              <a:rPr lang="en-US" sz="1050" dirty="0"/>
+              <a:t>I am working with IT-systems since early 1990's and with the main focus on </a:t>
+            </a:r>
+            <a:r>
+              <a:rPr lang="en-US" sz="1050" b="1" i="1" dirty="0">
+                <a:solidFill>
+                  <a:schemeClr val="accent5"/>
+                </a:solidFill>
+              </a:rPr>
+              <a:t>Microsoft SQL Server </a:t>
+            </a:r>
+            <a:r>
+              <a:rPr lang="en-US" sz="1050" dirty="0"/>
+              <a:t>since version 6.0. I started with development of database applications in 1998 with a professional CRM-System based on Microsoft products (Microsoft Office and </a:t>
+            </a:r>
+            <a:r>
+              <a:rPr lang="en-US" sz="1050" b="1" i="1" dirty="0">
+                <a:solidFill>
+                  <a:schemeClr val="accent5"/>
+                </a:solidFill>
+              </a:rPr>
+              <a:t>Microsoft SQL Server</a:t>
+            </a:r>
+            <a:r>
+              <a:rPr lang="en-US" sz="1050" dirty="0"/>
+              <a:t>).</a:t>
+            </a:r>
+          </a:p>
+          <a:p>
+            <a:pPr marL="0" indent="0">
+              <a:buNone/>
+            </a:pPr>
+            <a:br>
+              <a:rPr lang="en-US" sz="1050" dirty="0"/>
+            </a:br>
+            <a:r>
+              <a:rPr lang="en-US" sz="1050" dirty="0"/>
+              <a:t>Since 2008 I'm focused exclusively on </a:t>
+            </a:r>
+            <a:r>
+              <a:rPr lang="en-US" sz="1050" b="1" i="1" dirty="0">
+                <a:solidFill>
+                  <a:schemeClr val="accent5"/>
+                </a:solidFill>
+              </a:rPr>
+              <a:t>Microsoft SQL Server</a:t>
+            </a:r>
+            <a:r>
+              <a:rPr lang="en-US" sz="1050" dirty="0"/>
+              <a:t> and working in 3rd level support teams for banks, insurances and global industries.</a:t>
+            </a:r>
+          </a:p>
+          <a:p>
+            <a:pPr marL="0" indent="0">
+              <a:buNone/>
+            </a:pPr>
+            <a:endParaRPr lang="en-US" sz="1050" dirty="0"/>
+          </a:p>
+          <a:p>
+            <a:pPr marL="0" indent="0">
+              <a:buNone/>
+            </a:pPr>
+            <a:r>
+              <a:rPr lang="en-US" sz="1050" dirty="0"/>
+              <a:t>Since May 2013 I am a </a:t>
+            </a:r>
+            <a:r>
+              <a:rPr lang="en-US" sz="1050" b="1" dirty="0">
+                <a:solidFill>
+                  <a:srgbClr val="FF0000"/>
+                </a:solidFill>
+              </a:rPr>
+              <a:t>Microsoft Certified Master: SQL Server 2008 </a:t>
+            </a:r>
+            <a:r>
+              <a:rPr lang="en-US" sz="1050" dirty="0"/>
+              <a:t>which was an amazing way into the depth of </a:t>
+            </a:r>
+            <a:r>
+              <a:rPr lang="en-US" sz="1050" b="1" i="1" dirty="0">
+                <a:solidFill>
+                  <a:schemeClr val="accent5"/>
+                </a:solidFill>
+              </a:rPr>
+              <a:t>Microsoft SQL Server</a:t>
+            </a:r>
+            <a:r>
+              <a:rPr lang="en-US" sz="1050" dirty="0"/>
+              <a:t>.</a:t>
+            </a:r>
+          </a:p>
+          <a:p>
+            <a:pPr marL="0" indent="0">
+              <a:buNone/>
+            </a:pPr>
+            <a:endParaRPr lang="en-US" sz="1050" dirty="0"/>
+          </a:p>
+          <a:p>
+            <a:pPr marL="0" indent="0">
+              <a:buNone/>
+            </a:pPr>
+            <a:r>
+              <a:rPr lang="en-US" sz="1050" dirty="0"/>
+              <a:t>In July 2013 I have been awarded with the MVP Award for </a:t>
+            </a:r>
+            <a:r>
+              <a:rPr lang="en-US" sz="1050" b="1" i="1" dirty="0">
+                <a:solidFill>
+                  <a:schemeClr val="accent5"/>
+                </a:solidFill>
+              </a:rPr>
+              <a:t>Microsoft SQL Server</a:t>
+            </a:r>
+            <a:r>
+              <a:rPr lang="en-US" sz="1050" dirty="0"/>
+              <a:t>.</a:t>
+            </a:r>
+            <a:endParaRPr lang="de-DE" sz="1050" dirty="0"/>
+          </a:p>
+        </p:txBody>
+      </p:sp>
+      <p:sp>
+        <p:nvSpPr>
+          <p:cNvPr id="6" name="Textplatzhalter 5"/>
+          <p:cNvSpPr>
+            <a:spLocks noGrp="1"/>
+          </p:cNvSpPr>
+          <p:nvPr>
+            <p:ph sz="half" idx="2"/>
+          </p:nvPr>
+        </p:nvSpPr>
+        <p:spPr>
+          <a:prstGeom prst="rect">
+            <a:avLst/>
+          </a:prstGeom>
+        </p:spPr>
+        <p:txBody>
+          <a:bodyPr>
+            <a:noAutofit/>
+          </a:bodyPr>
+          <a:lstStyle/>
+          <a:p>
+            <a:pPr marL="0" indent="0">
+              <a:buNone/>
+              <a:tabLst>
+                <a:tab pos="677432" algn="l"/>
+              </a:tabLst>
+            </a:pPr>
+            <a:r>
+              <a:rPr lang="de-DE" sz="1050" b="1" dirty="0" err="1"/>
+              <a:t>www</a:t>
+            </a:r>
+            <a:r>
+              <a:rPr lang="de-DE" sz="1050" dirty="0"/>
+              <a:t>:	</a:t>
+            </a:r>
+            <a:r>
+              <a:rPr lang="de-DE" sz="1050" dirty="0">
+                <a:hlinkClick r:id="rId2"/>
+              </a:rPr>
+              <a:t>http://www.db-berater.de</a:t>
+            </a:r>
+            <a:endParaRPr lang="de-DE" sz="1050" dirty="0"/>
+          </a:p>
+          <a:p>
+            <a:pPr marL="0" indent="0">
+              <a:buNone/>
+              <a:tabLst>
+                <a:tab pos="677432" algn="l"/>
+              </a:tabLst>
+            </a:pPr>
+            <a:r>
+              <a:rPr lang="de-DE" sz="1050" b="1" dirty="0"/>
+              <a:t>email</a:t>
+            </a:r>
+            <a:r>
+              <a:rPr lang="de-DE" sz="1050" dirty="0"/>
+              <a:t>:	</a:t>
+            </a:r>
+            <a:r>
+              <a:rPr lang="de-DE" sz="1050" dirty="0">
+                <a:hlinkClick r:id="rId3"/>
+              </a:rPr>
+              <a:t>uwe.ricken@db-berater.de</a:t>
+            </a:r>
+            <a:endParaRPr lang="de-DE" sz="1050" dirty="0"/>
+          </a:p>
+          <a:p>
+            <a:pPr marL="0" indent="0">
+              <a:buNone/>
+              <a:tabLst>
+                <a:tab pos="677432" algn="l"/>
+              </a:tabLst>
+            </a:pPr>
+            <a:r>
+              <a:rPr lang="de-DE" sz="1050" b="1" dirty="0" err="1"/>
+              <a:t>blog</a:t>
+            </a:r>
+            <a:r>
+              <a:rPr lang="de-DE" sz="1050" dirty="0"/>
+              <a:t>:	</a:t>
+            </a:r>
+            <a:r>
+              <a:rPr lang="de-DE" sz="1050" dirty="0">
+                <a:hlinkClick r:id="rId4"/>
+              </a:rPr>
+              <a:t>http://www.sqlmaster.de</a:t>
+            </a:r>
+            <a:endParaRPr lang="de-DE" sz="1050" dirty="0"/>
+          </a:p>
+          <a:p>
+            <a:pPr marL="0" indent="0">
+              <a:buNone/>
+              <a:tabLst>
+                <a:tab pos="677432" algn="l"/>
+              </a:tabLst>
+            </a:pPr>
+            <a:r>
+              <a:rPr lang="de-DE" sz="1050" b="1" dirty="0" err="1"/>
+              <a:t>BlueSky</a:t>
+            </a:r>
+            <a:r>
+              <a:rPr lang="de-DE" sz="1050" dirty="0"/>
+              <a:t>:	</a:t>
+            </a:r>
+            <a:r>
+              <a:rPr lang="de-DE" sz="1050" dirty="0">
+                <a:hlinkClick r:id="rId5"/>
+              </a:rPr>
+              <a:t>@sqlbambi</a:t>
+            </a:r>
+            <a:endParaRPr lang="de-DE" sz="1050" dirty="0"/>
+          </a:p>
+        </p:txBody>
+      </p:sp>
+      <p:pic>
+        <p:nvPicPr>
+          <p:cNvPr id="7" name="Grafik 6"/>
+          <p:cNvPicPr>
+            <a:picLocks noChangeAspect="1"/>
+          </p:cNvPicPr>
+          <p:nvPr/>
+        </p:nvPicPr>
+        <p:blipFill>
+          <a:blip r:embed="rId6">
+            <a:extLst>
+              <a:ext uri="{28A0092B-C50C-407E-A947-70E740481C1C}">
+                <a14:useLocalDpi xmlns:a14="http://schemas.microsoft.com/office/drawing/2010/main" val="0"/>
+              </a:ext>
+            </a:extLst>
+          </a:blip>
+          <a:stretch>
+            <a:fillRect/>
+          </a:stretch>
+        </p:blipFill>
+        <p:spPr>
+          <a:xfrm>
+            <a:off x="6408204" y="2620942"/>
+            <a:ext cx="857250" cy="626864"/>
+          </a:xfrm>
+          <a:prstGeom prst="rect">
+            <a:avLst/>
+          </a:prstGeom>
+        </p:spPr>
+      </p:pic>
+      <p:pic>
+        <p:nvPicPr>
+          <p:cNvPr id="8" name="Grafik 7"/>
+          <p:cNvPicPr>
+            <a:picLocks noChangeAspect="1"/>
+          </p:cNvPicPr>
+          <p:nvPr/>
+        </p:nvPicPr>
+        <p:blipFill>
+          <a:blip r:embed="rId7">
+            <a:extLst>
+              <a:ext uri="{28A0092B-C50C-407E-A947-70E740481C1C}">
+                <a14:useLocalDpi xmlns:a14="http://schemas.microsoft.com/office/drawing/2010/main" val="0"/>
+              </a:ext>
+            </a:extLst>
+          </a:blip>
+          <a:stretch>
+            <a:fillRect/>
+          </a:stretch>
+        </p:blipFill>
+        <p:spPr>
+          <a:xfrm>
+            <a:off x="7417854" y="2620942"/>
+            <a:ext cx="857250" cy="642938"/>
+          </a:xfrm>
+          <a:prstGeom prst="rect">
+            <a:avLst/>
+          </a:prstGeom>
+        </p:spPr>
+      </p:pic>
+      <p:pic>
+        <p:nvPicPr>
+          <p:cNvPr id="9" name="Grafik 8"/>
+          <p:cNvPicPr>
+            <a:picLocks noChangeAspect="1"/>
+          </p:cNvPicPr>
+          <p:nvPr/>
+        </p:nvPicPr>
+        <p:blipFill>
+          <a:blip r:embed="rId8" cstate="print">
+            <a:extLst>
+              <a:ext uri="{28A0092B-C50C-407E-A947-70E740481C1C}">
+                <a14:useLocalDpi xmlns:a14="http://schemas.microsoft.com/office/drawing/2010/main" val="0"/>
+              </a:ext>
+            </a:extLst>
+          </a:blip>
+          <a:stretch>
+            <a:fillRect/>
+          </a:stretch>
+        </p:blipFill>
+        <p:spPr>
+          <a:xfrm>
+            <a:off x="6408205" y="3511750"/>
+            <a:ext cx="1094216" cy="448909"/>
+          </a:xfrm>
+          <a:prstGeom prst="rect">
+            <a:avLst/>
+          </a:prstGeom>
+        </p:spPr>
+      </p:pic>
+      <p:pic>
+        <p:nvPicPr>
+          <p:cNvPr id="5" name="Grafik 4" descr="Ein Bild, das Person, Mann, Brille, tragen enthält.&#10;&#10;Automatisch generierte Beschreibung">
+            <a:extLst>
+              <a:ext uri="{FF2B5EF4-FFF2-40B4-BE49-F238E27FC236}">
+                <a16:creationId xmlns:a16="http://schemas.microsoft.com/office/drawing/2014/main" id="{46333317-A6F3-B2D3-B9F5-6B4A79A834BA}"/>
+              </a:ext>
+            </a:extLst>
+          </p:cNvPr>
+          <p:cNvPicPr>
+            <a:picLocks noChangeAspect="1"/>
+          </p:cNvPicPr>
+          <p:nvPr/>
+        </p:nvPicPr>
+        <p:blipFill rotWithShape="1">
+          <a:blip r:embed="rId9" cstate="print">
+            <a:extLst>
+              <a:ext uri="{28A0092B-C50C-407E-A947-70E740481C1C}">
+                <a14:useLocalDpi xmlns:a14="http://schemas.microsoft.com/office/drawing/2010/main" val="0"/>
+              </a:ext>
+            </a:extLst>
+          </a:blip>
+          <a:srcRect l="38258"/>
+          <a:stretch/>
+        </p:blipFill>
+        <p:spPr>
+          <a:xfrm>
+            <a:off x="4874732" y="2571750"/>
+            <a:ext cx="1286305" cy="1388908"/>
+          </a:xfrm>
+          <a:prstGeom prst="rect">
+            <a:avLst/>
+          </a:prstGeom>
+        </p:spPr>
+      </p:pic>
+    </p:spTree>
+    <p:extLst>
+      <p:ext uri="{BB962C8B-B14F-4D97-AF65-F5344CB8AC3E}">
+        <p14:creationId xmlns:p14="http://schemas.microsoft.com/office/powerpoint/2010/main" val="1907480165"/>
+      </p:ext>
+    </p:extLst>
+  </p:cSld>
+  <p:clrMapOvr>
+    <a:masterClrMapping/>
+  </p:clrMapOvr>
+</p:sld>
+</file>
+
+<file path=ppt/slides/slide20.xml><?xml version="1.0" encoding="utf-8"?>
 <p:sld xmlns:a="http://schemas.openxmlformats.org/drawingml/2006/main" xmlns:r="http://schemas.openxmlformats.org/officeDocument/2006/relationships" xmlns:p="http://schemas.openxmlformats.org/presentationml/2006/main">
   <p:cSld>
     <p:spTree>
@@ -15018,7 +14966,7 @@
 </p:sld>
 </file>
 
-<file path=ppt/slides/slide22.xml><?xml version="1.0" encoding="utf-8"?>
+<file path=ppt/slides/slide21.xml><?xml version="1.0" encoding="utf-8"?>
 <p:sld xmlns:a="http://schemas.openxmlformats.org/drawingml/2006/main" xmlns:r="http://schemas.openxmlformats.org/officeDocument/2006/relationships" xmlns:p="http://schemas.openxmlformats.org/presentationml/2006/main">
   <p:cSld>
     <p:spTree>
@@ -15097,6 +15045,116 @@
     <p:extLst>
       <p:ext uri="{BB962C8B-B14F-4D97-AF65-F5344CB8AC3E}">
         <p14:creationId xmlns:p14="http://schemas.microsoft.com/office/powerpoint/2010/main" val="1614848259"/>
+      </p:ext>
+    </p:extLst>
+  </p:cSld>
+  <p:clrMapOvr>
+    <a:masterClrMapping/>
+  </p:clrMapOvr>
+</p:sld>
+</file>
+
+<file path=ppt/slides/slide22.xml><?xml version="1.0" encoding="utf-8"?>
+<p:sld xmlns:a="http://schemas.openxmlformats.org/drawingml/2006/main" xmlns:r="http://schemas.openxmlformats.org/officeDocument/2006/relationships" xmlns:p="http://schemas.openxmlformats.org/presentationml/2006/main">
+  <p:cSld>
+    <p:spTree>
+      <p:nvGrpSpPr>
+        <p:cNvPr id="1" name=""/>
+        <p:cNvGrpSpPr/>
+        <p:nvPr/>
+      </p:nvGrpSpPr>
+      <p:grpSpPr>
+        <a:xfrm>
+          <a:off x="0" y="0"/>
+          <a:ext cx="0" cy="0"/>
+          <a:chOff x="0" y="0"/>
+          <a:chExt cx="0" cy="0"/>
+        </a:xfrm>
+      </p:grpSpPr>
+      <p:sp>
+        <p:nvSpPr>
+          <p:cNvPr id="2" name="Titel 1"/>
+          <p:cNvSpPr>
+            <a:spLocks noGrp="1"/>
+          </p:cNvSpPr>
+          <p:nvPr>
+            <p:ph type="title"/>
+          </p:nvPr>
+        </p:nvSpPr>
+        <p:spPr/>
+        <p:txBody>
+          <a:bodyPr/>
+          <a:lstStyle/>
+          <a:p>
+            <a:r>
+              <a:rPr lang="en-US" dirty="0"/>
+              <a:t>Configuration of Databases</a:t>
+            </a:r>
+          </a:p>
+        </p:txBody>
+      </p:sp>
+      <p:sp>
+        <p:nvSpPr>
+          <p:cNvPr id="3" name="Inhaltsplatzhalter 2"/>
+          <p:cNvSpPr>
+            <a:spLocks noGrp="1"/>
+          </p:cNvSpPr>
+          <p:nvPr>
+            <p:ph idx="1"/>
+          </p:nvPr>
+        </p:nvSpPr>
+        <p:spPr/>
+        <p:txBody>
+          <a:bodyPr/>
+          <a:lstStyle/>
+          <a:p>
+            <a:r>
+              <a:rPr lang="en-US" dirty="0"/>
+              <a:t>How are databases distributed on the disks?</a:t>
+            </a:r>
+          </a:p>
+          <a:p>
+            <a:r>
+              <a:rPr lang="en-US" dirty="0"/>
+              <a:t>Segregation of DATA und LOG?</a:t>
+            </a:r>
+          </a:p>
+          <a:p>
+            <a:r>
+              <a:rPr lang="en-US" dirty="0"/>
+              <a:t>What is the default value for the Growth of a database?</a:t>
+            </a:r>
+          </a:p>
+          <a:p>
+            <a:r>
+              <a:rPr lang="en-US" dirty="0"/>
+              <a:t>What is the size of the databases?</a:t>
+            </a:r>
+          </a:p>
+          <a:p>
+            <a:r>
+              <a:rPr lang="en-US" dirty="0"/>
+              <a:t>What space is available in the database?</a:t>
+            </a:r>
+          </a:p>
+          <a:p>
+            <a:r>
+              <a:rPr lang="en-US" dirty="0"/>
+              <a:t>What is the recovery model?</a:t>
+            </a:r>
+          </a:p>
+          <a:p>
+            <a:r>
+              <a:rPr lang="en-US" dirty="0"/>
+              <a:t>…</a:t>
+            </a:r>
+          </a:p>
+        </p:txBody>
+      </p:sp>
+    </p:spTree>
+    <p:extLst>
+      <p:ext uri="{BB962C8B-B14F-4D97-AF65-F5344CB8AC3E}">
+        <p14:creationId xmlns:p14="http://schemas.microsoft.com/office/powerpoint/2010/main" val="145312366"/>
       </p:ext>
     </p:extLst>
   </p:cSld>
@@ -15162,116 +15220,6 @@
           <a:p>
             <a:r>
               <a:rPr lang="en-US" dirty="0"/>
-              <a:t>How are databases distributed on the disks?</a:t>
-            </a:r>
-          </a:p>
-          <a:p>
-            <a:r>
-              <a:rPr lang="en-US" dirty="0"/>
-              <a:t>Segregation of DATA und LOG?</a:t>
-            </a:r>
-          </a:p>
-          <a:p>
-            <a:r>
-              <a:rPr lang="en-US" dirty="0"/>
-              <a:t>What is the default value for the Growth of a database?</a:t>
-            </a:r>
-          </a:p>
-          <a:p>
-            <a:r>
-              <a:rPr lang="en-US" dirty="0"/>
-              <a:t>What is the size of the databases?</a:t>
-            </a:r>
-          </a:p>
-          <a:p>
-            <a:r>
-              <a:rPr lang="en-US" dirty="0"/>
-              <a:t>What space is available in the database?</a:t>
-            </a:r>
-          </a:p>
-          <a:p>
-            <a:r>
-              <a:rPr lang="en-US" dirty="0"/>
-              <a:t>What is the recovery model?</a:t>
-            </a:r>
-          </a:p>
-          <a:p>
-            <a:r>
-              <a:rPr lang="en-US" dirty="0"/>
-              <a:t>…</a:t>
-            </a:r>
-          </a:p>
-        </p:txBody>
-      </p:sp>
-    </p:spTree>
-    <p:extLst>
-      <p:ext uri="{BB962C8B-B14F-4D97-AF65-F5344CB8AC3E}">
-        <p14:creationId xmlns:p14="http://schemas.microsoft.com/office/powerpoint/2010/main" val="145312366"/>
-      </p:ext>
-    </p:extLst>
-  </p:cSld>
-  <p:clrMapOvr>
-    <a:masterClrMapping/>
-  </p:clrMapOvr>
-</p:sld>
-</file>
-
-<file path=ppt/slides/slide24.xml><?xml version="1.0" encoding="utf-8"?>
-<p:sld xmlns:a="http://schemas.openxmlformats.org/drawingml/2006/main" xmlns:r="http://schemas.openxmlformats.org/officeDocument/2006/relationships" xmlns:p="http://schemas.openxmlformats.org/presentationml/2006/main">
-  <p:cSld>
-    <p:spTree>
-      <p:nvGrpSpPr>
-        <p:cNvPr id="1" name=""/>
-        <p:cNvGrpSpPr/>
-        <p:nvPr/>
-      </p:nvGrpSpPr>
-      <p:grpSpPr>
-        <a:xfrm>
-          <a:off x="0" y="0"/>
-          <a:ext cx="0" cy="0"/>
-          <a:chOff x="0" y="0"/>
-          <a:chExt cx="0" cy="0"/>
-        </a:xfrm>
-      </p:grpSpPr>
-      <p:sp>
-        <p:nvSpPr>
-          <p:cNvPr id="2" name="Titel 1"/>
-          <p:cNvSpPr>
-            <a:spLocks noGrp="1"/>
-          </p:cNvSpPr>
-          <p:nvPr>
-            <p:ph type="title"/>
-          </p:nvPr>
-        </p:nvSpPr>
-        <p:spPr/>
-        <p:txBody>
-          <a:bodyPr/>
-          <a:lstStyle/>
-          <a:p>
-            <a:r>
-              <a:rPr lang="en-US" dirty="0"/>
-              <a:t>Configuration of Databases</a:t>
-            </a:r>
-          </a:p>
-        </p:txBody>
-      </p:sp>
-      <p:sp>
-        <p:nvSpPr>
-          <p:cNvPr id="3" name="Inhaltsplatzhalter 2"/>
-          <p:cNvSpPr>
-            <a:spLocks noGrp="1"/>
-          </p:cNvSpPr>
-          <p:nvPr>
-            <p:ph idx="1"/>
-          </p:nvPr>
-        </p:nvSpPr>
-        <p:spPr/>
-        <p:txBody>
-          <a:bodyPr/>
-          <a:lstStyle/>
-          <a:p>
-            <a:r>
-              <a:rPr lang="en-US" dirty="0"/>
               <a:t>Configure your database with a sufficient initial size</a:t>
             </a:r>
             <a:br>
@@ -15357,7 +15305,7 @@
 </p:sld>
 </file>
 
-<file path=ppt/slides/slide25.xml><?xml version="1.0" encoding="utf-8"?>
+<file path=ppt/slides/slide24.xml><?xml version="1.0" encoding="utf-8"?>
 <p:sld xmlns:a="http://schemas.openxmlformats.org/drawingml/2006/main" xmlns:r="http://schemas.openxmlformats.org/officeDocument/2006/relationships" xmlns:p="http://schemas.openxmlformats.org/presentationml/2006/main">
   <p:cSld>
     <p:spTree>
@@ -15440,7 +15388,7 @@
 </p:sld>
 </file>
 
-<file path=ppt/slides/slide26.xml><?xml version="1.0" encoding="utf-8"?>
+<file path=ppt/slides/slide25.xml><?xml version="1.0" encoding="utf-8"?>
 <p:sld xmlns:a="http://schemas.openxmlformats.org/drawingml/2006/main" xmlns:r="http://schemas.openxmlformats.org/officeDocument/2006/relationships" xmlns:p="http://schemas.openxmlformats.org/presentationml/2006/main">
   <p:cSld>
     <p:spTree>
@@ -15568,7 +15516,7 @@
 </p:sld>
 </file>
 
-<file path=ppt/slides/slide27.xml><?xml version="1.0" encoding="utf-8"?>
+<file path=ppt/slides/slide26.xml><?xml version="1.0" encoding="utf-8"?>
 <p:sld xmlns:a="http://schemas.openxmlformats.org/drawingml/2006/main" xmlns:r="http://schemas.openxmlformats.org/officeDocument/2006/relationships" xmlns:p="http://schemas.openxmlformats.org/presentationml/2006/main">
   <p:cSld>
     <p:spTree>
@@ -15738,7 +15686,7 @@
 </p:sld>
 </file>
 
-<file path=ppt/slides/slide28.xml><?xml version="1.0" encoding="utf-8"?>
+<file path=ppt/slides/slide27.xml><?xml version="1.0" encoding="utf-8"?>
 <p:sld xmlns:a="http://schemas.openxmlformats.org/drawingml/2006/main" xmlns:r="http://schemas.openxmlformats.org/officeDocument/2006/relationships" xmlns:p="http://schemas.openxmlformats.org/presentationml/2006/main">
   <p:cSld>
     <p:spTree>
@@ -15861,7 +15809,7 @@
 </p:sld>
 </file>
 
-<file path=ppt/slides/slide29.xml><?xml version="1.0" encoding="utf-8"?>
+<file path=ppt/slides/slide28.xml><?xml version="1.0" encoding="utf-8"?>
 <p:sld xmlns:a="http://schemas.openxmlformats.org/drawingml/2006/main" xmlns:r="http://schemas.openxmlformats.org/officeDocument/2006/relationships" xmlns:p="http://schemas.openxmlformats.org/presentationml/2006/main">
   <p:cSld>
     <p:spTree>
@@ -16783,148 +16731,7 @@
 </p:sld>
 </file>
 
-<file path=ppt/slides/slide3.xml><?xml version="1.0" encoding="utf-8"?>
-<p:sld xmlns:a="http://schemas.openxmlformats.org/drawingml/2006/main" xmlns:r="http://schemas.openxmlformats.org/officeDocument/2006/relationships" xmlns:p="http://schemas.openxmlformats.org/presentationml/2006/main">
-  <p:cSld>
-    <p:spTree>
-      <p:nvGrpSpPr>
-        <p:cNvPr id="1" name=""/>
-        <p:cNvGrpSpPr/>
-        <p:nvPr/>
-      </p:nvGrpSpPr>
-      <p:grpSpPr>
-        <a:xfrm>
-          <a:off x="0" y="0"/>
-          <a:ext cx="0" cy="0"/>
-          <a:chOff x="0" y="0"/>
-          <a:chExt cx="0" cy="0"/>
-        </a:xfrm>
-      </p:grpSpPr>
-      <p:sp>
-        <p:nvSpPr>
-          <p:cNvPr id="5" name="Titel 4"/>
-          <p:cNvSpPr>
-            <a:spLocks noGrp="1"/>
-          </p:cNvSpPr>
-          <p:nvPr>
-            <p:ph type="title"/>
-          </p:nvPr>
-        </p:nvSpPr>
-        <p:spPr/>
-        <p:txBody>
-          <a:bodyPr/>
-          <a:lstStyle/>
-          <a:p>
-            <a:r>
-              <a:rPr lang="de-DE" dirty="0"/>
-              <a:t>Break Times</a:t>
-            </a:r>
-          </a:p>
-        </p:txBody>
-      </p:sp>
-      <p:sp>
-        <p:nvSpPr>
-          <p:cNvPr id="6" name="Inhaltsplatzhalter 5"/>
-          <p:cNvSpPr>
-            <a:spLocks noGrp="1"/>
-          </p:cNvSpPr>
-          <p:nvPr>
-            <p:ph idx="1"/>
-          </p:nvPr>
-        </p:nvSpPr>
-        <p:spPr/>
-        <p:txBody>
-          <a:bodyPr/>
-          <a:lstStyle/>
-          <a:p>
-            <a:r>
-              <a:rPr lang="de-DE" dirty="0"/>
-              <a:t>09:00 – 10:30		Session</a:t>
-            </a:r>
-          </a:p>
-          <a:p>
-            <a:r>
-              <a:rPr lang="de-DE" dirty="0"/>
-              <a:t>10:30 – 11:00		Coffee Break (and </a:t>
-            </a:r>
-            <a:r>
-              <a:rPr lang="de-DE" dirty="0" err="1"/>
-              <a:t>fresh</a:t>
-            </a:r>
-            <a:r>
-              <a:rPr lang="de-DE" dirty="0"/>
-              <a:t> </a:t>
-            </a:r>
-            <a:r>
-              <a:rPr lang="de-DE" dirty="0" err="1"/>
-              <a:t>air</a:t>
-            </a:r>
-            <a:r>
-              <a:rPr lang="de-DE" dirty="0"/>
-              <a:t> – </a:t>
-            </a:r>
-            <a:r>
-              <a:rPr lang="de-DE" dirty="0" err="1"/>
-              <a:t>smoking</a:t>
-            </a:r>
-            <a:r>
-              <a:rPr lang="de-DE" dirty="0"/>
-              <a:t> </a:t>
-            </a:r>
-            <a:r>
-              <a:rPr lang="de-DE" dirty="0">
-                <a:sym typeface="Wingdings" panose="05000000000000000000" pitchFamily="2" charset="2"/>
-              </a:rPr>
-              <a:t> )</a:t>
-            </a:r>
-            <a:endParaRPr lang="de-DE" dirty="0"/>
-          </a:p>
-          <a:p>
-            <a:r>
-              <a:rPr lang="de-DE" dirty="0"/>
-              <a:t>11:00 – 12:30		Session</a:t>
-            </a:r>
-          </a:p>
-          <a:p>
-            <a:r>
-              <a:rPr lang="de-DE" dirty="0"/>
-              <a:t>12:30 – 13:30		Lunch Break</a:t>
-            </a:r>
-          </a:p>
-          <a:p>
-            <a:r>
-              <a:rPr lang="de-DE" dirty="0"/>
-              <a:t>13:30 – 15:00		Session</a:t>
-            </a:r>
-          </a:p>
-          <a:p>
-            <a:r>
-              <a:rPr lang="de-DE" dirty="0"/>
-              <a:t>15:00 – 15:30		Coffee Break</a:t>
-            </a:r>
-          </a:p>
-          <a:p>
-            <a:r>
-              <a:rPr lang="de-DE" dirty="0"/>
-              <a:t>15:30 – 16:45 / 17:00	Session</a:t>
-            </a:r>
-          </a:p>
-        </p:txBody>
-      </p:sp>
-    </p:spTree>
-    <p:extLst>
-      <p:ext uri="{BB962C8B-B14F-4D97-AF65-F5344CB8AC3E}">
-        <p14:creationId xmlns:p14="http://schemas.microsoft.com/office/powerpoint/2010/main" val="3203706696"/>
-      </p:ext>
-    </p:extLst>
-  </p:cSld>
-  <p:clrMapOvr>
-    <a:masterClrMapping/>
-  </p:clrMapOvr>
-</p:sld>
-</file>
-
-<file path=ppt/slides/slide30.xml><?xml version="1.0" encoding="utf-8"?>
+<file path=ppt/slides/slide29.xml><?xml version="1.0" encoding="utf-8"?>
 <p:sld xmlns:a="http://schemas.openxmlformats.org/drawingml/2006/main" xmlns:r="http://schemas.openxmlformats.org/officeDocument/2006/relationships" xmlns:p="http://schemas.openxmlformats.org/presentationml/2006/main">
   <p:cSld>
     <p:spTree>
@@ -17554,7 +17361,187 @@
 </p:sld>
 </file>
 
-<file path=ppt/slides/slide31.xml><?xml version="1.0" encoding="utf-8"?>
+<file path=ppt/slides/slide3.xml><?xml version="1.0" encoding="utf-8"?>
+<p:sld xmlns:a="http://schemas.openxmlformats.org/drawingml/2006/main" xmlns:r="http://schemas.openxmlformats.org/officeDocument/2006/relationships" xmlns:p="http://schemas.openxmlformats.org/presentationml/2006/main">
+  <p:cSld>
+    <p:spTree>
+      <p:nvGrpSpPr>
+        <p:cNvPr id="1" name=""/>
+        <p:cNvGrpSpPr/>
+        <p:nvPr/>
+      </p:nvGrpSpPr>
+      <p:grpSpPr>
+        <a:xfrm>
+          <a:off x="0" y="0"/>
+          <a:ext cx="0" cy="0"/>
+          <a:chOff x="0" y="0"/>
+          <a:chExt cx="0" cy="0"/>
+        </a:xfrm>
+      </p:grpSpPr>
+      <p:pic>
+        <p:nvPicPr>
+          <p:cNvPr id="7" name="Grafik 6">
+            <a:extLst>
+              <a:ext uri="{FF2B5EF4-FFF2-40B4-BE49-F238E27FC236}">
+                <a16:creationId xmlns:a16="http://schemas.microsoft.com/office/drawing/2014/main" id="{5341E920-2BA9-C6AC-D645-F3BC0BFB52EB}"/>
+              </a:ext>
+            </a:extLst>
+          </p:cNvPr>
+          <p:cNvPicPr>
+            <a:picLocks noChangeAspect="1"/>
+          </p:cNvPicPr>
+          <p:nvPr/>
+        </p:nvPicPr>
+        <p:blipFill>
+          <a:blip r:embed="rId2"/>
+          <a:stretch>
+            <a:fillRect/>
+          </a:stretch>
+        </p:blipFill>
+        <p:spPr>
+          <a:xfrm>
+            <a:off x="4026050" y="1611911"/>
+            <a:ext cx="4866731" cy="2713202"/>
+          </a:xfrm>
+          <a:prstGeom prst="rect">
+            <a:avLst/>
+          </a:prstGeom>
+          <a:noFill/>
+        </p:spPr>
+      </p:pic>
+      <p:sp>
+        <p:nvSpPr>
+          <p:cNvPr id="12" name="Text Placeholder 2">
+            <a:extLst>
+              <a:ext uri="{FF2B5EF4-FFF2-40B4-BE49-F238E27FC236}">
+                <a16:creationId xmlns:a16="http://schemas.microsoft.com/office/drawing/2014/main" id="{DD5F1E84-96EA-2FC2-EB23-C97E371DEE20}"/>
+              </a:ext>
+            </a:extLst>
+          </p:cNvPr>
+          <p:cNvSpPr>
+            <a:spLocks noGrp="1"/>
+          </p:cNvSpPr>
+          <p:nvPr>
+            <p:ph type="body" sz="half" idx="2"/>
+          </p:nvPr>
+        </p:nvSpPr>
+        <p:spPr>
+          <a:xfrm>
+            <a:off x="251223" y="1259057"/>
+            <a:ext cx="3774826" cy="3418911"/>
+          </a:xfrm>
+        </p:spPr>
+        <p:txBody>
+          <a:bodyPr/>
+          <a:lstStyle/>
+          <a:p>
+            <a:r>
+              <a:rPr lang="en-US" dirty="0"/>
+              <a:t>Get a challenge at least once a month</a:t>
+            </a:r>
+          </a:p>
+          <a:p>
+            <a:r>
+              <a:rPr lang="en-US" dirty="0"/>
+              <a:t>Connect to a provided SQL Server Instance</a:t>
+            </a:r>
+          </a:p>
+          <a:p>
+            <a:r>
+              <a:rPr lang="en-US" dirty="0"/>
+              <a:t>Load the challenge scenario</a:t>
+            </a:r>
+          </a:p>
+          <a:p>
+            <a:r>
+              <a:rPr lang="en-US" dirty="0"/>
+              <a:t>Try to solve it</a:t>
+            </a:r>
+          </a:p>
+          <a:p>
+            <a:r>
+              <a:rPr lang="en-US" dirty="0"/>
+              <a:t>Blog about your solution</a:t>
+            </a:r>
+          </a:p>
+          <a:p>
+            <a:r>
+              <a:rPr lang="en-US" dirty="0"/>
+              <a:t>Leave a link in the comments of the challenge to your blog post.</a:t>
+            </a:r>
+          </a:p>
+          <a:p>
+            <a:endParaRPr lang="en-US" dirty="0"/>
+          </a:p>
+          <a:p>
+            <a:endParaRPr lang="en-US" dirty="0"/>
+          </a:p>
+          <a:p>
+            <a:r>
+              <a:rPr lang="en-US" dirty="0">
+                <a:hlinkClick r:id="rId3"/>
+              </a:rPr>
+              <a:t>https://sqlchallenges</a:t>
+            </a:r>
+            <a:r>
+              <a:rPr lang="en-US">
+                <a:hlinkClick r:id="rId3"/>
+              </a:rPr>
+              <a:t>.de</a:t>
+            </a:r>
+            <a:endParaRPr lang="en-US" dirty="0"/>
+          </a:p>
+        </p:txBody>
+      </p:sp>
+      <p:sp>
+        <p:nvSpPr>
+          <p:cNvPr id="5" name="Titel 4">
+            <a:extLst>
+              <a:ext uri="{FF2B5EF4-FFF2-40B4-BE49-F238E27FC236}">
+                <a16:creationId xmlns:a16="http://schemas.microsoft.com/office/drawing/2014/main" id="{B6F77BBF-034A-A53E-C4B8-E4039AC9F0F3}"/>
+              </a:ext>
+            </a:extLst>
+          </p:cNvPr>
+          <p:cNvSpPr>
+            <a:spLocks noGrp="1"/>
+          </p:cNvSpPr>
+          <p:nvPr>
+            <p:ph type="title"/>
+          </p:nvPr>
+        </p:nvSpPr>
+        <p:spPr>
+          <a:xfrm>
+            <a:off x="251223" y="330995"/>
+            <a:ext cx="6778228" cy="837011"/>
+          </a:xfrm>
+        </p:spPr>
+        <p:txBody>
+          <a:bodyPr anchor="ctr">
+            <a:normAutofit/>
+          </a:bodyPr>
+          <a:lstStyle/>
+          <a:p>
+            <a:r>
+              <a:rPr lang="en-US" dirty="0"/>
+              <a:t>Challenge SQL Server real world scenarios</a:t>
+            </a:r>
+          </a:p>
+        </p:txBody>
+      </p:sp>
+    </p:spTree>
+    <p:extLst>
+      <p:ext uri="{BB962C8B-B14F-4D97-AF65-F5344CB8AC3E}">
+        <p14:creationId xmlns:p14="http://schemas.microsoft.com/office/powerpoint/2010/main" val="920116788"/>
+      </p:ext>
+    </p:extLst>
+  </p:cSld>
+  <p:clrMapOvr>
+    <a:masterClrMapping/>
+  </p:clrMapOvr>
+</p:sld>
+</file>
+
+<file path=ppt/slides/slide30.xml><?xml version="1.0" encoding="utf-8"?>
 <p:sld xmlns:a="http://schemas.openxmlformats.org/drawingml/2006/main" xmlns:r="http://schemas.openxmlformats.org/officeDocument/2006/relationships" xmlns:p="http://schemas.openxmlformats.org/presentationml/2006/main">
   <p:cSld>
     <p:spTree>
@@ -18218,7 +18205,7 @@
 </p:sld>
 </file>
 
-<file path=ppt/slides/slide32.xml><?xml version="1.0" encoding="utf-8"?>
+<file path=ppt/slides/slide31.xml><?xml version="1.0" encoding="utf-8"?>
 <p:sld xmlns:a="http://schemas.openxmlformats.org/drawingml/2006/main" xmlns:r="http://schemas.openxmlformats.org/officeDocument/2006/relationships" xmlns:p="http://schemas.openxmlformats.org/presentationml/2006/main">
   <p:cSld>
     <p:spTree>
@@ -18325,7 +18312,7 @@
 </p:sld>
 </file>
 
-<file path=ppt/slides/slide33.xml><?xml version="1.0" encoding="utf-8"?>
+<file path=ppt/slides/slide32.xml><?xml version="1.0" encoding="utf-8"?>
 <p:sld xmlns:a="http://schemas.openxmlformats.org/drawingml/2006/main" xmlns:r="http://schemas.openxmlformats.org/officeDocument/2006/relationships" xmlns:p="http://schemas.openxmlformats.org/presentationml/2006/main">
   <p:cSld>
     <p:spTree>
@@ -18456,7 +18443,7 @@
 </p:sld>
 </file>
 
-<file path=ppt/slides/slide34.xml><?xml version="1.0" encoding="utf-8"?>
+<file path=ppt/slides/slide33.xml><?xml version="1.0" encoding="utf-8"?>
 <p:sld xmlns:a="http://schemas.openxmlformats.org/drawingml/2006/main" xmlns:r="http://schemas.openxmlformats.org/officeDocument/2006/relationships" xmlns:p="http://schemas.openxmlformats.org/presentationml/2006/main">
   <p:cSld>
     <p:spTree>
@@ -19429,7 +19416,7 @@
 </p:sld>
 </file>
 
-<file path=ppt/slides/slide35.xml><?xml version="1.0" encoding="utf-8"?>
+<file path=ppt/slides/slide34.xml><?xml version="1.0" encoding="utf-8"?>
 <p:sld xmlns:a="http://schemas.openxmlformats.org/drawingml/2006/main" xmlns:r="http://schemas.openxmlformats.org/officeDocument/2006/relationships" xmlns:p="http://schemas.openxmlformats.org/presentationml/2006/main">
   <p:cSld>
     <p:spTree>
@@ -20918,6 +20905,997 @@
 </p:sld>
 </file>
 
+<file path=ppt/slides/slide35.xml><?xml version="1.0" encoding="utf-8"?>
+<p:sld xmlns:a="http://schemas.openxmlformats.org/drawingml/2006/main" xmlns:r="http://schemas.openxmlformats.org/officeDocument/2006/relationships" xmlns:p="http://schemas.openxmlformats.org/presentationml/2006/main">
+  <p:cSld>
+    <p:spTree>
+      <p:nvGrpSpPr>
+        <p:cNvPr id="1" name=""/>
+        <p:cNvGrpSpPr/>
+        <p:nvPr/>
+      </p:nvGrpSpPr>
+      <p:grpSpPr>
+        <a:xfrm>
+          <a:off x="0" y="0"/>
+          <a:ext cx="0" cy="0"/>
+          <a:chOff x="0" y="0"/>
+          <a:chExt cx="0" cy="0"/>
+        </a:xfrm>
+      </p:grpSpPr>
+      <p:sp>
+        <p:nvSpPr>
+          <p:cNvPr id="2" name="Title 1"/>
+          <p:cNvSpPr>
+            <a:spLocks noGrp="1"/>
+          </p:cNvSpPr>
+          <p:nvPr>
+            <p:ph type="title"/>
+          </p:nvPr>
+        </p:nvSpPr>
+        <p:spPr/>
+        <p:txBody>
+          <a:bodyPr/>
+          <a:lstStyle/>
+          <a:p>
+            <a:r>
+              <a:rPr lang="en-US" dirty="0"/>
+              <a:t>Anatomy of </a:t>
+            </a:r>
+            <a:r>
+              <a:rPr lang="en-US"/>
+              <a:t>an Index</a:t>
+            </a:r>
+            <a:endParaRPr lang="en-US" dirty="0"/>
+          </a:p>
+        </p:txBody>
+      </p:sp>
+      <p:sp>
+        <p:nvSpPr>
+          <p:cNvPr id="4" name="Rectangle 3"/>
+          <p:cNvSpPr/>
+          <p:nvPr/>
+        </p:nvSpPr>
+        <p:spPr>
+          <a:xfrm>
+            <a:off x="3977640" y="1248966"/>
+            <a:ext cx="1188720" cy="685800"/>
+          </a:xfrm>
+          <a:prstGeom prst="rect">
+            <a:avLst/>
+          </a:prstGeom>
+          <a:solidFill>
+            <a:schemeClr val="accent6">
+              <a:lumMod val="60000"/>
+              <a:lumOff val="40000"/>
+            </a:schemeClr>
+          </a:solidFill>
+        </p:spPr>
+        <p:style>
+          <a:lnRef idx="2">
+            <a:schemeClr val="accent1">
+              <a:shade val="50000"/>
+            </a:schemeClr>
+          </a:lnRef>
+          <a:fillRef idx="1">
+            <a:schemeClr val="accent1"/>
+          </a:fillRef>
+          <a:effectRef idx="0">
+            <a:schemeClr val="accent1"/>
+          </a:effectRef>
+          <a:fontRef idx="minor">
+            <a:schemeClr val="lt1"/>
+          </a:fontRef>
+        </p:style>
+        <p:txBody>
+          <a:bodyPr rtlCol="0" anchor="ctr"/>
+          <a:lstStyle/>
+          <a:p>
+            <a:pPr algn="ctr"/>
+            <a:r>
+              <a:rPr lang="en-US" sz="1050" b="1" dirty="0" err="1"/>
+              <a:t>Order_Id</a:t>
+            </a:r>
+            <a:endParaRPr lang="en-US" sz="1050" b="1" dirty="0"/>
+          </a:p>
+          <a:p>
+            <a:pPr algn="ctr"/>
+            <a:r>
+              <a:rPr lang="en-US" sz="1050" b="1" dirty="0"/>
+              <a:t>1 – 1.000.000</a:t>
+            </a:r>
+          </a:p>
+        </p:txBody>
+      </p:sp>
+      <p:sp>
+        <p:nvSpPr>
+          <p:cNvPr id="6" name="Rectangle 5"/>
+          <p:cNvSpPr/>
+          <p:nvPr/>
+        </p:nvSpPr>
+        <p:spPr>
+          <a:xfrm>
+            <a:off x="1817846" y="2167748"/>
+            <a:ext cx="1188720" cy="685800"/>
+          </a:xfrm>
+          <a:prstGeom prst="rect">
+            <a:avLst/>
+          </a:prstGeom>
+          <a:solidFill>
+            <a:schemeClr val="accent6">
+              <a:lumMod val="60000"/>
+              <a:lumOff val="40000"/>
+            </a:schemeClr>
+          </a:solidFill>
+        </p:spPr>
+        <p:style>
+          <a:lnRef idx="2">
+            <a:schemeClr val="accent1">
+              <a:shade val="50000"/>
+            </a:schemeClr>
+          </a:lnRef>
+          <a:fillRef idx="1">
+            <a:schemeClr val="accent1"/>
+          </a:fillRef>
+          <a:effectRef idx="0">
+            <a:schemeClr val="accent1"/>
+          </a:effectRef>
+          <a:fontRef idx="minor">
+            <a:schemeClr val="lt1"/>
+          </a:fontRef>
+        </p:style>
+        <p:txBody>
+          <a:bodyPr rtlCol="0" anchor="ctr"/>
+          <a:lstStyle/>
+          <a:p>
+            <a:pPr algn="ctr"/>
+            <a:r>
+              <a:rPr lang="en-US" sz="1050" b="1" dirty="0" err="1"/>
+              <a:t>Order_Id</a:t>
+            </a:r>
+            <a:br>
+              <a:rPr lang="en-US" sz="1050" b="1" dirty="0"/>
+            </a:br>
+            <a:r>
+              <a:rPr lang="en-US" sz="1050" b="1" dirty="0"/>
+              <a:t>1 – 500.000</a:t>
+            </a:r>
+          </a:p>
+        </p:txBody>
+      </p:sp>
+      <p:sp>
+        <p:nvSpPr>
+          <p:cNvPr id="7" name="Rectangle 6"/>
+          <p:cNvSpPr/>
+          <p:nvPr/>
+        </p:nvSpPr>
+        <p:spPr>
+          <a:xfrm>
+            <a:off x="6137434" y="2167748"/>
+            <a:ext cx="1188720" cy="685800"/>
+          </a:xfrm>
+          <a:prstGeom prst="rect">
+            <a:avLst/>
+          </a:prstGeom>
+          <a:solidFill>
+            <a:schemeClr val="accent6">
+              <a:lumMod val="60000"/>
+              <a:lumOff val="40000"/>
+            </a:schemeClr>
+          </a:solidFill>
+        </p:spPr>
+        <p:style>
+          <a:lnRef idx="2">
+            <a:schemeClr val="accent1">
+              <a:shade val="50000"/>
+            </a:schemeClr>
+          </a:lnRef>
+          <a:fillRef idx="1">
+            <a:schemeClr val="accent1"/>
+          </a:fillRef>
+          <a:effectRef idx="0">
+            <a:schemeClr val="accent1"/>
+          </a:effectRef>
+          <a:fontRef idx="minor">
+            <a:schemeClr val="lt1"/>
+          </a:fontRef>
+        </p:style>
+        <p:txBody>
+          <a:bodyPr rtlCol="0" anchor="ctr"/>
+          <a:lstStyle/>
+          <a:p>
+            <a:pPr algn="ctr"/>
+            <a:r>
+              <a:rPr lang="en-US" sz="1050" b="1" dirty="0" err="1"/>
+              <a:t>Order_Id</a:t>
+            </a:r>
+            <a:br>
+              <a:rPr lang="en-US" sz="1050" b="1" dirty="0"/>
+            </a:br>
+            <a:r>
+              <a:rPr lang="en-US" sz="1050" b="1" dirty="0"/>
+              <a:t>500.001 – 1.000.000</a:t>
+            </a:r>
+          </a:p>
+        </p:txBody>
+      </p:sp>
+      <p:cxnSp>
+        <p:nvCxnSpPr>
+          <p:cNvPr id="9" name="Elbow Connector 8"/>
+          <p:cNvCxnSpPr>
+            <a:stCxn id="4" idx="1"/>
+            <a:endCxn id="6" idx="0"/>
+          </p:cNvCxnSpPr>
+          <p:nvPr/>
+        </p:nvCxnSpPr>
+        <p:spPr>
+          <a:xfrm rot="10800000" flipV="1">
+            <a:off x="2412207" y="1591866"/>
+            <a:ext cx="1565434" cy="575882"/>
+          </a:xfrm>
+          <a:prstGeom prst="bentConnector2">
+            <a:avLst/>
+          </a:prstGeom>
+          <a:ln>
+            <a:tailEnd type="triangle"/>
+          </a:ln>
+        </p:spPr>
+        <p:style>
+          <a:lnRef idx="1">
+            <a:schemeClr val="accent1"/>
+          </a:lnRef>
+          <a:fillRef idx="0">
+            <a:schemeClr val="accent1"/>
+          </a:fillRef>
+          <a:effectRef idx="0">
+            <a:schemeClr val="accent1"/>
+          </a:effectRef>
+          <a:fontRef idx="minor">
+            <a:schemeClr val="tx1"/>
+          </a:fontRef>
+        </p:style>
+      </p:cxnSp>
+      <p:cxnSp>
+        <p:nvCxnSpPr>
+          <p:cNvPr id="11" name="Elbow Connector 10"/>
+          <p:cNvCxnSpPr>
+            <a:stCxn id="4" idx="3"/>
+            <a:endCxn id="7" idx="0"/>
+          </p:cNvCxnSpPr>
+          <p:nvPr/>
+        </p:nvCxnSpPr>
+        <p:spPr>
+          <a:xfrm>
+            <a:off x="5166360" y="1591866"/>
+            <a:ext cx="1565434" cy="575882"/>
+          </a:xfrm>
+          <a:prstGeom prst="bentConnector2">
+            <a:avLst/>
+          </a:prstGeom>
+          <a:ln>
+            <a:tailEnd type="triangle"/>
+          </a:ln>
+        </p:spPr>
+        <p:style>
+          <a:lnRef idx="1">
+            <a:schemeClr val="accent1"/>
+          </a:lnRef>
+          <a:fillRef idx="0">
+            <a:schemeClr val="accent1"/>
+          </a:fillRef>
+          <a:effectRef idx="0">
+            <a:schemeClr val="accent1"/>
+          </a:effectRef>
+          <a:fontRef idx="minor">
+            <a:schemeClr val="tx1"/>
+          </a:fontRef>
+        </p:style>
+      </p:cxnSp>
+      <p:sp>
+        <p:nvSpPr>
+          <p:cNvPr id="12" name="Rectangle 11"/>
+          <p:cNvSpPr/>
+          <p:nvPr/>
+        </p:nvSpPr>
+        <p:spPr>
+          <a:xfrm>
+            <a:off x="746571" y="3057525"/>
+            <a:ext cx="887442" cy="648891"/>
+          </a:xfrm>
+          <a:prstGeom prst="rect">
+            <a:avLst/>
+          </a:prstGeom>
+          <a:solidFill>
+            <a:schemeClr val="bg2"/>
+          </a:solidFill>
+        </p:spPr>
+        <p:style>
+          <a:lnRef idx="2">
+            <a:schemeClr val="accent1">
+              <a:shade val="50000"/>
+            </a:schemeClr>
+          </a:lnRef>
+          <a:fillRef idx="1">
+            <a:schemeClr val="accent1"/>
+          </a:fillRef>
+          <a:effectRef idx="0">
+            <a:schemeClr val="accent1"/>
+          </a:effectRef>
+          <a:fontRef idx="minor">
+            <a:schemeClr val="lt1"/>
+          </a:fontRef>
+        </p:style>
+        <p:txBody>
+          <a:bodyPr rtlCol="0" anchor="ctr"/>
+          <a:lstStyle/>
+          <a:p>
+            <a:pPr algn="ctr"/>
+            <a:r>
+              <a:rPr lang="en-US" sz="1050" b="1" dirty="0">
+                <a:solidFill>
+                  <a:schemeClr val="tx1"/>
+                </a:solidFill>
+              </a:rPr>
+              <a:t>Orders</a:t>
+            </a:r>
+            <a:br>
+              <a:rPr lang="en-US" sz="1050" b="1" dirty="0">
+                <a:solidFill>
+                  <a:schemeClr val="tx1"/>
+                </a:solidFill>
+              </a:rPr>
+            </a:br>
+            <a:r>
+              <a:rPr lang="en-US" sz="1050" b="1" dirty="0">
+                <a:solidFill>
+                  <a:schemeClr val="tx1"/>
+                </a:solidFill>
+              </a:rPr>
+              <a:t>1 – 50</a:t>
+            </a:r>
+          </a:p>
+        </p:txBody>
+      </p:sp>
+      <p:sp>
+        <p:nvSpPr>
+          <p:cNvPr id="13" name="Rectangle 12"/>
+          <p:cNvSpPr/>
+          <p:nvPr/>
+        </p:nvSpPr>
+        <p:spPr>
+          <a:xfrm>
+            <a:off x="1973603" y="3057525"/>
+            <a:ext cx="887442" cy="648891"/>
+          </a:xfrm>
+          <a:prstGeom prst="rect">
+            <a:avLst/>
+          </a:prstGeom>
+          <a:solidFill>
+            <a:schemeClr val="bg2"/>
+          </a:solidFill>
+        </p:spPr>
+        <p:style>
+          <a:lnRef idx="2">
+            <a:schemeClr val="accent1">
+              <a:shade val="50000"/>
+            </a:schemeClr>
+          </a:lnRef>
+          <a:fillRef idx="1">
+            <a:schemeClr val="accent1"/>
+          </a:fillRef>
+          <a:effectRef idx="0">
+            <a:schemeClr val="accent1"/>
+          </a:effectRef>
+          <a:fontRef idx="minor">
+            <a:schemeClr val="lt1"/>
+          </a:fontRef>
+        </p:style>
+        <p:txBody>
+          <a:bodyPr rtlCol="0" anchor="ctr"/>
+          <a:lstStyle/>
+          <a:p>
+            <a:pPr algn="ctr"/>
+            <a:r>
+              <a:rPr lang="en-US" sz="1050" b="1" dirty="0">
+                <a:solidFill>
+                  <a:schemeClr val="tx1"/>
+                </a:solidFill>
+              </a:rPr>
+              <a:t>Orders</a:t>
+            </a:r>
+            <a:br>
+              <a:rPr lang="en-US" sz="1050" b="1" dirty="0">
+                <a:solidFill>
+                  <a:schemeClr val="tx1"/>
+                </a:solidFill>
+              </a:rPr>
+            </a:br>
+            <a:r>
+              <a:rPr lang="en-US" sz="1050" b="1" dirty="0">
+                <a:solidFill>
+                  <a:schemeClr val="tx1"/>
+                </a:solidFill>
+              </a:rPr>
+              <a:t>51 - 100</a:t>
+            </a:r>
+          </a:p>
+        </p:txBody>
+      </p:sp>
+      <p:sp>
+        <p:nvSpPr>
+          <p:cNvPr id="14" name="Rectangle 13"/>
+          <p:cNvSpPr/>
+          <p:nvPr/>
+        </p:nvSpPr>
+        <p:spPr>
+          <a:xfrm>
+            <a:off x="3200042" y="3057525"/>
+            <a:ext cx="887442" cy="648891"/>
+          </a:xfrm>
+          <a:prstGeom prst="rect">
+            <a:avLst/>
+          </a:prstGeom>
+          <a:solidFill>
+            <a:schemeClr val="bg2"/>
+          </a:solidFill>
+        </p:spPr>
+        <p:style>
+          <a:lnRef idx="2">
+            <a:schemeClr val="accent1">
+              <a:shade val="50000"/>
+            </a:schemeClr>
+          </a:lnRef>
+          <a:fillRef idx="1">
+            <a:schemeClr val="accent1"/>
+          </a:fillRef>
+          <a:effectRef idx="0">
+            <a:schemeClr val="accent1"/>
+          </a:effectRef>
+          <a:fontRef idx="minor">
+            <a:schemeClr val="lt1"/>
+          </a:fontRef>
+        </p:style>
+        <p:txBody>
+          <a:bodyPr rtlCol="0" anchor="ctr"/>
+          <a:lstStyle/>
+          <a:p>
+            <a:pPr algn="ctr"/>
+            <a:r>
+              <a:rPr lang="en-US" sz="1050" b="1" dirty="0">
+                <a:solidFill>
+                  <a:schemeClr val="tx1"/>
+                </a:solidFill>
+              </a:rPr>
+              <a:t>Orders</a:t>
+            </a:r>
+            <a:br>
+              <a:rPr lang="en-US" sz="1050" b="1" dirty="0">
+                <a:solidFill>
+                  <a:schemeClr val="tx1"/>
+                </a:solidFill>
+              </a:rPr>
+            </a:br>
+            <a:r>
+              <a:rPr lang="en-US" sz="1050" b="1" dirty="0">
+                <a:solidFill>
+                  <a:schemeClr val="tx1"/>
+                </a:solidFill>
+              </a:rPr>
+              <a:t>101 - 150</a:t>
+            </a:r>
+          </a:p>
+        </p:txBody>
+      </p:sp>
+      <p:sp>
+        <p:nvSpPr>
+          <p:cNvPr id="15" name="Rectangle 14"/>
+          <p:cNvSpPr/>
+          <p:nvPr/>
+        </p:nvSpPr>
+        <p:spPr>
+          <a:xfrm>
+            <a:off x="5061041" y="3057525"/>
+            <a:ext cx="887442" cy="648891"/>
+          </a:xfrm>
+          <a:prstGeom prst="rect">
+            <a:avLst/>
+          </a:prstGeom>
+          <a:solidFill>
+            <a:schemeClr val="bg2"/>
+          </a:solidFill>
+        </p:spPr>
+        <p:style>
+          <a:lnRef idx="2">
+            <a:schemeClr val="accent1">
+              <a:shade val="50000"/>
+            </a:schemeClr>
+          </a:lnRef>
+          <a:fillRef idx="1">
+            <a:schemeClr val="accent1"/>
+          </a:fillRef>
+          <a:effectRef idx="0">
+            <a:schemeClr val="accent1"/>
+          </a:effectRef>
+          <a:fontRef idx="minor">
+            <a:schemeClr val="lt1"/>
+          </a:fontRef>
+        </p:style>
+        <p:txBody>
+          <a:bodyPr rtlCol="0" anchor="ctr"/>
+          <a:lstStyle/>
+          <a:p>
+            <a:pPr algn="ctr"/>
+            <a:r>
+              <a:rPr lang="en-US" sz="1050" b="1" dirty="0">
+                <a:solidFill>
+                  <a:schemeClr val="tx1"/>
+                </a:solidFill>
+              </a:rPr>
+              <a:t>Orders</a:t>
+            </a:r>
+            <a:br>
+              <a:rPr lang="en-US" sz="1050" b="1" dirty="0">
+                <a:solidFill>
+                  <a:schemeClr val="tx1"/>
+                </a:solidFill>
+              </a:rPr>
+            </a:br>
+            <a:r>
+              <a:rPr lang="en-US" sz="1050" b="1" dirty="0">
+                <a:solidFill>
+                  <a:schemeClr val="tx1"/>
+                </a:solidFill>
+              </a:rPr>
+              <a:t>500.001 - …</a:t>
+            </a:r>
+          </a:p>
+        </p:txBody>
+      </p:sp>
+      <p:sp>
+        <p:nvSpPr>
+          <p:cNvPr id="16" name="Rectangle 15"/>
+          <p:cNvSpPr/>
+          <p:nvPr/>
+        </p:nvSpPr>
+        <p:spPr>
+          <a:xfrm>
+            <a:off x="6288073" y="3057525"/>
+            <a:ext cx="887442" cy="648891"/>
+          </a:xfrm>
+          <a:prstGeom prst="rect">
+            <a:avLst/>
+          </a:prstGeom>
+          <a:solidFill>
+            <a:schemeClr val="bg2"/>
+          </a:solidFill>
+        </p:spPr>
+        <p:style>
+          <a:lnRef idx="2">
+            <a:schemeClr val="accent1">
+              <a:shade val="50000"/>
+            </a:schemeClr>
+          </a:lnRef>
+          <a:fillRef idx="1">
+            <a:schemeClr val="accent1"/>
+          </a:fillRef>
+          <a:effectRef idx="0">
+            <a:schemeClr val="accent1"/>
+          </a:effectRef>
+          <a:fontRef idx="minor">
+            <a:schemeClr val="lt1"/>
+          </a:fontRef>
+        </p:style>
+        <p:txBody>
+          <a:bodyPr rtlCol="0" anchor="ctr"/>
+          <a:lstStyle/>
+          <a:p>
+            <a:pPr algn="ctr"/>
+            <a:r>
+              <a:rPr lang="en-US" sz="1050" b="1" dirty="0">
+                <a:solidFill>
+                  <a:schemeClr val="tx1"/>
+                </a:solidFill>
+              </a:rPr>
+              <a:t>Orders</a:t>
+            </a:r>
+            <a:br>
+              <a:rPr lang="en-US" sz="1050" b="1" dirty="0">
+                <a:solidFill>
+                  <a:schemeClr val="tx1"/>
+                </a:solidFill>
+              </a:rPr>
+            </a:br>
+            <a:r>
+              <a:rPr lang="en-US" sz="1050" b="1" dirty="0">
+                <a:solidFill>
+                  <a:schemeClr val="tx1"/>
+                </a:solidFill>
+              </a:rPr>
+              <a:t>…</a:t>
+            </a:r>
+          </a:p>
+        </p:txBody>
+      </p:sp>
+      <p:sp>
+        <p:nvSpPr>
+          <p:cNvPr id="17" name="Rectangle 16"/>
+          <p:cNvSpPr/>
+          <p:nvPr/>
+        </p:nvSpPr>
+        <p:spPr>
+          <a:xfrm>
+            <a:off x="7514511" y="3057525"/>
+            <a:ext cx="887442" cy="648891"/>
+          </a:xfrm>
+          <a:prstGeom prst="rect">
+            <a:avLst/>
+          </a:prstGeom>
+          <a:solidFill>
+            <a:schemeClr val="bg2"/>
+          </a:solidFill>
+        </p:spPr>
+        <p:style>
+          <a:lnRef idx="2">
+            <a:schemeClr val="accent1">
+              <a:shade val="50000"/>
+            </a:schemeClr>
+          </a:lnRef>
+          <a:fillRef idx="1">
+            <a:schemeClr val="accent1"/>
+          </a:fillRef>
+          <a:effectRef idx="0">
+            <a:schemeClr val="accent1"/>
+          </a:effectRef>
+          <a:fontRef idx="minor">
+            <a:schemeClr val="lt1"/>
+          </a:fontRef>
+        </p:style>
+        <p:txBody>
+          <a:bodyPr rtlCol="0" anchor="ctr"/>
+          <a:lstStyle/>
+          <a:p>
+            <a:pPr algn="ctr"/>
+            <a:r>
+              <a:rPr lang="en-US" sz="1050" b="1" dirty="0">
+                <a:solidFill>
+                  <a:schemeClr val="tx1"/>
+                </a:solidFill>
+              </a:rPr>
+              <a:t>Orders</a:t>
+            </a:r>
+            <a:br>
+              <a:rPr lang="en-US" sz="1050" b="1" dirty="0">
+                <a:solidFill>
+                  <a:schemeClr val="tx1"/>
+                </a:solidFill>
+              </a:rPr>
+            </a:br>
+            <a:r>
+              <a:rPr lang="en-US" sz="1050" b="1" dirty="0">
+                <a:solidFill>
+                  <a:schemeClr val="tx1"/>
+                </a:solidFill>
+              </a:rPr>
+              <a:t>…</a:t>
+            </a:r>
+          </a:p>
+        </p:txBody>
+      </p:sp>
+      <p:cxnSp>
+        <p:nvCxnSpPr>
+          <p:cNvPr id="19" name="Elbow Connector 18"/>
+          <p:cNvCxnSpPr>
+            <a:stCxn id="6" idx="1"/>
+            <a:endCxn id="12" idx="0"/>
+          </p:cNvCxnSpPr>
+          <p:nvPr/>
+        </p:nvCxnSpPr>
+        <p:spPr>
+          <a:xfrm rot="10800000" flipV="1">
+            <a:off x="1190293" y="2510647"/>
+            <a:ext cx="627554" cy="546878"/>
+          </a:xfrm>
+          <a:prstGeom prst="bentConnector2">
+            <a:avLst/>
+          </a:prstGeom>
+          <a:ln>
+            <a:tailEnd type="triangle"/>
+          </a:ln>
+        </p:spPr>
+        <p:style>
+          <a:lnRef idx="1">
+            <a:schemeClr val="accent1"/>
+          </a:lnRef>
+          <a:fillRef idx="0">
+            <a:schemeClr val="accent1"/>
+          </a:fillRef>
+          <a:effectRef idx="0">
+            <a:schemeClr val="accent1"/>
+          </a:effectRef>
+          <a:fontRef idx="minor">
+            <a:schemeClr val="tx1"/>
+          </a:fontRef>
+        </p:style>
+      </p:cxnSp>
+      <p:cxnSp>
+        <p:nvCxnSpPr>
+          <p:cNvPr id="21" name="Elbow Connector 20"/>
+          <p:cNvCxnSpPr>
+            <a:stCxn id="6" idx="2"/>
+            <a:endCxn id="13" idx="0"/>
+          </p:cNvCxnSpPr>
+          <p:nvPr/>
+        </p:nvCxnSpPr>
+        <p:spPr>
+          <a:xfrm rot="16200000" flipH="1">
+            <a:off x="2312776" y="2952977"/>
+            <a:ext cx="203978" cy="5118"/>
+          </a:xfrm>
+          <a:prstGeom prst="bentConnector3">
+            <a:avLst/>
+          </a:prstGeom>
+          <a:ln>
+            <a:tailEnd type="triangle"/>
+          </a:ln>
+        </p:spPr>
+        <p:style>
+          <a:lnRef idx="1">
+            <a:schemeClr val="accent1"/>
+          </a:lnRef>
+          <a:fillRef idx="0">
+            <a:schemeClr val="accent1"/>
+          </a:fillRef>
+          <a:effectRef idx="0">
+            <a:schemeClr val="accent1"/>
+          </a:effectRef>
+          <a:fontRef idx="minor">
+            <a:schemeClr val="tx1"/>
+          </a:fontRef>
+        </p:style>
+      </p:cxnSp>
+      <p:cxnSp>
+        <p:nvCxnSpPr>
+          <p:cNvPr id="23" name="Elbow Connector 22"/>
+          <p:cNvCxnSpPr>
+            <a:stCxn id="6" idx="3"/>
+            <a:endCxn id="14" idx="0"/>
+          </p:cNvCxnSpPr>
+          <p:nvPr/>
+        </p:nvCxnSpPr>
+        <p:spPr>
+          <a:xfrm>
+            <a:off x="3006567" y="2510647"/>
+            <a:ext cx="637196" cy="546878"/>
+          </a:xfrm>
+          <a:prstGeom prst="bentConnector2">
+            <a:avLst/>
+          </a:prstGeom>
+          <a:ln>
+            <a:tailEnd type="triangle"/>
+          </a:ln>
+        </p:spPr>
+        <p:style>
+          <a:lnRef idx="1">
+            <a:schemeClr val="accent1"/>
+          </a:lnRef>
+          <a:fillRef idx="0">
+            <a:schemeClr val="accent1"/>
+          </a:fillRef>
+          <a:effectRef idx="0">
+            <a:schemeClr val="accent1"/>
+          </a:effectRef>
+          <a:fontRef idx="minor">
+            <a:schemeClr val="tx1"/>
+          </a:fontRef>
+        </p:style>
+      </p:cxnSp>
+      <p:cxnSp>
+        <p:nvCxnSpPr>
+          <p:cNvPr id="25" name="Elbow Connector 24"/>
+          <p:cNvCxnSpPr>
+            <a:stCxn id="7" idx="1"/>
+            <a:endCxn id="15" idx="0"/>
+          </p:cNvCxnSpPr>
+          <p:nvPr/>
+        </p:nvCxnSpPr>
+        <p:spPr>
+          <a:xfrm rot="10800000" flipV="1">
+            <a:off x="5504763" y="2510647"/>
+            <a:ext cx="632672" cy="546878"/>
+          </a:xfrm>
+          <a:prstGeom prst="bentConnector2">
+            <a:avLst/>
+          </a:prstGeom>
+          <a:ln>
+            <a:tailEnd type="triangle"/>
+          </a:ln>
+        </p:spPr>
+        <p:style>
+          <a:lnRef idx="1">
+            <a:schemeClr val="accent1"/>
+          </a:lnRef>
+          <a:fillRef idx="0">
+            <a:schemeClr val="accent1"/>
+          </a:fillRef>
+          <a:effectRef idx="0">
+            <a:schemeClr val="accent1"/>
+          </a:effectRef>
+          <a:fontRef idx="minor">
+            <a:schemeClr val="tx1"/>
+          </a:fontRef>
+        </p:style>
+      </p:cxnSp>
+      <p:cxnSp>
+        <p:nvCxnSpPr>
+          <p:cNvPr id="27" name="Elbow Connector 26"/>
+          <p:cNvCxnSpPr>
+            <a:stCxn id="7" idx="2"/>
+            <a:endCxn id="16" idx="0"/>
+          </p:cNvCxnSpPr>
+          <p:nvPr/>
+        </p:nvCxnSpPr>
+        <p:spPr>
+          <a:xfrm rot="5400000">
+            <a:off x="6629805" y="2955536"/>
+            <a:ext cx="203978" cy="9525"/>
+          </a:xfrm>
+          <a:prstGeom prst="bentConnector3">
+            <a:avLst/>
+          </a:prstGeom>
+          <a:ln>
+            <a:tailEnd type="triangle"/>
+          </a:ln>
+        </p:spPr>
+        <p:style>
+          <a:lnRef idx="1">
+            <a:schemeClr val="accent1"/>
+          </a:lnRef>
+          <a:fillRef idx="0">
+            <a:schemeClr val="accent1"/>
+          </a:fillRef>
+          <a:effectRef idx="0">
+            <a:schemeClr val="accent1"/>
+          </a:effectRef>
+          <a:fontRef idx="minor">
+            <a:schemeClr val="tx1"/>
+          </a:fontRef>
+        </p:style>
+      </p:cxnSp>
+      <p:cxnSp>
+        <p:nvCxnSpPr>
+          <p:cNvPr id="29" name="Elbow Connector 28"/>
+          <p:cNvCxnSpPr>
+            <a:stCxn id="7" idx="3"/>
+            <a:endCxn id="17" idx="0"/>
+          </p:cNvCxnSpPr>
+          <p:nvPr/>
+        </p:nvCxnSpPr>
+        <p:spPr>
+          <a:xfrm>
+            <a:off x="7326154" y="2510647"/>
+            <a:ext cx="632078" cy="546878"/>
+          </a:xfrm>
+          <a:prstGeom prst="bentConnector2">
+            <a:avLst/>
+          </a:prstGeom>
+          <a:ln>
+            <a:tailEnd type="triangle"/>
+          </a:ln>
+        </p:spPr>
+        <p:style>
+          <a:lnRef idx="1">
+            <a:schemeClr val="accent1"/>
+          </a:lnRef>
+          <a:fillRef idx="0">
+            <a:schemeClr val="accent1"/>
+          </a:fillRef>
+          <a:effectRef idx="0">
+            <a:schemeClr val="accent1"/>
+          </a:effectRef>
+          <a:fontRef idx="minor">
+            <a:schemeClr val="tx1"/>
+          </a:fontRef>
+        </p:style>
+      </p:cxnSp>
+      <p:sp>
+        <p:nvSpPr>
+          <p:cNvPr id="41" name="TextBox 40"/>
+          <p:cNvSpPr txBox="1"/>
+          <p:nvPr/>
+        </p:nvSpPr>
+        <p:spPr>
+          <a:xfrm>
+            <a:off x="146136" y="1487993"/>
+            <a:ext cx="590861" cy="230832"/>
+          </a:xfrm>
+          <a:prstGeom prst="rect">
+            <a:avLst/>
+          </a:prstGeom>
+          <a:noFill/>
+        </p:spPr>
+        <p:txBody>
+          <a:bodyPr wrap="square" rtlCol="0">
+            <a:spAutoFit/>
+          </a:bodyPr>
+          <a:lstStyle/>
+          <a:p>
+            <a:r>
+              <a:rPr lang="en-US" sz="900" b="1" dirty="0"/>
+              <a:t>Level 2</a:t>
+            </a:r>
+          </a:p>
+        </p:txBody>
+      </p:sp>
+      <p:sp>
+        <p:nvSpPr>
+          <p:cNvPr id="42" name="TextBox 41"/>
+          <p:cNvSpPr txBox="1"/>
+          <p:nvPr/>
+        </p:nvSpPr>
+        <p:spPr>
+          <a:xfrm>
+            <a:off x="144633" y="2406773"/>
+            <a:ext cx="601939" cy="230832"/>
+          </a:xfrm>
+          <a:prstGeom prst="rect">
+            <a:avLst/>
+          </a:prstGeom>
+          <a:noFill/>
+        </p:spPr>
+        <p:txBody>
+          <a:bodyPr wrap="square" rtlCol="0">
+            <a:spAutoFit/>
+          </a:bodyPr>
+          <a:lstStyle/>
+          <a:p>
+            <a:r>
+              <a:rPr lang="en-US" sz="900" b="1" dirty="0"/>
+              <a:t>Level 1</a:t>
+            </a:r>
+          </a:p>
+        </p:txBody>
+      </p:sp>
+      <p:sp>
+        <p:nvSpPr>
+          <p:cNvPr id="43" name="TextBox 42"/>
+          <p:cNvSpPr txBox="1"/>
+          <p:nvPr/>
+        </p:nvSpPr>
+        <p:spPr>
+          <a:xfrm>
+            <a:off x="144067" y="3277765"/>
+            <a:ext cx="602504" cy="230832"/>
+          </a:xfrm>
+          <a:prstGeom prst="rect">
+            <a:avLst/>
+          </a:prstGeom>
+          <a:noFill/>
+        </p:spPr>
+        <p:txBody>
+          <a:bodyPr wrap="square" rtlCol="0">
+            <a:spAutoFit/>
+          </a:bodyPr>
+          <a:lstStyle/>
+          <a:p>
+            <a:r>
+              <a:rPr lang="en-US" sz="900" b="1" dirty="0"/>
+              <a:t>Level 0</a:t>
+            </a:r>
+          </a:p>
+        </p:txBody>
+      </p:sp>
+    </p:spTree>
+    <p:extLst>
+      <p:ext uri="{BB962C8B-B14F-4D97-AF65-F5344CB8AC3E}">
+        <p14:creationId xmlns:p14="http://schemas.microsoft.com/office/powerpoint/2010/main" val="3789194405"/>
+      </p:ext>
+    </p:extLst>
+  </p:cSld>
+  <p:clrMapOvr>
+    <a:masterClrMapping/>
+  </p:clrMapOvr>
+</p:sld>
+</file>
+
 <file path=ppt/slides/slide36.xml><?xml version="1.0" encoding="utf-8"?>
 <p:sld xmlns:a="http://schemas.openxmlformats.org/drawingml/2006/main" xmlns:r="http://schemas.openxmlformats.org/officeDocument/2006/relationships" xmlns:p="http://schemas.openxmlformats.org/presentationml/2006/main">
   <p:cSld>
@@ -20952,13 +21930,8 @@
           <a:p>
             <a:r>
               <a:rPr lang="en-US" dirty="0"/>
-              <a:t>Anatomy of </a:t>
-            </a:r>
-            <a:r>
-              <a:rPr lang="en-US"/>
-              <a:t>an Index</a:t>
-            </a:r>
-            <a:endParaRPr lang="en-US" dirty="0"/>
+              <a:t>Anatomy of an index</a:t>
+            </a:r>
           </a:p>
         </p:txBody>
       </p:sp>
@@ -20977,7 +21950,7 @@
             <a:avLst/>
           </a:prstGeom>
           <a:solidFill>
-            <a:schemeClr val="accent6">
+            <a:schemeClr val="accent1">
               <a:lumMod val="60000"/>
               <a:lumOff val="40000"/>
             </a:schemeClr>
@@ -21034,7 +22007,7 @@
             <a:avLst/>
           </a:prstGeom>
           <a:solidFill>
-            <a:schemeClr val="accent6">
+            <a:schemeClr val="accent1">
               <a:lumMod val="60000"/>
               <a:lumOff val="40000"/>
             </a:schemeClr>
@@ -21283,7 +22256,10 @@
             <a:avLst/>
           </a:prstGeom>
           <a:solidFill>
-            <a:schemeClr val="bg2"/>
+            <a:schemeClr val="accent1">
+              <a:lumMod val="60000"/>
+              <a:lumOff val="40000"/>
+            </a:schemeClr>
           </a:solidFill>
         </p:spPr>
         <p:style>
@@ -21899,7 +22875,7 @@
     </p:spTree>
     <p:extLst>
       <p:ext uri="{BB962C8B-B14F-4D97-AF65-F5344CB8AC3E}">
-        <p14:creationId xmlns:p14="http://schemas.microsoft.com/office/powerpoint/2010/main" val="3789194405"/>
+        <p14:creationId xmlns:p14="http://schemas.microsoft.com/office/powerpoint/2010/main" val="2869222998"/>
       </p:ext>
     </p:extLst>
   </p:cSld>
@@ -21943,995 +22919,6 @@
           <a:p>
             <a:r>
               <a:rPr lang="en-US" dirty="0"/>
-              <a:t>Anatomy of an index</a:t>
-            </a:r>
-          </a:p>
-        </p:txBody>
-      </p:sp>
-      <p:sp>
-        <p:nvSpPr>
-          <p:cNvPr id="4" name="Rectangle 3"/>
-          <p:cNvSpPr/>
-          <p:nvPr/>
-        </p:nvSpPr>
-        <p:spPr>
-          <a:xfrm>
-            <a:off x="3977640" y="1248966"/>
-            <a:ext cx="1188720" cy="685800"/>
-          </a:xfrm>
-          <a:prstGeom prst="rect">
-            <a:avLst/>
-          </a:prstGeom>
-          <a:solidFill>
-            <a:schemeClr val="accent1">
-              <a:lumMod val="60000"/>
-              <a:lumOff val="40000"/>
-            </a:schemeClr>
-          </a:solidFill>
-        </p:spPr>
-        <p:style>
-          <a:lnRef idx="2">
-            <a:schemeClr val="accent1">
-              <a:shade val="50000"/>
-            </a:schemeClr>
-          </a:lnRef>
-          <a:fillRef idx="1">
-            <a:schemeClr val="accent1"/>
-          </a:fillRef>
-          <a:effectRef idx="0">
-            <a:schemeClr val="accent1"/>
-          </a:effectRef>
-          <a:fontRef idx="minor">
-            <a:schemeClr val="lt1"/>
-          </a:fontRef>
-        </p:style>
-        <p:txBody>
-          <a:bodyPr rtlCol="0" anchor="ctr"/>
-          <a:lstStyle/>
-          <a:p>
-            <a:pPr algn="ctr"/>
-            <a:r>
-              <a:rPr lang="en-US" sz="1050" b="1" dirty="0" err="1"/>
-              <a:t>Order_Id</a:t>
-            </a:r>
-            <a:endParaRPr lang="en-US" sz="1050" b="1" dirty="0"/>
-          </a:p>
-          <a:p>
-            <a:pPr algn="ctr"/>
-            <a:r>
-              <a:rPr lang="en-US" sz="1050" b="1" dirty="0"/>
-              <a:t>1 – 1.000.000</a:t>
-            </a:r>
-          </a:p>
-        </p:txBody>
-      </p:sp>
-      <p:sp>
-        <p:nvSpPr>
-          <p:cNvPr id="6" name="Rectangle 5"/>
-          <p:cNvSpPr/>
-          <p:nvPr/>
-        </p:nvSpPr>
-        <p:spPr>
-          <a:xfrm>
-            <a:off x="1817846" y="2167748"/>
-            <a:ext cx="1188720" cy="685800"/>
-          </a:xfrm>
-          <a:prstGeom prst="rect">
-            <a:avLst/>
-          </a:prstGeom>
-          <a:solidFill>
-            <a:schemeClr val="accent1">
-              <a:lumMod val="60000"/>
-              <a:lumOff val="40000"/>
-            </a:schemeClr>
-          </a:solidFill>
-        </p:spPr>
-        <p:style>
-          <a:lnRef idx="2">
-            <a:schemeClr val="accent1">
-              <a:shade val="50000"/>
-            </a:schemeClr>
-          </a:lnRef>
-          <a:fillRef idx="1">
-            <a:schemeClr val="accent1"/>
-          </a:fillRef>
-          <a:effectRef idx="0">
-            <a:schemeClr val="accent1"/>
-          </a:effectRef>
-          <a:fontRef idx="minor">
-            <a:schemeClr val="lt1"/>
-          </a:fontRef>
-        </p:style>
-        <p:txBody>
-          <a:bodyPr rtlCol="0" anchor="ctr"/>
-          <a:lstStyle/>
-          <a:p>
-            <a:pPr algn="ctr"/>
-            <a:r>
-              <a:rPr lang="en-US" sz="1050" b="1" dirty="0" err="1"/>
-              <a:t>Order_Id</a:t>
-            </a:r>
-            <a:br>
-              <a:rPr lang="en-US" sz="1050" b="1" dirty="0"/>
-            </a:br>
-            <a:r>
-              <a:rPr lang="en-US" sz="1050" b="1" dirty="0"/>
-              <a:t>1 – 500.000</a:t>
-            </a:r>
-          </a:p>
-        </p:txBody>
-      </p:sp>
-      <p:sp>
-        <p:nvSpPr>
-          <p:cNvPr id="7" name="Rectangle 6"/>
-          <p:cNvSpPr/>
-          <p:nvPr/>
-        </p:nvSpPr>
-        <p:spPr>
-          <a:xfrm>
-            <a:off x="6137434" y="2167748"/>
-            <a:ext cx="1188720" cy="685800"/>
-          </a:xfrm>
-          <a:prstGeom prst="rect">
-            <a:avLst/>
-          </a:prstGeom>
-          <a:solidFill>
-            <a:schemeClr val="accent6">
-              <a:lumMod val="60000"/>
-              <a:lumOff val="40000"/>
-            </a:schemeClr>
-          </a:solidFill>
-        </p:spPr>
-        <p:style>
-          <a:lnRef idx="2">
-            <a:schemeClr val="accent1">
-              <a:shade val="50000"/>
-            </a:schemeClr>
-          </a:lnRef>
-          <a:fillRef idx="1">
-            <a:schemeClr val="accent1"/>
-          </a:fillRef>
-          <a:effectRef idx="0">
-            <a:schemeClr val="accent1"/>
-          </a:effectRef>
-          <a:fontRef idx="minor">
-            <a:schemeClr val="lt1"/>
-          </a:fontRef>
-        </p:style>
-        <p:txBody>
-          <a:bodyPr rtlCol="0" anchor="ctr"/>
-          <a:lstStyle/>
-          <a:p>
-            <a:pPr algn="ctr"/>
-            <a:r>
-              <a:rPr lang="en-US" sz="1050" b="1" dirty="0" err="1"/>
-              <a:t>Order_Id</a:t>
-            </a:r>
-            <a:br>
-              <a:rPr lang="en-US" sz="1050" b="1" dirty="0"/>
-            </a:br>
-            <a:r>
-              <a:rPr lang="en-US" sz="1050" b="1" dirty="0"/>
-              <a:t>500.001 – 1.000.000</a:t>
-            </a:r>
-          </a:p>
-        </p:txBody>
-      </p:sp>
-      <p:cxnSp>
-        <p:nvCxnSpPr>
-          <p:cNvPr id="9" name="Elbow Connector 8"/>
-          <p:cNvCxnSpPr>
-            <a:stCxn id="4" idx="1"/>
-            <a:endCxn id="6" idx="0"/>
-          </p:cNvCxnSpPr>
-          <p:nvPr/>
-        </p:nvCxnSpPr>
-        <p:spPr>
-          <a:xfrm rot="10800000" flipV="1">
-            <a:off x="2412207" y="1591866"/>
-            <a:ext cx="1565434" cy="575882"/>
-          </a:xfrm>
-          <a:prstGeom prst="bentConnector2">
-            <a:avLst/>
-          </a:prstGeom>
-          <a:ln>
-            <a:tailEnd type="triangle"/>
-          </a:ln>
-        </p:spPr>
-        <p:style>
-          <a:lnRef idx="1">
-            <a:schemeClr val="accent1"/>
-          </a:lnRef>
-          <a:fillRef idx="0">
-            <a:schemeClr val="accent1"/>
-          </a:fillRef>
-          <a:effectRef idx="0">
-            <a:schemeClr val="accent1"/>
-          </a:effectRef>
-          <a:fontRef idx="minor">
-            <a:schemeClr val="tx1"/>
-          </a:fontRef>
-        </p:style>
-      </p:cxnSp>
-      <p:cxnSp>
-        <p:nvCxnSpPr>
-          <p:cNvPr id="11" name="Elbow Connector 10"/>
-          <p:cNvCxnSpPr>
-            <a:stCxn id="4" idx="3"/>
-            <a:endCxn id="7" idx="0"/>
-          </p:cNvCxnSpPr>
-          <p:nvPr/>
-        </p:nvCxnSpPr>
-        <p:spPr>
-          <a:xfrm>
-            <a:off x="5166360" y="1591866"/>
-            <a:ext cx="1565434" cy="575882"/>
-          </a:xfrm>
-          <a:prstGeom prst="bentConnector2">
-            <a:avLst/>
-          </a:prstGeom>
-          <a:ln>
-            <a:tailEnd type="triangle"/>
-          </a:ln>
-        </p:spPr>
-        <p:style>
-          <a:lnRef idx="1">
-            <a:schemeClr val="accent1"/>
-          </a:lnRef>
-          <a:fillRef idx="0">
-            <a:schemeClr val="accent1"/>
-          </a:fillRef>
-          <a:effectRef idx="0">
-            <a:schemeClr val="accent1"/>
-          </a:effectRef>
-          <a:fontRef idx="minor">
-            <a:schemeClr val="tx1"/>
-          </a:fontRef>
-        </p:style>
-      </p:cxnSp>
-      <p:sp>
-        <p:nvSpPr>
-          <p:cNvPr id="12" name="Rectangle 11"/>
-          <p:cNvSpPr/>
-          <p:nvPr/>
-        </p:nvSpPr>
-        <p:spPr>
-          <a:xfrm>
-            <a:off x="746571" y="3057525"/>
-            <a:ext cx="887442" cy="648891"/>
-          </a:xfrm>
-          <a:prstGeom prst="rect">
-            <a:avLst/>
-          </a:prstGeom>
-          <a:solidFill>
-            <a:schemeClr val="bg2"/>
-          </a:solidFill>
-        </p:spPr>
-        <p:style>
-          <a:lnRef idx="2">
-            <a:schemeClr val="accent1">
-              <a:shade val="50000"/>
-            </a:schemeClr>
-          </a:lnRef>
-          <a:fillRef idx="1">
-            <a:schemeClr val="accent1"/>
-          </a:fillRef>
-          <a:effectRef idx="0">
-            <a:schemeClr val="accent1"/>
-          </a:effectRef>
-          <a:fontRef idx="minor">
-            <a:schemeClr val="lt1"/>
-          </a:fontRef>
-        </p:style>
-        <p:txBody>
-          <a:bodyPr rtlCol="0" anchor="ctr"/>
-          <a:lstStyle/>
-          <a:p>
-            <a:pPr algn="ctr"/>
-            <a:r>
-              <a:rPr lang="en-US" sz="1050" b="1" dirty="0">
-                <a:solidFill>
-                  <a:schemeClr val="tx1"/>
-                </a:solidFill>
-              </a:rPr>
-              <a:t>Orders</a:t>
-            </a:r>
-            <a:br>
-              <a:rPr lang="en-US" sz="1050" b="1" dirty="0">
-                <a:solidFill>
-                  <a:schemeClr val="tx1"/>
-                </a:solidFill>
-              </a:rPr>
-            </a:br>
-            <a:r>
-              <a:rPr lang="en-US" sz="1050" b="1" dirty="0">
-                <a:solidFill>
-                  <a:schemeClr val="tx1"/>
-                </a:solidFill>
-              </a:rPr>
-              <a:t>1 – 50</a:t>
-            </a:r>
-          </a:p>
-        </p:txBody>
-      </p:sp>
-      <p:sp>
-        <p:nvSpPr>
-          <p:cNvPr id="13" name="Rectangle 12"/>
-          <p:cNvSpPr/>
-          <p:nvPr/>
-        </p:nvSpPr>
-        <p:spPr>
-          <a:xfrm>
-            <a:off x="1973603" y="3057525"/>
-            <a:ext cx="887442" cy="648891"/>
-          </a:xfrm>
-          <a:prstGeom prst="rect">
-            <a:avLst/>
-          </a:prstGeom>
-          <a:solidFill>
-            <a:schemeClr val="accent1">
-              <a:lumMod val="60000"/>
-              <a:lumOff val="40000"/>
-            </a:schemeClr>
-          </a:solidFill>
-        </p:spPr>
-        <p:style>
-          <a:lnRef idx="2">
-            <a:schemeClr val="accent1">
-              <a:shade val="50000"/>
-            </a:schemeClr>
-          </a:lnRef>
-          <a:fillRef idx="1">
-            <a:schemeClr val="accent1"/>
-          </a:fillRef>
-          <a:effectRef idx="0">
-            <a:schemeClr val="accent1"/>
-          </a:effectRef>
-          <a:fontRef idx="minor">
-            <a:schemeClr val="lt1"/>
-          </a:fontRef>
-        </p:style>
-        <p:txBody>
-          <a:bodyPr rtlCol="0" anchor="ctr"/>
-          <a:lstStyle/>
-          <a:p>
-            <a:pPr algn="ctr"/>
-            <a:r>
-              <a:rPr lang="en-US" sz="1050" b="1" dirty="0">
-                <a:solidFill>
-                  <a:schemeClr val="tx1"/>
-                </a:solidFill>
-              </a:rPr>
-              <a:t>Orders</a:t>
-            </a:r>
-            <a:br>
-              <a:rPr lang="en-US" sz="1050" b="1" dirty="0">
-                <a:solidFill>
-                  <a:schemeClr val="tx1"/>
-                </a:solidFill>
-              </a:rPr>
-            </a:br>
-            <a:r>
-              <a:rPr lang="en-US" sz="1050" b="1" dirty="0">
-                <a:solidFill>
-                  <a:schemeClr val="tx1"/>
-                </a:solidFill>
-              </a:rPr>
-              <a:t>51 - 100</a:t>
-            </a:r>
-          </a:p>
-        </p:txBody>
-      </p:sp>
-      <p:sp>
-        <p:nvSpPr>
-          <p:cNvPr id="14" name="Rectangle 13"/>
-          <p:cNvSpPr/>
-          <p:nvPr/>
-        </p:nvSpPr>
-        <p:spPr>
-          <a:xfrm>
-            <a:off x="3200042" y="3057525"/>
-            <a:ext cx="887442" cy="648891"/>
-          </a:xfrm>
-          <a:prstGeom prst="rect">
-            <a:avLst/>
-          </a:prstGeom>
-          <a:solidFill>
-            <a:schemeClr val="bg2"/>
-          </a:solidFill>
-        </p:spPr>
-        <p:style>
-          <a:lnRef idx="2">
-            <a:schemeClr val="accent1">
-              <a:shade val="50000"/>
-            </a:schemeClr>
-          </a:lnRef>
-          <a:fillRef idx="1">
-            <a:schemeClr val="accent1"/>
-          </a:fillRef>
-          <a:effectRef idx="0">
-            <a:schemeClr val="accent1"/>
-          </a:effectRef>
-          <a:fontRef idx="minor">
-            <a:schemeClr val="lt1"/>
-          </a:fontRef>
-        </p:style>
-        <p:txBody>
-          <a:bodyPr rtlCol="0" anchor="ctr"/>
-          <a:lstStyle/>
-          <a:p>
-            <a:pPr algn="ctr"/>
-            <a:r>
-              <a:rPr lang="en-US" sz="1050" b="1" dirty="0">
-                <a:solidFill>
-                  <a:schemeClr val="tx1"/>
-                </a:solidFill>
-              </a:rPr>
-              <a:t>Orders</a:t>
-            </a:r>
-            <a:br>
-              <a:rPr lang="en-US" sz="1050" b="1" dirty="0">
-                <a:solidFill>
-                  <a:schemeClr val="tx1"/>
-                </a:solidFill>
-              </a:rPr>
-            </a:br>
-            <a:r>
-              <a:rPr lang="en-US" sz="1050" b="1" dirty="0">
-                <a:solidFill>
-                  <a:schemeClr val="tx1"/>
-                </a:solidFill>
-              </a:rPr>
-              <a:t>101 - 150</a:t>
-            </a:r>
-          </a:p>
-        </p:txBody>
-      </p:sp>
-      <p:sp>
-        <p:nvSpPr>
-          <p:cNvPr id="15" name="Rectangle 14"/>
-          <p:cNvSpPr/>
-          <p:nvPr/>
-        </p:nvSpPr>
-        <p:spPr>
-          <a:xfrm>
-            <a:off x="5061041" y="3057525"/>
-            <a:ext cx="887442" cy="648891"/>
-          </a:xfrm>
-          <a:prstGeom prst="rect">
-            <a:avLst/>
-          </a:prstGeom>
-          <a:solidFill>
-            <a:schemeClr val="bg2"/>
-          </a:solidFill>
-        </p:spPr>
-        <p:style>
-          <a:lnRef idx="2">
-            <a:schemeClr val="accent1">
-              <a:shade val="50000"/>
-            </a:schemeClr>
-          </a:lnRef>
-          <a:fillRef idx="1">
-            <a:schemeClr val="accent1"/>
-          </a:fillRef>
-          <a:effectRef idx="0">
-            <a:schemeClr val="accent1"/>
-          </a:effectRef>
-          <a:fontRef idx="minor">
-            <a:schemeClr val="lt1"/>
-          </a:fontRef>
-        </p:style>
-        <p:txBody>
-          <a:bodyPr rtlCol="0" anchor="ctr"/>
-          <a:lstStyle/>
-          <a:p>
-            <a:pPr algn="ctr"/>
-            <a:r>
-              <a:rPr lang="en-US" sz="1050" b="1" dirty="0">
-                <a:solidFill>
-                  <a:schemeClr val="tx1"/>
-                </a:solidFill>
-              </a:rPr>
-              <a:t>Orders</a:t>
-            </a:r>
-            <a:br>
-              <a:rPr lang="en-US" sz="1050" b="1" dirty="0">
-                <a:solidFill>
-                  <a:schemeClr val="tx1"/>
-                </a:solidFill>
-              </a:rPr>
-            </a:br>
-            <a:r>
-              <a:rPr lang="en-US" sz="1050" b="1" dirty="0">
-                <a:solidFill>
-                  <a:schemeClr val="tx1"/>
-                </a:solidFill>
-              </a:rPr>
-              <a:t>500.001 - …</a:t>
-            </a:r>
-          </a:p>
-        </p:txBody>
-      </p:sp>
-      <p:sp>
-        <p:nvSpPr>
-          <p:cNvPr id="16" name="Rectangle 15"/>
-          <p:cNvSpPr/>
-          <p:nvPr/>
-        </p:nvSpPr>
-        <p:spPr>
-          <a:xfrm>
-            <a:off x="6288073" y="3057525"/>
-            <a:ext cx="887442" cy="648891"/>
-          </a:xfrm>
-          <a:prstGeom prst="rect">
-            <a:avLst/>
-          </a:prstGeom>
-          <a:solidFill>
-            <a:schemeClr val="bg2"/>
-          </a:solidFill>
-        </p:spPr>
-        <p:style>
-          <a:lnRef idx="2">
-            <a:schemeClr val="accent1">
-              <a:shade val="50000"/>
-            </a:schemeClr>
-          </a:lnRef>
-          <a:fillRef idx="1">
-            <a:schemeClr val="accent1"/>
-          </a:fillRef>
-          <a:effectRef idx="0">
-            <a:schemeClr val="accent1"/>
-          </a:effectRef>
-          <a:fontRef idx="minor">
-            <a:schemeClr val="lt1"/>
-          </a:fontRef>
-        </p:style>
-        <p:txBody>
-          <a:bodyPr rtlCol="0" anchor="ctr"/>
-          <a:lstStyle/>
-          <a:p>
-            <a:pPr algn="ctr"/>
-            <a:r>
-              <a:rPr lang="en-US" sz="1050" b="1" dirty="0">
-                <a:solidFill>
-                  <a:schemeClr val="tx1"/>
-                </a:solidFill>
-              </a:rPr>
-              <a:t>Orders</a:t>
-            </a:r>
-            <a:br>
-              <a:rPr lang="en-US" sz="1050" b="1" dirty="0">
-                <a:solidFill>
-                  <a:schemeClr val="tx1"/>
-                </a:solidFill>
-              </a:rPr>
-            </a:br>
-            <a:r>
-              <a:rPr lang="en-US" sz="1050" b="1" dirty="0">
-                <a:solidFill>
-                  <a:schemeClr val="tx1"/>
-                </a:solidFill>
-              </a:rPr>
-              <a:t>…</a:t>
-            </a:r>
-          </a:p>
-        </p:txBody>
-      </p:sp>
-      <p:sp>
-        <p:nvSpPr>
-          <p:cNvPr id="17" name="Rectangle 16"/>
-          <p:cNvSpPr/>
-          <p:nvPr/>
-        </p:nvSpPr>
-        <p:spPr>
-          <a:xfrm>
-            <a:off x="7514511" y="3057525"/>
-            <a:ext cx="887442" cy="648891"/>
-          </a:xfrm>
-          <a:prstGeom prst="rect">
-            <a:avLst/>
-          </a:prstGeom>
-          <a:solidFill>
-            <a:schemeClr val="bg2"/>
-          </a:solidFill>
-        </p:spPr>
-        <p:style>
-          <a:lnRef idx="2">
-            <a:schemeClr val="accent1">
-              <a:shade val="50000"/>
-            </a:schemeClr>
-          </a:lnRef>
-          <a:fillRef idx="1">
-            <a:schemeClr val="accent1"/>
-          </a:fillRef>
-          <a:effectRef idx="0">
-            <a:schemeClr val="accent1"/>
-          </a:effectRef>
-          <a:fontRef idx="minor">
-            <a:schemeClr val="lt1"/>
-          </a:fontRef>
-        </p:style>
-        <p:txBody>
-          <a:bodyPr rtlCol="0" anchor="ctr"/>
-          <a:lstStyle/>
-          <a:p>
-            <a:pPr algn="ctr"/>
-            <a:r>
-              <a:rPr lang="en-US" sz="1050" b="1" dirty="0">
-                <a:solidFill>
-                  <a:schemeClr val="tx1"/>
-                </a:solidFill>
-              </a:rPr>
-              <a:t>Orders</a:t>
-            </a:r>
-            <a:br>
-              <a:rPr lang="en-US" sz="1050" b="1" dirty="0">
-                <a:solidFill>
-                  <a:schemeClr val="tx1"/>
-                </a:solidFill>
-              </a:rPr>
-            </a:br>
-            <a:r>
-              <a:rPr lang="en-US" sz="1050" b="1" dirty="0">
-                <a:solidFill>
-                  <a:schemeClr val="tx1"/>
-                </a:solidFill>
-              </a:rPr>
-              <a:t>…</a:t>
-            </a:r>
-          </a:p>
-        </p:txBody>
-      </p:sp>
-      <p:cxnSp>
-        <p:nvCxnSpPr>
-          <p:cNvPr id="19" name="Elbow Connector 18"/>
-          <p:cNvCxnSpPr>
-            <a:stCxn id="6" idx="1"/>
-            <a:endCxn id="12" idx="0"/>
-          </p:cNvCxnSpPr>
-          <p:nvPr/>
-        </p:nvCxnSpPr>
-        <p:spPr>
-          <a:xfrm rot="10800000" flipV="1">
-            <a:off x="1190293" y="2510647"/>
-            <a:ext cx="627554" cy="546878"/>
-          </a:xfrm>
-          <a:prstGeom prst="bentConnector2">
-            <a:avLst/>
-          </a:prstGeom>
-          <a:ln>
-            <a:tailEnd type="triangle"/>
-          </a:ln>
-        </p:spPr>
-        <p:style>
-          <a:lnRef idx="1">
-            <a:schemeClr val="accent1"/>
-          </a:lnRef>
-          <a:fillRef idx="0">
-            <a:schemeClr val="accent1"/>
-          </a:fillRef>
-          <a:effectRef idx="0">
-            <a:schemeClr val="accent1"/>
-          </a:effectRef>
-          <a:fontRef idx="minor">
-            <a:schemeClr val="tx1"/>
-          </a:fontRef>
-        </p:style>
-      </p:cxnSp>
-      <p:cxnSp>
-        <p:nvCxnSpPr>
-          <p:cNvPr id="21" name="Elbow Connector 20"/>
-          <p:cNvCxnSpPr>
-            <a:stCxn id="6" idx="2"/>
-            <a:endCxn id="13" idx="0"/>
-          </p:cNvCxnSpPr>
-          <p:nvPr/>
-        </p:nvCxnSpPr>
-        <p:spPr>
-          <a:xfrm rot="16200000" flipH="1">
-            <a:off x="2312776" y="2952977"/>
-            <a:ext cx="203978" cy="5118"/>
-          </a:xfrm>
-          <a:prstGeom prst="bentConnector3">
-            <a:avLst/>
-          </a:prstGeom>
-          <a:ln>
-            <a:tailEnd type="triangle"/>
-          </a:ln>
-        </p:spPr>
-        <p:style>
-          <a:lnRef idx="1">
-            <a:schemeClr val="accent1"/>
-          </a:lnRef>
-          <a:fillRef idx="0">
-            <a:schemeClr val="accent1"/>
-          </a:fillRef>
-          <a:effectRef idx="0">
-            <a:schemeClr val="accent1"/>
-          </a:effectRef>
-          <a:fontRef idx="minor">
-            <a:schemeClr val="tx1"/>
-          </a:fontRef>
-        </p:style>
-      </p:cxnSp>
-      <p:cxnSp>
-        <p:nvCxnSpPr>
-          <p:cNvPr id="23" name="Elbow Connector 22"/>
-          <p:cNvCxnSpPr>
-            <a:stCxn id="6" idx="3"/>
-            <a:endCxn id="14" idx="0"/>
-          </p:cNvCxnSpPr>
-          <p:nvPr/>
-        </p:nvCxnSpPr>
-        <p:spPr>
-          <a:xfrm>
-            <a:off x="3006567" y="2510647"/>
-            <a:ext cx="637196" cy="546878"/>
-          </a:xfrm>
-          <a:prstGeom prst="bentConnector2">
-            <a:avLst/>
-          </a:prstGeom>
-          <a:ln>
-            <a:tailEnd type="triangle"/>
-          </a:ln>
-        </p:spPr>
-        <p:style>
-          <a:lnRef idx="1">
-            <a:schemeClr val="accent1"/>
-          </a:lnRef>
-          <a:fillRef idx="0">
-            <a:schemeClr val="accent1"/>
-          </a:fillRef>
-          <a:effectRef idx="0">
-            <a:schemeClr val="accent1"/>
-          </a:effectRef>
-          <a:fontRef idx="minor">
-            <a:schemeClr val="tx1"/>
-          </a:fontRef>
-        </p:style>
-      </p:cxnSp>
-      <p:cxnSp>
-        <p:nvCxnSpPr>
-          <p:cNvPr id="25" name="Elbow Connector 24"/>
-          <p:cNvCxnSpPr>
-            <a:stCxn id="7" idx="1"/>
-            <a:endCxn id="15" idx="0"/>
-          </p:cNvCxnSpPr>
-          <p:nvPr/>
-        </p:nvCxnSpPr>
-        <p:spPr>
-          <a:xfrm rot="10800000" flipV="1">
-            <a:off x="5504763" y="2510647"/>
-            <a:ext cx="632672" cy="546878"/>
-          </a:xfrm>
-          <a:prstGeom prst="bentConnector2">
-            <a:avLst/>
-          </a:prstGeom>
-          <a:ln>
-            <a:tailEnd type="triangle"/>
-          </a:ln>
-        </p:spPr>
-        <p:style>
-          <a:lnRef idx="1">
-            <a:schemeClr val="accent1"/>
-          </a:lnRef>
-          <a:fillRef idx="0">
-            <a:schemeClr val="accent1"/>
-          </a:fillRef>
-          <a:effectRef idx="0">
-            <a:schemeClr val="accent1"/>
-          </a:effectRef>
-          <a:fontRef idx="minor">
-            <a:schemeClr val="tx1"/>
-          </a:fontRef>
-        </p:style>
-      </p:cxnSp>
-      <p:cxnSp>
-        <p:nvCxnSpPr>
-          <p:cNvPr id="27" name="Elbow Connector 26"/>
-          <p:cNvCxnSpPr>
-            <a:stCxn id="7" idx="2"/>
-            <a:endCxn id="16" idx="0"/>
-          </p:cNvCxnSpPr>
-          <p:nvPr/>
-        </p:nvCxnSpPr>
-        <p:spPr>
-          <a:xfrm rot="5400000">
-            <a:off x="6629805" y="2955536"/>
-            <a:ext cx="203978" cy="9525"/>
-          </a:xfrm>
-          <a:prstGeom prst="bentConnector3">
-            <a:avLst/>
-          </a:prstGeom>
-          <a:ln>
-            <a:tailEnd type="triangle"/>
-          </a:ln>
-        </p:spPr>
-        <p:style>
-          <a:lnRef idx="1">
-            <a:schemeClr val="accent1"/>
-          </a:lnRef>
-          <a:fillRef idx="0">
-            <a:schemeClr val="accent1"/>
-          </a:fillRef>
-          <a:effectRef idx="0">
-            <a:schemeClr val="accent1"/>
-          </a:effectRef>
-          <a:fontRef idx="minor">
-            <a:schemeClr val="tx1"/>
-          </a:fontRef>
-        </p:style>
-      </p:cxnSp>
-      <p:cxnSp>
-        <p:nvCxnSpPr>
-          <p:cNvPr id="29" name="Elbow Connector 28"/>
-          <p:cNvCxnSpPr>
-            <a:stCxn id="7" idx="3"/>
-            <a:endCxn id="17" idx="0"/>
-          </p:cNvCxnSpPr>
-          <p:nvPr/>
-        </p:nvCxnSpPr>
-        <p:spPr>
-          <a:xfrm>
-            <a:off x="7326154" y="2510647"/>
-            <a:ext cx="632078" cy="546878"/>
-          </a:xfrm>
-          <a:prstGeom prst="bentConnector2">
-            <a:avLst/>
-          </a:prstGeom>
-          <a:ln>
-            <a:tailEnd type="triangle"/>
-          </a:ln>
-        </p:spPr>
-        <p:style>
-          <a:lnRef idx="1">
-            <a:schemeClr val="accent1"/>
-          </a:lnRef>
-          <a:fillRef idx="0">
-            <a:schemeClr val="accent1"/>
-          </a:fillRef>
-          <a:effectRef idx="0">
-            <a:schemeClr val="accent1"/>
-          </a:effectRef>
-          <a:fontRef idx="minor">
-            <a:schemeClr val="tx1"/>
-          </a:fontRef>
-        </p:style>
-      </p:cxnSp>
-      <p:sp>
-        <p:nvSpPr>
-          <p:cNvPr id="41" name="TextBox 40"/>
-          <p:cNvSpPr txBox="1"/>
-          <p:nvPr/>
-        </p:nvSpPr>
-        <p:spPr>
-          <a:xfrm>
-            <a:off x="146136" y="1487993"/>
-            <a:ext cx="590861" cy="230832"/>
-          </a:xfrm>
-          <a:prstGeom prst="rect">
-            <a:avLst/>
-          </a:prstGeom>
-          <a:noFill/>
-        </p:spPr>
-        <p:txBody>
-          <a:bodyPr wrap="square" rtlCol="0">
-            <a:spAutoFit/>
-          </a:bodyPr>
-          <a:lstStyle/>
-          <a:p>
-            <a:r>
-              <a:rPr lang="en-US" sz="900" b="1" dirty="0"/>
-              <a:t>Level 2</a:t>
-            </a:r>
-          </a:p>
-        </p:txBody>
-      </p:sp>
-      <p:sp>
-        <p:nvSpPr>
-          <p:cNvPr id="42" name="TextBox 41"/>
-          <p:cNvSpPr txBox="1"/>
-          <p:nvPr/>
-        </p:nvSpPr>
-        <p:spPr>
-          <a:xfrm>
-            <a:off x="144633" y="2406773"/>
-            <a:ext cx="601939" cy="230832"/>
-          </a:xfrm>
-          <a:prstGeom prst="rect">
-            <a:avLst/>
-          </a:prstGeom>
-          <a:noFill/>
-        </p:spPr>
-        <p:txBody>
-          <a:bodyPr wrap="square" rtlCol="0">
-            <a:spAutoFit/>
-          </a:bodyPr>
-          <a:lstStyle/>
-          <a:p>
-            <a:r>
-              <a:rPr lang="en-US" sz="900" b="1" dirty="0"/>
-              <a:t>Level 1</a:t>
-            </a:r>
-          </a:p>
-        </p:txBody>
-      </p:sp>
-      <p:sp>
-        <p:nvSpPr>
-          <p:cNvPr id="43" name="TextBox 42"/>
-          <p:cNvSpPr txBox="1"/>
-          <p:nvPr/>
-        </p:nvSpPr>
-        <p:spPr>
-          <a:xfrm>
-            <a:off x="144067" y="3277765"/>
-            <a:ext cx="602504" cy="230832"/>
-          </a:xfrm>
-          <a:prstGeom prst="rect">
-            <a:avLst/>
-          </a:prstGeom>
-          <a:noFill/>
-        </p:spPr>
-        <p:txBody>
-          <a:bodyPr wrap="square" rtlCol="0">
-            <a:spAutoFit/>
-          </a:bodyPr>
-          <a:lstStyle/>
-          <a:p>
-            <a:r>
-              <a:rPr lang="en-US" sz="900" b="1" dirty="0"/>
-              <a:t>Level 0</a:t>
-            </a:r>
-          </a:p>
-        </p:txBody>
-      </p:sp>
-    </p:spTree>
-    <p:extLst>
-      <p:ext uri="{BB962C8B-B14F-4D97-AF65-F5344CB8AC3E}">
-        <p14:creationId xmlns:p14="http://schemas.microsoft.com/office/powerpoint/2010/main" val="2869222998"/>
-      </p:ext>
-    </p:extLst>
-  </p:cSld>
-  <p:clrMapOvr>
-    <a:masterClrMapping/>
-  </p:clrMapOvr>
-</p:sld>
-</file>
-
-<file path=ppt/slides/slide38.xml><?xml version="1.0" encoding="utf-8"?>
-<p:sld xmlns:a="http://schemas.openxmlformats.org/drawingml/2006/main" xmlns:r="http://schemas.openxmlformats.org/officeDocument/2006/relationships" xmlns:p="http://schemas.openxmlformats.org/presentationml/2006/main">
-  <p:cSld>
-    <p:spTree>
-      <p:nvGrpSpPr>
-        <p:cNvPr id="1" name=""/>
-        <p:cNvGrpSpPr/>
-        <p:nvPr/>
-      </p:nvGrpSpPr>
-      <p:grpSpPr>
-        <a:xfrm>
-          <a:off x="0" y="0"/>
-          <a:ext cx="0" cy="0"/>
-          <a:chOff x="0" y="0"/>
-          <a:chExt cx="0" cy="0"/>
-        </a:xfrm>
-      </p:grpSpPr>
-      <p:sp>
-        <p:nvSpPr>
-          <p:cNvPr id="2" name="Title 1"/>
-          <p:cNvSpPr>
-            <a:spLocks noGrp="1"/>
-          </p:cNvSpPr>
-          <p:nvPr>
-            <p:ph type="title"/>
-          </p:nvPr>
-        </p:nvSpPr>
-        <p:spPr/>
-        <p:txBody>
-          <a:bodyPr/>
-          <a:lstStyle/>
-          <a:p>
-            <a:r>
-              <a:rPr lang="en-US" dirty="0"/>
               <a:t>Index: Page Split</a:t>
             </a:r>
           </a:p>
@@ -24454,6 +24441,118 @@
     <p:extLst>
       <p:ext uri="{BB962C8B-B14F-4D97-AF65-F5344CB8AC3E}">
         <p14:creationId xmlns:p14="http://schemas.microsoft.com/office/powerpoint/2010/main" val="3749785119"/>
+      </p:ext>
+    </p:extLst>
+  </p:cSld>
+  <p:clrMapOvr>
+    <a:masterClrMapping/>
+  </p:clrMapOvr>
+</p:sld>
+</file>
+
+<file path=ppt/slides/slide38.xml><?xml version="1.0" encoding="utf-8"?>
+<p:sld xmlns:a="http://schemas.openxmlformats.org/drawingml/2006/main" xmlns:r="http://schemas.openxmlformats.org/officeDocument/2006/relationships" xmlns:p="http://schemas.openxmlformats.org/presentationml/2006/main">
+  <p:cSld>
+    <p:spTree>
+      <p:nvGrpSpPr>
+        <p:cNvPr id="1" name=""/>
+        <p:cNvGrpSpPr/>
+        <p:nvPr/>
+      </p:nvGrpSpPr>
+      <p:grpSpPr>
+        <a:xfrm>
+          <a:off x="0" y="0"/>
+          <a:ext cx="0" cy="0"/>
+          <a:chOff x="0" y="0"/>
+          <a:chExt cx="0" cy="0"/>
+        </a:xfrm>
+      </p:grpSpPr>
+      <p:sp>
+        <p:nvSpPr>
+          <p:cNvPr id="2" name="Titel 1"/>
+          <p:cNvSpPr>
+            <a:spLocks noGrp="1"/>
+          </p:cNvSpPr>
+          <p:nvPr>
+            <p:ph type="title"/>
+          </p:nvPr>
+        </p:nvSpPr>
+        <p:spPr/>
+        <p:txBody>
+          <a:bodyPr/>
+          <a:lstStyle/>
+          <a:p>
+            <a:r>
+              <a:rPr lang="en-US" dirty="0"/>
+              <a:t>Documentation</a:t>
+            </a:r>
+          </a:p>
+        </p:txBody>
+      </p:sp>
+      <p:sp>
+        <p:nvSpPr>
+          <p:cNvPr id="3" name="Inhaltsplatzhalter 2"/>
+          <p:cNvSpPr>
+            <a:spLocks noGrp="1"/>
+          </p:cNvSpPr>
+          <p:nvPr>
+            <p:ph idx="1"/>
+          </p:nvPr>
+        </p:nvSpPr>
+        <p:spPr/>
+        <p:txBody>
+          <a:bodyPr>
+            <a:normAutofit/>
+          </a:bodyPr>
+          <a:lstStyle/>
+          <a:p>
+            <a:r>
+              <a:rPr lang="en-US" dirty="0"/>
+              <a:t>Start with a short introduction of your person!</a:t>
+            </a:r>
+          </a:p>
+          <a:p>
+            <a:r>
+              <a:rPr lang="en-US" dirty="0"/>
+              <a:t>Describe the reason for the preparation of the report</a:t>
+            </a:r>
+          </a:p>
+          <a:p>
+            <a:pPr lvl="1"/>
+            <a:r>
+              <a:rPr lang="en-US" dirty="0"/>
+              <a:t>Problems, which – suddenly – occurred?</a:t>
+            </a:r>
+          </a:p>
+          <a:p>
+            <a:pPr lvl="1"/>
+            <a:r>
+              <a:rPr lang="en-US" dirty="0"/>
+              <a:t>Baseline before a Go Live?</a:t>
+            </a:r>
+          </a:p>
+          <a:p>
+            <a:r>
+              <a:rPr lang="en-US" dirty="0"/>
+              <a:t>Inform the reader that no Hardware investigation has been done when you do not have access to the hardware</a:t>
+            </a:r>
+          </a:p>
+          <a:p>
+            <a:r>
+              <a:rPr lang="en-US" dirty="0"/>
+              <a:t>Define a structure of the document which is correlating to your investigation steps!</a:t>
+            </a:r>
+          </a:p>
+          <a:p>
+            <a:pPr lvl="1"/>
+            <a:endParaRPr lang="en-US" dirty="0"/>
+          </a:p>
+        </p:txBody>
+      </p:sp>
+    </p:spTree>
+    <p:extLst>
+      <p:ext uri="{BB962C8B-B14F-4D97-AF65-F5344CB8AC3E}">
+        <p14:creationId xmlns:p14="http://schemas.microsoft.com/office/powerpoint/2010/main" val="212796315"/>
       </p:ext>
     </p:extLst>
   </p:cSld>
@@ -24497,7 +24596,7 @@
           <a:p>
             <a:r>
               <a:rPr lang="en-US" dirty="0"/>
-              <a:t>Documentation</a:t>
+              <a:t>Table of Content</a:t>
             </a:r>
           </a:p>
         </p:txBody>
@@ -24515,57 +24614,111 @@
         <p:spPr/>
         <p:txBody>
           <a:bodyPr>
-            <a:normAutofit/>
+            <a:normAutofit lnSpcReduction="10000"/>
           </a:bodyPr>
           <a:lstStyle/>
           <a:p>
             <a:r>
               <a:rPr lang="en-US" dirty="0"/>
-              <a:t>Start with a short introduction of your person!</a:t>
-            </a:r>
-          </a:p>
-          <a:p>
+              <a:t>Technical Configuration</a:t>
+            </a:r>
+          </a:p>
+          <a:p>
+            <a:pPr lvl="1"/>
             <a:r>
               <a:rPr lang="en-US" dirty="0"/>
-              <a:t>Describe the reason for the preparation of the report</a:t>
+              <a:t>Hardware / Virtualization</a:t>
             </a:r>
           </a:p>
           <a:p>
             <a:pPr lvl="1"/>
             <a:r>
               <a:rPr lang="en-US" dirty="0"/>
-              <a:t>Problems, which – suddenly – occurred?</a:t>
+              <a:t>Windows OS</a:t>
             </a:r>
           </a:p>
           <a:p>
             <a:pPr lvl="1"/>
             <a:r>
               <a:rPr lang="en-US" dirty="0"/>
-              <a:t>Baseline before a Go Live?</a:t>
+              <a:t>Microsoft SQL Server</a:t>
             </a:r>
           </a:p>
           <a:p>
             <a:r>
               <a:rPr lang="en-US" dirty="0"/>
-              <a:t>Inform the reader that no Hardware investigation has been done when you do not have access to the hardware</a:t>
-            </a:r>
-          </a:p>
-          <a:p>
+              <a:t>Results of investigation</a:t>
+            </a:r>
+          </a:p>
+          <a:p>
+            <a:pPr lvl="1"/>
             <a:r>
               <a:rPr lang="en-US" dirty="0"/>
-              <a:t>Define a structure of the document which is correlating to your investigation steps!</a:t>
+              <a:t>OS / Storage / RAM / NUMA</a:t>
             </a:r>
           </a:p>
           <a:p>
             <a:pPr lvl="1"/>
-            <a:endParaRPr lang="en-US" dirty="0"/>
+            <a:r>
+              <a:rPr lang="en-US" dirty="0"/>
+              <a:t>Microsoft SQL Server</a:t>
+            </a:r>
+          </a:p>
+          <a:p>
+            <a:pPr lvl="2"/>
+            <a:r>
+              <a:rPr lang="en-US" dirty="0"/>
+              <a:t>Cost Threshold for Parallelism / Max Degree of Wait Stats / </a:t>
+            </a:r>
+            <a:r>
+              <a:rPr lang="en-US" dirty="0" err="1"/>
+              <a:t>AdHoc</a:t>
+            </a:r>
+            <a:r>
+              <a:rPr lang="en-US" dirty="0"/>
+              <a:t> queries</a:t>
+            </a:r>
+          </a:p>
+          <a:p>
+            <a:pPr lvl="2"/>
+            <a:r>
+              <a:rPr lang="en-US" dirty="0"/>
+              <a:t>Wait Stats</a:t>
+            </a:r>
+          </a:p>
+          <a:p>
+            <a:pPr lvl="1"/>
+            <a:r>
+              <a:rPr lang="en-US" dirty="0"/>
+              <a:t>Databases</a:t>
+            </a:r>
+          </a:p>
+          <a:p>
+            <a:pPr lvl="1"/>
+            <a:r>
+              <a:rPr lang="en-US" dirty="0"/>
+              <a:t>Indexes / Statistics</a:t>
+            </a:r>
+          </a:p>
+          <a:p>
+            <a:r>
+              <a:rPr lang="en-US" dirty="0"/>
+              <a:t>Recommendation</a:t>
+            </a:r>
+          </a:p>
+          <a:p>
+            <a:pPr lvl="1"/>
+            <a:r>
+              <a:rPr lang="en-US" dirty="0"/>
+              <a:t>For each „finding“ a dedicated chapter with reference to the finding</a:t>
+            </a:r>
           </a:p>
         </p:txBody>
       </p:sp>
     </p:spTree>
     <p:extLst>
       <p:ext uri="{BB962C8B-B14F-4D97-AF65-F5344CB8AC3E}">
-        <p14:creationId xmlns:p14="http://schemas.microsoft.com/office/powerpoint/2010/main" val="212796315"/>
+        <p14:creationId xmlns:p14="http://schemas.microsoft.com/office/powerpoint/2010/main" val="4291921113"/>
       </p:ext>
     </p:extLst>
   </p:cSld>
@@ -24594,147 +24747,7 @@
       </p:grpSpPr>
       <p:sp>
         <p:nvSpPr>
-          <p:cNvPr id="2" name="Titel 1"/>
-          <p:cNvSpPr>
-            <a:spLocks noGrp="1"/>
-          </p:cNvSpPr>
-          <p:nvPr>
-            <p:ph type="title"/>
-          </p:nvPr>
-        </p:nvSpPr>
-        <p:spPr/>
-        <p:txBody>
-          <a:bodyPr>
-            <a:normAutofit/>
-          </a:bodyPr>
-          <a:lstStyle/>
-          <a:p>
-            <a:r>
-              <a:rPr lang="en-US" dirty="0"/>
-              <a:t>Who wants to run an analysis of</a:t>
-            </a:r>
-            <a:br>
-              <a:rPr lang="en-US" dirty="0"/>
-            </a:br>
-            <a:r>
-              <a:rPr lang="en-US" dirty="0"/>
-              <a:t>Microsoft SQL Server?</a:t>
-            </a:r>
-          </a:p>
-        </p:txBody>
-      </p:sp>
-      <p:sp>
-        <p:nvSpPr>
-          <p:cNvPr id="3" name="Untertitel 2"/>
-          <p:cNvSpPr>
-            <a:spLocks noGrp="1"/>
-          </p:cNvSpPr>
-          <p:nvPr>
-            <p:ph idx="1"/>
-          </p:nvPr>
-        </p:nvSpPr>
-        <p:spPr/>
-        <p:txBody>
-          <a:bodyPr>
-            <a:normAutofit/>
-          </a:bodyPr>
-          <a:lstStyle/>
-          <a:p>
-            <a:pPr marL="342900" indent="-342900" algn="l">
-              <a:buFont typeface="Arial" panose="020B0604020202020204" pitchFamily="34" charset="0"/>
-              <a:buChar char="•"/>
-            </a:pPr>
-            <a:r>
-              <a:rPr lang="en-US" dirty="0"/>
-              <a:t>Consultant</a:t>
-            </a:r>
-          </a:p>
-          <a:p>
-            <a:pPr lvl="1"/>
-            <a:r>
-              <a:rPr lang="en-US" dirty="0"/>
-              <a:t>Approval of a system which has been installed by vendors</a:t>
-            </a:r>
-          </a:p>
-          <a:p>
-            <a:pPr lvl="1"/>
-            <a:r>
-              <a:rPr lang="en-US" dirty="0"/>
-              <a:t>Analysis of Problems</a:t>
-            </a:r>
-          </a:p>
-          <a:p>
-            <a:pPr lvl="1"/>
-            <a:r>
-              <a:rPr lang="en-US" dirty="0"/>
-              <a:t>Analysis for Optimization</a:t>
-            </a:r>
-          </a:p>
-          <a:p>
-            <a:pPr marL="342900" indent="-342900" algn="l">
-              <a:buFont typeface="Arial" panose="020B0604020202020204" pitchFamily="34" charset="0"/>
-              <a:buChar char="•"/>
-            </a:pPr>
-            <a:r>
-              <a:rPr lang="en-US" dirty="0"/>
-              <a:t>DBA</a:t>
-            </a:r>
-          </a:p>
-          <a:p>
-            <a:pPr lvl="1"/>
-            <a:r>
-              <a:rPr lang="en-US" dirty="0"/>
-              <a:t>Analysis of Problems</a:t>
-            </a:r>
-          </a:p>
-          <a:p>
-            <a:pPr lvl="1"/>
-            <a:r>
-              <a:rPr lang="en-US" dirty="0">
-                <a:solidFill>
-                  <a:schemeClr val="bg1">
-                    <a:lumMod val="50000"/>
-                  </a:schemeClr>
-                </a:solidFill>
-              </a:rPr>
-              <a:t>Analysis for Optimization (well, not really but…)</a:t>
-            </a:r>
-          </a:p>
-        </p:txBody>
-      </p:sp>
-    </p:spTree>
-    <p:extLst>
-      <p:ext uri="{BB962C8B-B14F-4D97-AF65-F5344CB8AC3E}">
-        <p14:creationId xmlns:p14="http://schemas.microsoft.com/office/powerpoint/2010/main" val="984774271"/>
-      </p:ext>
-    </p:extLst>
-  </p:cSld>
-  <p:clrMapOvr>
-    <a:masterClrMapping/>
-  </p:clrMapOvr>
-</p:sld>
-</file>
-
-<file path=ppt/slides/slide40.xml><?xml version="1.0" encoding="utf-8"?>
-<p:sld xmlns:a="http://schemas.openxmlformats.org/drawingml/2006/main" xmlns:r="http://schemas.openxmlformats.org/officeDocument/2006/relationships" xmlns:p="http://schemas.openxmlformats.org/presentationml/2006/main">
-  <p:cSld>
-    <p:spTree>
-      <p:nvGrpSpPr>
-        <p:cNvPr id="1" name=""/>
-        <p:cNvGrpSpPr/>
-        <p:nvPr/>
-      </p:nvGrpSpPr>
-      <p:grpSpPr>
-        <a:xfrm>
-          <a:off x="0" y="0"/>
-          <a:ext cx="0" cy="0"/>
-          <a:chOff x="0" y="0"/>
-          <a:chExt cx="0" cy="0"/>
-        </a:xfrm>
-      </p:grpSpPr>
-      <p:sp>
-        <p:nvSpPr>
-          <p:cNvPr id="2" name="Titel 1"/>
+          <p:cNvPr id="5" name="Titel 4"/>
           <p:cNvSpPr>
             <a:spLocks noGrp="1"/>
           </p:cNvSpPr>
@@ -24748,15 +24761,15 @@
           <a:lstStyle/>
           <a:p>
             <a:r>
-              <a:rPr lang="en-US" dirty="0"/>
-              <a:t>Table of Content</a:t>
+              <a:rPr lang="de-DE" dirty="0"/>
+              <a:t>Break Times</a:t>
             </a:r>
           </a:p>
         </p:txBody>
       </p:sp>
       <p:sp>
         <p:nvSpPr>
-          <p:cNvPr id="3" name="Inhaltsplatzhalter 2"/>
+          <p:cNvPr id="6" name="Inhaltsplatzhalter 5"/>
           <p:cNvSpPr>
             <a:spLocks noGrp="1"/>
           </p:cNvSpPr>
@@ -24766,104 +24779,79 @@
         </p:nvSpPr>
         <p:spPr/>
         <p:txBody>
-          <a:bodyPr>
-            <a:normAutofit lnSpcReduction="10000"/>
-          </a:bodyPr>
+          <a:bodyPr/>
           <a:lstStyle/>
           <a:p>
             <a:r>
-              <a:rPr lang="en-US" dirty="0"/>
-              <a:t>Technical Configuration</a:t>
-            </a:r>
-          </a:p>
-          <a:p>
-            <a:pPr lvl="1"/>
-            <a:r>
-              <a:rPr lang="en-US" dirty="0"/>
-              <a:t>Hardware / Virtualization</a:t>
-            </a:r>
-          </a:p>
-          <a:p>
-            <a:pPr lvl="1"/>
-            <a:r>
-              <a:rPr lang="en-US" dirty="0"/>
-              <a:t>Windows OS</a:t>
-            </a:r>
-          </a:p>
-          <a:p>
-            <a:pPr lvl="1"/>
-            <a:r>
-              <a:rPr lang="en-US" dirty="0"/>
-              <a:t>Microsoft SQL Server</a:t>
-            </a:r>
-          </a:p>
-          <a:p>
-            <a:r>
-              <a:rPr lang="en-US" dirty="0"/>
-              <a:t>Results of investigation</a:t>
-            </a:r>
-          </a:p>
-          <a:p>
-            <a:pPr lvl="1"/>
-            <a:r>
-              <a:rPr lang="en-US" dirty="0"/>
-              <a:t>OS / Storage / RAM / NUMA</a:t>
-            </a:r>
-          </a:p>
-          <a:p>
-            <a:pPr lvl="1"/>
-            <a:r>
-              <a:rPr lang="en-US" dirty="0"/>
-              <a:t>Microsoft SQL Server</a:t>
-            </a:r>
-          </a:p>
-          <a:p>
-            <a:pPr lvl="2"/>
-            <a:r>
-              <a:rPr lang="en-US" dirty="0"/>
-              <a:t>Cost Threshold for Parallelism / Max Degree of Wait Stats / </a:t>
-            </a:r>
-            <a:r>
-              <a:rPr lang="en-US" dirty="0" err="1"/>
-              <a:t>AdHoc</a:t>
-            </a:r>
-            <a:r>
-              <a:rPr lang="en-US" dirty="0"/>
-              <a:t> queries</a:t>
-            </a:r>
-          </a:p>
-          <a:p>
-            <a:pPr lvl="2"/>
-            <a:r>
-              <a:rPr lang="en-US" dirty="0"/>
-              <a:t>Wait Stats</a:t>
-            </a:r>
-          </a:p>
-          <a:p>
-            <a:pPr lvl="1"/>
-            <a:r>
-              <a:rPr lang="en-US" dirty="0"/>
-              <a:t>Databases</a:t>
-            </a:r>
-          </a:p>
-          <a:p>
-            <a:pPr lvl="1"/>
-            <a:r>
-              <a:rPr lang="en-US" dirty="0"/>
-              <a:t>Indexes / Statistics</a:t>
-            </a:r>
-          </a:p>
-          <a:p>
-            <a:r>
-              <a:rPr lang="en-US" dirty="0"/>
-              <a:t>Recommendation</a:t>
-            </a:r>
-          </a:p>
-          <a:p>
-            <a:pPr lvl="1"/>
-            <a:r>
-              <a:rPr lang="en-US" dirty="0"/>
-              <a:t>For each „finding“ a dedicated chapter with reference to the finding</a:t>
+              <a:rPr lang="de-DE" dirty="0"/>
+              <a:t>09:00 – 10:30		Session</a:t>
+            </a:r>
+          </a:p>
+          <a:p>
+            <a:r>
+              <a:rPr lang="de-DE" dirty="0"/>
+              <a:t>10:30 – 11:00		Coffee Break (and </a:t>
+            </a:r>
+            <a:r>
+              <a:rPr lang="de-DE" dirty="0" err="1"/>
+              <a:t>fresh</a:t>
+            </a:r>
+            <a:r>
+              <a:rPr lang="de-DE" dirty="0"/>
+              <a:t> </a:t>
+            </a:r>
+            <a:r>
+              <a:rPr lang="de-DE" dirty="0" err="1"/>
+              <a:t>air</a:t>
+            </a:r>
+            <a:r>
+              <a:rPr lang="de-DE" dirty="0"/>
+              <a:t> – </a:t>
+            </a:r>
+            <a:r>
+              <a:rPr lang="de-DE" dirty="0" err="1"/>
+              <a:t>smoking</a:t>
+            </a:r>
+            <a:r>
+              <a:rPr lang="de-DE" dirty="0"/>
+              <a:t> </a:t>
+            </a:r>
+            <a:r>
+              <a:rPr lang="de-DE" dirty="0">
+                <a:sym typeface="Wingdings" panose="05000000000000000000" pitchFamily="2" charset="2"/>
+              </a:rPr>
+              <a:t> )</a:t>
+            </a:r>
+            <a:endParaRPr lang="de-DE" dirty="0"/>
+          </a:p>
+          <a:p>
+            <a:r>
+              <a:rPr lang="de-DE" dirty="0"/>
+              <a:t>11:00 – 12:30		Session</a:t>
+            </a:r>
+          </a:p>
+          <a:p>
+            <a:r>
+              <a:rPr lang="de-DE" dirty="0"/>
+              <a:t>12:30 – 13:30		Lunch Break</a:t>
+            </a:r>
+          </a:p>
+          <a:p>
+            <a:r>
+              <a:rPr lang="de-DE" dirty="0"/>
+              <a:t>13:30 – 15:00		Session</a:t>
+            </a:r>
+          </a:p>
+          <a:p>
+            <a:r>
+              <a:rPr lang="de-DE" dirty="0"/>
+              <a:t>15:00 – 15:30		Coffee Break</a:t>
+            </a:r>
+          </a:p>
+          <a:p>
+            <a:r>
+              <a:rPr lang="de-DE" dirty="0"/>
+              <a:t>15:30 – 16:45 / 17:00	Session</a:t>
             </a:r>
           </a:p>
         </p:txBody>
@@ -24871,7 +24859,7 @@
     </p:spTree>
     <p:extLst>
       <p:ext uri="{BB962C8B-B14F-4D97-AF65-F5344CB8AC3E}">
-        <p14:creationId xmlns:p14="http://schemas.microsoft.com/office/powerpoint/2010/main" val="4291921113"/>
+        <p14:creationId xmlns:p14="http://schemas.microsoft.com/office/powerpoint/2010/main" val="3203706696"/>
       </p:ext>
     </p:extLst>
   </p:cSld>
@@ -24881,7 +24869,7 @@
 </p:sld>
 </file>
 
-<file path=ppt/slides/slide41.xml><?xml version="1.0" encoding="utf-8"?>
+<file path=ppt/slides/slide40.xml><?xml version="1.0" encoding="utf-8"?>
 <p:sld xmlns:a="http://schemas.openxmlformats.org/drawingml/2006/main" xmlns:r="http://schemas.openxmlformats.org/officeDocument/2006/relationships" xmlns:p="http://schemas.openxmlformats.org/presentationml/2006/main">
   <p:cSld>
     <p:spTree>
@@ -24964,7 +24952,7 @@
 </p:sld>
 </file>
 
-<file path=ppt/slides/slide42.xml><?xml version="1.0" encoding="utf-8"?>
+<file path=ppt/slides/slide41.xml><?xml version="1.0" encoding="utf-8"?>
 <p:sld xmlns:a="http://schemas.openxmlformats.org/drawingml/2006/main" xmlns:r="http://schemas.openxmlformats.org/officeDocument/2006/relationships" xmlns:p="http://schemas.openxmlformats.org/presentationml/2006/main">
   <p:cSld>
     <p:spTree>
@@ -25024,7 +25012,7 @@
 </p:sld>
 </file>
 
-<file path=ppt/slides/slide43.xml><?xml version="1.0" encoding="utf-8"?>
+<file path=ppt/slides/slide42.xml><?xml version="1.0" encoding="utf-8"?>
 <p:sld xmlns:a="http://schemas.openxmlformats.org/drawingml/2006/main" xmlns:r="http://schemas.openxmlformats.org/officeDocument/2006/relationships" xmlns:p="http://schemas.openxmlformats.org/presentationml/2006/main">
   <p:cSld>
     <p:spTree>
@@ -25118,7 +25106,7 @@
       </p:grpSpPr>
       <p:sp>
         <p:nvSpPr>
-          <p:cNvPr id="4" name="Titel 3"/>
+          <p:cNvPr id="2" name="Titel 1"/>
           <p:cNvSpPr>
             <a:spLocks noGrp="1"/>
           </p:cNvSpPr>
@@ -25128,20 +25116,28 @@
         </p:nvSpPr>
         <p:spPr/>
         <p:txBody>
-          <a:bodyPr/>
+          <a:bodyPr>
+            <a:normAutofit/>
+          </a:bodyPr>
           <a:lstStyle/>
           <a:p>
             <a:r>
-              <a:rPr lang="en-US"/>
-              <a:t>Agenda</a:t>
-            </a:r>
-            <a:endParaRPr lang="en-US" dirty="0"/>
+              <a:rPr lang="en-US" dirty="0"/>
+              <a:t>Who wants to run an analysis of</a:t>
+            </a:r>
+            <a:br>
+              <a:rPr lang="en-US" dirty="0"/>
+            </a:br>
+            <a:r>
+              <a:rPr lang="en-US" dirty="0"/>
+              <a:t>Microsoft SQL Server?</a:t>
+            </a:r>
           </a:p>
         </p:txBody>
       </p:sp>
       <p:sp>
         <p:nvSpPr>
-          <p:cNvPr id="5" name="Inhaltsplatzhalter 4"/>
+          <p:cNvPr id="3" name="Untertitel 2"/>
           <p:cNvSpPr>
             <a:spLocks noGrp="1"/>
           </p:cNvSpPr>
@@ -25156,189 +25152,72 @@
           </a:bodyPr>
           <a:lstStyle/>
           <a:p>
+            <a:pPr marL="342900" indent="-342900" algn="l">
+              <a:buFont typeface="Arial" panose="020B0604020202020204" pitchFamily="34" charset="0"/>
+              <a:buChar char="•"/>
+            </a:pPr>
             <a:r>
               <a:rPr lang="en-US" dirty="0"/>
-              <a:t>Operating System</a:t>
+              <a:t>Consultant</a:t>
             </a:r>
           </a:p>
           <a:p>
             <a:pPr lvl="1"/>
             <a:r>
               <a:rPr lang="en-US" dirty="0"/>
-              <a:t>Generic Information about the installed Microsoft SQL Server</a:t>
-            </a:r>
-            <a:br>
+              <a:t>Approval of a system which has been installed by vendors</a:t>
+            </a:r>
+          </a:p>
+          <a:p>
+            <a:pPr lvl="1"/>
+            <a:r>
               <a:rPr lang="en-US" dirty="0"/>
-            </a:br>
-            <a:r>
-              <a:rPr lang="en-US" sz="1200" b="1" dirty="0">
+              <a:t>Analysis of Problems</a:t>
+            </a:r>
+          </a:p>
+          <a:p>
+            <a:pPr lvl="1"/>
+            <a:r>
+              <a:rPr lang="en-US" dirty="0"/>
+              <a:t>Analysis for Optimization</a:t>
+            </a:r>
+          </a:p>
+          <a:p>
+            <a:pPr marL="342900" indent="-342900" algn="l">
+              <a:buFont typeface="Arial" panose="020B0604020202020204" pitchFamily="34" charset="0"/>
+              <a:buChar char="•"/>
+            </a:pPr>
+            <a:r>
+              <a:rPr lang="en-US" dirty="0"/>
+              <a:t>DBA</a:t>
+            </a:r>
+          </a:p>
+          <a:p>
+            <a:pPr lvl="1"/>
+            <a:r>
+              <a:rPr lang="en-US" dirty="0"/>
+              <a:t>Analysis of Problems</a:t>
+            </a:r>
+          </a:p>
+          <a:p>
+            <a:pPr lvl="1"/>
+            <a:r>
+              <a:rPr lang="en-US" dirty="0">
                 <a:solidFill>
-                  <a:schemeClr val="tx2"/>
+                  <a:schemeClr val="bg1">
+                    <a:lumMod val="50000"/>
+                  </a:schemeClr>
                 </a:solidFill>
               </a:rPr>
-              <a:t>001 - A00 - System Environment - Generic </a:t>
-            </a:r>
-            <a:r>
-              <a:rPr lang="en-US" sz="1200" b="1" dirty="0" err="1">
-                <a:solidFill>
-                  <a:schemeClr val="tx2"/>
-                </a:solidFill>
-              </a:rPr>
-              <a:t>Information.sql</a:t>
-            </a:r>
-            <a:endParaRPr lang="en-US" sz="1200" b="1" dirty="0">
-              <a:solidFill>
-                <a:schemeClr val="tx2"/>
-              </a:solidFill>
-            </a:endParaRPr>
-          </a:p>
-          <a:p>
-            <a:pPr lvl="1"/>
-            <a:r>
-              <a:rPr lang="en-US" dirty="0"/>
-              <a:t>Check of the system environment of the service account</a:t>
-            </a:r>
-            <a:br>
-              <a:rPr lang="en-US" dirty="0"/>
-            </a:br>
-            <a:r>
-              <a:rPr lang="en-US" sz="1200" b="1" dirty="0">
-                <a:solidFill>
-                  <a:schemeClr val="tx2"/>
-                </a:solidFill>
-              </a:rPr>
-              <a:t>001 - A01 - System Environment - Security of service </a:t>
-            </a:r>
-            <a:r>
-              <a:rPr lang="en-US" sz="1200" b="1" dirty="0" err="1">
-                <a:solidFill>
-                  <a:schemeClr val="tx2"/>
-                </a:solidFill>
-              </a:rPr>
-              <a:t>account.sql</a:t>
-            </a:r>
-            <a:endParaRPr lang="en-US" sz="1200" b="1" dirty="0">
-              <a:solidFill>
-                <a:schemeClr val="tx2"/>
-              </a:solidFill>
-            </a:endParaRPr>
-          </a:p>
-          <a:p>
-            <a:pPr lvl="1"/>
-            <a:r>
-              <a:rPr lang="en-US" dirty="0"/>
-              <a:t>Formatted block size of the storage</a:t>
-            </a:r>
-            <a:br>
-              <a:rPr lang="en-US" dirty="0"/>
-            </a:br>
-            <a:r>
-              <a:rPr lang="en-US" sz="1200" b="1" dirty="0">
-                <a:solidFill>
-                  <a:schemeClr val="tx2"/>
-                </a:solidFill>
-              </a:rPr>
-              <a:t>001 - A01 - System Environment - Security of service </a:t>
-            </a:r>
-            <a:r>
-              <a:rPr lang="en-US" sz="1200" b="1" dirty="0" err="1">
-                <a:solidFill>
-                  <a:schemeClr val="tx2"/>
-                </a:solidFill>
-              </a:rPr>
-              <a:t>account.sql</a:t>
-            </a:r>
-            <a:endParaRPr lang="en-US" sz="1200" dirty="0"/>
-          </a:p>
-          <a:p>
-            <a:pPr lvl="1"/>
-            <a:r>
-              <a:rPr lang="en-US" dirty="0"/>
-              <a:t>Security check for the service account</a:t>
-            </a:r>
-            <a:br>
-              <a:rPr lang="en-US" dirty="0"/>
-            </a:br>
-            <a:r>
-              <a:rPr lang="en-US" sz="1200" b="1" dirty="0">
-                <a:solidFill>
-                  <a:schemeClr val="tx2"/>
-                </a:solidFill>
-              </a:rPr>
-              <a:t>001 - A01 - System Environment - Security of service </a:t>
-            </a:r>
-            <a:r>
-              <a:rPr lang="en-US" sz="1200" b="1" dirty="0" err="1">
-                <a:solidFill>
-                  <a:schemeClr val="tx2"/>
-                </a:solidFill>
-              </a:rPr>
-              <a:t>account.sql</a:t>
-            </a:r>
-            <a:endParaRPr lang="en-US" sz="1200" dirty="0"/>
-          </a:p>
-          <a:p>
-            <a:r>
-              <a:rPr lang="en-US" dirty="0"/>
-              <a:t>System configuration</a:t>
-            </a:r>
-          </a:p>
-          <a:p>
-            <a:pPr lvl="1"/>
-            <a:r>
-              <a:rPr lang="en-US" dirty="0"/>
-              <a:t>CPU / RAM / IO</a:t>
-            </a:r>
-            <a:br>
-              <a:rPr lang="en-US" dirty="0"/>
-            </a:br>
-            <a:r>
-              <a:rPr lang="en-US" sz="1200" b="1" dirty="0">
-                <a:solidFill>
-                  <a:schemeClr val="tx2"/>
-                </a:solidFill>
-              </a:rPr>
-              <a:t>001 - A00 - System Environment - Generic </a:t>
-            </a:r>
-            <a:r>
-              <a:rPr lang="en-US" sz="1200" b="1" dirty="0" err="1">
-                <a:solidFill>
-                  <a:schemeClr val="tx2"/>
-                </a:solidFill>
-              </a:rPr>
-              <a:t>Information.sql</a:t>
-            </a:r>
-            <a:br>
-              <a:rPr lang="en-US" dirty="0"/>
-            </a:br>
-            <a:r>
-              <a:rPr lang="en-US" sz="1200" b="1" dirty="0">
-                <a:solidFill>
-                  <a:schemeClr val="tx2"/>
-                </a:solidFill>
-              </a:rPr>
-              <a:t>001 - A02 - System Environment - Drive </a:t>
-            </a:r>
-            <a:r>
-              <a:rPr lang="en-US" sz="1200" b="1" dirty="0" err="1">
-                <a:solidFill>
-                  <a:schemeClr val="tx2"/>
-                </a:solidFill>
-              </a:rPr>
-              <a:t>Latency.sql</a:t>
-            </a:r>
-            <a:endParaRPr lang="en-US" sz="1200" b="1" dirty="0">
-              <a:solidFill>
-                <a:schemeClr val="tx2"/>
-              </a:solidFill>
-            </a:endParaRPr>
+              <a:t>Analysis for Optimization (well, not really but…)</a:t>
+            </a:r>
           </a:p>
         </p:txBody>
       </p:sp>
     </p:spTree>
     <p:extLst>
       <p:ext uri="{BB962C8B-B14F-4D97-AF65-F5344CB8AC3E}">
-        <p14:creationId xmlns:p14="http://schemas.microsoft.com/office/powerpoint/2010/main" val="401083080"/>
+        <p14:creationId xmlns:p14="http://schemas.microsoft.com/office/powerpoint/2010/main" val="984774271"/>
       </p:ext>
     </p:extLst>
   </p:cSld>
@@ -25367,7 +25246,7 @@
       </p:grpSpPr>
       <p:sp>
         <p:nvSpPr>
-          <p:cNvPr id="2" name="Titel 1"/>
+          <p:cNvPr id="4" name="Titel 3"/>
           <p:cNvSpPr>
             <a:spLocks noGrp="1"/>
           </p:cNvSpPr>
@@ -25375,7 +25254,12 @@
             <p:ph type="title"/>
           </p:nvPr>
         </p:nvSpPr>
-        <p:spPr/>
+        <p:spPr>
+          <a:xfrm>
+            <a:off x="251224" y="330995"/>
+            <a:ext cx="6778227" cy="837011"/>
+          </a:xfrm>
+        </p:spPr>
         <p:txBody>
           <a:bodyPr/>
           <a:lstStyle/>
@@ -25390,7 +25274,7 @@
       </p:sp>
       <p:sp>
         <p:nvSpPr>
-          <p:cNvPr id="3" name="Inhaltsplatzhalter 2"/>
+          <p:cNvPr id="5" name="Inhaltsplatzhalter 4"/>
           <p:cNvSpPr>
             <a:spLocks noGrp="1"/>
           </p:cNvSpPr>
@@ -25398,7 +25282,12 @@
             <p:ph idx="1"/>
           </p:nvPr>
         </p:nvSpPr>
-        <p:spPr/>
+        <p:spPr>
+          <a:xfrm>
+            <a:off x="251224" y="1248966"/>
+            <a:ext cx="8641556" cy="3429000"/>
+          </a:xfrm>
+        </p:spPr>
         <p:txBody>
           <a:bodyPr>
             <a:normAutofit/>
@@ -25407,283 +25296,83 @@
           <a:p>
             <a:r>
               <a:rPr lang="en-US" dirty="0"/>
-              <a:t>SQL Server Configuration and Resource-Usage</a:t>
-            </a:r>
-            <a:br>
+              <a:t>Operating System</a:t>
+            </a:r>
+          </a:p>
+          <a:p>
+            <a:pPr lvl="1"/>
+            <a:r>
               <a:rPr lang="en-US" dirty="0"/>
-            </a:br>
-            <a:r>
-              <a:rPr lang="en-US" sz="1300" b="1" dirty="0">
-                <a:solidFill>
-                  <a:schemeClr val="tx2"/>
-                </a:solidFill>
-              </a:rPr>
-              <a:t>001 - A03 - System Environment - Drive </a:t>
-            </a:r>
-            <a:r>
-              <a:rPr lang="en-US" sz="1300" b="1" dirty="0" err="1">
-                <a:solidFill>
-                  <a:schemeClr val="tx2"/>
-                </a:solidFill>
-              </a:rPr>
-              <a:t>Latency.sql</a:t>
-            </a:r>
-            <a:br>
-              <a:rPr lang="en-US" sz="1300" b="1" dirty="0">
-                <a:solidFill>
-                  <a:schemeClr val="tx2"/>
-                </a:solidFill>
-              </a:rPr>
-            </a:br>
-            <a:r>
-              <a:rPr lang="en-US" sz="1300" b="1" dirty="0">
-                <a:solidFill>
-                  <a:schemeClr val="tx2"/>
-                </a:solidFill>
-              </a:rPr>
-              <a:t>001 - A04 - System Environment - </a:t>
-            </a:r>
-            <a:r>
-              <a:rPr lang="en-US" sz="1300" b="1" dirty="0" err="1">
-                <a:solidFill>
-                  <a:schemeClr val="tx2"/>
-                </a:solidFill>
-              </a:rPr>
-              <a:t>Configuration.sql</a:t>
-            </a:r>
-            <a:br>
-              <a:rPr lang="en-US" sz="1300" b="1" dirty="0">
-                <a:solidFill>
-                  <a:schemeClr val="tx2"/>
-                </a:solidFill>
-              </a:rPr>
-            </a:br>
-            <a:r>
-              <a:rPr lang="en-US" sz="1300" b="1" dirty="0">
-                <a:solidFill>
-                  <a:schemeClr val="tx2"/>
-                </a:solidFill>
-              </a:rPr>
-              <a:t>001 - A05 - System Environment - Page Life </a:t>
-            </a:r>
-            <a:r>
-              <a:rPr lang="en-US" sz="1300" b="1" dirty="0" err="1">
-                <a:solidFill>
-                  <a:schemeClr val="tx2"/>
-                </a:solidFill>
-              </a:rPr>
-              <a:t>Expectancy.sql</a:t>
-            </a:r>
-            <a:endParaRPr lang="en-US" sz="1300" b="1" dirty="0">
-              <a:solidFill>
-                <a:schemeClr val="tx2"/>
-              </a:solidFill>
-            </a:endParaRPr>
-          </a:p>
-          <a:p>
+              <a:t>Generic Information about the installed Microsoft SQL Server</a:t>
+            </a:r>
+          </a:p>
+          <a:p>
+            <a:pPr lvl="1"/>
             <a:r>
               <a:rPr lang="en-US" dirty="0"/>
-              <a:t>How about the SQL Server Agent Jobs</a:t>
-            </a:r>
-            <a:br>
+              <a:t>Check of the system environment of the service account</a:t>
+            </a:r>
+          </a:p>
+          <a:p>
+            <a:pPr lvl="1"/>
+            <a:r>
               <a:rPr lang="en-US" dirty="0"/>
-            </a:br>
-            <a:r>
-              <a:rPr lang="en-US" sz="1300" b="1" dirty="0">
-                <a:solidFill>
-                  <a:schemeClr val="tx2"/>
-                </a:solidFill>
-              </a:rPr>
-              <a:t>001 - A06 - System Environment - SQL Agent Job </a:t>
-            </a:r>
-            <a:r>
-              <a:rPr lang="en-US" sz="1300" b="1" dirty="0" err="1">
-                <a:solidFill>
-                  <a:schemeClr val="tx2"/>
-                </a:solidFill>
-              </a:rPr>
-              <a:t>Information.sql</a:t>
-            </a:r>
-            <a:endParaRPr lang="en-US" sz="1300" b="1" dirty="0">
-              <a:solidFill>
-                <a:schemeClr val="tx2"/>
-              </a:solidFill>
-            </a:endParaRPr>
-          </a:p>
-          <a:p>
+              <a:t>Formatted block size of the storage</a:t>
+            </a:r>
+          </a:p>
+          <a:p>
+            <a:pPr lvl="1"/>
             <a:r>
               <a:rPr lang="en-US" dirty="0"/>
-              <a:t>Database configuration</a:t>
-            </a:r>
-            <a:br>
+              <a:t>Security check for the service account</a:t>
+            </a:r>
+          </a:p>
+          <a:p>
+            <a:pPr lvl="1"/>
+            <a:r>
               <a:rPr lang="en-US" dirty="0"/>
-            </a:br>
-            <a:r>
-              <a:rPr lang="en-US" sz="1300" b="1" dirty="0">
-                <a:solidFill>
-                  <a:schemeClr val="tx2"/>
-                </a:solidFill>
-              </a:rPr>
-              <a:t>002 - A01 - Database analysis - Distribution of </a:t>
-            </a:r>
-            <a:r>
-              <a:rPr lang="en-US" sz="1300" b="1" dirty="0" err="1">
-                <a:solidFill>
-                  <a:schemeClr val="tx2"/>
-                </a:solidFill>
-              </a:rPr>
-              <a:t>databases.sql</a:t>
-            </a:r>
-            <a:br>
-              <a:rPr lang="en-US" sz="1300" b="1" dirty="0">
-                <a:solidFill>
-                  <a:schemeClr val="tx2"/>
-                </a:solidFill>
-              </a:rPr>
-            </a:br>
-            <a:r>
-              <a:rPr lang="en-US" sz="1300" b="1" dirty="0">
-                <a:solidFill>
-                  <a:schemeClr val="tx2"/>
-                </a:solidFill>
-              </a:rPr>
-              <a:t>002 - A02 - Database analysis - Database size and </a:t>
-            </a:r>
-            <a:r>
-              <a:rPr lang="en-US" sz="1300" b="1" dirty="0" err="1">
-                <a:solidFill>
-                  <a:schemeClr val="tx2"/>
-                </a:solidFill>
-              </a:rPr>
-              <a:t>consumption.sql</a:t>
-            </a:r>
-            <a:br>
-              <a:rPr lang="en-US" sz="1300" b="1" dirty="0">
-                <a:solidFill>
-                  <a:schemeClr val="tx2"/>
-                </a:solidFill>
-              </a:rPr>
-            </a:br>
-            <a:r>
-              <a:rPr lang="en-US" sz="1300" b="1" dirty="0">
-                <a:solidFill>
-                  <a:schemeClr val="tx2"/>
-                </a:solidFill>
-              </a:rPr>
-              <a:t>002 - A03 - Database analysis - Database </a:t>
-            </a:r>
-            <a:r>
-              <a:rPr lang="en-US" sz="1300" b="1" dirty="0" err="1">
-                <a:solidFill>
-                  <a:schemeClr val="tx2"/>
-                </a:solidFill>
-              </a:rPr>
-              <a:t>Settings.sql</a:t>
-            </a:r>
-            <a:br>
-              <a:rPr lang="en-US" sz="1300" b="1" dirty="0">
-                <a:solidFill>
-                  <a:schemeClr val="tx2"/>
-                </a:solidFill>
-              </a:rPr>
-            </a:br>
-            <a:r>
-              <a:rPr lang="en-US" sz="1300" b="1" dirty="0">
-                <a:solidFill>
-                  <a:schemeClr val="tx2"/>
-                </a:solidFill>
-              </a:rPr>
-              <a:t>002 - A04 - Database analysis - </a:t>
-            </a:r>
-            <a:r>
-              <a:rPr lang="en-US" sz="1300" b="1" dirty="0" err="1">
-                <a:solidFill>
-                  <a:schemeClr val="tx2"/>
-                </a:solidFill>
-              </a:rPr>
-              <a:t>Bufferpool</a:t>
-            </a:r>
-            <a:r>
-              <a:rPr lang="en-US" sz="1300" b="1" dirty="0">
-                <a:solidFill>
-                  <a:schemeClr val="tx2"/>
-                </a:solidFill>
-              </a:rPr>
-              <a:t> </a:t>
-            </a:r>
-            <a:r>
-              <a:rPr lang="en-US" sz="1300" b="1" dirty="0" err="1">
-                <a:solidFill>
-                  <a:schemeClr val="tx2"/>
-                </a:solidFill>
-              </a:rPr>
-              <a:t>usage.sql</a:t>
-            </a:r>
-            <a:br>
-              <a:rPr lang="en-US" sz="1300" b="1" dirty="0">
-                <a:solidFill>
-                  <a:schemeClr val="tx2"/>
-                </a:solidFill>
-              </a:rPr>
-            </a:br>
-            <a:r>
-              <a:rPr lang="en-US" sz="1300" b="1" dirty="0">
-                <a:solidFill>
-                  <a:schemeClr val="tx2"/>
-                </a:solidFill>
-              </a:rPr>
-              <a:t>003 - A01 - TEMPDB analysis - data file </a:t>
-            </a:r>
-            <a:r>
-              <a:rPr lang="en-US" sz="1300" b="1" dirty="0" err="1">
-                <a:solidFill>
-                  <a:schemeClr val="tx2"/>
-                </a:solidFill>
-              </a:rPr>
-              <a:t>information.sql</a:t>
-            </a:r>
-            <a:endParaRPr lang="en-US" sz="1300" b="1" dirty="0">
-              <a:solidFill>
-                <a:schemeClr val="tx2"/>
-              </a:solidFill>
-            </a:endParaRPr>
-          </a:p>
-          <a:p>
-            <a:r>
-              <a:rPr lang="en-US"/>
-              <a:t>Backup</a:t>
-            </a:r>
-            <a:br>
+              <a:t>System configuration</a:t>
+            </a:r>
+          </a:p>
+          <a:p>
+            <a:pPr lvl="1"/>
+            <a:r>
               <a:rPr lang="en-US" dirty="0"/>
-            </a:br>
-            <a:r>
-              <a:rPr lang="en-US" sz="1300" b="1" dirty="0">
-                <a:solidFill>
-                  <a:schemeClr val="tx2"/>
-                </a:solidFill>
-              </a:rPr>
-              <a:t>001 - A07 - System Environment - Backup-</a:t>
-            </a:r>
-            <a:r>
-              <a:rPr lang="en-US" sz="1300" b="1" dirty="0" err="1">
-                <a:solidFill>
-                  <a:schemeClr val="tx2"/>
-                </a:solidFill>
-              </a:rPr>
-              <a:t>Information.sql</a:t>
-            </a:r>
-            <a:endParaRPr lang="en-US" sz="1300" b="1" dirty="0">
-              <a:solidFill>
-                <a:schemeClr val="tx2"/>
-              </a:solidFill>
-            </a:endParaRPr>
+              <a:t>CPU / RAM / IO</a:t>
+            </a:r>
+          </a:p>
+          <a:p>
+            <a:r>
+              <a:rPr lang="en-US" dirty="0"/>
+              <a:t>Database</a:t>
+            </a:r>
+          </a:p>
+          <a:p>
+            <a:pPr lvl="1"/>
+            <a:r>
+              <a:rPr lang="en-US" dirty="0"/>
+              <a:t>TEMPDB</a:t>
+            </a:r>
+          </a:p>
+          <a:p>
+            <a:pPr lvl="1"/>
+            <a:r>
+              <a:rPr lang="en-US" dirty="0"/>
+              <a:t>User Databases</a:t>
+            </a:r>
+          </a:p>
+          <a:p>
+            <a:r>
+              <a:rPr lang="en-US" dirty="0"/>
+              <a:t>Wait Stats</a:t>
+            </a:r>
           </a:p>
         </p:txBody>
       </p:sp>
     </p:spTree>
     <p:extLst>
       <p:ext uri="{BB962C8B-B14F-4D97-AF65-F5344CB8AC3E}">
-        <p14:creationId xmlns:p14="http://schemas.microsoft.com/office/powerpoint/2010/main" val="3801603410"/>
+        <p14:creationId xmlns:p14="http://schemas.microsoft.com/office/powerpoint/2010/main" val="401083080"/>
       </p:ext>
     </p:extLst>
   </p:cSld>
@@ -25694,230 +25383,6 @@
 </file>
 
 <file path=ppt/slides/slide7.xml><?xml version="1.0" encoding="utf-8"?>
-<p:sld xmlns:a="http://schemas.openxmlformats.org/drawingml/2006/main" xmlns:r="http://schemas.openxmlformats.org/officeDocument/2006/relationships" xmlns:p="http://schemas.openxmlformats.org/presentationml/2006/main">
-  <p:cSld>
-    <p:spTree>
-      <p:nvGrpSpPr>
-        <p:cNvPr id="1" name=""/>
-        <p:cNvGrpSpPr/>
-        <p:nvPr/>
-      </p:nvGrpSpPr>
-      <p:grpSpPr>
-        <a:xfrm>
-          <a:off x="0" y="0"/>
-          <a:ext cx="0" cy="0"/>
-          <a:chOff x="0" y="0"/>
-          <a:chExt cx="0" cy="0"/>
-        </a:xfrm>
-      </p:grpSpPr>
-      <p:sp>
-        <p:nvSpPr>
-          <p:cNvPr id="2" name="Titel 1"/>
-          <p:cNvSpPr>
-            <a:spLocks noGrp="1"/>
-          </p:cNvSpPr>
-          <p:nvPr>
-            <p:ph type="title"/>
-          </p:nvPr>
-        </p:nvSpPr>
-        <p:spPr/>
-        <p:txBody>
-          <a:bodyPr/>
-          <a:lstStyle/>
-          <a:p>
-            <a:r>
-              <a:rPr lang="en-US" dirty="0"/>
-              <a:t>Agenda</a:t>
-            </a:r>
-          </a:p>
-        </p:txBody>
-      </p:sp>
-      <p:sp>
-        <p:nvSpPr>
-          <p:cNvPr id="3" name="Inhaltsplatzhalter 2"/>
-          <p:cNvSpPr>
-            <a:spLocks noGrp="1"/>
-          </p:cNvSpPr>
-          <p:nvPr>
-            <p:ph idx="1"/>
-          </p:nvPr>
-        </p:nvSpPr>
-        <p:spPr/>
-        <p:txBody>
-          <a:bodyPr>
-            <a:normAutofit/>
-          </a:bodyPr>
-          <a:lstStyle/>
-          <a:p>
-            <a:r>
-              <a:rPr lang="en-US" dirty="0"/>
-              <a:t>Wait Stats</a:t>
-            </a:r>
-            <a:br>
-              <a:rPr lang="en-US" dirty="0"/>
-            </a:br>
-            <a:r>
-              <a:rPr lang="en-US" sz="1200" b="1" dirty="0">
-                <a:solidFill>
-                  <a:schemeClr val="tx2"/>
-                </a:solidFill>
-              </a:rPr>
-              <a:t>004 - A01 - What tasks are CURRENTLY </a:t>
-            </a:r>
-            <a:r>
-              <a:rPr lang="en-US" sz="1200" b="1" dirty="0" err="1">
-                <a:solidFill>
-                  <a:schemeClr val="tx2"/>
-                </a:solidFill>
-              </a:rPr>
-              <a:t>waiting.sql</a:t>
-            </a:r>
-            <a:br>
-              <a:rPr lang="en-US" sz="1200" b="1" dirty="0">
-                <a:solidFill>
-                  <a:schemeClr val="tx2"/>
-                </a:solidFill>
-              </a:rPr>
-            </a:br>
-            <a:r>
-              <a:rPr lang="en-US" sz="1200" b="1" dirty="0">
-                <a:solidFill>
-                  <a:schemeClr val="tx2"/>
-                </a:solidFill>
-              </a:rPr>
-              <a:t>004 - A02 - Waiting - Analysis of wait </a:t>
-            </a:r>
-            <a:r>
-              <a:rPr lang="en-US" sz="1200" b="1" dirty="0" err="1">
-                <a:solidFill>
-                  <a:schemeClr val="tx2"/>
-                </a:solidFill>
-              </a:rPr>
-              <a:t>stats.sql</a:t>
-            </a:r>
-            <a:endParaRPr lang="en-US" sz="1200" b="1" dirty="0">
-              <a:solidFill>
-                <a:schemeClr val="tx2"/>
-              </a:solidFill>
-            </a:endParaRPr>
-          </a:p>
-          <a:p>
-            <a:r>
-              <a:rPr lang="en-US" dirty="0"/>
-              <a:t>Indexes and Statistics</a:t>
-            </a:r>
-            <a:br>
-              <a:rPr lang="en-US" dirty="0"/>
-            </a:br>
-            <a:r>
-              <a:rPr lang="en-US" sz="1200" b="1" dirty="0">
-                <a:solidFill>
-                  <a:schemeClr val="tx2"/>
-                </a:solidFill>
-              </a:rPr>
-              <a:t>005 - A01 - Index usage in dedicated database.sql</a:t>
-            </a:r>
-            <a:br>
-              <a:rPr lang="en-US" sz="1200" b="1" dirty="0">
-                <a:solidFill>
-                  <a:schemeClr val="tx2"/>
-                </a:solidFill>
-              </a:rPr>
-            </a:br>
-            <a:r>
-              <a:rPr lang="en-US" sz="1200" b="1" dirty="0">
-                <a:solidFill>
-                  <a:schemeClr val="tx2"/>
-                </a:solidFill>
-              </a:rPr>
-              <a:t>005 - A02 - Index physical stats in dedicated database.sql</a:t>
-            </a:r>
-            <a:br>
-              <a:rPr lang="en-US" sz="1200" b="1" dirty="0">
-                <a:solidFill>
-                  <a:schemeClr val="tx2"/>
-                </a:solidFill>
-              </a:rPr>
-            </a:br>
-            <a:r>
-              <a:rPr lang="en-US" sz="1200" b="1" dirty="0">
-                <a:solidFill>
-                  <a:schemeClr val="tx2"/>
-                </a:solidFill>
-              </a:rPr>
-              <a:t>005 - A04 - Missing Indexes and its impact.sql</a:t>
-            </a:r>
-            <a:br>
-              <a:rPr lang="en-US" sz="1200" b="1" dirty="0">
-                <a:solidFill>
-                  <a:schemeClr val="tx2"/>
-                </a:solidFill>
-              </a:rPr>
-            </a:br>
-            <a:br>
-              <a:rPr lang="en-US" sz="1200" b="1" dirty="0">
-                <a:solidFill>
-                  <a:schemeClr val="tx2"/>
-                </a:solidFill>
-              </a:rPr>
-            </a:br>
-            <a:r>
-              <a:rPr lang="en-US" sz="1200" b="1" dirty="0">
-                <a:solidFill>
-                  <a:schemeClr val="tx2"/>
-                </a:solidFill>
-              </a:rPr>
-              <a:t>005 - A03 - Statistics in explicit database.sql</a:t>
-            </a:r>
-          </a:p>
-          <a:p>
-            <a:r>
-              <a:rPr lang="en-US" dirty="0"/>
-              <a:t>Plan Cache Analysis</a:t>
-            </a:r>
-            <a:br>
-              <a:rPr lang="en-US" dirty="0"/>
-            </a:br>
-            <a:r>
-              <a:rPr lang="en-US" sz="1200" b="1" dirty="0">
-                <a:solidFill>
-                  <a:schemeClr val="tx2"/>
-                </a:solidFill>
-              </a:rPr>
-              <a:t>005 - A05 - Analyze of the plan cache.sql</a:t>
-            </a:r>
-            <a:br>
-              <a:rPr lang="en-US" sz="1200" b="1" dirty="0">
-                <a:solidFill>
-                  <a:schemeClr val="tx2"/>
-                </a:solidFill>
-              </a:rPr>
-            </a:br>
-            <a:r>
-              <a:rPr lang="en-US" sz="1200" b="1" dirty="0">
-                <a:solidFill>
-                  <a:schemeClr val="tx2"/>
-                </a:solidFill>
-              </a:rPr>
-              <a:t>005 - A06 - find CXPACKET queries in the plan cache.sql</a:t>
-            </a:r>
-          </a:p>
-        </p:txBody>
-      </p:sp>
-    </p:spTree>
-    <p:extLst>
-      <p:ext uri="{BB962C8B-B14F-4D97-AF65-F5344CB8AC3E}">
-        <p14:creationId xmlns:p14="http://schemas.microsoft.com/office/powerpoint/2010/main" val="412829661"/>
-      </p:ext>
-    </p:extLst>
-  </p:cSld>
-  <p:clrMapOvr>
-    <a:masterClrMapping/>
-  </p:clrMapOvr>
-</p:sld>
-</file>
-
-<file path=ppt/slides/slide8.xml><?xml version="1.0" encoding="utf-8"?>
 <p:sld xmlns:a="http://schemas.openxmlformats.org/drawingml/2006/main" xmlns:r="http://schemas.openxmlformats.org/officeDocument/2006/relationships" xmlns:p="http://schemas.openxmlformats.org/presentationml/2006/main">
   <p:cSld>
     <p:spTree>
@@ -26064,7 +25529,7 @@
 </p:sld>
 </file>
 
-<file path=ppt/slides/slide9.xml><?xml version="1.0" encoding="utf-8"?>
+<file path=ppt/slides/slide8.xml><?xml version="1.0" encoding="utf-8"?>
 <p:sld xmlns:a="http://schemas.openxmlformats.org/drawingml/2006/main" xmlns:r="http://schemas.openxmlformats.org/officeDocument/2006/relationships" xmlns:p="http://schemas.openxmlformats.org/presentationml/2006/main">
   <p:cSld>
     <p:spTree>
@@ -26231,6 +25696,108 @@
     <p:extLst>
       <p:ext uri="{BB962C8B-B14F-4D97-AF65-F5344CB8AC3E}">
         <p14:creationId xmlns:p14="http://schemas.microsoft.com/office/powerpoint/2010/main" val="881204533"/>
+      </p:ext>
+    </p:extLst>
+  </p:cSld>
+  <p:clrMapOvr>
+    <a:masterClrMapping/>
+  </p:clrMapOvr>
+</p:sld>
+</file>
+
+<file path=ppt/slides/slide9.xml><?xml version="1.0" encoding="utf-8"?>
+<p:sld xmlns:a="http://schemas.openxmlformats.org/drawingml/2006/main" xmlns:r="http://schemas.openxmlformats.org/officeDocument/2006/relationships" xmlns:p="http://schemas.openxmlformats.org/presentationml/2006/main">
+  <p:cSld>
+    <p:spTree>
+      <p:nvGrpSpPr>
+        <p:cNvPr id="1" name=""/>
+        <p:cNvGrpSpPr/>
+        <p:nvPr/>
+      </p:nvGrpSpPr>
+      <p:grpSpPr>
+        <a:xfrm>
+          <a:off x="0" y="0"/>
+          <a:ext cx="0" cy="0"/>
+          <a:chOff x="0" y="0"/>
+          <a:chExt cx="0" cy="0"/>
+        </a:xfrm>
+      </p:grpSpPr>
+      <p:sp>
+        <p:nvSpPr>
+          <p:cNvPr id="2" name="Titel 1"/>
+          <p:cNvSpPr>
+            <a:spLocks noGrp="1"/>
+          </p:cNvSpPr>
+          <p:nvPr>
+            <p:ph type="title"/>
+          </p:nvPr>
+        </p:nvSpPr>
+        <p:spPr/>
+        <p:txBody>
+          <a:bodyPr/>
+          <a:lstStyle/>
+          <a:p>
+            <a:r>
+              <a:rPr lang="en-US" dirty="0"/>
+              <a:t>Investigating the Operating System</a:t>
+            </a:r>
+          </a:p>
+        </p:txBody>
+      </p:sp>
+      <p:sp>
+        <p:nvSpPr>
+          <p:cNvPr id="3" name="Inhaltsplatzhalter 2"/>
+          <p:cNvSpPr>
+            <a:spLocks noGrp="1"/>
+          </p:cNvSpPr>
+          <p:nvPr>
+            <p:ph idx="1"/>
+          </p:nvPr>
+        </p:nvSpPr>
+        <p:spPr/>
+        <p:txBody>
+          <a:bodyPr/>
+          <a:lstStyle/>
+          <a:p>
+            <a:r>
+              <a:rPr lang="en-US" dirty="0"/>
+              <a:t>Physical / Virtual Environment</a:t>
+            </a:r>
+          </a:p>
+          <a:p>
+            <a:pPr lvl="1"/>
+            <a:r>
+              <a:rPr lang="en-US" dirty="0"/>
+              <a:t>How many CORES / RAM?</a:t>
+            </a:r>
+          </a:p>
+          <a:p>
+            <a:pPr lvl="1"/>
+            <a:r>
+              <a:rPr lang="en-US" dirty="0"/>
+              <a:t>Does the system have multiple disks present?</a:t>
+            </a:r>
+          </a:p>
+          <a:p>
+            <a:pPr lvl="1"/>
+            <a:r>
+              <a:rPr lang="en-US" dirty="0"/>
+              <a:t>What is the block size of the storage?</a:t>
+            </a:r>
+          </a:p>
+          <a:p>
+            <a:pPr lvl="1"/>
+            <a:r>
+              <a:rPr lang="en-US" dirty="0"/>
+              <a:t>Is Instant File Initialization enabled for the service account?</a:t>
+            </a:r>
+          </a:p>
+        </p:txBody>
+      </p:sp>
+    </p:spTree>
+    <p:extLst>
+      <p:ext uri="{BB962C8B-B14F-4D97-AF65-F5344CB8AC3E}">
+        <p14:creationId xmlns:p14="http://schemas.microsoft.com/office/powerpoint/2010/main" val="2989097517"/>
       </p:ext>
     </p:extLst>
   </p:cSld>

--- a/01 - Documents and Preparation/Analysis of SQL Server.pptx
+++ b/01 - Documents and Preparation/Analysis of SQL Server.pptx
@@ -6,10 +6,10 @@
     <p:sldMasterId id="2147483694" r:id="rId2"/>
   </p:sldMasterIdLst>
   <p:notesMasterIdLst>
-    <p:notesMasterId r:id="rId45"/>
+    <p:notesMasterId r:id="rId42"/>
   </p:notesMasterIdLst>
   <p:handoutMasterIdLst>
-    <p:handoutMasterId r:id="rId46"/>
+    <p:handoutMasterId r:id="rId43"/>
   </p:handoutMasterIdLst>
   <p:sldIdLst>
     <p:sldId id="334" r:id="rId3"/>
@@ -49,11 +49,8 @@
     <p:sldId id="289" r:id="rId37"/>
     <p:sldId id="290" r:id="rId38"/>
     <p:sldId id="295" r:id="rId39"/>
-    <p:sldId id="261" r:id="rId40"/>
-    <p:sldId id="278" r:id="rId41"/>
-    <p:sldId id="284" r:id="rId42"/>
-    <p:sldId id="338" r:id="rId43"/>
-    <p:sldId id="280" r:id="rId44"/>
+    <p:sldId id="284" r:id="rId40"/>
+    <p:sldId id="280" r:id="rId41"/>
   </p:sldIdLst>
   <p:sldSz cx="9144000" cy="5143500" type="screen16x9"/>
   <p:notesSz cx="6858000" cy="9144000"/>
@@ -1184,6 +1181,22 @@
     </pc:docChg>
   </pc:docChgLst>
   <pc:docChgLst>
+    <pc:chgData name="Uwe Ricken" userId="f02567aecbed924b" providerId="LiveId" clId="{AB619734-B7CB-4786-AF21-7655BD9A507B}"/>
+    <pc:docChg chg="custSel modSld">
+      <pc:chgData name="Uwe Ricken" userId="f02567aecbed924b" providerId="LiveId" clId="{AB619734-B7CB-4786-AF21-7655BD9A507B}" dt="2020-11-06T10:07:14.357" v="4" actId="11529"/>
+      <pc:docMkLst>
+        <pc:docMk/>
+      </pc:docMkLst>
+      <pc:sldChg chg="addSp delSp modSp">
+        <pc:chgData name="Uwe Ricken" userId="f02567aecbed924b" providerId="LiveId" clId="{AB619734-B7CB-4786-AF21-7655BD9A507B}" dt="2020-11-06T10:07:14.357" v="4" actId="11529"/>
+        <pc:sldMkLst>
+          <pc:docMk/>
+          <pc:sldMk cId="3749785119" sldId="295"/>
+        </pc:sldMkLst>
+      </pc:sldChg>
+    </pc:docChg>
+  </pc:docChgLst>
+  <pc:docChgLst>
     <pc:chgData name="Uwe Ricken" userId="f02567aecbed924b" providerId="LiveId" clId="{10A1DDC4-041F-47C0-8DBE-83B94FC400ED}"/>
     <pc:docChg chg="custSel delSld modSld modMainMaster">
       <pc:chgData name="Uwe Ricken" userId="f02567aecbed924b" providerId="LiveId" clId="{10A1DDC4-041F-47C0-8DBE-83B94FC400ED}" dt="2020-03-17T08:50:52.991" v="14" actId="2696"/>
@@ -1417,17 +1430,17 @@
     </pc:docChg>
   </pc:docChgLst>
   <pc:docChgLst>
-    <pc:chgData name="Uwe Ricken" userId="f02567aecbed924b" providerId="LiveId" clId="{AB619734-B7CB-4786-AF21-7655BD9A507B}"/>
-    <pc:docChg chg="custSel modSld">
-      <pc:chgData name="Uwe Ricken" userId="f02567aecbed924b" providerId="LiveId" clId="{AB619734-B7CB-4786-AF21-7655BD9A507B}" dt="2020-11-06T10:07:14.357" v="4" actId="11529"/>
+    <pc:chgData name="Uwe Ricken" userId="f02567aecbed924b" providerId="LiveId" clId="{0C1A3A20-A8A1-4F49-BF6D-38FBEE2EC316}"/>
+    <pc:docChg chg="modSld">
+      <pc:chgData name="Uwe Ricken" userId="f02567aecbed924b" providerId="LiveId" clId="{0C1A3A20-A8A1-4F49-BF6D-38FBEE2EC316}" dt="2023-09-11T06:19:31.399" v="0" actId="255"/>
       <pc:docMkLst>
         <pc:docMk/>
       </pc:docMkLst>
-      <pc:sldChg chg="addSp delSp modSp">
-        <pc:chgData name="Uwe Ricken" userId="f02567aecbed924b" providerId="LiveId" clId="{AB619734-B7CB-4786-AF21-7655BD9A507B}" dt="2020-11-06T10:07:14.357" v="4" actId="11529"/>
+      <pc:sldChg chg="modSp mod">
+        <pc:chgData name="Uwe Ricken" userId="f02567aecbed924b" providerId="LiveId" clId="{0C1A3A20-A8A1-4F49-BF6D-38FBEE2EC316}" dt="2023-09-11T06:19:31.399" v="0" actId="255"/>
         <pc:sldMkLst>
           <pc:docMk/>
-          <pc:sldMk cId="3749785119" sldId="295"/>
+          <pc:sldMk cId="4067710344" sldId="334"/>
         </pc:sldMkLst>
       </pc:sldChg>
     </pc:docChg>
@@ -1435,7 +1448,7 @@
   <pc:docChgLst>
     <pc:chgData name="Uwe Ricken" userId="f02567aecbed924b" providerId="LiveId" clId="{3F0B57D9-F737-4D9E-B774-DA3BA4D75A8B}"/>
     <pc:docChg chg="custSel delSld modSld">
-      <pc:chgData name="Uwe Ricken" userId="f02567aecbed924b" providerId="LiveId" clId="{3F0B57D9-F737-4D9E-B774-DA3BA4D75A8B}" dt="2025-01-28T07:35:31.124" v="73" actId="20577"/>
+      <pc:chgData name="Uwe Ricken" userId="f02567aecbed924b" providerId="LiveId" clId="{3F0B57D9-F737-4D9E-B774-DA3BA4D75A8B}" dt="2025-01-29T05:33:53.037" v="78" actId="2696"/>
       <pc:docMkLst>
         <pc:docMk/>
       </pc:docMkLst>
@@ -1479,6 +1492,13 @@
         </pc:spChg>
       </pc:sldChg>
       <pc:sldChg chg="del">
+        <pc:chgData name="Uwe Ricken" userId="f02567aecbed924b" providerId="LiveId" clId="{3F0B57D9-F737-4D9E-B774-DA3BA4D75A8B}" dt="2025-01-29T05:33:47.806" v="77" actId="2696"/>
+        <pc:sldMkLst>
+          <pc:docMk/>
+          <pc:sldMk cId="212796315" sldId="261"/>
+        </pc:sldMkLst>
+      </pc:sldChg>
+      <pc:sldChg chg="del">
         <pc:chgData name="Uwe Ricken" userId="f02567aecbed924b" providerId="LiveId" clId="{3F0B57D9-F737-4D9E-B774-DA3BA4D75A8B}" dt="2025-01-28T07:34:59.620" v="17" actId="2696"/>
         <pc:sldMkLst>
           <pc:docMk/>
@@ -1493,26 +1513,47 @@
         </pc:sldMkLst>
       </pc:sldChg>
       <pc:sldChg chg="del">
+        <pc:chgData name="Uwe Ricken" userId="f02567aecbed924b" providerId="LiveId" clId="{3F0B57D9-F737-4D9E-B774-DA3BA4D75A8B}" dt="2025-01-29T05:33:53.037" v="78" actId="2696"/>
+        <pc:sldMkLst>
+          <pc:docMk/>
+          <pc:sldMk cId="4291921113" sldId="278"/>
+        </pc:sldMkLst>
+      </pc:sldChg>
+      <pc:sldChg chg="delSp mod">
+        <pc:chgData name="Uwe Ricken" userId="f02567aecbed924b" providerId="LiveId" clId="{3F0B57D9-F737-4D9E-B774-DA3BA4D75A8B}" dt="2025-01-28T07:57:59.147" v="75" actId="478"/>
+        <pc:sldMkLst>
+          <pc:docMk/>
+          <pc:sldMk cId="4067710344" sldId="334"/>
+        </pc:sldMkLst>
+        <pc:spChg chg="del">
+          <ac:chgData name="Uwe Ricken" userId="f02567aecbed924b" providerId="LiveId" clId="{3F0B57D9-F737-4D9E-B774-DA3BA4D75A8B}" dt="2025-01-28T07:57:59.147" v="75" actId="478"/>
+          <ac:spMkLst>
+            <pc:docMk/>
+            <pc:sldMk cId="4067710344" sldId="334"/>
+            <ac:spMk id="4" creationId="{00000000-0000-0000-0000-000000000000}"/>
+          </ac:spMkLst>
+        </pc:spChg>
+        <pc:picChg chg="del">
+          <ac:chgData name="Uwe Ricken" userId="f02567aecbed924b" providerId="LiveId" clId="{3F0B57D9-F737-4D9E-B774-DA3BA4D75A8B}" dt="2025-01-28T07:57:29.465" v="74" actId="478"/>
+          <ac:picMkLst>
+            <pc:docMk/>
+            <pc:sldMk cId="4067710344" sldId="334"/>
+            <ac:picMk id="6" creationId="{E274BC38-F392-68B4-0F6F-88B8A8B24C2B}"/>
+          </ac:picMkLst>
+        </pc:picChg>
+      </pc:sldChg>
+      <pc:sldChg chg="del">
         <pc:chgData name="Uwe Ricken" userId="f02567aecbed924b" providerId="LiveId" clId="{3F0B57D9-F737-4D9E-B774-DA3BA4D75A8B}" dt="2025-01-28T07:34:27.917" v="0" actId="2696"/>
         <pc:sldMkLst>
           <pc:docMk/>
           <pc:sldMk cId="1681187469" sldId="335"/>
         </pc:sldMkLst>
       </pc:sldChg>
-    </pc:docChg>
-  </pc:docChgLst>
-  <pc:docChgLst>
-    <pc:chgData name="Uwe Ricken" userId="f02567aecbed924b" providerId="LiveId" clId="{0C1A3A20-A8A1-4F49-BF6D-38FBEE2EC316}"/>
-    <pc:docChg chg="modSld">
-      <pc:chgData name="Uwe Ricken" userId="f02567aecbed924b" providerId="LiveId" clId="{0C1A3A20-A8A1-4F49-BF6D-38FBEE2EC316}" dt="2023-09-11T06:19:31.399" v="0" actId="255"/>
-      <pc:docMkLst>
-        <pc:docMk/>
-      </pc:docMkLst>
-      <pc:sldChg chg="modSp mod">
-        <pc:chgData name="Uwe Ricken" userId="f02567aecbed924b" providerId="LiveId" clId="{0C1A3A20-A8A1-4F49-BF6D-38FBEE2EC316}" dt="2023-09-11T06:19:31.399" v="0" actId="255"/>
+      <pc:sldChg chg="del">
+        <pc:chgData name="Uwe Ricken" userId="f02567aecbed924b" providerId="LiveId" clId="{3F0B57D9-F737-4D9E-B774-DA3BA4D75A8B}" dt="2025-01-29T05:33:36.823" v="76" actId="2696"/>
         <pc:sldMkLst>
           <pc:docMk/>
-          <pc:sldMk cId="4067710344" sldId="334"/>
+          <pc:sldMk cId="559564968" sldId="338"/>
         </pc:sldMkLst>
       </pc:sldChg>
     </pc:docChg>
@@ -6687,80 +6728,6 @@
           </a:p>
         </p:txBody>
       </p:sp>
-      <p:sp>
-        <p:nvSpPr>
-          <p:cNvPr id="4" name="Textfeld 3"/>
-          <p:cNvSpPr txBox="1"/>
-          <p:nvPr/>
-        </p:nvSpPr>
-        <p:spPr>
-          <a:xfrm>
-            <a:off x="252804" y="3291830"/>
-            <a:ext cx="8494376" cy="461665"/>
-          </a:xfrm>
-          <a:prstGeom prst="rect">
-            <a:avLst/>
-          </a:prstGeom>
-          <a:noFill/>
-        </p:spPr>
-        <p:txBody>
-          <a:bodyPr wrap="square" rtlCol="0">
-            <a:spAutoFit/>
-          </a:bodyPr>
-          <a:lstStyle/>
-          <a:p>
-            <a:pPr algn="ctr"/>
-            <a:r>
-              <a:rPr lang="de-DE" sz="2400" b="1" i="0" u="none" strike="noStrike" dirty="0">
-                <a:solidFill>
-                  <a:srgbClr val="165364"/>
-                </a:solidFill>
-                <a:effectLst/>
-                <a:latin typeface="verdana" panose="020B0604030504040204" pitchFamily="34" charset="0"/>
-                <a:hlinkClick r:id="rId3"/>
-              </a:rPr>
-              <a:t>https://t1p.de/SQLAnalysis</a:t>
-            </a:r>
-            <a:endParaRPr lang="de-DE" sz="2400" b="1" dirty="0"/>
-          </a:p>
-        </p:txBody>
-      </p:sp>
-      <p:pic>
-        <p:nvPicPr>
-          <p:cNvPr id="6" name="Grafik 5">
-            <a:extLst>
-              <a:ext uri="{FF2B5EF4-FFF2-40B4-BE49-F238E27FC236}">
-                <a16:creationId xmlns:a16="http://schemas.microsoft.com/office/drawing/2014/main" id="{E274BC38-F392-68B4-0F6F-88B8A8B24C2B}"/>
-              </a:ext>
-            </a:extLst>
-          </p:cNvPr>
-          <p:cNvPicPr>
-            <a:picLocks noChangeAspect="1"/>
-          </p:cNvPicPr>
-          <p:nvPr/>
-        </p:nvPicPr>
-        <p:blipFill>
-          <a:blip r:embed="rId4">
-            <a:extLst>
-              <a:ext uri="{28A0092B-C50C-407E-A947-70E740481C1C}">
-                <a14:useLocalDpi xmlns:a14="http://schemas.microsoft.com/office/drawing/2010/main" val="0"/>
-              </a:ext>
-            </a:extLst>
-          </a:blip>
-          <a:stretch>
-            <a:fillRect/>
-          </a:stretch>
-        </p:blipFill>
-        <p:spPr>
-          <a:xfrm>
-            <a:off x="0" y="20626"/>
-            <a:ext cx="1904762" cy="1904762"/>
-          </a:xfrm>
-          <a:prstGeom prst="rect">
-            <a:avLst/>
-          </a:prstGeom>
-        </p:spPr>
-      </p:pic>
     </p:spTree>
     <p:extLst>
       <p:ext uri="{BB962C8B-B14F-4D97-AF65-F5344CB8AC3E}">
@@ -24469,12 +24436,12 @@
       </p:grpSpPr>
       <p:sp>
         <p:nvSpPr>
-          <p:cNvPr id="2" name="Titel 1"/>
+          <p:cNvPr id="4" name="Titel 3"/>
           <p:cNvSpPr>
             <a:spLocks noGrp="1"/>
           </p:cNvSpPr>
           <p:nvPr>
-            <p:ph type="title"/>
+            <p:ph type="ctrTitle"/>
           </p:nvPr>
         </p:nvSpPr>
         <p:spPr/>
@@ -24483,76 +24450,47 @@
           <a:lstStyle/>
           <a:p>
             <a:r>
-              <a:rPr lang="en-US" dirty="0"/>
-              <a:t>Documentation</a:t>
+              <a:rPr lang="de-DE" dirty="0" err="1"/>
+              <a:t>Any</a:t>
+            </a:r>
+            <a:r>
+              <a:rPr lang="de-DE" dirty="0"/>
+              <a:t> </a:t>
+            </a:r>
+            <a:r>
+              <a:rPr lang="de-DE" dirty="0" err="1"/>
+              <a:t>Questions</a:t>
+            </a:r>
+            <a:r>
+              <a:rPr lang="de-DE" dirty="0"/>
+              <a:t>?</a:t>
             </a:r>
           </a:p>
         </p:txBody>
       </p:sp>
       <p:sp>
         <p:nvSpPr>
-          <p:cNvPr id="3" name="Inhaltsplatzhalter 2"/>
+          <p:cNvPr id="5" name="Untertitel 4"/>
           <p:cNvSpPr>
             <a:spLocks noGrp="1"/>
           </p:cNvSpPr>
           <p:nvPr>
-            <p:ph idx="1"/>
+            <p:ph type="subTitle" idx="1"/>
           </p:nvPr>
         </p:nvSpPr>
         <p:spPr/>
         <p:txBody>
-          <a:bodyPr>
-            <a:normAutofit/>
-          </a:bodyPr>
+          <a:bodyPr/>
           <a:lstStyle/>
           <a:p>
-            <a:r>
-              <a:rPr lang="en-US" dirty="0"/>
-              <a:t>Start with a short introduction of your person!</a:t>
-            </a:r>
-          </a:p>
-          <a:p>
-            <a:r>
-              <a:rPr lang="en-US" dirty="0"/>
-              <a:t>Describe the reason for the preparation of the report</a:t>
-            </a:r>
-          </a:p>
-          <a:p>
-            <a:pPr lvl="1"/>
-            <a:r>
-              <a:rPr lang="en-US" dirty="0"/>
-              <a:t>Problems, which – suddenly – occurred?</a:t>
-            </a:r>
-          </a:p>
-          <a:p>
-            <a:pPr lvl="1"/>
-            <a:r>
-              <a:rPr lang="en-US" dirty="0"/>
-              <a:t>Baseline before a Go Live?</a:t>
-            </a:r>
-          </a:p>
-          <a:p>
-            <a:r>
-              <a:rPr lang="en-US" dirty="0"/>
-              <a:t>Inform the reader that no Hardware investigation has been done when you do not have access to the hardware</a:t>
-            </a:r>
-          </a:p>
-          <a:p>
-            <a:r>
-              <a:rPr lang="en-US" dirty="0"/>
-              <a:t>Define a structure of the document which is correlating to your investigation steps!</a:t>
-            </a:r>
-          </a:p>
-          <a:p>
-            <a:pPr lvl="1"/>
-            <a:endParaRPr lang="en-US" dirty="0"/>
+            <a:endParaRPr lang="de-DE"/>
           </a:p>
         </p:txBody>
       </p:sp>
     </p:spTree>
     <p:extLst>
       <p:ext uri="{BB962C8B-B14F-4D97-AF65-F5344CB8AC3E}">
-        <p14:creationId xmlns:p14="http://schemas.microsoft.com/office/powerpoint/2010/main" val="212796315"/>
+        <p14:creationId xmlns:p14="http://schemas.microsoft.com/office/powerpoint/2010/main" val="2405332794"/>
       </p:ext>
     </p:extLst>
   </p:cSld>
@@ -24581,12 +24519,12 @@
       </p:grpSpPr>
       <p:sp>
         <p:nvSpPr>
-          <p:cNvPr id="2" name="Titel 1"/>
+          <p:cNvPr id="3" name="Titel 2"/>
           <p:cNvSpPr>
             <a:spLocks noGrp="1"/>
           </p:cNvSpPr>
           <p:nvPr>
-            <p:ph type="title"/>
+            <p:ph type="ctrTitle"/>
           </p:nvPr>
         </p:nvSpPr>
         <p:spPr/>
@@ -24595,130 +24533,39 @@
           <a:lstStyle/>
           <a:p>
             <a:r>
-              <a:rPr lang="en-US" dirty="0"/>
-              <a:t>Table of Content</a:t>
+              <a:rPr lang="de-DE" dirty="0" err="1"/>
+              <a:t>Thank</a:t>
+            </a:r>
+            <a:r>
+              <a:rPr lang="de-DE" dirty="0"/>
+              <a:t> you</a:t>
             </a:r>
           </a:p>
         </p:txBody>
       </p:sp>
       <p:sp>
         <p:nvSpPr>
-          <p:cNvPr id="3" name="Inhaltsplatzhalter 2"/>
+          <p:cNvPr id="5" name="Untertitel 4"/>
           <p:cNvSpPr>
             <a:spLocks noGrp="1"/>
           </p:cNvSpPr>
           <p:nvPr>
-            <p:ph idx="1"/>
+            <p:ph type="subTitle" idx="1"/>
           </p:nvPr>
         </p:nvSpPr>
         <p:spPr/>
         <p:txBody>
-          <a:bodyPr>
-            <a:normAutofit lnSpcReduction="10000"/>
-          </a:bodyPr>
+          <a:bodyPr/>
           <a:lstStyle/>
           <a:p>
-            <a:r>
-              <a:rPr lang="en-US" dirty="0"/>
-              <a:t>Technical Configuration</a:t>
-            </a:r>
-          </a:p>
-          <a:p>
-            <a:pPr lvl="1"/>
-            <a:r>
-              <a:rPr lang="en-US" dirty="0"/>
-              <a:t>Hardware / Virtualization</a:t>
-            </a:r>
-          </a:p>
-          <a:p>
-            <a:pPr lvl="1"/>
-            <a:r>
-              <a:rPr lang="en-US" dirty="0"/>
-              <a:t>Windows OS</a:t>
-            </a:r>
-          </a:p>
-          <a:p>
-            <a:pPr lvl="1"/>
-            <a:r>
-              <a:rPr lang="en-US" dirty="0"/>
-              <a:t>Microsoft SQL Server</a:t>
-            </a:r>
-          </a:p>
-          <a:p>
-            <a:r>
-              <a:rPr lang="en-US" dirty="0"/>
-              <a:t>Results of investigation</a:t>
-            </a:r>
-          </a:p>
-          <a:p>
-            <a:pPr lvl="1"/>
-            <a:r>
-              <a:rPr lang="en-US" dirty="0"/>
-              <a:t>OS / Storage / RAM / NUMA</a:t>
-            </a:r>
-          </a:p>
-          <a:p>
-            <a:pPr lvl="1"/>
-            <a:r>
-              <a:rPr lang="en-US" dirty="0"/>
-              <a:t>Microsoft SQL Server</a:t>
-            </a:r>
-          </a:p>
-          <a:p>
-            <a:pPr lvl="2"/>
-            <a:r>
-              <a:rPr lang="en-US" dirty="0"/>
-              <a:t>Cost Threshold for Parallelism / Max Degree of Wait Stats / </a:t>
-            </a:r>
-            <a:r>
-              <a:rPr lang="en-US" dirty="0" err="1"/>
-              <a:t>AdHoc</a:t>
-            </a:r>
-            <a:r>
-              <a:rPr lang="en-US" dirty="0"/>
-              <a:t> queries</a:t>
-            </a:r>
-          </a:p>
-          <a:p>
-            <a:pPr lvl="2"/>
-            <a:r>
-              <a:rPr lang="en-US" dirty="0"/>
-              <a:t>Wait Stats</a:t>
-            </a:r>
-          </a:p>
-          <a:p>
-            <a:pPr lvl="1"/>
-            <a:r>
-              <a:rPr lang="en-US" dirty="0"/>
-              <a:t>Databases</a:t>
-            </a:r>
-          </a:p>
-          <a:p>
-            <a:pPr lvl="1"/>
-            <a:r>
-              <a:rPr lang="en-US" dirty="0"/>
-              <a:t>Indexes / Statistics</a:t>
-            </a:r>
-          </a:p>
-          <a:p>
-            <a:r>
-              <a:rPr lang="en-US" dirty="0"/>
-              <a:t>Recommendation</a:t>
-            </a:r>
-          </a:p>
-          <a:p>
-            <a:pPr lvl="1"/>
-            <a:r>
-              <a:rPr lang="en-US" dirty="0"/>
-              <a:t>For each „finding“ a dedicated chapter with reference to the finding</a:t>
-            </a:r>
+            <a:endParaRPr lang="de-DE"/>
           </a:p>
         </p:txBody>
       </p:sp>
     </p:spTree>
     <p:extLst>
       <p:ext uri="{BB962C8B-B14F-4D97-AF65-F5344CB8AC3E}">
-        <p14:creationId xmlns:p14="http://schemas.microsoft.com/office/powerpoint/2010/main" val="4291921113"/>
+        <p14:creationId xmlns:p14="http://schemas.microsoft.com/office/powerpoint/2010/main" val="554191269"/>
       </p:ext>
     </p:extLst>
   </p:cSld>
@@ -24860,224 +24707,6 @@
     <p:extLst>
       <p:ext uri="{BB962C8B-B14F-4D97-AF65-F5344CB8AC3E}">
         <p14:creationId xmlns:p14="http://schemas.microsoft.com/office/powerpoint/2010/main" val="3203706696"/>
-      </p:ext>
-    </p:extLst>
-  </p:cSld>
-  <p:clrMapOvr>
-    <a:masterClrMapping/>
-  </p:clrMapOvr>
-</p:sld>
-</file>
-
-<file path=ppt/slides/slide40.xml><?xml version="1.0" encoding="utf-8"?>
-<p:sld xmlns:a="http://schemas.openxmlformats.org/drawingml/2006/main" xmlns:r="http://schemas.openxmlformats.org/officeDocument/2006/relationships" xmlns:p="http://schemas.openxmlformats.org/presentationml/2006/main">
-  <p:cSld>
-    <p:spTree>
-      <p:nvGrpSpPr>
-        <p:cNvPr id="1" name=""/>
-        <p:cNvGrpSpPr/>
-        <p:nvPr/>
-      </p:nvGrpSpPr>
-      <p:grpSpPr>
-        <a:xfrm>
-          <a:off x="0" y="0"/>
-          <a:ext cx="0" cy="0"/>
-          <a:chOff x="0" y="0"/>
-          <a:chExt cx="0" cy="0"/>
-        </a:xfrm>
-      </p:grpSpPr>
-      <p:sp>
-        <p:nvSpPr>
-          <p:cNvPr id="4" name="Titel 3"/>
-          <p:cNvSpPr>
-            <a:spLocks noGrp="1"/>
-          </p:cNvSpPr>
-          <p:nvPr>
-            <p:ph type="ctrTitle"/>
-          </p:nvPr>
-        </p:nvSpPr>
-        <p:spPr/>
-        <p:txBody>
-          <a:bodyPr/>
-          <a:lstStyle/>
-          <a:p>
-            <a:r>
-              <a:rPr lang="de-DE" dirty="0" err="1"/>
-              <a:t>Any</a:t>
-            </a:r>
-            <a:r>
-              <a:rPr lang="de-DE" dirty="0"/>
-              <a:t> </a:t>
-            </a:r>
-            <a:r>
-              <a:rPr lang="de-DE" dirty="0" err="1"/>
-              <a:t>Questions</a:t>
-            </a:r>
-            <a:r>
-              <a:rPr lang="de-DE" dirty="0"/>
-              <a:t>?</a:t>
-            </a:r>
-          </a:p>
-        </p:txBody>
-      </p:sp>
-      <p:sp>
-        <p:nvSpPr>
-          <p:cNvPr id="5" name="Untertitel 4"/>
-          <p:cNvSpPr>
-            <a:spLocks noGrp="1"/>
-          </p:cNvSpPr>
-          <p:nvPr>
-            <p:ph type="subTitle" idx="1"/>
-          </p:nvPr>
-        </p:nvSpPr>
-        <p:spPr/>
-        <p:txBody>
-          <a:bodyPr/>
-          <a:lstStyle/>
-          <a:p>
-            <a:endParaRPr lang="de-DE"/>
-          </a:p>
-        </p:txBody>
-      </p:sp>
-    </p:spTree>
-    <p:extLst>
-      <p:ext uri="{BB962C8B-B14F-4D97-AF65-F5344CB8AC3E}">
-        <p14:creationId xmlns:p14="http://schemas.microsoft.com/office/powerpoint/2010/main" val="2405332794"/>
-      </p:ext>
-    </p:extLst>
-  </p:cSld>
-  <p:clrMapOvr>
-    <a:masterClrMapping/>
-  </p:clrMapOvr>
-</p:sld>
-</file>
-
-<file path=ppt/slides/slide41.xml><?xml version="1.0" encoding="utf-8"?>
-<p:sld xmlns:a="http://schemas.openxmlformats.org/drawingml/2006/main" xmlns:r="http://schemas.openxmlformats.org/officeDocument/2006/relationships" xmlns:p="http://schemas.openxmlformats.org/presentationml/2006/main">
-  <p:cSld>
-    <p:spTree>
-      <p:nvGrpSpPr>
-        <p:cNvPr id="1" name=""/>
-        <p:cNvGrpSpPr/>
-        <p:nvPr/>
-      </p:nvGrpSpPr>
-      <p:grpSpPr>
-        <a:xfrm>
-          <a:off x="0" y="0"/>
-          <a:ext cx="0" cy="0"/>
-          <a:chOff x="0" y="0"/>
-          <a:chExt cx="0" cy="0"/>
-        </a:xfrm>
-      </p:grpSpPr>
-      <p:pic>
-        <p:nvPicPr>
-          <p:cNvPr id="6" name="Picture 5">
-            <a:extLst>
-              <a:ext uri="{FF2B5EF4-FFF2-40B4-BE49-F238E27FC236}">
-                <a16:creationId xmlns:a16="http://schemas.microsoft.com/office/drawing/2014/main" id="{1F0FC5A7-6397-7997-0E17-C4C496763B23}"/>
-              </a:ext>
-            </a:extLst>
-          </p:cNvPr>
-          <p:cNvPicPr>
-            <a:picLocks noChangeAspect="1"/>
-          </p:cNvPicPr>
-          <p:nvPr/>
-        </p:nvPicPr>
-        <p:blipFill>
-          <a:blip r:embed="rId2"/>
-          <a:stretch>
-            <a:fillRect/>
-          </a:stretch>
-        </p:blipFill>
-        <p:spPr>
-          <a:xfrm>
-            <a:off x="0" y="49606"/>
-            <a:ext cx="9144000" cy="5044287"/>
-          </a:xfrm>
-          <a:prstGeom prst="rect">
-            <a:avLst/>
-          </a:prstGeom>
-        </p:spPr>
-      </p:pic>
-    </p:spTree>
-    <p:extLst>
-      <p:ext uri="{BB962C8B-B14F-4D97-AF65-F5344CB8AC3E}">
-        <p14:creationId xmlns:p14="http://schemas.microsoft.com/office/powerpoint/2010/main" val="559564968"/>
-      </p:ext>
-    </p:extLst>
-  </p:cSld>
-  <p:clrMapOvr>
-    <a:masterClrMapping/>
-  </p:clrMapOvr>
-</p:sld>
-</file>
-
-<file path=ppt/slides/slide42.xml><?xml version="1.0" encoding="utf-8"?>
-<p:sld xmlns:a="http://schemas.openxmlformats.org/drawingml/2006/main" xmlns:r="http://schemas.openxmlformats.org/officeDocument/2006/relationships" xmlns:p="http://schemas.openxmlformats.org/presentationml/2006/main">
-  <p:cSld>
-    <p:spTree>
-      <p:nvGrpSpPr>
-        <p:cNvPr id="1" name=""/>
-        <p:cNvGrpSpPr/>
-        <p:nvPr/>
-      </p:nvGrpSpPr>
-      <p:grpSpPr>
-        <a:xfrm>
-          <a:off x="0" y="0"/>
-          <a:ext cx="0" cy="0"/>
-          <a:chOff x="0" y="0"/>
-          <a:chExt cx="0" cy="0"/>
-        </a:xfrm>
-      </p:grpSpPr>
-      <p:sp>
-        <p:nvSpPr>
-          <p:cNvPr id="3" name="Titel 2"/>
-          <p:cNvSpPr>
-            <a:spLocks noGrp="1"/>
-          </p:cNvSpPr>
-          <p:nvPr>
-            <p:ph type="ctrTitle"/>
-          </p:nvPr>
-        </p:nvSpPr>
-        <p:spPr/>
-        <p:txBody>
-          <a:bodyPr/>
-          <a:lstStyle/>
-          <a:p>
-            <a:r>
-              <a:rPr lang="de-DE" dirty="0" err="1"/>
-              <a:t>Thank</a:t>
-            </a:r>
-            <a:r>
-              <a:rPr lang="de-DE" dirty="0"/>
-              <a:t> you</a:t>
-            </a:r>
-          </a:p>
-        </p:txBody>
-      </p:sp>
-      <p:sp>
-        <p:nvSpPr>
-          <p:cNvPr id="5" name="Untertitel 4"/>
-          <p:cNvSpPr>
-            <a:spLocks noGrp="1"/>
-          </p:cNvSpPr>
-          <p:nvPr>
-            <p:ph type="subTitle" idx="1"/>
-          </p:nvPr>
-        </p:nvSpPr>
-        <p:spPr/>
-        <p:txBody>
-          <a:bodyPr/>
-          <a:lstStyle/>
-          <a:p>
-            <a:endParaRPr lang="de-DE"/>
-          </a:p>
-        </p:txBody>
-      </p:sp>
-    </p:spTree>
-    <p:extLst>
-      <p:ext uri="{BB962C8B-B14F-4D97-AF65-F5344CB8AC3E}">
-        <p14:creationId xmlns:p14="http://schemas.microsoft.com/office/powerpoint/2010/main" val="554191269"/>
       </p:ext>
     </p:extLst>
   </p:cSld>

--- a/01 - Documents and Preparation/Analysis of SQL Server.pptx
+++ b/01 - Documents and Preparation/Analysis of SQL Server.pptx
@@ -6,10 +6,10 @@
     <p:sldMasterId id="2147483694" r:id="rId2"/>
   </p:sldMasterIdLst>
   <p:notesMasterIdLst>
-    <p:notesMasterId r:id="rId42"/>
+    <p:notesMasterId r:id="rId43"/>
   </p:notesMasterIdLst>
   <p:handoutMasterIdLst>
-    <p:handoutMasterId r:id="rId43"/>
+    <p:handoutMasterId r:id="rId44"/>
   </p:handoutMasterIdLst>
   <p:sldIdLst>
     <p:sldId id="334" r:id="rId3"/>
@@ -51,6 +51,7 @@
     <p:sldId id="295" r:id="rId39"/>
     <p:sldId id="284" r:id="rId40"/>
     <p:sldId id="280" r:id="rId41"/>
+    <p:sldId id="423" r:id="rId42"/>
   </p:sldIdLst>
   <p:sldSz cx="9144000" cy="5143500" type="screen16x9"/>
   <p:notesSz cx="6858000" cy="9144000"/>
@@ -174,8 +175,7 @@
 <file path=ppt/revisionInfo.xml><?xml version="1.0" encoding="utf-8"?>
 <p1510:revInfo xmlns:a="http://schemas.openxmlformats.org/drawingml/2006/main" xmlns:r="http://schemas.openxmlformats.org/officeDocument/2006/relationships" xmlns:p1510="http://schemas.microsoft.com/office/powerpoint/2015/10/main">
   <p1510:revLst>
-    <p1510:client id="{3F0B57D9-F737-4D9E-B774-DA3BA4D75A8B}" v="1" dt="2025-01-28T07:34:18.994"/>
-    <p1510:client id="{85682E0E-5E3C-4E17-B9AE-75B798474165}" v="1" dt="2025-01-28T07:18:05.829"/>
+    <p1510:client id="{245FF8E5-3DB7-4102-AA43-9929D6D96BE5}" v="16" dt="2025-07-14T14:18:05.288"/>
   </p1510:revLst>
 </p1510:revInfo>
 </file>
@@ -211,22 +211,6 @@
           <pc:docMk/>
           <pc:sldMk cId="401083080" sldId="259"/>
         </pc:sldMkLst>
-        <pc:spChg chg="mod">
-          <ac:chgData name="Uwe Ricken" userId="f02567aecbed924b" providerId="LiveId" clId="{85682E0E-5E3C-4E17-B9AE-75B798474165}" dt="2025-01-28T07:18:05.829" v="0"/>
-          <ac:spMkLst>
-            <pc:docMk/>
-            <pc:sldMk cId="401083080" sldId="259"/>
-            <ac:spMk id="4" creationId="{00000000-0000-0000-0000-000000000000}"/>
-          </ac:spMkLst>
-        </pc:spChg>
-        <pc:spChg chg="mod">
-          <ac:chgData name="Uwe Ricken" userId="f02567aecbed924b" providerId="LiveId" clId="{85682E0E-5E3C-4E17-B9AE-75B798474165}" dt="2025-01-28T07:18:05.829" v="0"/>
-          <ac:spMkLst>
-            <pc:docMk/>
-            <pc:sldMk cId="401083080" sldId="259"/>
-            <ac:spMk id="5" creationId="{00000000-0000-0000-0000-000000000000}"/>
-          </ac:spMkLst>
-        </pc:spChg>
       </pc:sldChg>
       <pc:sldChg chg="modSp">
         <pc:chgData name="Uwe Ricken" userId="f02567aecbed924b" providerId="LiveId" clId="{85682E0E-5E3C-4E17-B9AE-75B798474165}" dt="2025-01-28T07:18:05.829" v="0"/>
@@ -234,14 +218,6 @@
           <pc:docMk/>
           <pc:sldMk cId="881204533" sldId="260"/>
         </pc:sldMkLst>
-        <pc:spChg chg="mod">
-          <ac:chgData name="Uwe Ricken" userId="f02567aecbed924b" providerId="LiveId" clId="{85682E0E-5E3C-4E17-B9AE-75B798474165}" dt="2025-01-28T07:18:05.829" v="0"/>
-          <ac:spMkLst>
-            <pc:docMk/>
-            <pc:sldMk cId="881204533" sldId="260"/>
-            <ac:spMk id="2" creationId="{00000000-0000-0000-0000-000000000000}"/>
-          </ac:spMkLst>
-        </pc:spChg>
       </pc:sldChg>
       <pc:sldChg chg="modSp">
         <pc:chgData name="Uwe Ricken" userId="f02567aecbed924b" providerId="LiveId" clId="{85682E0E-5E3C-4E17-B9AE-75B798474165}" dt="2025-01-28T07:18:05.829" v="0"/>
@@ -249,22 +225,6 @@
           <pc:docMk/>
           <pc:sldMk cId="212796315" sldId="261"/>
         </pc:sldMkLst>
-        <pc:spChg chg="mod">
-          <ac:chgData name="Uwe Ricken" userId="f02567aecbed924b" providerId="LiveId" clId="{85682E0E-5E3C-4E17-B9AE-75B798474165}" dt="2025-01-28T07:18:05.829" v="0"/>
-          <ac:spMkLst>
-            <pc:docMk/>
-            <pc:sldMk cId="212796315" sldId="261"/>
-            <ac:spMk id="2" creationId="{00000000-0000-0000-0000-000000000000}"/>
-          </ac:spMkLst>
-        </pc:spChg>
-        <pc:spChg chg="mod">
-          <ac:chgData name="Uwe Ricken" userId="f02567aecbed924b" providerId="LiveId" clId="{85682E0E-5E3C-4E17-B9AE-75B798474165}" dt="2025-01-28T07:18:05.829" v="0"/>
-          <ac:spMkLst>
-            <pc:docMk/>
-            <pc:sldMk cId="212796315" sldId="261"/>
-            <ac:spMk id="3" creationId="{00000000-0000-0000-0000-000000000000}"/>
-          </ac:spMkLst>
-        </pc:spChg>
       </pc:sldChg>
       <pc:sldChg chg="modSp">
         <pc:chgData name="Uwe Ricken" userId="f02567aecbed924b" providerId="LiveId" clId="{85682E0E-5E3C-4E17-B9AE-75B798474165}" dt="2025-01-28T07:18:05.829" v="0"/>
@@ -272,22 +232,6 @@
           <pc:docMk/>
           <pc:sldMk cId="3801603410" sldId="264"/>
         </pc:sldMkLst>
-        <pc:spChg chg="mod">
-          <ac:chgData name="Uwe Ricken" userId="f02567aecbed924b" providerId="LiveId" clId="{85682E0E-5E3C-4E17-B9AE-75B798474165}" dt="2025-01-28T07:18:05.829" v="0"/>
-          <ac:spMkLst>
-            <pc:docMk/>
-            <pc:sldMk cId="3801603410" sldId="264"/>
-            <ac:spMk id="2" creationId="{00000000-0000-0000-0000-000000000000}"/>
-          </ac:spMkLst>
-        </pc:spChg>
-        <pc:spChg chg="mod">
-          <ac:chgData name="Uwe Ricken" userId="f02567aecbed924b" providerId="LiveId" clId="{85682E0E-5E3C-4E17-B9AE-75B798474165}" dt="2025-01-28T07:18:05.829" v="0"/>
-          <ac:spMkLst>
-            <pc:docMk/>
-            <pc:sldMk cId="3801603410" sldId="264"/>
-            <ac:spMk id="3" creationId="{00000000-0000-0000-0000-000000000000}"/>
-          </ac:spMkLst>
-        </pc:spChg>
       </pc:sldChg>
       <pc:sldChg chg="modSp">
         <pc:chgData name="Uwe Ricken" userId="f02567aecbed924b" providerId="LiveId" clId="{85682E0E-5E3C-4E17-B9AE-75B798474165}" dt="2025-01-28T07:18:05.829" v="0"/>
@@ -295,22 +239,6 @@
           <pc:docMk/>
           <pc:sldMk cId="2989097517" sldId="265"/>
         </pc:sldMkLst>
-        <pc:spChg chg="mod">
-          <ac:chgData name="Uwe Ricken" userId="f02567aecbed924b" providerId="LiveId" clId="{85682E0E-5E3C-4E17-B9AE-75B798474165}" dt="2025-01-28T07:18:05.829" v="0"/>
-          <ac:spMkLst>
-            <pc:docMk/>
-            <pc:sldMk cId="2989097517" sldId="265"/>
-            <ac:spMk id="2" creationId="{00000000-0000-0000-0000-000000000000}"/>
-          </ac:spMkLst>
-        </pc:spChg>
-        <pc:spChg chg="mod">
-          <ac:chgData name="Uwe Ricken" userId="f02567aecbed924b" providerId="LiveId" clId="{85682E0E-5E3C-4E17-B9AE-75B798474165}" dt="2025-01-28T07:18:05.829" v="0"/>
-          <ac:spMkLst>
-            <pc:docMk/>
-            <pc:sldMk cId="2989097517" sldId="265"/>
-            <ac:spMk id="3" creationId="{00000000-0000-0000-0000-000000000000}"/>
-          </ac:spMkLst>
-        </pc:spChg>
       </pc:sldChg>
       <pc:sldChg chg="modSp mod">
         <pc:chgData name="Uwe Ricken" userId="f02567aecbed924b" providerId="LiveId" clId="{85682E0E-5E3C-4E17-B9AE-75B798474165}" dt="2025-01-28T07:18:05.919" v="1" actId="27636"/>
@@ -318,22 +246,6 @@
           <pc:docMk/>
           <pc:sldMk cId="1284402571" sldId="266"/>
         </pc:sldMkLst>
-        <pc:spChg chg="mod">
-          <ac:chgData name="Uwe Ricken" userId="f02567aecbed924b" providerId="LiveId" clId="{85682E0E-5E3C-4E17-B9AE-75B798474165}" dt="2025-01-28T07:18:05.829" v="0"/>
-          <ac:spMkLst>
-            <pc:docMk/>
-            <pc:sldMk cId="1284402571" sldId="266"/>
-            <ac:spMk id="2" creationId="{00000000-0000-0000-0000-000000000000}"/>
-          </ac:spMkLst>
-        </pc:spChg>
-        <pc:spChg chg="mod">
-          <ac:chgData name="Uwe Ricken" userId="f02567aecbed924b" providerId="LiveId" clId="{85682E0E-5E3C-4E17-B9AE-75B798474165}" dt="2025-01-28T07:18:05.919" v="1" actId="27636"/>
-          <ac:spMkLst>
-            <pc:docMk/>
-            <pc:sldMk cId="1284402571" sldId="266"/>
-            <ac:spMk id="3" creationId="{00000000-0000-0000-0000-000000000000}"/>
-          </ac:spMkLst>
-        </pc:spChg>
       </pc:sldChg>
       <pc:sldChg chg="modSp">
         <pc:chgData name="Uwe Ricken" userId="f02567aecbed924b" providerId="LiveId" clId="{85682E0E-5E3C-4E17-B9AE-75B798474165}" dt="2025-01-28T07:18:05.829" v="0"/>
@@ -341,22 +253,6 @@
           <pc:docMk/>
           <pc:sldMk cId="412829661" sldId="268"/>
         </pc:sldMkLst>
-        <pc:spChg chg="mod">
-          <ac:chgData name="Uwe Ricken" userId="f02567aecbed924b" providerId="LiveId" clId="{85682E0E-5E3C-4E17-B9AE-75B798474165}" dt="2025-01-28T07:18:05.829" v="0"/>
-          <ac:spMkLst>
-            <pc:docMk/>
-            <pc:sldMk cId="412829661" sldId="268"/>
-            <ac:spMk id="2" creationId="{00000000-0000-0000-0000-000000000000}"/>
-          </ac:spMkLst>
-        </pc:spChg>
-        <pc:spChg chg="mod">
-          <ac:chgData name="Uwe Ricken" userId="f02567aecbed924b" providerId="LiveId" clId="{85682E0E-5E3C-4E17-B9AE-75B798474165}" dt="2025-01-28T07:18:05.829" v="0"/>
-          <ac:spMkLst>
-            <pc:docMk/>
-            <pc:sldMk cId="412829661" sldId="268"/>
-            <ac:spMk id="3" creationId="{00000000-0000-0000-0000-000000000000}"/>
-          </ac:spMkLst>
-        </pc:spChg>
       </pc:sldChg>
       <pc:sldChg chg="modSp">
         <pc:chgData name="Uwe Ricken" userId="f02567aecbed924b" providerId="LiveId" clId="{85682E0E-5E3C-4E17-B9AE-75B798474165}" dt="2025-01-28T07:18:05.829" v="0"/>
@@ -364,22 +260,6 @@
           <pc:docMk/>
           <pc:sldMk cId="145312366" sldId="270"/>
         </pc:sldMkLst>
-        <pc:spChg chg="mod">
-          <ac:chgData name="Uwe Ricken" userId="f02567aecbed924b" providerId="LiveId" clId="{85682E0E-5E3C-4E17-B9AE-75B798474165}" dt="2025-01-28T07:18:05.829" v="0"/>
-          <ac:spMkLst>
-            <pc:docMk/>
-            <pc:sldMk cId="145312366" sldId="270"/>
-            <ac:spMk id="2" creationId="{00000000-0000-0000-0000-000000000000}"/>
-          </ac:spMkLst>
-        </pc:spChg>
-        <pc:spChg chg="mod">
-          <ac:chgData name="Uwe Ricken" userId="f02567aecbed924b" providerId="LiveId" clId="{85682E0E-5E3C-4E17-B9AE-75B798474165}" dt="2025-01-28T07:18:05.829" v="0"/>
-          <ac:spMkLst>
-            <pc:docMk/>
-            <pc:sldMk cId="145312366" sldId="270"/>
-            <ac:spMk id="3" creationId="{00000000-0000-0000-0000-000000000000}"/>
-          </ac:spMkLst>
-        </pc:spChg>
       </pc:sldChg>
       <pc:sldChg chg="modSp">
         <pc:chgData name="Uwe Ricken" userId="f02567aecbed924b" providerId="LiveId" clId="{85682E0E-5E3C-4E17-B9AE-75B798474165}" dt="2025-01-28T07:18:05.829" v="0"/>
@@ -387,22 +267,6 @@
           <pc:docMk/>
           <pc:sldMk cId="984774271" sldId="271"/>
         </pc:sldMkLst>
-        <pc:spChg chg="mod">
-          <ac:chgData name="Uwe Ricken" userId="f02567aecbed924b" providerId="LiveId" clId="{85682E0E-5E3C-4E17-B9AE-75B798474165}" dt="2025-01-28T07:18:05.829" v="0"/>
-          <ac:spMkLst>
-            <pc:docMk/>
-            <pc:sldMk cId="984774271" sldId="271"/>
-            <ac:spMk id="2" creationId="{00000000-0000-0000-0000-000000000000}"/>
-          </ac:spMkLst>
-        </pc:spChg>
-        <pc:spChg chg="mod">
-          <ac:chgData name="Uwe Ricken" userId="f02567aecbed924b" providerId="LiveId" clId="{85682E0E-5E3C-4E17-B9AE-75B798474165}" dt="2025-01-28T07:18:05.829" v="0"/>
-          <ac:spMkLst>
-            <pc:docMk/>
-            <pc:sldMk cId="984774271" sldId="271"/>
-            <ac:spMk id="3" creationId="{00000000-0000-0000-0000-000000000000}"/>
-          </ac:spMkLst>
-        </pc:spChg>
       </pc:sldChg>
       <pc:sldChg chg="modSp">
         <pc:chgData name="Uwe Ricken" userId="f02567aecbed924b" providerId="LiveId" clId="{85682E0E-5E3C-4E17-B9AE-75B798474165}" dt="2025-01-28T07:18:05.829" v="0"/>
@@ -410,14 +274,6 @@
           <pc:docMk/>
           <pc:sldMk cId="82362016" sldId="272"/>
         </pc:sldMkLst>
-        <pc:spChg chg="mod">
-          <ac:chgData name="Uwe Ricken" userId="f02567aecbed924b" providerId="LiveId" clId="{85682E0E-5E3C-4E17-B9AE-75B798474165}" dt="2025-01-28T07:18:05.829" v="0"/>
-          <ac:spMkLst>
-            <pc:docMk/>
-            <pc:sldMk cId="82362016" sldId="272"/>
-            <ac:spMk id="2" creationId="{00000000-0000-0000-0000-000000000000}"/>
-          </ac:spMkLst>
-        </pc:spChg>
       </pc:sldChg>
       <pc:sldChg chg="modSp">
         <pc:chgData name="Uwe Ricken" userId="f02567aecbed924b" providerId="LiveId" clId="{85682E0E-5E3C-4E17-B9AE-75B798474165}" dt="2025-01-28T07:18:05.829" v="0"/>
@@ -425,14 +281,6 @@
           <pc:docMk/>
           <pc:sldMk cId="2835754711" sldId="275"/>
         </pc:sldMkLst>
-        <pc:spChg chg="mod">
-          <ac:chgData name="Uwe Ricken" userId="f02567aecbed924b" providerId="LiveId" clId="{85682E0E-5E3C-4E17-B9AE-75B798474165}" dt="2025-01-28T07:18:05.829" v="0"/>
-          <ac:spMkLst>
-            <pc:docMk/>
-            <pc:sldMk cId="2835754711" sldId="275"/>
-            <ac:spMk id="2" creationId="{00000000-0000-0000-0000-000000000000}"/>
-          </ac:spMkLst>
-        </pc:spChg>
       </pc:sldChg>
       <pc:sldChg chg="modSp">
         <pc:chgData name="Uwe Ricken" userId="f02567aecbed924b" providerId="LiveId" clId="{85682E0E-5E3C-4E17-B9AE-75B798474165}" dt="2025-01-28T07:18:05.829" v="0"/>
@@ -440,14 +288,6 @@
           <pc:docMk/>
           <pc:sldMk cId="3033280865" sldId="276"/>
         </pc:sldMkLst>
-        <pc:spChg chg="mod">
-          <ac:chgData name="Uwe Ricken" userId="f02567aecbed924b" providerId="LiveId" clId="{85682E0E-5E3C-4E17-B9AE-75B798474165}" dt="2025-01-28T07:18:05.829" v="0"/>
-          <ac:spMkLst>
-            <pc:docMk/>
-            <pc:sldMk cId="3033280865" sldId="276"/>
-            <ac:spMk id="2" creationId="{00000000-0000-0000-0000-000000000000}"/>
-          </ac:spMkLst>
-        </pc:spChg>
       </pc:sldChg>
       <pc:sldChg chg="modSp">
         <pc:chgData name="Uwe Ricken" userId="f02567aecbed924b" providerId="LiveId" clId="{85682E0E-5E3C-4E17-B9AE-75B798474165}" dt="2025-01-28T07:18:05.829" v="0"/>
@@ -455,14 +295,6 @@
           <pc:docMk/>
           <pc:sldMk cId="495785545" sldId="277"/>
         </pc:sldMkLst>
-        <pc:spChg chg="mod">
-          <ac:chgData name="Uwe Ricken" userId="f02567aecbed924b" providerId="LiveId" clId="{85682E0E-5E3C-4E17-B9AE-75B798474165}" dt="2025-01-28T07:18:05.829" v="0"/>
-          <ac:spMkLst>
-            <pc:docMk/>
-            <pc:sldMk cId="495785545" sldId="277"/>
-            <ac:spMk id="2" creationId="{00000000-0000-0000-0000-000000000000}"/>
-          </ac:spMkLst>
-        </pc:spChg>
       </pc:sldChg>
       <pc:sldChg chg="modSp mod">
         <pc:chgData name="Uwe Ricken" userId="f02567aecbed924b" providerId="LiveId" clId="{85682E0E-5E3C-4E17-B9AE-75B798474165}" dt="2025-01-28T07:18:05.968" v="4" actId="27636"/>
@@ -470,22 +302,6 @@
           <pc:docMk/>
           <pc:sldMk cId="4291921113" sldId="278"/>
         </pc:sldMkLst>
-        <pc:spChg chg="mod">
-          <ac:chgData name="Uwe Ricken" userId="f02567aecbed924b" providerId="LiveId" clId="{85682E0E-5E3C-4E17-B9AE-75B798474165}" dt="2025-01-28T07:18:05.829" v="0"/>
-          <ac:spMkLst>
-            <pc:docMk/>
-            <pc:sldMk cId="4291921113" sldId="278"/>
-            <ac:spMk id="2" creationId="{00000000-0000-0000-0000-000000000000}"/>
-          </ac:spMkLst>
-        </pc:spChg>
-        <pc:spChg chg="mod">
-          <ac:chgData name="Uwe Ricken" userId="f02567aecbed924b" providerId="LiveId" clId="{85682E0E-5E3C-4E17-B9AE-75B798474165}" dt="2025-01-28T07:18:05.968" v="4" actId="27636"/>
-          <ac:spMkLst>
-            <pc:docMk/>
-            <pc:sldMk cId="4291921113" sldId="278"/>
-            <ac:spMk id="3" creationId="{00000000-0000-0000-0000-000000000000}"/>
-          </ac:spMkLst>
-        </pc:spChg>
       </pc:sldChg>
       <pc:sldChg chg="modSp">
         <pc:chgData name="Uwe Ricken" userId="f02567aecbed924b" providerId="LiveId" clId="{85682E0E-5E3C-4E17-B9AE-75B798474165}" dt="2025-01-28T07:18:05.829" v="0"/>
@@ -493,22 +309,6 @@
           <pc:docMk/>
           <pc:sldMk cId="2675169697" sldId="279"/>
         </pc:sldMkLst>
-        <pc:spChg chg="mod">
-          <ac:chgData name="Uwe Ricken" userId="f02567aecbed924b" providerId="LiveId" clId="{85682E0E-5E3C-4E17-B9AE-75B798474165}" dt="2025-01-28T07:18:05.829" v="0"/>
-          <ac:spMkLst>
-            <pc:docMk/>
-            <pc:sldMk cId="2675169697" sldId="279"/>
-            <ac:spMk id="4" creationId="{00000000-0000-0000-0000-000000000000}"/>
-          </ac:spMkLst>
-        </pc:spChg>
-        <pc:spChg chg="mod">
-          <ac:chgData name="Uwe Ricken" userId="f02567aecbed924b" providerId="LiveId" clId="{85682E0E-5E3C-4E17-B9AE-75B798474165}" dt="2025-01-28T07:18:05.829" v="0"/>
-          <ac:spMkLst>
-            <pc:docMk/>
-            <pc:sldMk cId="2675169697" sldId="279"/>
-            <ac:spMk id="5" creationId="{00000000-0000-0000-0000-000000000000}"/>
-          </ac:spMkLst>
-        </pc:spChg>
       </pc:sldChg>
       <pc:sldChg chg="modSp">
         <pc:chgData name="Uwe Ricken" userId="f02567aecbed924b" providerId="LiveId" clId="{85682E0E-5E3C-4E17-B9AE-75B798474165}" dt="2025-01-28T07:18:05.829" v="0"/>
@@ -516,22 +316,6 @@
           <pc:docMk/>
           <pc:sldMk cId="554191269" sldId="280"/>
         </pc:sldMkLst>
-        <pc:spChg chg="mod">
-          <ac:chgData name="Uwe Ricken" userId="f02567aecbed924b" providerId="LiveId" clId="{85682E0E-5E3C-4E17-B9AE-75B798474165}" dt="2025-01-28T07:18:05.829" v="0"/>
-          <ac:spMkLst>
-            <pc:docMk/>
-            <pc:sldMk cId="554191269" sldId="280"/>
-            <ac:spMk id="3" creationId="{00000000-0000-0000-0000-000000000000}"/>
-          </ac:spMkLst>
-        </pc:spChg>
-        <pc:spChg chg="mod">
-          <ac:chgData name="Uwe Ricken" userId="f02567aecbed924b" providerId="LiveId" clId="{85682E0E-5E3C-4E17-B9AE-75B798474165}" dt="2025-01-28T07:18:05.829" v="0"/>
-          <ac:spMkLst>
-            <pc:docMk/>
-            <pc:sldMk cId="554191269" sldId="280"/>
-            <ac:spMk id="5" creationId="{00000000-0000-0000-0000-000000000000}"/>
-          </ac:spMkLst>
-        </pc:spChg>
       </pc:sldChg>
       <pc:sldChg chg="modSp mod">
         <pc:chgData name="Uwe Ricken" userId="f02567aecbed924b" providerId="LiveId" clId="{85682E0E-5E3C-4E17-B9AE-75B798474165}" dt="2025-01-28T07:18:05.937" v="2" actId="27636"/>
@@ -539,22 +323,6 @@
           <pc:docMk/>
           <pc:sldMk cId="45301623" sldId="281"/>
         </pc:sldMkLst>
-        <pc:spChg chg="mod">
-          <ac:chgData name="Uwe Ricken" userId="f02567aecbed924b" providerId="LiveId" clId="{85682E0E-5E3C-4E17-B9AE-75B798474165}" dt="2025-01-28T07:18:05.829" v="0"/>
-          <ac:spMkLst>
-            <pc:docMk/>
-            <pc:sldMk cId="45301623" sldId="281"/>
-            <ac:spMk id="9218" creationId="{00000000-0000-0000-0000-000000000000}"/>
-          </ac:spMkLst>
-        </pc:spChg>
-        <pc:spChg chg="mod">
-          <ac:chgData name="Uwe Ricken" userId="f02567aecbed924b" providerId="LiveId" clId="{85682E0E-5E3C-4E17-B9AE-75B798474165}" dt="2025-01-28T07:18:05.937" v="2" actId="27636"/>
-          <ac:spMkLst>
-            <pc:docMk/>
-            <pc:sldMk cId="45301623" sldId="281"/>
-            <ac:spMk id="9219" creationId="{00000000-0000-0000-0000-000000000000}"/>
-          </ac:spMkLst>
-        </pc:spChg>
       </pc:sldChg>
       <pc:sldChg chg="modSp">
         <pc:chgData name="Uwe Ricken" userId="f02567aecbed924b" providerId="LiveId" clId="{85682E0E-5E3C-4E17-B9AE-75B798474165}" dt="2025-01-28T07:18:05.829" v="0"/>
@@ -562,14 +330,6 @@
           <pc:docMk/>
           <pc:sldMk cId="1794354731" sldId="282"/>
         </pc:sldMkLst>
-        <pc:spChg chg="mod">
-          <ac:chgData name="Uwe Ricken" userId="f02567aecbed924b" providerId="LiveId" clId="{85682E0E-5E3C-4E17-B9AE-75B798474165}" dt="2025-01-28T07:18:05.829" v="0"/>
-          <ac:spMkLst>
-            <pc:docMk/>
-            <pc:sldMk cId="1794354731" sldId="282"/>
-            <ac:spMk id="2" creationId="{00000000-0000-0000-0000-000000000000}"/>
-          </ac:spMkLst>
-        </pc:spChg>
       </pc:sldChg>
       <pc:sldChg chg="modSp">
         <pc:chgData name="Uwe Ricken" userId="f02567aecbed924b" providerId="LiveId" clId="{85682E0E-5E3C-4E17-B9AE-75B798474165}" dt="2025-01-28T07:18:05.829" v="0"/>
@@ -577,22 +337,6 @@
           <pc:docMk/>
           <pc:sldMk cId="3913996198" sldId="283"/>
         </pc:sldMkLst>
-        <pc:spChg chg="mod">
-          <ac:chgData name="Uwe Ricken" userId="f02567aecbed924b" providerId="LiveId" clId="{85682E0E-5E3C-4E17-B9AE-75B798474165}" dt="2025-01-28T07:18:05.829" v="0"/>
-          <ac:spMkLst>
-            <pc:docMk/>
-            <pc:sldMk cId="3913996198" sldId="283"/>
-            <ac:spMk id="2" creationId="{00000000-0000-0000-0000-000000000000}"/>
-          </ac:spMkLst>
-        </pc:spChg>
-        <pc:spChg chg="mod">
-          <ac:chgData name="Uwe Ricken" userId="f02567aecbed924b" providerId="LiveId" clId="{85682E0E-5E3C-4E17-B9AE-75B798474165}" dt="2025-01-28T07:18:05.829" v="0"/>
-          <ac:spMkLst>
-            <pc:docMk/>
-            <pc:sldMk cId="3913996198" sldId="283"/>
-            <ac:spMk id="5" creationId="{00000000-0000-0000-0000-000000000000}"/>
-          </ac:spMkLst>
-        </pc:spChg>
       </pc:sldChg>
       <pc:sldChg chg="modSp">
         <pc:chgData name="Uwe Ricken" userId="f02567aecbed924b" providerId="LiveId" clId="{85682E0E-5E3C-4E17-B9AE-75B798474165}" dt="2025-01-28T07:18:05.829" v="0"/>
@@ -600,22 +344,6 @@
           <pc:docMk/>
           <pc:sldMk cId="2405332794" sldId="284"/>
         </pc:sldMkLst>
-        <pc:spChg chg="mod">
-          <ac:chgData name="Uwe Ricken" userId="f02567aecbed924b" providerId="LiveId" clId="{85682E0E-5E3C-4E17-B9AE-75B798474165}" dt="2025-01-28T07:18:05.829" v="0"/>
-          <ac:spMkLst>
-            <pc:docMk/>
-            <pc:sldMk cId="2405332794" sldId="284"/>
-            <ac:spMk id="4" creationId="{00000000-0000-0000-0000-000000000000}"/>
-          </ac:spMkLst>
-        </pc:spChg>
-        <pc:spChg chg="mod">
-          <ac:chgData name="Uwe Ricken" userId="f02567aecbed924b" providerId="LiveId" clId="{85682E0E-5E3C-4E17-B9AE-75B798474165}" dt="2025-01-28T07:18:05.829" v="0"/>
-          <ac:spMkLst>
-            <pc:docMk/>
-            <pc:sldMk cId="2405332794" sldId="284"/>
-            <ac:spMk id="5" creationId="{00000000-0000-0000-0000-000000000000}"/>
-          </ac:spMkLst>
-        </pc:spChg>
       </pc:sldChg>
       <pc:sldChg chg="modSp">
         <pc:chgData name="Uwe Ricken" userId="f02567aecbed924b" providerId="LiveId" clId="{85682E0E-5E3C-4E17-B9AE-75B798474165}" dt="2025-01-28T07:18:05.829" v="0"/>
@@ -623,22 +351,6 @@
           <pc:docMk/>
           <pc:sldMk cId="2103338401" sldId="285"/>
         </pc:sldMkLst>
-        <pc:spChg chg="mod">
-          <ac:chgData name="Uwe Ricken" userId="f02567aecbed924b" providerId="LiveId" clId="{85682E0E-5E3C-4E17-B9AE-75B798474165}" dt="2025-01-28T07:18:05.829" v="0"/>
-          <ac:spMkLst>
-            <pc:docMk/>
-            <pc:sldMk cId="2103338401" sldId="285"/>
-            <ac:spMk id="2" creationId="{00000000-0000-0000-0000-000000000000}"/>
-          </ac:spMkLst>
-        </pc:spChg>
-        <pc:spChg chg="mod">
-          <ac:chgData name="Uwe Ricken" userId="f02567aecbed924b" providerId="LiveId" clId="{85682E0E-5E3C-4E17-B9AE-75B798474165}" dt="2025-01-28T07:18:05.829" v="0"/>
-          <ac:spMkLst>
-            <pc:docMk/>
-            <pc:sldMk cId="2103338401" sldId="285"/>
-            <ac:spMk id="3" creationId="{00000000-0000-0000-0000-000000000000}"/>
-          </ac:spMkLst>
-        </pc:spChg>
       </pc:sldChg>
       <pc:sldChg chg="modSp">
         <pc:chgData name="Uwe Ricken" userId="f02567aecbed924b" providerId="LiveId" clId="{85682E0E-5E3C-4E17-B9AE-75B798474165}" dt="2025-01-28T07:18:05.829" v="0"/>
@@ -646,14 +358,6 @@
           <pc:docMk/>
           <pc:sldMk cId="136350287" sldId="287"/>
         </pc:sldMkLst>
-        <pc:spChg chg="mod">
-          <ac:chgData name="Uwe Ricken" userId="f02567aecbed924b" providerId="LiveId" clId="{85682E0E-5E3C-4E17-B9AE-75B798474165}" dt="2025-01-28T07:18:05.829" v="0"/>
-          <ac:spMkLst>
-            <pc:docMk/>
-            <pc:sldMk cId="136350287" sldId="287"/>
-            <ac:spMk id="4" creationId="{00000000-0000-0000-0000-000000000000}"/>
-          </ac:spMkLst>
-        </pc:spChg>
       </pc:sldChg>
       <pc:sldChg chg="modSp">
         <pc:chgData name="Uwe Ricken" userId="f02567aecbed924b" providerId="LiveId" clId="{85682E0E-5E3C-4E17-B9AE-75B798474165}" dt="2025-01-28T07:18:05.829" v="0"/>
@@ -661,14 +365,6 @@
           <pc:docMk/>
           <pc:sldMk cId="3789194405" sldId="289"/>
         </pc:sldMkLst>
-        <pc:spChg chg="mod">
-          <ac:chgData name="Uwe Ricken" userId="f02567aecbed924b" providerId="LiveId" clId="{85682E0E-5E3C-4E17-B9AE-75B798474165}" dt="2025-01-28T07:18:05.829" v="0"/>
-          <ac:spMkLst>
-            <pc:docMk/>
-            <pc:sldMk cId="3789194405" sldId="289"/>
-            <ac:spMk id="2" creationId="{00000000-0000-0000-0000-000000000000}"/>
-          </ac:spMkLst>
-        </pc:spChg>
       </pc:sldChg>
       <pc:sldChg chg="modSp">
         <pc:chgData name="Uwe Ricken" userId="f02567aecbed924b" providerId="LiveId" clId="{85682E0E-5E3C-4E17-B9AE-75B798474165}" dt="2025-01-28T07:18:05.829" v="0"/>
@@ -676,14 +372,6 @@
           <pc:docMk/>
           <pc:sldMk cId="2869222998" sldId="290"/>
         </pc:sldMkLst>
-        <pc:spChg chg="mod">
-          <ac:chgData name="Uwe Ricken" userId="f02567aecbed924b" providerId="LiveId" clId="{85682E0E-5E3C-4E17-B9AE-75B798474165}" dt="2025-01-28T07:18:05.829" v="0"/>
-          <ac:spMkLst>
-            <pc:docMk/>
-            <pc:sldMk cId="2869222998" sldId="290"/>
-            <ac:spMk id="2" creationId="{00000000-0000-0000-0000-000000000000}"/>
-          </ac:spMkLst>
-        </pc:spChg>
       </pc:sldChg>
       <pc:sldChg chg="modSp">
         <pc:chgData name="Uwe Ricken" userId="f02567aecbed924b" providerId="LiveId" clId="{85682E0E-5E3C-4E17-B9AE-75B798474165}" dt="2025-01-28T07:18:05.829" v="0"/>
@@ -691,14 +379,6 @@
           <pc:docMk/>
           <pc:sldMk cId="621382483" sldId="294"/>
         </pc:sldMkLst>
-        <pc:spChg chg="mod">
-          <ac:chgData name="Uwe Ricken" userId="f02567aecbed924b" providerId="LiveId" clId="{85682E0E-5E3C-4E17-B9AE-75B798474165}" dt="2025-01-28T07:18:05.829" v="0"/>
-          <ac:spMkLst>
-            <pc:docMk/>
-            <pc:sldMk cId="621382483" sldId="294"/>
-            <ac:spMk id="2" creationId="{00000000-0000-0000-0000-000000000000}"/>
-          </ac:spMkLst>
-        </pc:spChg>
       </pc:sldChg>
       <pc:sldChg chg="modSp">
         <pc:chgData name="Uwe Ricken" userId="f02567aecbed924b" providerId="LiveId" clId="{85682E0E-5E3C-4E17-B9AE-75B798474165}" dt="2025-01-28T07:18:05.829" v="0"/>
@@ -706,14 +386,6 @@
           <pc:docMk/>
           <pc:sldMk cId="3749785119" sldId="295"/>
         </pc:sldMkLst>
-        <pc:spChg chg="mod">
-          <ac:chgData name="Uwe Ricken" userId="f02567aecbed924b" providerId="LiveId" clId="{85682E0E-5E3C-4E17-B9AE-75B798474165}" dt="2025-01-28T07:18:05.829" v="0"/>
-          <ac:spMkLst>
-            <pc:docMk/>
-            <pc:sldMk cId="3749785119" sldId="295"/>
-            <ac:spMk id="2" creationId="{00000000-0000-0000-0000-000000000000}"/>
-          </ac:spMkLst>
-        </pc:spChg>
       </pc:sldChg>
       <pc:sldChg chg="modSp">
         <pc:chgData name="Uwe Ricken" userId="f02567aecbed924b" providerId="LiveId" clId="{85682E0E-5E3C-4E17-B9AE-75B798474165}" dt="2025-01-28T07:18:05.829" v="0"/>
@@ -721,22 +393,6 @@
           <pc:docMk/>
           <pc:sldMk cId="3203706696" sldId="297"/>
         </pc:sldMkLst>
-        <pc:spChg chg="mod">
-          <ac:chgData name="Uwe Ricken" userId="f02567aecbed924b" providerId="LiveId" clId="{85682E0E-5E3C-4E17-B9AE-75B798474165}" dt="2025-01-28T07:18:05.829" v="0"/>
-          <ac:spMkLst>
-            <pc:docMk/>
-            <pc:sldMk cId="3203706696" sldId="297"/>
-            <ac:spMk id="5" creationId="{00000000-0000-0000-0000-000000000000}"/>
-          </ac:spMkLst>
-        </pc:spChg>
-        <pc:spChg chg="mod">
-          <ac:chgData name="Uwe Ricken" userId="f02567aecbed924b" providerId="LiveId" clId="{85682E0E-5E3C-4E17-B9AE-75B798474165}" dt="2025-01-28T07:18:05.829" v="0"/>
-          <ac:spMkLst>
-            <pc:docMk/>
-            <pc:sldMk cId="3203706696" sldId="297"/>
-            <ac:spMk id="6" creationId="{00000000-0000-0000-0000-000000000000}"/>
-          </ac:spMkLst>
-        </pc:spChg>
       </pc:sldChg>
       <pc:sldChg chg="modSp">
         <pc:chgData name="Uwe Ricken" userId="f02567aecbed924b" providerId="LiveId" clId="{85682E0E-5E3C-4E17-B9AE-75B798474165}" dt="2025-01-28T07:18:05.829" v="0"/>
@@ -744,22 +400,6 @@
           <pc:docMk/>
           <pc:sldMk cId="3226193176" sldId="320"/>
         </pc:sldMkLst>
-        <pc:spChg chg="mod">
-          <ac:chgData name="Uwe Ricken" userId="f02567aecbed924b" providerId="LiveId" clId="{85682E0E-5E3C-4E17-B9AE-75B798474165}" dt="2025-01-28T07:18:05.829" v="0"/>
-          <ac:spMkLst>
-            <pc:docMk/>
-            <pc:sldMk cId="3226193176" sldId="320"/>
-            <ac:spMk id="4" creationId="{7708559A-A970-4D38-8D46-294D44DC23E8}"/>
-          </ac:spMkLst>
-        </pc:spChg>
-        <pc:spChg chg="mod">
-          <ac:chgData name="Uwe Ricken" userId="f02567aecbed924b" providerId="LiveId" clId="{85682E0E-5E3C-4E17-B9AE-75B798474165}" dt="2025-01-28T07:18:05.829" v="0"/>
-          <ac:spMkLst>
-            <pc:docMk/>
-            <pc:sldMk cId="3226193176" sldId="320"/>
-            <ac:spMk id="5" creationId="{0B2D9047-59B3-414C-895D-C2A8354F3E33}"/>
-          </ac:spMkLst>
-        </pc:spChg>
       </pc:sldChg>
       <pc:sldChg chg="modSp">
         <pc:chgData name="Uwe Ricken" userId="f02567aecbed924b" providerId="LiveId" clId="{85682E0E-5E3C-4E17-B9AE-75B798474165}" dt="2025-01-28T07:18:05.829" v="0"/>
@@ -767,22 +407,6 @@
           <pc:docMk/>
           <pc:sldMk cId="850651415" sldId="321"/>
         </pc:sldMkLst>
-        <pc:spChg chg="mod">
-          <ac:chgData name="Uwe Ricken" userId="f02567aecbed924b" providerId="LiveId" clId="{85682E0E-5E3C-4E17-B9AE-75B798474165}" dt="2025-01-28T07:18:05.829" v="0"/>
-          <ac:spMkLst>
-            <pc:docMk/>
-            <pc:sldMk cId="850651415" sldId="321"/>
-            <ac:spMk id="2" creationId="{D73660CA-72B8-4DE1-8C0B-C1F124D03FFC}"/>
-          </ac:spMkLst>
-        </pc:spChg>
-        <pc:spChg chg="mod">
-          <ac:chgData name="Uwe Ricken" userId="f02567aecbed924b" providerId="LiveId" clId="{85682E0E-5E3C-4E17-B9AE-75B798474165}" dt="2025-01-28T07:18:05.829" v="0"/>
-          <ac:spMkLst>
-            <pc:docMk/>
-            <pc:sldMk cId="850651415" sldId="321"/>
-            <ac:spMk id="4" creationId="{7708559A-A970-4D38-8D46-294D44DC23E8}"/>
-          </ac:spMkLst>
-        </pc:spChg>
       </pc:sldChg>
       <pc:sldChg chg="modSp">
         <pc:chgData name="Uwe Ricken" userId="f02567aecbed924b" providerId="LiveId" clId="{85682E0E-5E3C-4E17-B9AE-75B798474165}" dt="2025-01-28T07:18:05.829" v="0"/>
@@ -790,22 +414,6 @@
           <pc:docMk/>
           <pc:sldMk cId="2693721244" sldId="322"/>
         </pc:sldMkLst>
-        <pc:spChg chg="mod">
-          <ac:chgData name="Uwe Ricken" userId="f02567aecbed924b" providerId="LiveId" clId="{85682E0E-5E3C-4E17-B9AE-75B798474165}" dt="2025-01-28T07:18:05.829" v="0"/>
-          <ac:spMkLst>
-            <pc:docMk/>
-            <pc:sldMk cId="2693721244" sldId="322"/>
-            <ac:spMk id="2" creationId="{BDCB6770-BBFB-420B-B187-EBC2C8B9168C}"/>
-          </ac:spMkLst>
-        </pc:spChg>
-        <pc:spChg chg="mod">
-          <ac:chgData name="Uwe Ricken" userId="f02567aecbed924b" providerId="LiveId" clId="{85682E0E-5E3C-4E17-B9AE-75B798474165}" dt="2025-01-28T07:18:05.829" v="0"/>
-          <ac:spMkLst>
-            <pc:docMk/>
-            <pc:sldMk cId="2693721244" sldId="322"/>
-            <ac:spMk id="3" creationId="{5D1B87EC-2A65-416C-9A18-A26A8FA10CB9}"/>
-          </ac:spMkLst>
-        </pc:spChg>
       </pc:sldChg>
       <pc:sldChg chg="modSp">
         <pc:chgData name="Uwe Ricken" userId="f02567aecbed924b" providerId="LiveId" clId="{85682E0E-5E3C-4E17-B9AE-75B798474165}" dt="2025-01-28T07:18:05.829" v="0"/>
@@ -813,22 +421,6 @@
           <pc:docMk/>
           <pc:sldMk cId="1614848259" sldId="323"/>
         </pc:sldMkLst>
-        <pc:spChg chg="mod">
-          <ac:chgData name="Uwe Ricken" userId="f02567aecbed924b" providerId="LiveId" clId="{85682E0E-5E3C-4E17-B9AE-75B798474165}" dt="2025-01-28T07:18:05.829" v="0"/>
-          <ac:spMkLst>
-            <pc:docMk/>
-            <pc:sldMk cId="1614848259" sldId="323"/>
-            <ac:spMk id="3" creationId="{B336E870-6FB1-4BC6-A705-CD147B5413C3}"/>
-          </ac:spMkLst>
-        </pc:spChg>
-        <pc:spChg chg="mod">
-          <ac:chgData name="Uwe Ricken" userId="f02567aecbed924b" providerId="LiveId" clId="{85682E0E-5E3C-4E17-B9AE-75B798474165}" dt="2025-01-28T07:18:05.829" v="0"/>
-          <ac:spMkLst>
-            <pc:docMk/>
-            <pc:sldMk cId="1614848259" sldId="323"/>
-            <ac:spMk id="4" creationId="{7708559A-A970-4D38-8D46-294D44DC23E8}"/>
-          </ac:spMkLst>
-        </pc:spChg>
       </pc:sldChg>
       <pc:sldChg chg="modSp">
         <pc:chgData name="Uwe Ricken" userId="f02567aecbed924b" providerId="LiveId" clId="{85682E0E-5E3C-4E17-B9AE-75B798474165}" dt="2025-01-28T07:18:05.829" v="0"/>
@@ -836,22 +428,6 @@
           <pc:docMk/>
           <pc:sldMk cId="3133465320" sldId="324"/>
         </pc:sldMkLst>
-        <pc:spChg chg="mod">
-          <ac:chgData name="Uwe Ricken" userId="f02567aecbed924b" providerId="LiveId" clId="{85682E0E-5E3C-4E17-B9AE-75B798474165}" dt="2025-01-28T07:18:05.829" v="0"/>
-          <ac:spMkLst>
-            <pc:docMk/>
-            <pc:sldMk cId="3133465320" sldId="324"/>
-            <ac:spMk id="3" creationId="{AA0D9F2C-D107-4EF0-8C91-E2F563E1F26A}"/>
-          </ac:spMkLst>
-        </pc:spChg>
-        <pc:spChg chg="mod">
-          <ac:chgData name="Uwe Ricken" userId="f02567aecbed924b" providerId="LiveId" clId="{85682E0E-5E3C-4E17-B9AE-75B798474165}" dt="2025-01-28T07:18:05.829" v="0"/>
-          <ac:spMkLst>
-            <pc:docMk/>
-            <pc:sldMk cId="3133465320" sldId="324"/>
-            <ac:spMk id="4" creationId="{7708559A-A970-4D38-8D46-294D44DC23E8}"/>
-          </ac:spMkLst>
-        </pc:spChg>
       </pc:sldChg>
       <pc:sldChg chg="modSp">
         <pc:chgData name="Uwe Ricken" userId="f02567aecbed924b" providerId="LiveId" clId="{85682E0E-5E3C-4E17-B9AE-75B798474165}" dt="2025-01-28T07:18:05.829" v="0"/>
@@ -859,22 +435,6 @@
           <pc:docMk/>
           <pc:sldMk cId="3171865100" sldId="325"/>
         </pc:sldMkLst>
-        <pc:spChg chg="mod">
-          <ac:chgData name="Uwe Ricken" userId="f02567aecbed924b" providerId="LiveId" clId="{85682E0E-5E3C-4E17-B9AE-75B798474165}" dt="2025-01-28T07:18:05.829" v="0"/>
-          <ac:spMkLst>
-            <pc:docMk/>
-            <pc:sldMk cId="3171865100" sldId="325"/>
-            <ac:spMk id="3" creationId="{AA0D9F2C-D107-4EF0-8C91-E2F563E1F26A}"/>
-          </ac:spMkLst>
-        </pc:spChg>
-        <pc:spChg chg="mod">
-          <ac:chgData name="Uwe Ricken" userId="f02567aecbed924b" providerId="LiveId" clId="{85682E0E-5E3C-4E17-B9AE-75B798474165}" dt="2025-01-28T07:18:05.829" v="0"/>
-          <ac:spMkLst>
-            <pc:docMk/>
-            <pc:sldMk cId="3171865100" sldId="325"/>
-            <ac:spMk id="4" creationId="{7708559A-A970-4D38-8D46-294D44DC23E8}"/>
-          </ac:spMkLst>
-        </pc:spChg>
       </pc:sldChg>
       <pc:sldChg chg="modSp">
         <pc:chgData name="Uwe Ricken" userId="f02567aecbed924b" providerId="LiveId" clId="{85682E0E-5E3C-4E17-B9AE-75B798474165}" dt="2025-01-28T07:18:05.829" v="0"/>
@@ -882,22 +442,6 @@
           <pc:docMk/>
           <pc:sldMk cId="1315707456" sldId="326"/>
         </pc:sldMkLst>
-        <pc:spChg chg="mod">
-          <ac:chgData name="Uwe Ricken" userId="f02567aecbed924b" providerId="LiveId" clId="{85682E0E-5E3C-4E17-B9AE-75B798474165}" dt="2025-01-28T07:18:05.829" v="0"/>
-          <ac:spMkLst>
-            <pc:docMk/>
-            <pc:sldMk cId="1315707456" sldId="326"/>
-            <ac:spMk id="3" creationId="{AA0D9F2C-D107-4EF0-8C91-E2F563E1F26A}"/>
-          </ac:spMkLst>
-        </pc:spChg>
-        <pc:spChg chg="mod">
-          <ac:chgData name="Uwe Ricken" userId="f02567aecbed924b" providerId="LiveId" clId="{85682E0E-5E3C-4E17-B9AE-75B798474165}" dt="2025-01-28T07:18:05.829" v="0"/>
-          <ac:spMkLst>
-            <pc:docMk/>
-            <pc:sldMk cId="1315707456" sldId="326"/>
-            <ac:spMk id="4" creationId="{7708559A-A970-4D38-8D46-294D44DC23E8}"/>
-          </ac:spMkLst>
-        </pc:spChg>
       </pc:sldChg>
       <pc:sldChg chg="modSp">
         <pc:chgData name="Uwe Ricken" userId="f02567aecbed924b" providerId="LiveId" clId="{85682E0E-5E3C-4E17-B9AE-75B798474165}" dt="2025-01-28T07:18:05.829" v="0"/>
@@ -905,22 +449,6 @@
           <pc:docMk/>
           <pc:sldMk cId="1981684676" sldId="327"/>
         </pc:sldMkLst>
-        <pc:spChg chg="mod">
-          <ac:chgData name="Uwe Ricken" userId="f02567aecbed924b" providerId="LiveId" clId="{85682E0E-5E3C-4E17-B9AE-75B798474165}" dt="2025-01-28T07:18:05.829" v="0"/>
-          <ac:spMkLst>
-            <pc:docMk/>
-            <pc:sldMk cId="1981684676" sldId="327"/>
-            <ac:spMk id="2" creationId="{00000000-0000-0000-0000-000000000000}"/>
-          </ac:spMkLst>
-        </pc:spChg>
-        <pc:spChg chg="mod">
-          <ac:chgData name="Uwe Ricken" userId="f02567aecbed924b" providerId="LiveId" clId="{85682E0E-5E3C-4E17-B9AE-75B798474165}" dt="2025-01-28T07:18:05.829" v="0"/>
-          <ac:spMkLst>
-            <pc:docMk/>
-            <pc:sldMk cId="1981684676" sldId="327"/>
-            <ac:spMk id="3" creationId="{00000000-0000-0000-0000-000000000000}"/>
-          </ac:spMkLst>
-        </pc:spChg>
       </pc:sldChg>
       <pc:sldChg chg="modSp mod">
         <pc:chgData name="Uwe Ricken" userId="f02567aecbed924b" providerId="LiveId" clId="{85682E0E-5E3C-4E17-B9AE-75B798474165}" dt="2025-01-28T07:18:05.962" v="3" actId="27636"/>
@@ -928,22 +456,6 @@
           <pc:docMk/>
           <pc:sldMk cId="380161468" sldId="328"/>
         </pc:sldMkLst>
-        <pc:spChg chg="mod">
-          <ac:chgData name="Uwe Ricken" userId="f02567aecbed924b" providerId="LiveId" clId="{85682E0E-5E3C-4E17-B9AE-75B798474165}" dt="2025-01-28T07:18:05.829" v="0"/>
-          <ac:spMkLst>
-            <pc:docMk/>
-            <pc:sldMk cId="380161468" sldId="328"/>
-            <ac:spMk id="2" creationId="{BC0C3469-6AAC-4BCB-B01D-939DE05DEBAE}"/>
-          </ac:spMkLst>
-        </pc:spChg>
-        <pc:spChg chg="mod">
-          <ac:chgData name="Uwe Ricken" userId="f02567aecbed924b" providerId="LiveId" clId="{85682E0E-5E3C-4E17-B9AE-75B798474165}" dt="2025-01-28T07:18:05.962" v="3" actId="27636"/>
-          <ac:spMkLst>
-            <pc:docMk/>
-            <pc:sldMk cId="380161468" sldId="328"/>
-            <ac:spMk id="3" creationId="{9B6608AE-7379-4875-9628-2A48704B6B35}"/>
-          </ac:spMkLst>
-        </pc:spChg>
       </pc:sldChg>
       <pc:sldChg chg="modSp">
         <pc:chgData name="Uwe Ricken" userId="f02567aecbed924b" providerId="LiveId" clId="{85682E0E-5E3C-4E17-B9AE-75B798474165}" dt="2025-01-28T07:18:05.829" v="0"/>
@@ -951,22 +463,6 @@
           <pc:docMk/>
           <pc:sldMk cId="2010691935" sldId="329"/>
         </pc:sldMkLst>
-        <pc:spChg chg="mod">
-          <ac:chgData name="Uwe Ricken" userId="f02567aecbed924b" providerId="LiveId" clId="{85682E0E-5E3C-4E17-B9AE-75B798474165}" dt="2025-01-28T07:18:05.829" v="0"/>
-          <ac:spMkLst>
-            <pc:docMk/>
-            <pc:sldMk cId="2010691935" sldId="329"/>
-            <ac:spMk id="4" creationId="{070D86CE-2762-40C3-84F9-942936D852D2}"/>
-          </ac:spMkLst>
-        </pc:spChg>
-        <pc:spChg chg="mod">
-          <ac:chgData name="Uwe Ricken" userId="f02567aecbed924b" providerId="LiveId" clId="{85682E0E-5E3C-4E17-B9AE-75B798474165}" dt="2025-01-28T07:18:05.829" v="0"/>
-          <ac:spMkLst>
-            <pc:docMk/>
-            <pc:sldMk cId="2010691935" sldId="329"/>
-            <ac:spMk id="5" creationId="{5732849E-F847-456C-97F2-ABB300565F5D}"/>
-          </ac:spMkLst>
-        </pc:spChg>
       </pc:sldChg>
       <pc:sldChg chg="modSp">
         <pc:chgData name="Uwe Ricken" userId="f02567aecbed924b" providerId="LiveId" clId="{85682E0E-5E3C-4E17-B9AE-75B798474165}" dt="2025-01-28T07:18:05.829" v="0"/>
@@ -974,22 +470,6 @@
           <pc:docMk/>
           <pc:sldMk cId="1633857260" sldId="331"/>
         </pc:sldMkLst>
-        <pc:spChg chg="mod">
-          <ac:chgData name="Uwe Ricken" userId="f02567aecbed924b" providerId="LiveId" clId="{85682E0E-5E3C-4E17-B9AE-75B798474165}" dt="2025-01-28T07:18:05.829" v="0"/>
-          <ac:spMkLst>
-            <pc:docMk/>
-            <pc:sldMk cId="1633857260" sldId="331"/>
-            <ac:spMk id="2" creationId="{FBF4FDF0-5474-4CD7-AAE5-219CF271E25D}"/>
-          </ac:spMkLst>
-        </pc:spChg>
-        <pc:picChg chg="mod">
-          <ac:chgData name="Uwe Ricken" userId="f02567aecbed924b" providerId="LiveId" clId="{85682E0E-5E3C-4E17-B9AE-75B798474165}" dt="2025-01-28T07:18:05.829" v="0"/>
-          <ac:picMkLst>
-            <pc:docMk/>
-            <pc:sldMk cId="1633857260" sldId="331"/>
-            <ac:picMk id="1026" creationId="{3D2C398E-910D-40D4-8702-8D95B7936B36}"/>
-          </ac:picMkLst>
-        </pc:picChg>
       </pc:sldChg>
       <pc:sldChg chg="modSp">
         <pc:chgData name="Uwe Ricken" userId="f02567aecbed924b" providerId="LiveId" clId="{85682E0E-5E3C-4E17-B9AE-75B798474165}" dt="2025-01-28T07:18:05.829" v="0"/>
@@ -997,22 +477,6 @@
           <pc:docMk/>
           <pc:sldMk cId="4081351665" sldId="332"/>
         </pc:sldMkLst>
-        <pc:spChg chg="mod">
-          <ac:chgData name="Uwe Ricken" userId="f02567aecbed924b" providerId="LiveId" clId="{85682E0E-5E3C-4E17-B9AE-75B798474165}" dt="2025-01-28T07:18:05.829" v="0"/>
-          <ac:spMkLst>
-            <pc:docMk/>
-            <pc:sldMk cId="4081351665" sldId="332"/>
-            <ac:spMk id="2" creationId="{693515B6-6E1E-480C-B8C4-33085C520391}"/>
-          </ac:spMkLst>
-        </pc:spChg>
-        <pc:picChg chg="mod">
-          <ac:chgData name="Uwe Ricken" userId="f02567aecbed924b" providerId="LiveId" clId="{85682E0E-5E3C-4E17-B9AE-75B798474165}" dt="2025-01-28T07:18:05.829" v="0"/>
-          <ac:picMkLst>
-            <pc:docMk/>
-            <pc:sldMk cId="4081351665" sldId="332"/>
-            <ac:picMk id="3074" creationId="{B401A04E-90DD-4842-B4DD-C968259EE7D7}"/>
-          </ac:picMkLst>
-        </pc:picChg>
       </pc:sldChg>
       <pc:sldChg chg="modSp">
         <pc:chgData name="Uwe Ricken" userId="f02567aecbed924b" providerId="LiveId" clId="{85682E0E-5E3C-4E17-B9AE-75B798474165}" dt="2025-01-28T07:18:05.829" v="0"/>
@@ -1020,22 +484,6 @@
           <pc:docMk/>
           <pc:sldMk cId="1219873223" sldId="333"/>
         </pc:sldMkLst>
-        <pc:spChg chg="mod">
-          <ac:chgData name="Uwe Ricken" userId="f02567aecbed924b" providerId="LiveId" clId="{85682E0E-5E3C-4E17-B9AE-75B798474165}" dt="2025-01-28T07:18:05.829" v="0"/>
-          <ac:spMkLst>
-            <pc:docMk/>
-            <pc:sldMk cId="1219873223" sldId="333"/>
-            <ac:spMk id="2" creationId="{EC8B542D-E0F9-472A-9F6A-A86886B0236D}"/>
-          </ac:spMkLst>
-        </pc:spChg>
-        <pc:picChg chg="mod">
-          <ac:chgData name="Uwe Ricken" userId="f02567aecbed924b" providerId="LiveId" clId="{85682E0E-5E3C-4E17-B9AE-75B798474165}" dt="2025-01-28T07:18:05.829" v="0"/>
-          <ac:picMkLst>
-            <pc:docMk/>
-            <pc:sldMk cId="1219873223" sldId="333"/>
-            <ac:picMk id="4098" creationId="{9FAED805-2C1E-44A4-ABB0-A84630FDFDD9}"/>
-          </ac:picMkLst>
-        </pc:picChg>
       </pc:sldChg>
       <pc:sldChg chg="modSp">
         <pc:chgData name="Uwe Ricken" userId="f02567aecbed924b" providerId="LiveId" clId="{85682E0E-5E3C-4E17-B9AE-75B798474165}" dt="2025-01-28T07:18:05.829" v="0"/>
@@ -1043,22 +491,6 @@
           <pc:docMk/>
           <pc:sldMk cId="4067710344" sldId="334"/>
         </pc:sldMkLst>
-        <pc:spChg chg="mod">
-          <ac:chgData name="Uwe Ricken" userId="f02567aecbed924b" providerId="LiveId" clId="{85682E0E-5E3C-4E17-B9AE-75B798474165}" dt="2025-01-28T07:18:05.829" v="0"/>
-          <ac:spMkLst>
-            <pc:docMk/>
-            <pc:sldMk cId="4067710344" sldId="334"/>
-            <ac:spMk id="2" creationId="{00000000-0000-0000-0000-000000000000}"/>
-          </ac:spMkLst>
-        </pc:spChg>
-        <pc:spChg chg="mod">
-          <ac:chgData name="Uwe Ricken" userId="f02567aecbed924b" providerId="LiveId" clId="{85682E0E-5E3C-4E17-B9AE-75B798474165}" dt="2025-01-28T07:18:05.829" v="0"/>
-          <ac:spMkLst>
-            <pc:docMk/>
-            <pc:sldMk cId="4067710344" sldId="334"/>
-            <ac:spMk id="3" creationId="{00000000-0000-0000-0000-000000000000}"/>
-          </ac:spMkLst>
-        </pc:spChg>
       </pc:sldChg>
       <pc:sldChg chg="modSp">
         <pc:chgData name="Uwe Ricken" userId="f02567aecbed924b" providerId="LiveId" clId="{85682E0E-5E3C-4E17-B9AE-75B798474165}" dt="2025-01-28T07:18:05.829" v="0"/>
@@ -1066,30 +498,6 @@
           <pc:docMk/>
           <pc:sldMk cId="1681187469" sldId="335"/>
         </pc:sldMkLst>
-        <pc:spChg chg="mod">
-          <ac:chgData name="Uwe Ricken" userId="f02567aecbed924b" providerId="LiveId" clId="{85682E0E-5E3C-4E17-B9AE-75B798474165}" dt="2025-01-28T07:18:05.829" v="0"/>
-          <ac:spMkLst>
-            <pc:docMk/>
-            <pc:sldMk cId="1681187469" sldId="335"/>
-            <ac:spMk id="2" creationId="{00000000-0000-0000-0000-000000000000}"/>
-          </ac:spMkLst>
-        </pc:spChg>
-        <pc:spChg chg="mod">
-          <ac:chgData name="Uwe Ricken" userId="f02567aecbed924b" providerId="LiveId" clId="{85682E0E-5E3C-4E17-B9AE-75B798474165}" dt="2025-01-28T07:18:05.829" v="0"/>
-          <ac:spMkLst>
-            <pc:docMk/>
-            <pc:sldMk cId="1681187469" sldId="335"/>
-            <ac:spMk id="4" creationId="{00000000-0000-0000-0000-000000000000}"/>
-          </ac:spMkLst>
-        </pc:spChg>
-        <pc:spChg chg="mod">
-          <ac:chgData name="Uwe Ricken" userId="f02567aecbed924b" providerId="LiveId" clId="{85682E0E-5E3C-4E17-B9AE-75B798474165}" dt="2025-01-28T07:18:05.829" v="0"/>
-          <ac:spMkLst>
-            <pc:docMk/>
-            <pc:sldMk cId="1681187469" sldId="335"/>
-            <ac:spMk id="6" creationId="{00000000-0000-0000-0000-000000000000}"/>
-          </ac:spMkLst>
-        </pc:spChg>
       </pc:sldChg>
     </pc:docChg>
   </pc:docChgLst>
@@ -1115,6 +523,230 @@
           </pc:sldLayoutMkLst>
         </pc:sldLayoutChg>
       </pc:sldMasterChg>
+    </pc:docChg>
+  </pc:docChgLst>
+  <pc:docChgLst>
+    <pc:chgData name="Uwe Ricken" userId="f02567aecbed924b" providerId="LiveId" clId="{245FF8E5-3DB7-4102-AA43-9929D6D96BE5}"/>
+    <pc:docChg chg="undo custSel addSld modSld">
+      <pc:chgData name="Uwe Ricken" userId="f02567aecbed924b" providerId="LiveId" clId="{245FF8E5-3DB7-4102-AA43-9929D6D96BE5}" dt="2025-07-14T14:45:32.856" v="187" actId="207"/>
+      <pc:docMkLst>
+        <pc:docMk/>
+      </pc:docMkLst>
+      <pc:sldChg chg="addSp delSp modSp new mod modClrScheme chgLayout">
+        <pc:chgData name="Uwe Ricken" userId="f02567aecbed924b" providerId="LiveId" clId="{245FF8E5-3DB7-4102-AA43-9929D6D96BE5}" dt="2025-07-14T14:45:32.856" v="187" actId="207"/>
+        <pc:sldMkLst>
+          <pc:docMk/>
+          <pc:sldMk cId="1366267371" sldId="423"/>
+        </pc:sldMkLst>
+        <pc:spChg chg="del">
+          <ac:chgData name="Uwe Ricken" userId="f02567aecbed924b" providerId="LiveId" clId="{245FF8E5-3DB7-4102-AA43-9929D6D96BE5}" dt="2025-07-14T14:02:19.681" v="1" actId="700"/>
+          <ac:spMkLst>
+            <pc:docMk/>
+            <pc:sldMk cId="1366267371" sldId="423"/>
+            <ac:spMk id="2" creationId="{FEE821C6-4DF5-A1B6-6105-B7617F9570BE}"/>
+          </ac:spMkLst>
+        </pc:spChg>
+        <pc:spChg chg="del">
+          <ac:chgData name="Uwe Ricken" userId="f02567aecbed924b" providerId="LiveId" clId="{245FF8E5-3DB7-4102-AA43-9929D6D96BE5}" dt="2025-07-14T14:02:19.681" v="1" actId="700"/>
+          <ac:spMkLst>
+            <pc:docMk/>
+            <pc:sldMk cId="1366267371" sldId="423"/>
+            <ac:spMk id="3" creationId="{F1C58BCE-F647-4EA7-002F-CF1BF716F11B}"/>
+          </ac:spMkLst>
+        </pc:spChg>
+        <pc:spChg chg="add mod">
+          <ac:chgData name="Uwe Ricken" userId="f02567aecbed924b" providerId="LiveId" clId="{245FF8E5-3DB7-4102-AA43-9929D6D96BE5}" dt="2025-07-14T14:15:08.901" v="160" actId="14100"/>
+          <ac:spMkLst>
+            <pc:docMk/>
+            <pc:sldMk cId="1366267371" sldId="423"/>
+            <ac:spMk id="4" creationId="{C13625CA-3592-97D5-FADA-9A2AEC4024EA}"/>
+          </ac:spMkLst>
+        </pc:spChg>
+        <pc:spChg chg="add mod">
+          <ac:chgData name="Uwe Ricken" userId="f02567aecbed924b" providerId="LiveId" clId="{245FF8E5-3DB7-4102-AA43-9929D6D96BE5}" dt="2025-07-14T14:15:08.901" v="160" actId="14100"/>
+          <ac:spMkLst>
+            <pc:docMk/>
+            <pc:sldMk cId="1366267371" sldId="423"/>
+            <ac:spMk id="5" creationId="{4F43B56A-54F9-1460-5F00-6B34DDA5289A}"/>
+          </ac:spMkLst>
+        </pc:spChg>
+        <pc:spChg chg="add mod">
+          <ac:chgData name="Uwe Ricken" userId="f02567aecbed924b" providerId="LiveId" clId="{245FF8E5-3DB7-4102-AA43-9929D6D96BE5}" dt="2025-07-14T14:15:08.901" v="160" actId="14100"/>
+          <ac:spMkLst>
+            <pc:docMk/>
+            <pc:sldMk cId="1366267371" sldId="423"/>
+            <ac:spMk id="6" creationId="{57CD8EA4-EB24-8B38-2A4B-D8DA0BF44C71}"/>
+          </ac:spMkLst>
+        </pc:spChg>
+        <pc:spChg chg="add mod">
+          <ac:chgData name="Uwe Ricken" userId="f02567aecbed924b" providerId="LiveId" clId="{245FF8E5-3DB7-4102-AA43-9929D6D96BE5}" dt="2025-07-14T14:15:08.901" v="160" actId="14100"/>
+          <ac:spMkLst>
+            <pc:docMk/>
+            <pc:sldMk cId="1366267371" sldId="423"/>
+            <ac:spMk id="7" creationId="{8D227378-B741-CE92-994A-8935ECD6333E}"/>
+          </ac:spMkLst>
+        </pc:spChg>
+        <pc:spChg chg="add mod">
+          <ac:chgData name="Uwe Ricken" userId="f02567aecbed924b" providerId="LiveId" clId="{245FF8E5-3DB7-4102-AA43-9929D6D96BE5}" dt="2025-07-14T14:11:41.325" v="120" actId="1076"/>
+          <ac:spMkLst>
+            <pc:docMk/>
+            <pc:sldMk cId="1366267371" sldId="423"/>
+            <ac:spMk id="8" creationId="{8C54C542-E834-E789-606B-3E62090729D0}"/>
+          </ac:spMkLst>
+        </pc:spChg>
+        <pc:spChg chg="add mod">
+          <ac:chgData name="Uwe Ricken" userId="f02567aecbed924b" providerId="LiveId" clId="{245FF8E5-3DB7-4102-AA43-9929D6D96BE5}" dt="2025-07-14T14:11:41.325" v="120" actId="1076"/>
+          <ac:spMkLst>
+            <pc:docMk/>
+            <pc:sldMk cId="1366267371" sldId="423"/>
+            <ac:spMk id="9" creationId="{B8476FDB-D584-17C7-03A3-72F88BF642DC}"/>
+          </ac:spMkLst>
+        </pc:spChg>
+        <pc:spChg chg="add mod">
+          <ac:chgData name="Uwe Ricken" userId="f02567aecbed924b" providerId="LiveId" clId="{245FF8E5-3DB7-4102-AA43-9929D6D96BE5}" dt="2025-07-14T14:13:48.275" v="156" actId="1076"/>
+          <ac:spMkLst>
+            <pc:docMk/>
+            <pc:sldMk cId="1366267371" sldId="423"/>
+            <ac:spMk id="10" creationId="{065C7CAB-876D-8001-A1A2-00130AB987F6}"/>
+          </ac:spMkLst>
+        </pc:spChg>
+        <pc:spChg chg="add mod">
+          <ac:chgData name="Uwe Ricken" userId="f02567aecbed924b" providerId="LiveId" clId="{245FF8E5-3DB7-4102-AA43-9929D6D96BE5}" dt="2025-07-14T14:17:56.423" v="181" actId="1076"/>
+          <ac:spMkLst>
+            <pc:docMk/>
+            <pc:sldMk cId="1366267371" sldId="423"/>
+            <ac:spMk id="11" creationId="{54E6E299-AB33-823F-DAC3-A63401000913}"/>
+          </ac:spMkLst>
+        </pc:spChg>
+        <pc:spChg chg="add mod">
+          <ac:chgData name="Uwe Ricken" userId="f02567aecbed924b" providerId="LiveId" clId="{245FF8E5-3DB7-4102-AA43-9929D6D96BE5}" dt="2025-07-14T14:16:46.376" v="172" actId="20577"/>
+          <ac:spMkLst>
+            <pc:docMk/>
+            <pc:sldMk cId="1366267371" sldId="423"/>
+            <ac:spMk id="14" creationId="{F2CFD60B-A7ED-30A6-2A9F-7848FDEBCBB9}"/>
+          </ac:spMkLst>
+        </pc:spChg>
+        <pc:spChg chg="add mod">
+          <ac:chgData name="Uwe Ricken" userId="f02567aecbed924b" providerId="LiveId" clId="{245FF8E5-3DB7-4102-AA43-9929D6D96BE5}" dt="2025-07-14T14:45:32.856" v="187" actId="207"/>
+          <ac:spMkLst>
+            <pc:docMk/>
+            <pc:sldMk cId="1366267371" sldId="423"/>
+            <ac:spMk id="15" creationId="{21B24184-EDA3-FBA1-D5A0-C72CA24292BA}"/>
+          </ac:spMkLst>
+        </pc:spChg>
+        <pc:spChg chg="add mod">
+          <ac:chgData name="Uwe Ricken" userId="f02567aecbed924b" providerId="LiveId" clId="{245FF8E5-3DB7-4102-AA43-9929D6D96BE5}" dt="2025-07-14T14:12:42.864" v="143" actId="1076"/>
+          <ac:spMkLst>
+            <pc:docMk/>
+            <pc:sldMk cId="1366267371" sldId="423"/>
+            <ac:spMk id="32" creationId="{EEC2A576-07AC-B53E-F53B-97E9E0C375C9}"/>
+          </ac:spMkLst>
+        </pc:spChg>
+        <pc:spChg chg="add mod">
+          <ac:chgData name="Uwe Ricken" userId="f02567aecbed924b" providerId="LiveId" clId="{245FF8E5-3DB7-4102-AA43-9929D6D96BE5}" dt="2025-07-14T14:12:57.650" v="148" actId="1076"/>
+          <ac:spMkLst>
+            <pc:docMk/>
+            <pc:sldMk cId="1366267371" sldId="423"/>
+            <ac:spMk id="35" creationId="{ADB8DECC-C1E9-F721-0464-34D3686FF46C}"/>
+          </ac:spMkLst>
+        </pc:spChg>
+        <pc:spChg chg="add mod">
+          <ac:chgData name="Uwe Ricken" userId="f02567aecbed924b" providerId="LiveId" clId="{245FF8E5-3DB7-4102-AA43-9929D6D96BE5}" dt="2025-07-14T14:13:05.597" v="151" actId="1076"/>
+          <ac:spMkLst>
+            <pc:docMk/>
+            <pc:sldMk cId="1366267371" sldId="423"/>
+            <ac:spMk id="37" creationId="{7C654DB1-AD25-8111-5DAB-1FD9A2BCFF5E}"/>
+          </ac:spMkLst>
+        </pc:spChg>
+        <pc:spChg chg="add mod">
+          <ac:chgData name="Uwe Ricken" userId="f02567aecbed924b" providerId="LiveId" clId="{245FF8E5-3DB7-4102-AA43-9929D6D96BE5}" dt="2025-07-14T14:17:04.138" v="174" actId="1076"/>
+          <ac:spMkLst>
+            <pc:docMk/>
+            <pc:sldMk cId="1366267371" sldId="423"/>
+            <ac:spMk id="55" creationId="{376A3BEC-500F-4836-B833-E9A495A1A013}"/>
+          </ac:spMkLst>
+        </pc:spChg>
+        <pc:spChg chg="add mod">
+          <ac:chgData name="Uwe Ricken" userId="f02567aecbed924b" providerId="LiveId" clId="{245FF8E5-3DB7-4102-AA43-9929D6D96BE5}" dt="2025-07-14T14:18:02.211" v="182" actId="1076"/>
+          <ac:spMkLst>
+            <pc:docMk/>
+            <pc:sldMk cId="1366267371" sldId="423"/>
+            <ac:spMk id="60" creationId="{20FC94D6-5E16-2917-E37B-9489EA4C8608}"/>
+          </ac:spMkLst>
+        </pc:spChg>
+        <pc:cxnChg chg="add mod">
+          <ac:chgData name="Uwe Ricken" userId="f02567aecbed924b" providerId="LiveId" clId="{245FF8E5-3DB7-4102-AA43-9929D6D96BE5}" dt="2025-07-14T14:17:56.423" v="181" actId="1076"/>
+          <ac:cxnSpMkLst>
+            <pc:docMk/>
+            <pc:sldMk cId="1366267371" sldId="423"/>
+            <ac:cxnSpMk id="13" creationId="{A0F9CE2C-DFF6-6357-BD6E-3EDDCAFF1923}"/>
+          </ac:cxnSpMkLst>
+        </pc:cxnChg>
+        <pc:cxnChg chg="add mod">
+          <ac:chgData name="Uwe Ricken" userId="f02567aecbed924b" providerId="LiveId" clId="{245FF8E5-3DB7-4102-AA43-9929D6D96BE5}" dt="2025-07-14T14:15:49.549" v="161" actId="1076"/>
+          <ac:cxnSpMkLst>
+            <pc:docMk/>
+            <pc:sldMk cId="1366267371" sldId="423"/>
+            <ac:cxnSpMk id="17" creationId="{B3F03DB8-4674-A2F8-9ABB-5A03B3D0C396}"/>
+          </ac:cxnSpMkLst>
+        </pc:cxnChg>
+        <pc:cxnChg chg="add mod">
+          <ac:chgData name="Uwe Ricken" userId="f02567aecbed924b" providerId="LiveId" clId="{245FF8E5-3DB7-4102-AA43-9929D6D96BE5}" dt="2025-07-14T14:15:08.901" v="160" actId="14100"/>
+          <ac:cxnSpMkLst>
+            <pc:docMk/>
+            <pc:sldMk cId="1366267371" sldId="423"/>
+            <ac:cxnSpMk id="19" creationId="{6287FA39-3258-0168-9A2B-EC92B4ED5C38}"/>
+          </ac:cxnSpMkLst>
+        </pc:cxnChg>
+        <pc:cxnChg chg="add mod">
+          <ac:chgData name="Uwe Ricken" userId="f02567aecbed924b" providerId="LiveId" clId="{245FF8E5-3DB7-4102-AA43-9929D6D96BE5}" dt="2025-07-14T14:15:08.901" v="160" actId="14100"/>
+          <ac:cxnSpMkLst>
+            <pc:docMk/>
+            <pc:sldMk cId="1366267371" sldId="423"/>
+            <ac:cxnSpMk id="21" creationId="{98B93857-1E6C-0096-A3C1-82959BD9552A}"/>
+          </ac:cxnSpMkLst>
+        </pc:cxnChg>
+        <pc:cxnChg chg="add mod">
+          <ac:chgData name="Uwe Ricken" userId="f02567aecbed924b" providerId="LiveId" clId="{245FF8E5-3DB7-4102-AA43-9929D6D96BE5}" dt="2025-07-14T14:15:08.901" v="160" actId="14100"/>
+          <ac:cxnSpMkLst>
+            <pc:docMk/>
+            <pc:sldMk cId="1366267371" sldId="423"/>
+            <ac:cxnSpMk id="23" creationId="{3500E5DF-0BFF-63DE-0864-8A7EB5FA5AD3}"/>
+          </ac:cxnSpMkLst>
+        </pc:cxnChg>
+        <pc:cxnChg chg="add mod">
+          <ac:chgData name="Uwe Ricken" userId="f02567aecbed924b" providerId="LiveId" clId="{245FF8E5-3DB7-4102-AA43-9929D6D96BE5}" dt="2025-07-14T14:12:52.534" v="146"/>
+          <ac:cxnSpMkLst>
+            <pc:docMk/>
+            <pc:sldMk cId="1366267371" sldId="423"/>
+            <ac:cxnSpMk id="34" creationId="{A6061F1D-7C86-6D56-1A11-7BFEB3A71455}"/>
+          </ac:cxnSpMkLst>
+        </pc:cxnChg>
+        <pc:cxnChg chg="add mod">
+          <ac:chgData name="Uwe Ricken" userId="f02567aecbed924b" providerId="LiveId" clId="{245FF8E5-3DB7-4102-AA43-9929D6D96BE5}" dt="2025-07-14T14:15:08.901" v="160" actId="14100"/>
+          <ac:cxnSpMkLst>
+            <pc:docMk/>
+            <pc:sldMk cId="1366267371" sldId="423"/>
+            <ac:cxnSpMk id="43" creationId="{26278278-DE98-6CE7-5D7E-494F2D658B30}"/>
+          </ac:cxnSpMkLst>
+        </pc:cxnChg>
+        <pc:cxnChg chg="add mod">
+          <ac:chgData name="Uwe Ricken" userId="f02567aecbed924b" providerId="LiveId" clId="{245FF8E5-3DB7-4102-AA43-9929D6D96BE5}" dt="2025-07-14T14:17:18.160" v="178" actId="14100"/>
+          <ac:cxnSpMkLst>
+            <pc:docMk/>
+            <pc:sldMk cId="1366267371" sldId="423"/>
+            <ac:cxnSpMk id="56" creationId="{3A0DFE28-8122-93E2-D7C7-D2425F23D5E1}"/>
+          </ac:cxnSpMkLst>
+        </pc:cxnChg>
+        <pc:cxnChg chg="add mod">
+          <ac:chgData name="Uwe Ricken" userId="f02567aecbed924b" providerId="LiveId" clId="{245FF8E5-3DB7-4102-AA43-9929D6D96BE5}" dt="2025-07-14T14:18:10.515" v="185" actId="14100"/>
+          <ac:cxnSpMkLst>
+            <pc:docMk/>
+            <pc:sldMk cId="1366267371" sldId="423"/>
+            <ac:cxnSpMk id="62" creationId="{764D9988-352C-1E1C-9010-58CAAADB384F}"/>
+          </ac:cxnSpMkLst>
+        </pc:cxnChg>
+      </pc:sldChg>
     </pc:docChg>
   </pc:docChgLst>
   <pc:docChgLst>
@@ -1458,38 +1090,6 @@
           <pc:docMk/>
           <pc:sldMk cId="401083080" sldId="259"/>
         </pc:sldMkLst>
-        <pc:spChg chg="add del mod">
-          <ac:chgData name="Uwe Ricken" userId="f02567aecbed924b" providerId="LiveId" clId="{3F0B57D9-F737-4D9E-B774-DA3BA4D75A8B}" dt="2025-01-28T07:35:17.319" v="35" actId="6264"/>
-          <ac:spMkLst>
-            <pc:docMk/>
-            <pc:sldMk cId="401083080" sldId="259"/>
-            <ac:spMk id="2" creationId="{AFB43BD9-AC2B-45F9-9808-1CF32938839A}"/>
-          </ac:spMkLst>
-        </pc:spChg>
-        <pc:spChg chg="add del mod">
-          <ac:chgData name="Uwe Ricken" userId="f02567aecbed924b" providerId="LiveId" clId="{3F0B57D9-F737-4D9E-B774-DA3BA4D75A8B}" dt="2025-01-28T07:35:17.319" v="35" actId="6264"/>
-          <ac:spMkLst>
-            <pc:docMk/>
-            <pc:sldMk cId="401083080" sldId="259"/>
-            <ac:spMk id="3" creationId="{63F98B51-E716-DAEE-BB7B-E113E514C99A}"/>
-          </ac:spMkLst>
-        </pc:spChg>
-        <pc:spChg chg="mod ord">
-          <ac:chgData name="Uwe Ricken" userId="f02567aecbed924b" providerId="LiveId" clId="{3F0B57D9-F737-4D9E-B774-DA3BA4D75A8B}" dt="2025-01-28T07:35:17.319" v="35" actId="6264"/>
-          <ac:spMkLst>
-            <pc:docMk/>
-            <pc:sldMk cId="401083080" sldId="259"/>
-            <ac:spMk id="4" creationId="{00000000-0000-0000-0000-000000000000}"/>
-          </ac:spMkLst>
-        </pc:spChg>
-        <pc:spChg chg="mod ord">
-          <ac:chgData name="Uwe Ricken" userId="f02567aecbed924b" providerId="LiveId" clId="{3F0B57D9-F737-4D9E-B774-DA3BA4D75A8B}" dt="2025-01-28T07:35:31.124" v="73" actId="20577"/>
-          <ac:spMkLst>
-            <pc:docMk/>
-            <pc:sldMk cId="401083080" sldId="259"/>
-            <ac:spMk id="5" creationId="{00000000-0000-0000-0000-000000000000}"/>
-          </ac:spMkLst>
-        </pc:spChg>
       </pc:sldChg>
       <pc:sldChg chg="del">
         <pc:chgData name="Uwe Ricken" userId="f02567aecbed924b" providerId="LiveId" clId="{3F0B57D9-F737-4D9E-B774-DA3BA4D75A8B}" dt="2025-01-29T05:33:47.806" v="77" actId="2696"/>
@@ -1525,22 +1125,6 @@
           <pc:docMk/>
           <pc:sldMk cId="4067710344" sldId="334"/>
         </pc:sldMkLst>
-        <pc:spChg chg="del">
-          <ac:chgData name="Uwe Ricken" userId="f02567aecbed924b" providerId="LiveId" clId="{3F0B57D9-F737-4D9E-B774-DA3BA4D75A8B}" dt="2025-01-28T07:57:59.147" v="75" actId="478"/>
-          <ac:spMkLst>
-            <pc:docMk/>
-            <pc:sldMk cId="4067710344" sldId="334"/>
-            <ac:spMk id="4" creationId="{00000000-0000-0000-0000-000000000000}"/>
-          </ac:spMkLst>
-        </pc:spChg>
-        <pc:picChg chg="del">
-          <ac:chgData name="Uwe Ricken" userId="f02567aecbed924b" providerId="LiveId" clId="{3F0B57D9-F737-4D9E-B774-DA3BA4D75A8B}" dt="2025-01-28T07:57:29.465" v="74" actId="478"/>
-          <ac:picMkLst>
-            <pc:docMk/>
-            <pc:sldMk cId="4067710344" sldId="334"/>
-            <ac:picMk id="6" creationId="{E274BC38-F392-68B4-0F6F-88B8A8B24C2B}"/>
-          </ac:picMkLst>
-        </pc:picChg>
       </pc:sldChg>
       <pc:sldChg chg="del">
         <pc:chgData name="Uwe Ricken" userId="f02567aecbed924b" providerId="LiveId" clId="{3F0B57D9-F737-4D9E-B774-DA3BA4D75A8B}" dt="2025-01-28T07:34:27.917" v="0" actId="2696"/>
@@ -2016,7 +1600,7 @@
           <a:p>
             <a:fld id="{0AD80A9A-F6A8-4CDC-A533-D2F99D274615}" type="datetimeFigureOut">
               <a:rPr lang="de-DE" smtClean="0"/>
-              <a:t>28.01.2025</a:t>
+              <a:t>14.07.2025</a:t>
             </a:fld>
             <a:endParaRPr lang="de-DE"/>
           </a:p>
@@ -2181,7 +1765,7 @@
           <a:p>
             <a:fld id="{26D40506-DC8F-44E3-9202-63AB498A0C98}" type="datetimeFigureOut">
               <a:rPr lang="de-DE" smtClean="0"/>
-              <a:t>28.01.2025</a:t>
+              <a:t>14.07.2025</a:t>
             </a:fld>
             <a:endParaRPr lang="de-DE"/>
           </a:p>
@@ -24707,6 +24291,1115 @@
     <p:extLst>
       <p:ext uri="{BB962C8B-B14F-4D97-AF65-F5344CB8AC3E}">
         <p14:creationId xmlns:p14="http://schemas.microsoft.com/office/powerpoint/2010/main" val="3203706696"/>
+      </p:ext>
+    </p:extLst>
+  </p:cSld>
+  <p:clrMapOvr>
+    <a:masterClrMapping/>
+  </p:clrMapOvr>
+</p:sld>
+</file>
+
+<file path=ppt/slides/slide40.xml><?xml version="1.0" encoding="utf-8"?>
+<p:sld xmlns:a="http://schemas.openxmlformats.org/drawingml/2006/main" xmlns:r="http://schemas.openxmlformats.org/officeDocument/2006/relationships" xmlns:p="http://schemas.openxmlformats.org/presentationml/2006/main">
+  <p:cSld>
+    <p:spTree>
+      <p:nvGrpSpPr>
+        <p:cNvPr id="1" name=""/>
+        <p:cNvGrpSpPr/>
+        <p:nvPr/>
+      </p:nvGrpSpPr>
+      <p:grpSpPr>
+        <a:xfrm>
+          <a:off x="0" y="0"/>
+          <a:ext cx="0" cy="0"/>
+          <a:chOff x="0" y="0"/>
+          <a:chExt cx="0" cy="0"/>
+        </a:xfrm>
+      </p:grpSpPr>
+      <p:sp>
+        <p:nvSpPr>
+          <p:cNvPr id="4" name="Textfeld 3">
+            <a:extLst>
+              <a:ext uri="{FF2B5EF4-FFF2-40B4-BE49-F238E27FC236}">
+                <a16:creationId xmlns:a16="http://schemas.microsoft.com/office/drawing/2014/main" id="{C13625CA-3592-97D5-FADA-9A2AEC4024EA}"/>
+              </a:ext>
+            </a:extLst>
+          </p:cNvPr>
+          <p:cNvSpPr txBox="1"/>
+          <p:nvPr/>
+        </p:nvSpPr>
+        <p:spPr>
+          <a:xfrm>
+            <a:off x="3059832" y="1469460"/>
+            <a:ext cx="432048" cy="369332"/>
+          </a:xfrm>
+          <a:prstGeom prst="rect">
+            <a:avLst/>
+          </a:prstGeom>
+          <a:noFill/>
+        </p:spPr>
+        <p:txBody>
+          <a:bodyPr wrap="square" rtlCol="0">
+            <a:spAutoFit/>
+          </a:bodyPr>
+          <a:lstStyle/>
+          <a:p>
+            <a:r>
+              <a:rPr lang="en-US" dirty="0"/>
+              <a:t>E:</a:t>
+            </a:r>
+          </a:p>
+        </p:txBody>
+      </p:sp>
+      <p:sp>
+        <p:nvSpPr>
+          <p:cNvPr id="5" name="Textfeld 4">
+            <a:extLst>
+              <a:ext uri="{FF2B5EF4-FFF2-40B4-BE49-F238E27FC236}">
+                <a16:creationId xmlns:a16="http://schemas.microsoft.com/office/drawing/2014/main" id="{4F43B56A-54F9-1460-5F00-6B34DDA5289A}"/>
+              </a:ext>
+            </a:extLst>
+          </p:cNvPr>
+          <p:cNvSpPr txBox="1"/>
+          <p:nvPr/>
+        </p:nvSpPr>
+        <p:spPr>
+          <a:xfrm>
+            <a:off x="3059832" y="1991192"/>
+            <a:ext cx="432048" cy="369332"/>
+          </a:xfrm>
+          <a:prstGeom prst="rect">
+            <a:avLst/>
+          </a:prstGeom>
+          <a:noFill/>
+        </p:spPr>
+        <p:txBody>
+          <a:bodyPr wrap="square" rtlCol="0">
+            <a:spAutoFit/>
+          </a:bodyPr>
+          <a:lstStyle/>
+          <a:p>
+            <a:r>
+              <a:rPr lang="en-US" dirty="0"/>
+              <a:t>F:</a:t>
+            </a:r>
+          </a:p>
+        </p:txBody>
+      </p:sp>
+      <p:sp>
+        <p:nvSpPr>
+          <p:cNvPr id="6" name="Textfeld 5">
+            <a:extLst>
+              <a:ext uri="{FF2B5EF4-FFF2-40B4-BE49-F238E27FC236}">
+                <a16:creationId xmlns:a16="http://schemas.microsoft.com/office/drawing/2014/main" id="{57CD8EA4-EB24-8B38-2A4B-D8DA0BF44C71}"/>
+              </a:ext>
+            </a:extLst>
+          </p:cNvPr>
+          <p:cNvSpPr txBox="1"/>
+          <p:nvPr/>
+        </p:nvSpPr>
+        <p:spPr>
+          <a:xfrm>
+            <a:off x="3059832" y="2497495"/>
+            <a:ext cx="432048" cy="369332"/>
+          </a:xfrm>
+          <a:prstGeom prst="rect">
+            <a:avLst/>
+          </a:prstGeom>
+          <a:noFill/>
+        </p:spPr>
+        <p:txBody>
+          <a:bodyPr wrap="square" rtlCol="0">
+            <a:spAutoFit/>
+          </a:bodyPr>
+          <a:lstStyle/>
+          <a:p>
+            <a:r>
+              <a:rPr lang="en-US" dirty="0"/>
+              <a:t>G:</a:t>
+            </a:r>
+          </a:p>
+        </p:txBody>
+      </p:sp>
+      <p:sp>
+        <p:nvSpPr>
+          <p:cNvPr id="7" name="Textfeld 6">
+            <a:extLst>
+              <a:ext uri="{FF2B5EF4-FFF2-40B4-BE49-F238E27FC236}">
+                <a16:creationId xmlns:a16="http://schemas.microsoft.com/office/drawing/2014/main" id="{8D227378-B741-CE92-994A-8935ECD6333E}"/>
+              </a:ext>
+            </a:extLst>
+          </p:cNvPr>
+          <p:cNvSpPr txBox="1"/>
+          <p:nvPr/>
+        </p:nvSpPr>
+        <p:spPr>
+          <a:xfrm>
+            <a:off x="3059832" y="3003798"/>
+            <a:ext cx="432048" cy="369332"/>
+          </a:xfrm>
+          <a:prstGeom prst="rect">
+            <a:avLst/>
+          </a:prstGeom>
+          <a:noFill/>
+        </p:spPr>
+        <p:txBody>
+          <a:bodyPr wrap="square" rtlCol="0">
+            <a:spAutoFit/>
+          </a:bodyPr>
+          <a:lstStyle/>
+          <a:p>
+            <a:r>
+              <a:rPr lang="en-US" dirty="0"/>
+              <a:t>H:</a:t>
+            </a:r>
+          </a:p>
+        </p:txBody>
+      </p:sp>
+      <p:sp>
+        <p:nvSpPr>
+          <p:cNvPr id="8" name="Rechteck 7">
+            <a:extLst>
+              <a:ext uri="{FF2B5EF4-FFF2-40B4-BE49-F238E27FC236}">
+                <a16:creationId xmlns:a16="http://schemas.microsoft.com/office/drawing/2014/main" id="{8C54C542-E834-E789-606B-3E62090729D0}"/>
+              </a:ext>
+            </a:extLst>
+          </p:cNvPr>
+          <p:cNvSpPr/>
+          <p:nvPr/>
+        </p:nvSpPr>
+        <p:spPr>
+          <a:xfrm>
+            <a:off x="3923928" y="1181428"/>
+            <a:ext cx="1296144" cy="288032"/>
+          </a:xfrm>
+          <a:prstGeom prst="rect">
+            <a:avLst/>
+          </a:prstGeom>
+        </p:spPr>
+        <p:style>
+          <a:lnRef idx="2">
+            <a:schemeClr val="accent1">
+              <a:shade val="15000"/>
+            </a:schemeClr>
+          </a:lnRef>
+          <a:fillRef idx="1">
+            <a:schemeClr val="accent1"/>
+          </a:fillRef>
+          <a:effectRef idx="0">
+            <a:schemeClr val="accent1"/>
+          </a:effectRef>
+          <a:fontRef idx="minor">
+            <a:schemeClr val="lt1"/>
+          </a:fontRef>
+        </p:style>
+        <p:txBody>
+          <a:bodyPr rtlCol="0" anchor="ctr"/>
+          <a:lstStyle/>
+          <a:p>
+            <a:pPr algn="ctr"/>
+            <a:r>
+              <a:rPr lang="en-US" dirty="0"/>
+              <a:t>Data</a:t>
+            </a:r>
+          </a:p>
+        </p:txBody>
+      </p:sp>
+      <p:sp>
+        <p:nvSpPr>
+          <p:cNvPr id="9" name="Rechteck 8">
+            <a:extLst>
+              <a:ext uri="{FF2B5EF4-FFF2-40B4-BE49-F238E27FC236}">
+                <a16:creationId xmlns:a16="http://schemas.microsoft.com/office/drawing/2014/main" id="{B8476FDB-D584-17C7-03A3-72F88BF642DC}"/>
+              </a:ext>
+            </a:extLst>
+          </p:cNvPr>
+          <p:cNvSpPr/>
+          <p:nvPr/>
+        </p:nvSpPr>
+        <p:spPr>
+          <a:xfrm>
+            <a:off x="3923928" y="1550760"/>
+            <a:ext cx="1296144" cy="288032"/>
+          </a:xfrm>
+          <a:prstGeom prst="rect">
+            <a:avLst/>
+          </a:prstGeom>
+        </p:spPr>
+        <p:style>
+          <a:lnRef idx="2">
+            <a:schemeClr val="accent1">
+              <a:shade val="15000"/>
+            </a:schemeClr>
+          </a:lnRef>
+          <a:fillRef idx="1">
+            <a:schemeClr val="accent1"/>
+          </a:fillRef>
+          <a:effectRef idx="0">
+            <a:schemeClr val="accent1"/>
+          </a:effectRef>
+          <a:fontRef idx="minor">
+            <a:schemeClr val="lt1"/>
+          </a:fontRef>
+        </p:style>
+        <p:txBody>
+          <a:bodyPr rtlCol="0" anchor="ctr"/>
+          <a:lstStyle/>
+          <a:p>
+            <a:pPr algn="ctr"/>
+            <a:r>
+              <a:rPr lang="en-US" dirty="0"/>
+              <a:t>LOG</a:t>
+            </a:r>
+          </a:p>
+        </p:txBody>
+      </p:sp>
+      <p:sp>
+        <p:nvSpPr>
+          <p:cNvPr id="10" name="Rechteck 9">
+            <a:extLst>
+              <a:ext uri="{FF2B5EF4-FFF2-40B4-BE49-F238E27FC236}">
+                <a16:creationId xmlns:a16="http://schemas.microsoft.com/office/drawing/2014/main" id="{065C7CAB-876D-8001-A1A2-00130AB987F6}"/>
+              </a:ext>
+            </a:extLst>
+          </p:cNvPr>
+          <p:cNvSpPr/>
+          <p:nvPr/>
+        </p:nvSpPr>
+        <p:spPr>
+          <a:xfrm>
+            <a:off x="3923928" y="1961216"/>
+            <a:ext cx="1296144" cy="288032"/>
+          </a:xfrm>
+          <a:prstGeom prst="rect">
+            <a:avLst/>
+          </a:prstGeom>
+        </p:spPr>
+        <p:style>
+          <a:lnRef idx="2">
+            <a:schemeClr val="accent1">
+              <a:shade val="15000"/>
+            </a:schemeClr>
+          </a:lnRef>
+          <a:fillRef idx="1">
+            <a:schemeClr val="accent1"/>
+          </a:fillRef>
+          <a:effectRef idx="0">
+            <a:schemeClr val="accent1"/>
+          </a:effectRef>
+          <a:fontRef idx="minor">
+            <a:schemeClr val="lt1"/>
+          </a:fontRef>
+        </p:style>
+        <p:txBody>
+          <a:bodyPr rtlCol="0" anchor="ctr"/>
+          <a:lstStyle/>
+          <a:p>
+            <a:pPr algn="ctr"/>
+            <a:r>
+              <a:rPr lang="en-US" dirty="0"/>
+              <a:t>TEMPDB</a:t>
+            </a:r>
+          </a:p>
+        </p:txBody>
+      </p:sp>
+      <p:sp>
+        <p:nvSpPr>
+          <p:cNvPr id="11" name="Flussdiagramm: Magnetplattenspeicher 10">
+            <a:extLst>
+              <a:ext uri="{FF2B5EF4-FFF2-40B4-BE49-F238E27FC236}">
+                <a16:creationId xmlns:a16="http://schemas.microsoft.com/office/drawing/2014/main" id="{54E6E299-AB33-823F-DAC3-A63401000913}"/>
+              </a:ext>
+            </a:extLst>
+          </p:cNvPr>
+          <p:cNvSpPr/>
+          <p:nvPr/>
+        </p:nvSpPr>
+        <p:spPr>
+          <a:xfrm>
+            <a:off x="6669533" y="2105232"/>
+            <a:ext cx="648072" cy="443483"/>
+          </a:xfrm>
+          <a:prstGeom prst="flowChartMagneticDisk">
+            <a:avLst/>
+          </a:prstGeom>
+        </p:spPr>
+        <p:style>
+          <a:lnRef idx="2">
+            <a:schemeClr val="accent1">
+              <a:shade val="15000"/>
+            </a:schemeClr>
+          </a:lnRef>
+          <a:fillRef idx="1">
+            <a:schemeClr val="accent1"/>
+          </a:fillRef>
+          <a:effectRef idx="0">
+            <a:schemeClr val="accent1"/>
+          </a:effectRef>
+          <a:fontRef idx="minor">
+            <a:schemeClr val="lt1"/>
+          </a:fontRef>
+        </p:style>
+        <p:txBody>
+          <a:bodyPr rtlCol="0" anchor="ctr"/>
+          <a:lstStyle/>
+          <a:p>
+            <a:pPr algn="ctr"/>
+            <a:r>
+              <a:rPr lang="en-US" dirty="0"/>
+              <a:t>Disk</a:t>
+            </a:r>
+          </a:p>
+        </p:txBody>
+      </p:sp>
+      <p:cxnSp>
+        <p:nvCxnSpPr>
+          <p:cNvPr id="13" name="Gerade Verbindung mit Pfeil 12">
+            <a:extLst>
+              <a:ext uri="{FF2B5EF4-FFF2-40B4-BE49-F238E27FC236}">
+                <a16:creationId xmlns:a16="http://schemas.microsoft.com/office/drawing/2014/main" id="{A0F9CE2C-DFF6-6357-BD6E-3EDDCAFF1923}"/>
+              </a:ext>
+            </a:extLst>
+          </p:cNvPr>
+          <p:cNvCxnSpPr>
+            <a:cxnSpLocks/>
+            <a:stCxn id="11" idx="2"/>
+            <a:endCxn id="10" idx="3"/>
+          </p:cNvCxnSpPr>
+          <p:nvPr/>
+        </p:nvCxnSpPr>
+        <p:spPr>
+          <a:xfrm flipH="1" flipV="1">
+            <a:off x="5220072" y="2105232"/>
+            <a:ext cx="1449461" cy="221742"/>
+          </a:xfrm>
+          <a:prstGeom prst="straightConnector1">
+            <a:avLst/>
+          </a:prstGeom>
+          <a:ln>
+            <a:solidFill>
+              <a:schemeClr val="tx1"/>
+            </a:solidFill>
+            <a:headEnd type="none" w="med" len="med"/>
+            <a:tailEnd type="triangle"/>
+          </a:ln>
+        </p:spPr>
+        <p:style>
+          <a:lnRef idx="1">
+            <a:schemeClr val="accent1"/>
+          </a:lnRef>
+          <a:fillRef idx="0">
+            <a:schemeClr val="accent1"/>
+          </a:fillRef>
+          <a:effectRef idx="0">
+            <a:schemeClr val="accent1"/>
+          </a:effectRef>
+          <a:fontRef idx="minor">
+            <a:schemeClr val="tx1"/>
+          </a:fontRef>
+        </p:style>
+      </p:cxnSp>
+      <p:sp>
+        <p:nvSpPr>
+          <p:cNvPr id="14" name="Textfeld 13">
+            <a:extLst>
+              <a:ext uri="{FF2B5EF4-FFF2-40B4-BE49-F238E27FC236}">
+                <a16:creationId xmlns:a16="http://schemas.microsoft.com/office/drawing/2014/main" id="{F2CFD60B-A7ED-30A6-2A9F-7848FDEBCBB9}"/>
+              </a:ext>
+            </a:extLst>
+          </p:cNvPr>
+          <p:cNvSpPr txBox="1"/>
+          <p:nvPr/>
+        </p:nvSpPr>
+        <p:spPr>
+          <a:xfrm>
+            <a:off x="971600" y="3795886"/>
+            <a:ext cx="5242397" cy="646331"/>
+          </a:xfrm>
+          <a:prstGeom prst="rect">
+            <a:avLst/>
+          </a:prstGeom>
+          <a:noFill/>
+        </p:spPr>
+        <p:txBody>
+          <a:bodyPr wrap="none" rtlCol="0">
+            <a:spAutoFit/>
+          </a:bodyPr>
+          <a:lstStyle/>
+          <a:p>
+            <a:r>
+              <a:rPr lang="en-US" dirty="0"/>
+              <a:t>4 Disks (</a:t>
+            </a:r>
+            <a:r>
+              <a:rPr lang="en-US" dirty="0" err="1"/>
+              <a:t>Laufwerke</a:t>
+            </a:r>
+            <a:r>
+              <a:rPr lang="en-US" dirty="0"/>
+              <a:t>) für </a:t>
+            </a:r>
+            <a:r>
+              <a:rPr lang="en-US" dirty="0" err="1"/>
+              <a:t>Instanzen</a:t>
+            </a:r>
+            <a:r>
+              <a:rPr lang="en-US" dirty="0"/>
+              <a:t> (E: - H:) </a:t>
+            </a:r>
+            <a:r>
+              <a:rPr lang="en-US" dirty="0" err="1"/>
+              <a:t>mit</a:t>
+            </a:r>
+            <a:r>
+              <a:rPr lang="en-US" dirty="0"/>
+              <a:t> 1 GB</a:t>
+            </a:r>
+          </a:p>
+          <a:p>
+            <a:r>
+              <a:rPr lang="en-US" dirty="0"/>
+              <a:t>4 * 3 Disks (Mountpoints)</a:t>
+            </a:r>
+          </a:p>
+        </p:txBody>
+      </p:sp>
+      <p:sp>
+        <p:nvSpPr>
+          <p:cNvPr id="15" name="Rechteck 14">
+            <a:extLst>
+              <a:ext uri="{FF2B5EF4-FFF2-40B4-BE49-F238E27FC236}">
+                <a16:creationId xmlns:a16="http://schemas.microsoft.com/office/drawing/2014/main" id="{21B24184-EDA3-FBA1-D5A0-C72CA24292BA}"/>
+              </a:ext>
+            </a:extLst>
+          </p:cNvPr>
+          <p:cNvSpPr/>
+          <p:nvPr/>
+        </p:nvSpPr>
+        <p:spPr>
+          <a:xfrm>
+            <a:off x="827584" y="1440324"/>
+            <a:ext cx="1440160" cy="432449"/>
+          </a:xfrm>
+          <a:prstGeom prst="rect">
+            <a:avLst/>
+          </a:prstGeom>
+        </p:spPr>
+        <p:style>
+          <a:lnRef idx="2">
+            <a:schemeClr val="accent1">
+              <a:shade val="15000"/>
+            </a:schemeClr>
+          </a:lnRef>
+          <a:fillRef idx="1">
+            <a:schemeClr val="accent1"/>
+          </a:fillRef>
+          <a:effectRef idx="0">
+            <a:schemeClr val="accent1"/>
+          </a:effectRef>
+          <a:fontRef idx="minor">
+            <a:schemeClr val="lt1"/>
+          </a:fontRef>
+        </p:style>
+        <p:txBody>
+          <a:bodyPr rtlCol="0" anchor="ctr"/>
+          <a:lstStyle/>
+          <a:p>
+            <a:pPr algn="ctr"/>
+            <a:r>
+              <a:rPr lang="en-US" dirty="0">
+                <a:solidFill>
+                  <a:schemeClr val="bg1"/>
+                </a:solidFill>
+              </a:rPr>
+              <a:t>Controller</a:t>
+            </a:r>
+            <a:r>
+              <a:rPr lang="en-US" dirty="0"/>
+              <a:t> 1</a:t>
+            </a:r>
+          </a:p>
+        </p:txBody>
+      </p:sp>
+      <p:cxnSp>
+        <p:nvCxnSpPr>
+          <p:cNvPr id="17" name="Gerade Verbindung mit Pfeil 16">
+            <a:extLst>
+              <a:ext uri="{FF2B5EF4-FFF2-40B4-BE49-F238E27FC236}">
+                <a16:creationId xmlns:a16="http://schemas.microsoft.com/office/drawing/2014/main" id="{B3F03DB8-4674-A2F8-9ABB-5A03B3D0C396}"/>
+              </a:ext>
+            </a:extLst>
+          </p:cNvPr>
+          <p:cNvCxnSpPr>
+            <a:cxnSpLocks/>
+            <a:stCxn id="15" idx="3"/>
+            <a:endCxn id="4" idx="1"/>
+          </p:cNvCxnSpPr>
+          <p:nvPr/>
+        </p:nvCxnSpPr>
+        <p:spPr>
+          <a:xfrm flipV="1">
+            <a:off x="2267744" y="1654126"/>
+            <a:ext cx="792088" cy="2423"/>
+          </a:xfrm>
+          <a:prstGeom prst="straightConnector1">
+            <a:avLst/>
+          </a:prstGeom>
+          <a:ln>
+            <a:solidFill>
+              <a:schemeClr val="tx1"/>
+            </a:solidFill>
+            <a:headEnd type="none" w="med" len="med"/>
+            <a:tailEnd type="triangle"/>
+          </a:ln>
+        </p:spPr>
+        <p:style>
+          <a:lnRef idx="1">
+            <a:schemeClr val="accent1"/>
+          </a:lnRef>
+          <a:fillRef idx="0">
+            <a:schemeClr val="accent1"/>
+          </a:fillRef>
+          <a:effectRef idx="0">
+            <a:schemeClr val="accent1"/>
+          </a:effectRef>
+          <a:fontRef idx="minor">
+            <a:schemeClr val="tx1"/>
+          </a:fontRef>
+        </p:style>
+      </p:cxnSp>
+      <p:cxnSp>
+        <p:nvCxnSpPr>
+          <p:cNvPr id="19" name="Gerade Verbindung mit Pfeil 18">
+            <a:extLst>
+              <a:ext uri="{FF2B5EF4-FFF2-40B4-BE49-F238E27FC236}">
+                <a16:creationId xmlns:a16="http://schemas.microsoft.com/office/drawing/2014/main" id="{6287FA39-3258-0168-9A2B-EC92B4ED5C38}"/>
+              </a:ext>
+            </a:extLst>
+          </p:cNvPr>
+          <p:cNvCxnSpPr>
+            <a:cxnSpLocks/>
+            <a:stCxn id="32" idx="3"/>
+            <a:endCxn id="5" idx="1"/>
+          </p:cNvCxnSpPr>
+          <p:nvPr/>
+        </p:nvCxnSpPr>
+        <p:spPr>
+          <a:xfrm flipV="1">
+            <a:off x="2267744" y="2175858"/>
+            <a:ext cx="792088" cy="81081"/>
+          </a:xfrm>
+          <a:prstGeom prst="straightConnector1">
+            <a:avLst/>
+          </a:prstGeom>
+          <a:ln>
+            <a:solidFill>
+              <a:schemeClr val="tx1"/>
+            </a:solidFill>
+            <a:headEnd type="none" w="med" len="med"/>
+            <a:tailEnd type="triangle"/>
+          </a:ln>
+        </p:spPr>
+        <p:style>
+          <a:lnRef idx="1">
+            <a:schemeClr val="accent1"/>
+          </a:lnRef>
+          <a:fillRef idx="0">
+            <a:schemeClr val="accent1"/>
+          </a:fillRef>
+          <a:effectRef idx="0">
+            <a:schemeClr val="accent1"/>
+          </a:effectRef>
+          <a:fontRef idx="minor">
+            <a:schemeClr val="tx1"/>
+          </a:fontRef>
+        </p:style>
+      </p:cxnSp>
+      <p:cxnSp>
+        <p:nvCxnSpPr>
+          <p:cNvPr id="21" name="Gerade Verbindung mit Pfeil 20">
+            <a:extLst>
+              <a:ext uri="{FF2B5EF4-FFF2-40B4-BE49-F238E27FC236}">
+                <a16:creationId xmlns:a16="http://schemas.microsoft.com/office/drawing/2014/main" id="{98B93857-1E6C-0096-A3C1-82959BD9552A}"/>
+              </a:ext>
+            </a:extLst>
+          </p:cNvPr>
+          <p:cNvCxnSpPr>
+            <a:cxnSpLocks/>
+            <a:stCxn id="35" idx="3"/>
+            <a:endCxn id="6" idx="1"/>
+          </p:cNvCxnSpPr>
+          <p:nvPr/>
+        </p:nvCxnSpPr>
+        <p:spPr>
+          <a:xfrm flipV="1">
+            <a:off x="2267744" y="2682161"/>
+            <a:ext cx="792088" cy="166188"/>
+          </a:xfrm>
+          <a:prstGeom prst="straightConnector1">
+            <a:avLst/>
+          </a:prstGeom>
+          <a:ln>
+            <a:solidFill>
+              <a:schemeClr val="tx1"/>
+            </a:solidFill>
+            <a:headEnd type="none" w="med" len="med"/>
+            <a:tailEnd type="triangle"/>
+          </a:ln>
+        </p:spPr>
+        <p:style>
+          <a:lnRef idx="1">
+            <a:schemeClr val="accent1"/>
+          </a:lnRef>
+          <a:fillRef idx="0">
+            <a:schemeClr val="accent1"/>
+          </a:fillRef>
+          <a:effectRef idx="0">
+            <a:schemeClr val="accent1"/>
+          </a:effectRef>
+          <a:fontRef idx="minor">
+            <a:schemeClr val="tx1"/>
+          </a:fontRef>
+        </p:style>
+      </p:cxnSp>
+      <p:cxnSp>
+        <p:nvCxnSpPr>
+          <p:cNvPr id="23" name="Gerade Verbindung mit Pfeil 22">
+            <a:extLst>
+              <a:ext uri="{FF2B5EF4-FFF2-40B4-BE49-F238E27FC236}">
+                <a16:creationId xmlns:a16="http://schemas.microsoft.com/office/drawing/2014/main" id="{3500E5DF-0BFF-63DE-0864-8A7EB5FA5AD3}"/>
+              </a:ext>
+            </a:extLst>
+          </p:cNvPr>
+          <p:cNvCxnSpPr>
+            <a:cxnSpLocks/>
+            <a:stCxn id="37" idx="3"/>
+            <a:endCxn id="7" idx="1"/>
+          </p:cNvCxnSpPr>
+          <p:nvPr/>
+        </p:nvCxnSpPr>
+        <p:spPr>
+          <a:xfrm flipV="1">
+            <a:off x="2267744" y="3188464"/>
+            <a:ext cx="792088" cy="167647"/>
+          </a:xfrm>
+          <a:prstGeom prst="straightConnector1">
+            <a:avLst/>
+          </a:prstGeom>
+          <a:ln>
+            <a:solidFill>
+              <a:schemeClr val="tx1"/>
+            </a:solidFill>
+            <a:headEnd type="none" w="med" len="med"/>
+            <a:tailEnd type="triangle"/>
+          </a:ln>
+        </p:spPr>
+        <p:style>
+          <a:lnRef idx="1">
+            <a:schemeClr val="accent1"/>
+          </a:lnRef>
+          <a:fillRef idx="0">
+            <a:schemeClr val="accent1"/>
+          </a:fillRef>
+          <a:effectRef idx="0">
+            <a:schemeClr val="accent1"/>
+          </a:effectRef>
+          <a:fontRef idx="minor">
+            <a:schemeClr val="tx1"/>
+          </a:fontRef>
+        </p:style>
+      </p:cxnSp>
+      <p:sp>
+        <p:nvSpPr>
+          <p:cNvPr id="32" name="Rechteck 31">
+            <a:extLst>
+              <a:ext uri="{FF2B5EF4-FFF2-40B4-BE49-F238E27FC236}">
+                <a16:creationId xmlns:a16="http://schemas.microsoft.com/office/drawing/2014/main" id="{EEC2A576-07AC-B53E-F53B-97E9E0C375C9}"/>
+              </a:ext>
+            </a:extLst>
+          </p:cNvPr>
+          <p:cNvSpPr/>
+          <p:nvPr/>
+        </p:nvSpPr>
+        <p:spPr>
+          <a:xfrm>
+            <a:off x="827584" y="2040714"/>
+            <a:ext cx="1440160" cy="432449"/>
+          </a:xfrm>
+          <a:prstGeom prst="rect">
+            <a:avLst/>
+          </a:prstGeom>
+        </p:spPr>
+        <p:style>
+          <a:lnRef idx="2">
+            <a:schemeClr val="accent1">
+              <a:shade val="15000"/>
+            </a:schemeClr>
+          </a:lnRef>
+          <a:fillRef idx="1">
+            <a:schemeClr val="accent1"/>
+          </a:fillRef>
+          <a:effectRef idx="0">
+            <a:schemeClr val="accent1"/>
+          </a:effectRef>
+          <a:fontRef idx="minor">
+            <a:schemeClr val="lt1"/>
+          </a:fontRef>
+        </p:style>
+        <p:txBody>
+          <a:bodyPr rtlCol="0" anchor="ctr"/>
+          <a:lstStyle/>
+          <a:p>
+            <a:pPr algn="ctr"/>
+            <a:r>
+              <a:rPr lang="en-US" dirty="0"/>
+              <a:t>Controller 1</a:t>
+            </a:r>
+          </a:p>
+        </p:txBody>
+      </p:sp>
+      <p:sp>
+        <p:nvSpPr>
+          <p:cNvPr id="35" name="Rechteck 34">
+            <a:extLst>
+              <a:ext uri="{FF2B5EF4-FFF2-40B4-BE49-F238E27FC236}">
+                <a16:creationId xmlns:a16="http://schemas.microsoft.com/office/drawing/2014/main" id="{ADB8DECC-C1E9-F721-0464-34D3686FF46C}"/>
+              </a:ext>
+            </a:extLst>
+          </p:cNvPr>
+          <p:cNvSpPr/>
+          <p:nvPr/>
+        </p:nvSpPr>
+        <p:spPr>
+          <a:xfrm>
+            <a:off x="827584" y="2632124"/>
+            <a:ext cx="1440160" cy="432449"/>
+          </a:xfrm>
+          <a:prstGeom prst="rect">
+            <a:avLst/>
+          </a:prstGeom>
+        </p:spPr>
+        <p:style>
+          <a:lnRef idx="2">
+            <a:schemeClr val="accent1">
+              <a:shade val="15000"/>
+            </a:schemeClr>
+          </a:lnRef>
+          <a:fillRef idx="1">
+            <a:schemeClr val="accent1"/>
+          </a:fillRef>
+          <a:effectRef idx="0">
+            <a:schemeClr val="accent1"/>
+          </a:effectRef>
+          <a:fontRef idx="minor">
+            <a:schemeClr val="lt1"/>
+          </a:fontRef>
+        </p:style>
+        <p:txBody>
+          <a:bodyPr rtlCol="0" anchor="ctr"/>
+          <a:lstStyle/>
+          <a:p>
+            <a:pPr algn="ctr"/>
+            <a:r>
+              <a:rPr lang="en-US" dirty="0"/>
+              <a:t>Controller 1</a:t>
+            </a:r>
+          </a:p>
+        </p:txBody>
+      </p:sp>
+      <p:sp>
+        <p:nvSpPr>
+          <p:cNvPr id="37" name="Rechteck 36">
+            <a:extLst>
+              <a:ext uri="{FF2B5EF4-FFF2-40B4-BE49-F238E27FC236}">
+                <a16:creationId xmlns:a16="http://schemas.microsoft.com/office/drawing/2014/main" id="{7C654DB1-AD25-8111-5DAB-1FD9A2BCFF5E}"/>
+              </a:ext>
+            </a:extLst>
+          </p:cNvPr>
+          <p:cNvSpPr/>
+          <p:nvPr/>
+        </p:nvSpPr>
+        <p:spPr>
+          <a:xfrm>
+            <a:off x="827584" y="3139886"/>
+            <a:ext cx="1440160" cy="432449"/>
+          </a:xfrm>
+          <a:prstGeom prst="rect">
+            <a:avLst/>
+          </a:prstGeom>
+        </p:spPr>
+        <p:style>
+          <a:lnRef idx="2">
+            <a:schemeClr val="accent1">
+              <a:shade val="15000"/>
+            </a:schemeClr>
+          </a:lnRef>
+          <a:fillRef idx="1">
+            <a:schemeClr val="accent1"/>
+          </a:fillRef>
+          <a:effectRef idx="0">
+            <a:schemeClr val="accent1"/>
+          </a:effectRef>
+          <a:fontRef idx="minor">
+            <a:schemeClr val="lt1"/>
+          </a:fontRef>
+        </p:style>
+        <p:txBody>
+          <a:bodyPr rtlCol="0" anchor="ctr"/>
+          <a:lstStyle/>
+          <a:p>
+            <a:pPr algn="ctr"/>
+            <a:r>
+              <a:rPr lang="en-US" dirty="0"/>
+              <a:t>Controller 1</a:t>
+            </a:r>
+          </a:p>
+        </p:txBody>
+      </p:sp>
+      <p:cxnSp>
+        <p:nvCxnSpPr>
+          <p:cNvPr id="43" name="Gerade Verbindung mit Pfeil 42">
+            <a:extLst>
+              <a:ext uri="{FF2B5EF4-FFF2-40B4-BE49-F238E27FC236}">
+                <a16:creationId xmlns:a16="http://schemas.microsoft.com/office/drawing/2014/main" id="{26278278-DE98-6CE7-5D7E-494F2D658B30}"/>
+              </a:ext>
+            </a:extLst>
+          </p:cNvPr>
+          <p:cNvCxnSpPr>
+            <a:cxnSpLocks/>
+            <a:stCxn id="4" idx="3"/>
+            <a:endCxn id="10" idx="1"/>
+          </p:cNvCxnSpPr>
+          <p:nvPr/>
+        </p:nvCxnSpPr>
+        <p:spPr>
+          <a:xfrm>
+            <a:off x="3491880" y="1654126"/>
+            <a:ext cx="432048" cy="451106"/>
+          </a:xfrm>
+          <a:prstGeom prst="straightConnector1">
+            <a:avLst/>
+          </a:prstGeom>
+          <a:ln>
+            <a:solidFill>
+              <a:schemeClr val="tx1"/>
+            </a:solidFill>
+            <a:headEnd type="none" w="med" len="med"/>
+            <a:tailEnd type="triangle"/>
+          </a:ln>
+        </p:spPr>
+        <p:style>
+          <a:lnRef idx="1">
+            <a:schemeClr val="accent1"/>
+          </a:lnRef>
+          <a:fillRef idx="0">
+            <a:schemeClr val="accent1"/>
+          </a:fillRef>
+          <a:effectRef idx="0">
+            <a:schemeClr val="accent1"/>
+          </a:effectRef>
+          <a:fontRef idx="minor">
+            <a:schemeClr val="tx1"/>
+          </a:fontRef>
+        </p:style>
+      </p:cxnSp>
+      <p:sp>
+        <p:nvSpPr>
+          <p:cNvPr id="55" name="Flussdiagramm: Magnetplattenspeicher 54">
+            <a:extLst>
+              <a:ext uri="{FF2B5EF4-FFF2-40B4-BE49-F238E27FC236}">
+                <a16:creationId xmlns:a16="http://schemas.microsoft.com/office/drawing/2014/main" id="{376A3BEC-500F-4836-B833-E9A495A1A013}"/>
+              </a:ext>
+            </a:extLst>
+          </p:cNvPr>
+          <p:cNvSpPr/>
+          <p:nvPr/>
+        </p:nvSpPr>
+        <p:spPr>
+          <a:xfrm>
+            <a:off x="6660232" y="1128579"/>
+            <a:ext cx="648072" cy="443483"/>
+          </a:xfrm>
+          <a:prstGeom prst="flowChartMagneticDisk">
+            <a:avLst/>
+          </a:prstGeom>
+        </p:spPr>
+        <p:style>
+          <a:lnRef idx="2">
+            <a:schemeClr val="accent1">
+              <a:shade val="15000"/>
+            </a:schemeClr>
+          </a:lnRef>
+          <a:fillRef idx="1">
+            <a:schemeClr val="accent1"/>
+          </a:fillRef>
+          <a:effectRef idx="0">
+            <a:schemeClr val="accent1"/>
+          </a:effectRef>
+          <a:fontRef idx="minor">
+            <a:schemeClr val="lt1"/>
+          </a:fontRef>
+        </p:style>
+        <p:txBody>
+          <a:bodyPr rtlCol="0" anchor="ctr"/>
+          <a:lstStyle/>
+          <a:p>
+            <a:pPr algn="ctr"/>
+            <a:r>
+              <a:rPr lang="en-US" dirty="0"/>
+              <a:t>Disk</a:t>
+            </a:r>
+          </a:p>
+        </p:txBody>
+      </p:sp>
+      <p:cxnSp>
+        <p:nvCxnSpPr>
+          <p:cNvPr id="56" name="Gerade Verbindung mit Pfeil 55">
+            <a:extLst>
+              <a:ext uri="{FF2B5EF4-FFF2-40B4-BE49-F238E27FC236}">
+                <a16:creationId xmlns:a16="http://schemas.microsoft.com/office/drawing/2014/main" id="{3A0DFE28-8122-93E2-D7C7-D2425F23D5E1}"/>
+              </a:ext>
+            </a:extLst>
+          </p:cNvPr>
+          <p:cNvCxnSpPr>
+            <a:cxnSpLocks/>
+            <a:stCxn id="55" idx="2"/>
+            <a:endCxn id="8" idx="3"/>
+          </p:cNvCxnSpPr>
+          <p:nvPr/>
+        </p:nvCxnSpPr>
+        <p:spPr>
+          <a:xfrm flipH="1" flipV="1">
+            <a:off x="5220072" y="1325444"/>
+            <a:ext cx="1440160" cy="24877"/>
+          </a:xfrm>
+          <a:prstGeom prst="straightConnector1">
+            <a:avLst/>
+          </a:prstGeom>
+          <a:ln>
+            <a:solidFill>
+              <a:schemeClr val="tx1"/>
+            </a:solidFill>
+            <a:headEnd type="none" w="med" len="med"/>
+            <a:tailEnd type="triangle"/>
+          </a:ln>
+        </p:spPr>
+        <p:style>
+          <a:lnRef idx="1">
+            <a:schemeClr val="accent1"/>
+          </a:lnRef>
+          <a:fillRef idx="0">
+            <a:schemeClr val="accent1"/>
+          </a:fillRef>
+          <a:effectRef idx="0">
+            <a:schemeClr val="accent1"/>
+          </a:effectRef>
+          <a:fontRef idx="minor">
+            <a:schemeClr val="tx1"/>
+          </a:fontRef>
+        </p:style>
+      </p:cxnSp>
+      <p:sp>
+        <p:nvSpPr>
+          <p:cNvPr id="60" name="Flussdiagramm: Magnetplattenspeicher 59">
+            <a:extLst>
+              <a:ext uri="{FF2B5EF4-FFF2-40B4-BE49-F238E27FC236}">
+                <a16:creationId xmlns:a16="http://schemas.microsoft.com/office/drawing/2014/main" id="{20FC94D6-5E16-2917-E37B-9489EA4C8608}"/>
+              </a:ext>
+            </a:extLst>
+          </p:cNvPr>
+          <p:cNvSpPr/>
+          <p:nvPr/>
+        </p:nvSpPr>
+        <p:spPr>
+          <a:xfrm>
+            <a:off x="6660232" y="1597231"/>
+            <a:ext cx="648072" cy="443483"/>
+          </a:xfrm>
+          <a:prstGeom prst="flowChartMagneticDisk">
+            <a:avLst/>
+          </a:prstGeom>
+        </p:spPr>
+        <p:style>
+          <a:lnRef idx="2">
+            <a:schemeClr val="accent1">
+              <a:shade val="15000"/>
+            </a:schemeClr>
+          </a:lnRef>
+          <a:fillRef idx="1">
+            <a:schemeClr val="accent1"/>
+          </a:fillRef>
+          <a:effectRef idx="0">
+            <a:schemeClr val="accent1"/>
+          </a:effectRef>
+          <a:fontRef idx="minor">
+            <a:schemeClr val="lt1"/>
+          </a:fontRef>
+        </p:style>
+        <p:txBody>
+          <a:bodyPr rtlCol="0" anchor="ctr"/>
+          <a:lstStyle/>
+          <a:p>
+            <a:pPr algn="ctr"/>
+            <a:r>
+              <a:rPr lang="en-US" dirty="0"/>
+              <a:t>Disk</a:t>
+            </a:r>
+          </a:p>
+        </p:txBody>
+      </p:sp>
+      <p:cxnSp>
+        <p:nvCxnSpPr>
+          <p:cNvPr id="62" name="Gerade Verbindung mit Pfeil 61">
+            <a:extLst>
+              <a:ext uri="{FF2B5EF4-FFF2-40B4-BE49-F238E27FC236}">
+                <a16:creationId xmlns:a16="http://schemas.microsoft.com/office/drawing/2014/main" id="{764D9988-352C-1E1C-9010-58CAAADB384F}"/>
+              </a:ext>
+            </a:extLst>
+          </p:cNvPr>
+          <p:cNvCxnSpPr>
+            <a:cxnSpLocks/>
+            <a:stCxn id="60" idx="2"/>
+            <a:endCxn id="9" idx="3"/>
+          </p:cNvCxnSpPr>
+          <p:nvPr/>
+        </p:nvCxnSpPr>
+        <p:spPr>
+          <a:xfrm flipH="1" flipV="1">
+            <a:off x="5220072" y="1694776"/>
+            <a:ext cx="1440160" cy="124197"/>
+          </a:xfrm>
+          <a:prstGeom prst="straightConnector1">
+            <a:avLst/>
+          </a:prstGeom>
+          <a:ln>
+            <a:solidFill>
+              <a:schemeClr val="tx1"/>
+            </a:solidFill>
+            <a:headEnd type="none" w="med" len="med"/>
+            <a:tailEnd type="triangle"/>
+          </a:ln>
+        </p:spPr>
+        <p:style>
+          <a:lnRef idx="1">
+            <a:schemeClr val="accent1"/>
+          </a:lnRef>
+          <a:fillRef idx="0">
+            <a:schemeClr val="accent1"/>
+          </a:fillRef>
+          <a:effectRef idx="0">
+            <a:schemeClr val="accent1"/>
+          </a:effectRef>
+          <a:fontRef idx="minor">
+            <a:schemeClr val="tx1"/>
+          </a:fontRef>
+        </p:style>
+      </p:cxnSp>
+    </p:spTree>
+    <p:extLst>
+      <p:ext uri="{BB962C8B-B14F-4D97-AF65-F5344CB8AC3E}">
+        <p14:creationId xmlns:p14="http://schemas.microsoft.com/office/powerpoint/2010/main" val="1366267371"/>
       </p:ext>
     </p:extLst>
   </p:cSld>
